--- a/ai_generated_deck.pptx
+++ b/ai_generated_deck.pptx
@@ -18,7 +18,6 @@
     <p:sldId id="266" r:id="rId17"/>
     <p:sldId id="267" r:id="rId18"/>
     <p:sldId id="268" r:id="rId19"/>
-    <p:sldId id="269" r:id="rId20"/>
   </p:sldIdLst>
   <p:sldSz cx="12191695" cy="6858000" type="screen4x3"/>
   <p:notesSz cx="6858000" cy="9144000"/>
@@ -194,19 +193,19 @@
               <c:strCache>
                 <c:ptCount val="5"/>
                 <c:pt idx="0">
+                  <c:v>2019</c:v>
+                </c:pt>
+                <c:pt idx="1">
+                  <c:v>2020</c:v>
+                </c:pt>
+                <c:pt idx="2">
+                  <c:v>2021</c:v>
+                </c:pt>
+                <c:pt idx="3">
                   <c:v>2022</c:v>
                 </c:pt>
-                <c:pt idx="1">
+                <c:pt idx="4">
                   <c:v>2023</c:v>
-                </c:pt>
-                <c:pt idx="2">
-                  <c:v>2024</c:v>
-                </c:pt>
-                <c:pt idx="3">
-                  <c:v>2025</c:v>
-                </c:pt>
-                <c:pt idx="4">
-                  <c:v>2026E</c:v>
                 </c:pt>
               </c:strCache>
             </c:strRef>
@@ -218,19 +217,19 @@
                 <c:formatCode>General</c:formatCode>
                 <c:ptCount val="5"/>
                 <c:pt idx="0">
+                  <c:v>11800</c:v>
+                </c:pt>
+                <c:pt idx="1">
+                  <c:v>12800</c:v>
+                </c:pt>
+                <c:pt idx="2">
+                  <c:v>13500</c:v>
+                </c:pt>
+                <c:pt idx="3">
                   <c:v>16300</c:v>
                 </c:pt>
-                <c:pt idx="1">
+                <c:pt idx="4">
                   <c:v>18200</c:v>
-                </c:pt>
-                <c:pt idx="2">
-                  <c:v>18600</c:v>
-                </c:pt>
-                <c:pt idx="3">
-                  <c:v>19200</c:v>
-                </c:pt>
-                <c:pt idx="4">
-                  <c:v>20500</c:v>
                 </c:pt>
               </c:numCache>
             </c:numRef>
@@ -301,19 +300,19 @@
               <c:strCache>
                 <c:ptCount val="5"/>
                 <c:pt idx="0">
+                  <c:v>2019</c:v>
+                </c:pt>
+                <c:pt idx="1">
+                  <c:v>2020</c:v>
+                </c:pt>
+                <c:pt idx="2">
+                  <c:v>2021</c:v>
+                </c:pt>
+                <c:pt idx="3">
                   <c:v>2022</c:v>
                 </c:pt>
-                <c:pt idx="1">
+                <c:pt idx="4">
                   <c:v>2023</c:v>
-                </c:pt>
-                <c:pt idx="2">
-                  <c:v>2024</c:v>
-                </c:pt>
-                <c:pt idx="3">
-                  <c:v>2025</c:v>
-                </c:pt>
-                <c:pt idx="4">
-                  <c:v>2026E</c:v>
                 </c:pt>
               </c:strCache>
             </c:strRef>
@@ -325,19 +324,19 @@
                 <c:formatCode>General</c:formatCode>
                 <c:ptCount val="5"/>
                 <c:pt idx="0">
-                  <c:v>4075</c:v>
+                  <c:v>2800</c:v>
                 </c:pt>
                 <c:pt idx="1">
-                  <c:v>4550</c:v>
+                  <c:v>3100</c:v>
                 </c:pt>
                 <c:pt idx="2">
-                  <c:v>4650</c:v>
+                  <c:v>3400</c:v>
                 </c:pt>
                 <c:pt idx="3">
-                  <c:v>4800</c:v>
+                  <c:v>4100</c:v>
                 </c:pt>
                 <c:pt idx="4">
-                  <c:v>5125</c:v>
+                  <c:v>4400</c:v>
                 </c:pt>
               </c:numCache>
             </c:numRef>
@@ -498,10 +497,10 @@
               <c:strCache>
                 <c:ptCount val="3"/>
                 <c:pt idx="0">
-                  <c:v>Accenture</c:v>
+                  <c:v>TCS</c:v>
                 </c:pt>
                 <c:pt idx="1">
-                  <c:v>TCS</c:v>
+                  <c:v>Accenture</c:v>
                 </c:pt>
                 <c:pt idx="2">
                   <c:v>Cognizant</c:v>
@@ -516,10 +515,10 @@
                 <c:formatCode>General</c:formatCode>
                 <c:ptCount val="3"/>
                 <c:pt idx="0">
-                  <c:v>64800</c:v>
+                  <c:v>25700</c:v>
                 </c:pt>
                 <c:pt idx="1">
-                  <c:v>27500</c:v>
+                  <c:v>61600</c:v>
                 </c:pt>
                 <c:pt idx="2">
                   <c:v>19400</c:v>
@@ -671,10 +670,10 @@
               <c:strCache>
                 <c:ptCount val="3"/>
                 <c:pt idx="0">
-                  <c:v>Accenture</c:v>
+                  <c:v>TCS</c:v>
                 </c:pt>
                 <c:pt idx="1">
-                  <c:v>TCS</c:v>
+                  <c:v>Accenture</c:v>
                 </c:pt>
                 <c:pt idx="2">
                   <c:v>Cognizant</c:v>
@@ -689,10 +688,10 @@
                 <c:formatCode>General</c:formatCode>
                 <c:ptCount val="3"/>
                 <c:pt idx="0">
-                  <c:v>64800</c:v>
+                  <c:v>25700</c:v>
                 </c:pt>
                 <c:pt idx="1">
-                  <c:v>27500</c:v>
+                  <c:v>61600</c:v>
                 </c:pt>
                 <c:pt idx="2">
                   <c:v>19400</c:v>
@@ -844,10 +843,10 @@
               <c:strCache>
                 <c:ptCount val="3"/>
                 <c:pt idx="0">
-                  <c:v>Accenture</c:v>
+                  <c:v>TCS</c:v>
                 </c:pt>
                 <c:pt idx="1">
-                  <c:v>TCS</c:v>
+                  <c:v>Accenture</c:v>
                 </c:pt>
                 <c:pt idx="2">
                   <c:v>Cognizant</c:v>
@@ -862,10 +861,10 @@
                 <c:formatCode>General</c:formatCode>
                 <c:ptCount val="3"/>
                 <c:pt idx="0">
-                  <c:v>64800</c:v>
+                  <c:v>25700</c:v>
                 </c:pt>
                 <c:pt idx="1">
-                  <c:v>27500</c:v>
+                  <c:v>61600</c:v>
                 </c:pt>
                 <c:pt idx="2">
                   <c:v>19400</c:v>
@@ -3968,7 +3967,7 @@
                 </a:solidFill>
                 <a:latin typeface="Arial"/>
               </a:rPr>
-              <a:t>InfoSys Private Limited Overview</a:t>
+              <a:t>Infosys Limited - Company Overview</a:t>
             </a:r>
           </a:p>
         </p:txBody>
@@ -4050,7 +4049,7 @@
                 </a:solidFill>
                 <a:latin typeface="Arial"/>
               </a:rPr>
-              <a:t>Global leader in next-generation digital services and consulting, helping enterprises navigate their digital transformation journey since 1981.</a:t>
+              <a:t>Infosys is a global leader in next-generation digital services and consulting, enabling clients in 50+ countries to navigate their digital transformation journey.</a:t>
             </a:r>
           </a:p>
         </p:txBody>
@@ -4461,7 +4460,7 @@
                 </a:solidFill>
                 <a:latin typeface="Arial"/>
               </a:rPr>
-              <a:t>End-to-End Digital Transformation Partner</a:t>
+              <a:t>Founded in 1981, now a $18.2B global IT services leader</a:t>
             </a:r>
           </a:p>
         </p:txBody>
@@ -4543,7 +4542,7 @@
                 </a:solidFill>
                 <a:latin typeface="Arial"/>
               </a:rPr>
-              <a:t>Unmatched Global Talent Ecosystem</a:t>
+              <a:t>346,845+ employees across 50+ countries</a:t>
             </a:r>
           </a:p>
         </p:txBody>
@@ -4625,7 +4624,7 @@
                 </a:solidFill>
                 <a:latin typeface="Arial"/>
               </a:rPr>
-              <a:t>Fortress Balance Sheet with Strong Financial Position</a:t>
+              <a:t>62.5% revenue from digital services</a:t>
             </a:r>
           </a:p>
         </p:txBody>
@@ -4707,7 +4706,7 @@
                 </a:solidFill>
                 <a:latin typeface="Arial"/>
               </a:rPr>
-              <a:t>97% Client Retention Rate</a:t>
+              <a:t>Industry-leading EBITDA margins of 24%+</a:t>
             </a:r>
           </a:p>
         </p:txBody>
@@ -4828,7 +4827,7 @@
                 </a:solidFill>
                 <a:latin typeface="Arial"/>
               </a:rPr>
-              <a:t>Digital Services (AI, Cloud Computing, Analytics)</a:t>
+              <a:t>Digital Services &amp; Consulting</a:t>
             </a:r>
           </a:p>
         </p:txBody>
@@ -4910,7 +4909,7 @@
                 </a:solidFill>
                 <a:latin typeface="Arial"/>
               </a:rPr>
-              <a:t>Core IT Services</a:t>
+              <a:t>Cloud &amp; Infrastructure Solutions</a:t>
             </a:r>
           </a:p>
         </p:txBody>
@@ -4923,7 +4922,7 @@
         </p:nvSpPr>
         <p:spPr>
           <a:xfrm>
-            <a:off x="3840480" y="3520440"/>
+            <a:off x="914400" y="4526280"/>
             <a:ext cx="45720" cy="45720"/>
           </a:xfrm>
           <a:prstGeom prst="ellipse">
@@ -4966,7 +4965,7 @@
         </p:nvSpPr>
         <p:spPr>
           <a:xfrm>
-            <a:off x="3977640" y="3474720"/>
+            <a:off x="1051560" y="4480560"/>
             <a:ext cx="2560320" cy="411480"/>
           </a:xfrm>
           <a:prstGeom prst="rect">
@@ -4992,7 +4991,7 @@
                 </a:solidFill>
                 <a:latin typeface="Arial"/>
               </a:rPr>
-              <a:t>Business Process Management</a:t>
+              <a:t>Enterprise Application Services</a:t>
             </a:r>
           </a:p>
         </p:txBody>
@@ -5005,7 +5004,7 @@
         </p:nvSpPr>
         <p:spPr>
           <a:xfrm>
-            <a:off x="3840480" y="4023359"/>
+            <a:off x="3840480" y="3520440"/>
             <a:ext cx="45720" cy="45720"/>
           </a:xfrm>
           <a:prstGeom prst="ellipse">
@@ -5048,7 +5047,7 @@
         </p:nvSpPr>
         <p:spPr>
           <a:xfrm>
-            <a:off x="3977640" y="3977639"/>
+            <a:off x="3977640" y="3474720"/>
             <a:ext cx="2560320" cy="411480"/>
           </a:xfrm>
           <a:prstGeom prst="rect">
@@ -5074,14 +5073,96 @@
                 </a:solidFill>
                 <a:latin typeface="Arial"/>
               </a:rPr>
-              <a:t>Strategic Consulting</a:t>
-            </a:r>
-          </a:p>
-        </p:txBody>
-      </p:sp>
-      <p:sp>
-        <p:nvSpPr>
-          <p:cNvPr id="30" name="TextBox 29"/>
+              <a:t>AI &amp; Automation</a:t>
+            </a:r>
+          </a:p>
+        </p:txBody>
+      </p:sp>
+      <p:sp>
+        <p:nvSpPr>
+          <p:cNvPr id="30" name="Oval 29"/>
+          <p:cNvSpPr/>
+          <p:nvPr/>
+        </p:nvSpPr>
+        <p:spPr>
+          <a:xfrm>
+            <a:off x="3840480" y="4023359"/>
+            <a:ext cx="45720" cy="45720"/>
+          </a:xfrm>
+          <a:prstGeom prst="ellipse">
+            <a:avLst/>
+          </a:prstGeom>
+          <a:solidFill>
+            <a:srgbClr val="B5975B"/>
+          </a:solidFill>
+          <a:ln>
+            <a:noFill/>
+          </a:ln>
+        </p:spPr>
+        <p:style>
+          <a:lnRef idx="1">
+            <a:schemeClr val="accent1"/>
+          </a:lnRef>
+          <a:fillRef idx="3">
+            <a:schemeClr val="accent1"/>
+          </a:fillRef>
+          <a:effectRef idx="2">
+            <a:schemeClr val="accent1"/>
+          </a:effectRef>
+          <a:fontRef idx="minor">
+            <a:schemeClr val="lt1"/>
+          </a:fontRef>
+        </p:style>
+        <p:txBody>
+          <a:bodyPr rtlCol="0" anchor="ctr"/>
+          <a:lstStyle/>
+          <a:p>
+            <a:pPr algn="ctr"/>
+          </a:p>
+        </p:txBody>
+      </p:sp>
+      <p:sp>
+        <p:nvSpPr>
+          <p:cNvPr id="31" name="TextBox 30"/>
+          <p:cNvSpPr txBox="1"/>
+          <p:nvPr/>
+        </p:nvSpPr>
+        <p:spPr>
+          <a:xfrm>
+            <a:off x="3977640" y="3977639"/>
+            <a:ext cx="2560320" cy="411480"/>
+          </a:xfrm>
+          <a:prstGeom prst="rect">
+            <a:avLst/>
+          </a:prstGeom>
+          <a:noFill/>
+          <a:ln>
+            <a:noFill/>
+          </a:ln>
+          <a:effectLst/>
+        </p:spPr>
+        <p:txBody>
+          <a:bodyPr wrap="square">
+            <a:spAutoFit/>
+          </a:bodyPr>
+          <a:lstStyle/>
+          <a:p>
+            <a:pPr algn="l"/>
+            <a:r>
+              <a:rPr sz="1000" b="0">
+                <a:solidFill>
+                  <a:srgbClr val="404040"/>
+                </a:solidFill>
+                <a:latin typeface="Arial"/>
+              </a:rPr>
+              <a:t>Engineering Services</a:t>
+            </a:r>
+          </a:p>
+        </p:txBody>
+      </p:sp>
+      <p:sp>
+        <p:nvSpPr>
+          <p:cNvPr id="32" name="TextBox 31"/>
           <p:cNvSpPr txBox="1"/>
           <p:nvPr/>
         </p:nvSpPr>
@@ -5120,7 +5201,7 @@
       </p:sp>
       <p:sp>
         <p:nvSpPr>
-          <p:cNvPr id="31" name="TextBox 30"/>
+          <p:cNvPr id="33" name="TextBox 32"/>
           <p:cNvSpPr txBox="1"/>
           <p:nvPr/>
         </p:nvSpPr>
@@ -5152,14 +5233,14 @@
                 </a:solidFill>
                 <a:latin typeface="Arial"/>
               </a:rPr>
-              <a:t>Premier provider of enterprise-grade digital transformation solutions with proprietary AI and cloud platforms</a:t>
-            </a:r>
-          </a:p>
-        </p:txBody>
-      </p:sp>
-      <p:sp>
-        <p:nvSpPr>
-          <p:cNvPr id="32" name="TextBox 31"/>
+              <a:t>Recognized as a global leader in next-generation technology services and consulting, with strong presence in Forbes Global 2000 companies</a:t>
+            </a:r>
+          </a:p>
+        </p:txBody>
+      </p:sp>
+      <p:sp>
+        <p:nvSpPr>
+          <p:cNvPr id="34" name="TextBox 33"/>
           <p:cNvSpPr txBox="1"/>
           <p:nvPr/>
         </p:nvSpPr>
@@ -5194,7 +5275,7 @@
       </p:sp>
       <p:sp>
         <p:nvSpPr>
-          <p:cNvPr id="33" name="TextBox 32"/>
+          <p:cNvPr id="35" name="TextBox 34"/>
           <p:cNvSpPr txBox="1"/>
           <p:nvPr/>
         </p:nvSpPr>
@@ -5236,6 +5317,1946 @@
 </file>
 
 <file path=ppt/slides/slide10.xml><?xml version="1.0" encoding="utf-8"?>
+<p:sld xmlns:a="http://schemas.openxmlformats.org/drawingml/2006/main" xmlns:p="http://schemas.openxmlformats.org/presentationml/2006/main" xmlns:r="http://schemas.openxmlformats.org/officeDocument/2006/relationships">
+  <p:cSld>
+    <p:spTree>
+      <p:nvGrpSpPr>
+        <p:cNvPr id="1" name=""/>
+        <p:cNvGrpSpPr/>
+        <p:nvPr/>
+      </p:nvGrpSpPr>
+      <p:grpSpPr/>
+      <p:sp>
+        <p:nvSpPr>
+          <p:cNvPr id="2" name="TextBox 1"/>
+          <p:cNvSpPr txBox="1"/>
+          <p:nvPr/>
+        </p:nvSpPr>
+        <p:spPr>
+          <a:xfrm>
+            <a:off x="457200" y="274320"/>
+            <a:ext cx="11277295" cy="731520"/>
+          </a:xfrm>
+          <a:prstGeom prst="rect">
+            <a:avLst/>
+          </a:prstGeom>
+          <a:noFill/>
+        </p:spPr>
+        <p:txBody>
+          <a:bodyPr wrap="none" lIns="0" tIns="0" rIns="0" bIns="0">
+            <a:spAutoFit/>
+          </a:bodyPr>
+          <a:lstStyle/>
+          <a:p>
+            <a:pPr algn="l"/>
+            <a:r>
+              <a:rPr sz="2400" b="1">
+                <a:solidFill>
+                  <a:srgbClr val="183A58"/>
+                </a:solidFill>
+                <a:latin typeface="Arial"/>
+              </a:rPr>
+              <a:t>Leadership Team</a:t>
+            </a:r>
+          </a:p>
+        </p:txBody>
+      </p:sp>
+      <p:sp>
+        <p:nvSpPr>
+          <p:cNvPr id="3" name="Rectangle 2"/>
+          <p:cNvSpPr/>
+          <p:nvPr/>
+        </p:nvSpPr>
+        <p:spPr>
+          <a:xfrm>
+            <a:off x="457200" y="914400"/>
+            <a:ext cx="11277295" cy="45720"/>
+          </a:xfrm>
+          <a:prstGeom prst="rect">
+            <a:avLst/>
+          </a:prstGeom>
+          <a:solidFill>
+            <a:srgbClr val="183A58"/>
+          </a:solidFill>
+          <a:ln>
+            <a:noFill/>
+          </a:ln>
+        </p:spPr>
+        <p:style>
+          <a:lnRef idx="1">
+            <a:schemeClr val="accent1"/>
+          </a:lnRef>
+          <a:fillRef idx="3">
+            <a:schemeClr val="accent1"/>
+          </a:fillRef>
+          <a:effectRef idx="2">
+            <a:schemeClr val="accent1"/>
+          </a:effectRef>
+          <a:fontRef idx="minor">
+            <a:schemeClr val="lt1"/>
+          </a:fontRef>
+        </p:style>
+        <p:txBody>
+          <a:bodyPr rtlCol="0" anchor="ctr"/>
+          <a:lstStyle/>
+          <a:p>
+            <a:pPr algn="ctr"/>
+          </a:p>
+        </p:txBody>
+      </p:sp>
+      <p:sp>
+        <p:nvSpPr>
+          <p:cNvPr id="4" name="TextBox 3"/>
+          <p:cNvSpPr txBox="1"/>
+          <p:nvPr/>
+        </p:nvSpPr>
+        <p:spPr>
+          <a:xfrm>
+            <a:off x="274320" y="1325880"/>
+            <a:ext cx="3657600" cy="320040"/>
+          </a:xfrm>
+          <a:prstGeom prst="rect">
+            <a:avLst/>
+          </a:prstGeom>
+          <a:noFill/>
+        </p:spPr>
+        <p:txBody>
+          <a:bodyPr wrap="square" lIns="36576" rIns="36576" tIns="14630" bIns="14630">
+            <a:spAutoFit/>
+          </a:bodyPr>
+          <a:lstStyle/>
+          <a:p>
+            <a:pPr algn="l">
+              <a:defRPr sz="1400" b="1">
+                <a:solidFill>
+                  <a:srgbClr val="183A58"/>
+                </a:solidFill>
+                <a:latin typeface="Arial"/>
+              </a:defRPr>
+            </a:pPr>
+            <a:r>
+              <a:t>Chief Executive Officer &amp; MD</a:t>
+            </a:r>
+          </a:p>
+        </p:txBody>
+      </p:sp>
+      <p:sp>
+        <p:nvSpPr>
+          <p:cNvPr id="5" name="TextBox 4"/>
+          <p:cNvSpPr txBox="1"/>
+          <p:nvPr/>
+        </p:nvSpPr>
+        <p:spPr>
+          <a:xfrm>
+            <a:off x="274320" y="1691640"/>
+            <a:ext cx="3657600" cy="329184"/>
+          </a:xfrm>
+          <a:prstGeom prst="rect">
+            <a:avLst/>
+          </a:prstGeom>
+          <a:noFill/>
+        </p:spPr>
+        <p:txBody>
+          <a:bodyPr wrap="square" lIns="36576" rIns="36576" tIns="10972" bIns="10972"/>
+          <a:lstStyle/>
+          <a:p>
+            <a:pPr algn="l">
+              <a:lnSpc>
+                <a:spcPct val="120000"/>
+              </a:lnSpc>
+              <a:defRPr sz="1100">
+                <a:solidFill>
+                  <a:srgbClr val="404040"/>
+                </a:solidFill>
+                <a:latin typeface="Arial"/>
+              </a:defRPr>
+            </a:pPr>
+            <a:r>
+              <a:t>• Joined Infosys in 2018 as CEO &amp; MD</a:t>
+            </a:r>
+          </a:p>
+        </p:txBody>
+      </p:sp>
+      <p:sp>
+        <p:nvSpPr>
+          <p:cNvPr id="6" name="TextBox 5"/>
+          <p:cNvSpPr txBox="1"/>
+          <p:nvPr/>
+        </p:nvSpPr>
+        <p:spPr>
+          <a:xfrm>
+            <a:off x="274320" y="2075688"/>
+            <a:ext cx="3657600" cy="329184"/>
+          </a:xfrm>
+          <a:prstGeom prst="rect">
+            <a:avLst/>
+          </a:prstGeom>
+          <a:noFill/>
+        </p:spPr>
+        <p:txBody>
+          <a:bodyPr wrap="square" lIns="36576" rIns="36576" tIns="10972" bIns="10972"/>
+          <a:lstStyle/>
+          <a:p>
+            <a:pPr algn="l">
+              <a:lnSpc>
+                <a:spcPct val="120000"/>
+              </a:lnSpc>
+              <a:defRPr sz="1100">
+                <a:solidFill>
+                  <a:srgbClr val="404040"/>
+                </a:solidFill>
+                <a:latin typeface="Arial"/>
+              </a:defRPr>
+            </a:pPr>
+            <a:r>
+              <a:t>• 25+ years experience at Capgemini in various leadership roles</a:t>
+            </a:r>
+          </a:p>
+        </p:txBody>
+      </p:sp>
+      <p:sp>
+        <p:nvSpPr>
+          <p:cNvPr id="7" name="TextBox 6"/>
+          <p:cNvSpPr txBox="1"/>
+          <p:nvPr/>
+        </p:nvSpPr>
+        <p:spPr>
+          <a:xfrm>
+            <a:off x="274320" y="2459736"/>
+            <a:ext cx="3657600" cy="329184"/>
+          </a:xfrm>
+          <a:prstGeom prst="rect">
+            <a:avLst/>
+          </a:prstGeom>
+          <a:noFill/>
+        </p:spPr>
+        <p:txBody>
+          <a:bodyPr wrap="square" lIns="36576" rIns="36576" tIns="10972" bIns="10972"/>
+          <a:lstStyle/>
+          <a:p>
+            <a:pPr algn="l">
+              <a:lnSpc>
+                <a:spcPct val="120000"/>
+              </a:lnSpc>
+              <a:defRPr sz="1100">
+                <a:solidFill>
+                  <a:srgbClr val="404040"/>
+                </a:solidFill>
+                <a:latin typeface="Arial"/>
+              </a:defRPr>
+            </a:pPr>
+            <a:r>
+              <a:t>• Led global digital transformation initiatives</a:t>
+            </a:r>
+          </a:p>
+        </p:txBody>
+      </p:sp>
+      <p:sp>
+        <p:nvSpPr>
+          <p:cNvPr id="8" name="TextBox 7"/>
+          <p:cNvSpPr txBox="1"/>
+          <p:nvPr/>
+        </p:nvSpPr>
+        <p:spPr>
+          <a:xfrm>
+            <a:off x="274320" y="2843784"/>
+            <a:ext cx="3657600" cy="329184"/>
+          </a:xfrm>
+          <a:prstGeom prst="rect">
+            <a:avLst/>
+          </a:prstGeom>
+          <a:noFill/>
+        </p:spPr>
+        <p:txBody>
+          <a:bodyPr wrap="square" lIns="36576" rIns="36576" tIns="10972" bIns="10972"/>
+          <a:lstStyle/>
+          <a:p>
+            <a:pPr algn="l">
+              <a:lnSpc>
+                <a:spcPct val="120000"/>
+              </a:lnSpc>
+              <a:defRPr sz="1100">
+                <a:solidFill>
+                  <a:srgbClr val="404040"/>
+                </a:solidFill>
+                <a:latin typeface="Arial"/>
+              </a:defRPr>
+            </a:pPr>
+            <a:r>
+              <a:t>• Drives company's strategic vision and transformation agenda</a:t>
+            </a:r>
+          </a:p>
+        </p:txBody>
+      </p:sp>
+      <p:sp>
+        <p:nvSpPr>
+          <p:cNvPr id="9" name="TextBox 8"/>
+          <p:cNvSpPr txBox="1"/>
+          <p:nvPr/>
+        </p:nvSpPr>
+        <p:spPr>
+          <a:xfrm>
+            <a:off x="274320" y="3319272"/>
+            <a:ext cx="3657600" cy="320040"/>
+          </a:xfrm>
+          <a:prstGeom prst="rect">
+            <a:avLst/>
+          </a:prstGeom>
+          <a:noFill/>
+        </p:spPr>
+        <p:txBody>
+          <a:bodyPr wrap="square" lIns="36576" rIns="36576" tIns="14630" bIns="14630">
+            <a:spAutoFit/>
+          </a:bodyPr>
+          <a:lstStyle/>
+          <a:p>
+            <a:pPr algn="l">
+              <a:defRPr sz="1400" b="1">
+                <a:solidFill>
+                  <a:srgbClr val="183A58"/>
+                </a:solidFill>
+                <a:latin typeface="Arial"/>
+              </a:defRPr>
+            </a:pPr>
+            <a:r>
+              <a:t>Chief Financial Officer</a:t>
+            </a:r>
+          </a:p>
+        </p:txBody>
+      </p:sp>
+      <p:sp>
+        <p:nvSpPr>
+          <p:cNvPr id="10" name="TextBox 9"/>
+          <p:cNvSpPr txBox="1"/>
+          <p:nvPr/>
+        </p:nvSpPr>
+        <p:spPr>
+          <a:xfrm>
+            <a:off x="274320" y="3685032"/>
+            <a:ext cx="3657600" cy="329184"/>
+          </a:xfrm>
+          <a:prstGeom prst="rect">
+            <a:avLst/>
+          </a:prstGeom>
+          <a:noFill/>
+        </p:spPr>
+        <p:txBody>
+          <a:bodyPr wrap="square" lIns="36576" rIns="36576" tIns="10972" bIns="10972"/>
+          <a:lstStyle/>
+          <a:p>
+            <a:pPr algn="l">
+              <a:lnSpc>
+                <a:spcPct val="120000"/>
+              </a:lnSpc>
+              <a:defRPr sz="1100">
+                <a:solidFill>
+                  <a:srgbClr val="404040"/>
+                </a:solidFill>
+                <a:latin typeface="Arial"/>
+              </a:defRPr>
+            </a:pPr>
+            <a:r>
+              <a:t>• Joined Infosys in 2019 as CFO</a:t>
+            </a:r>
+          </a:p>
+        </p:txBody>
+      </p:sp>
+      <p:sp>
+        <p:nvSpPr>
+          <p:cNvPr id="11" name="TextBox 10"/>
+          <p:cNvSpPr txBox="1"/>
+          <p:nvPr/>
+        </p:nvSpPr>
+        <p:spPr>
+          <a:xfrm>
+            <a:off x="274320" y="4069080"/>
+            <a:ext cx="3657600" cy="329184"/>
+          </a:xfrm>
+          <a:prstGeom prst="rect">
+            <a:avLst/>
+          </a:prstGeom>
+          <a:noFill/>
+        </p:spPr>
+        <p:txBody>
+          <a:bodyPr wrap="square" lIns="36576" rIns="36576" tIns="10972" bIns="10972"/>
+          <a:lstStyle/>
+          <a:p>
+            <a:pPr algn="l">
+              <a:lnSpc>
+                <a:spcPct val="120000"/>
+              </a:lnSpc>
+              <a:defRPr sz="1100">
+                <a:solidFill>
+                  <a:srgbClr val="404040"/>
+                </a:solidFill>
+                <a:latin typeface="Arial"/>
+              </a:defRPr>
+            </a:pPr>
+            <a:r>
+              <a:t>• 23 years experience at Bharti Airtel</a:t>
+            </a:r>
+          </a:p>
+        </p:txBody>
+      </p:sp>
+      <p:sp>
+        <p:nvSpPr>
+          <p:cNvPr id="12" name="TextBox 11"/>
+          <p:cNvSpPr txBox="1"/>
+          <p:nvPr/>
+        </p:nvSpPr>
+        <p:spPr>
+          <a:xfrm>
+            <a:off x="274320" y="4453128"/>
+            <a:ext cx="3657600" cy="329184"/>
+          </a:xfrm>
+          <a:prstGeom prst="rect">
+            <a:avLst/>
+          </a:prstGeom>
+          <a:noFill/>
+        </p:spPr>
+        <p:txBody>
+          <a:bodyPr wrap="square" lIns="36576" rIns="36576" tIns="10972" bIns="10972"/>
+          <a:lstStyle/>
+          <a:p>
+            <a:pPr algn="l">
+              <a:lnSpc>
+                <a:spcPct val="120000"/>
+              </a:lnSpc>
+              <a:defRPr sz="1100">
+                <a:solidFill>
+                  <a:srgbClr val="404040"/>
+                </a:solidFill>
+                <a:latin typeface="Arial"/>
+              </a:defRPr>
+            </a:pPr>
+            <a:r>
+              <a:t>• Expert in financial strategy and planning</a:t>
+            </a:r>
+          </a:p>
+        </p:txBody>
+      </p:sp>
+      <p:sp>
+        <p:nvSpPr>
+          <p:cNvPr id="13" name="TextBox 12"/>
+          <p:cNvSpPr txBox="1"/>
+          <p:nvPr/>
+        </p:nvSpPr>
+        <p:spPr>
+          <a:xfrm>
+            <a:off x="274320" y="4837176"/>
+            <a:ext cx="3657600" cy="329184"/>
+          </a:xfrm>
+          <a:prstGeom prst="rect">
+            <a:avLst/>
+          </a:prstGeom>
+          <a:noFill/>
+        </p:spPr>
+        <p:txBody>
+          <a:bodyPr wrap="square" lIns="36576" rIns="36576" tIns="10972" bIns="10972"/>
+          <a:lstStyle/>
+          <a:p>
+            <a:pPr algn="l">
+              <a:lnSpc>
+                <a:spcPct val="120000"/>
+              </a:lnSpc>
+              <a:defRPr sz="1100">
+                <a:solidFill>
+                  <a:srgbClr val="404040"/>
+                </a:solidFill>
+                <a:latin typeface="Arial"/>
+              </a:defRPr>
+            </a:pPr>
+            <a:r>
+              <a:t>• Leads global finance and risk management functions</a:t>
+            </a:r>
+          </a:p>
+        </p:txBody>
+      </p:sp>
+      <p:sp>
+        <p:nvSpPr>
+          <p:cNvPr id="14" name="TextBox 13"/>
+          <p:cNvSpPr txBox="1"/>
+          <p:nvPr/>
+        </p:nvSpPr>
+        <p:spPr>
+          <a:xfrm>
+            <a:off x="4069080" y="1325880"/>
+            <a:ext cx="3657600" cy="320040"/>
+          </a:xfrm>
+          <a:prstGeom prst="rect">
+            <a:avLst/>
+          </a:prstGeom>
+          <a:noFill/>
+        </p:spPr>
+        <p:txBody>
+          <a:bodyPr wrap="square" lIns="36576" rIns="36576" tIns="14630" bIns="14630">
+            <a:spAutoFit/>
+          </a:bodyPr>
+          <a:lstStyle/>
+          <a:p>
+            <a:pPr algn="l">
+              <a:defRPr sz="1400" b="1">
+                <a:solidFill>
+                  <a:srgbClr val="183A58"/>
+                </a:solidFill>
+                <a:latin typeface="Arial"/>
+              </a:defRPr>
+            </a:pPr>
+            <a:r>
+              <a:t>President</a:t>
+            </a:r>
+          </a:p>
+        </p:txBody>
+      </p:sp>
+      <p:sp>
+        <p:nvSpPr>
+          <p:cNvPr id="15" name="TextBox 14"/>
+          <p:cNvSpPr txBox="1"/>
+          <p:nvPr/>
+        </p:nvSpPr>
+        <p:spPr>
+          <a:xfrm>
+            <a:off x="4069080" y="1691640"/>
+            <a:ext cx="3657600" cy="329184"/>
+          </a:xfrm>
+          <a:prstGeom prst="rect">
+            <a:avLst/>
+          </a:prstGeom>
+          <a:noFill/>
+        </p:spPr>
+        <p:txBody>
+          <a:bodyPr wrap="square" lIns="36576" rIns="36576" tIns="10972" bIns="10972"/>
+          <a:lstStyle/>
+          <a:p>
+            <a:pPr algn="l">
+              <a:lnSpc>
+                <a:spcPct val="120000"/>
+              </a:lnSpc>
+              <a:defRPr sz="1100">
+                <a:solidFill>
+                  <a:srgbClr val="404040"/>
+                </a:solidFill>
+                <a:latin typeface="Arial"/>
+              </a:defRPr>
+            </a:pPr>
+            <a:r>
+              <a:t>• 20+ years in banking and technology sectors</a:t>
+            </a:r>
+          </a:p>
+        </p:txBody>
+      </p:sp>
+      <p:sp>
+        <p:nvSpPr>
+          <p:cNvPr id="16" name="TextBox 15"/>
+          <p:cNvSpPr txBox="1"/>
+          <p:nvPr/>
+        </p:nvSpPr>
+        <p:spPr>
+          <a:xfrm>
+            <a:off x="4069080" y="2075688"/>
+            <a:ext cx="3657600" cy="329184"/>
+          </a:xfrm>
+          <a:prstGeom prst="rect">
+            <a:avLst/>
+          </a:prstGeom>
+          <a:noFill/>
+        </p:spPr>
+        <p:txBody>
+          <a:bodyPr wrap="square" lIns="36576" rIns="36576" tIns="10972" bIns="10972"/>
+          <a:lstStyle/>
+          <a:p>
+            <a:pPr algn="l">
+              <a:lnSpc>
+                <a:spcPct val="120000"/>
+              </a:lnSpc>
+              <a:defRPr sz="1100">
+                <a:solidFill>
+                  <a:srgbClr val="404040"/>
+                </a:solidFill>
+                <a:latin typeface="Arial"/>
+              </a:defRPr>
+            </a:pPr>
+            <a:r>
+              <a:t>• Leads Financial Services &amp; Healthcare/Life Sciences verticals</a:t>
+            </a:r>
+          </a:p>
+        </p:txBody>
+      </p:sp>
+      <p:sp>
+        <p:nvSpPr>
+          <p:cNvPr id="17" name="TextBox 16"/>
+          <p:cNvSpPr txBox="1"/>
+          <p:nvPr/>
+        </p:nvSpPr>
+        <p:spPr>
+          <a:xfrm>
+            <a:off x="4069080" y="2459736"/>
+            <a:ext cx="3657600" cy="329184"/>
+          </a:xfrm>
+          <a:prstGeom prst="rect">
+            <a:avLst/>
+          </a:prstGeom>
+          <a:noFill/>
+        </p:spPr>
+        <p:txBody>
+          <a:bodyPr wrap="square" lIns="36576" rIns="36576" tIns="10972" bIns="10972"/>
+          <a:lstStyle/>
+          <a:p>
+            <a:pPr algn="l">
+              <a:lnSpc>
+                <a:spcPct val="120000"/>
+              </a:lnSpc>
+              <a:defRPr sz="1100">
+                <a:solidFill>
+                  <a:srgbClr val="404040"/>
+                </a:solidFill>
+                <a:latin typeface="Arial"/>
+              </a:defRPr>
+            </a:pPr>
+            <a:r>
+              <a:t>• Key client relationship manager for global accounts</a:t>
+            </a:r>
+          </a:p>
+        </p:txBody>
+      </p:sp>
+      <p:sp>
+        <p:nvSpPr>
+          <p:cNvPr id="18" name="TextBox 17"/>
+          <p:cNvSpPr txBox="1"/>
+          <p:nvPr/>
+        </p:nvSpPr>
+        <p:spPr>
+          <a:xfrm>
+            <a:off x="4069080" y="2843784"/>
+            <a:ext cx="3657600" cy="329184"/>
+          </a:xfrm>
+          <a:prstGeom prst="rect">
+            <a:avLst/>
+          </a:prstGeom>
+          <a:noFill/>
+        </p:spPr>
+        <p:txBody>
+          <a:bodyPr wrap="square" lIns="36576" rIns="36576" tIns="10972" bIns="10972"/>
+          <a:lstStyle/>
+          <a:p>
+            <a:pPr algn="l">
+              <a:lnSpc>
+                <a:spcPct val="120000"/>
+              </a:lnSpc>
+              <a:defRPr sz="1100">
+                <a:solidFill>
+                  <a:srgbClr val="404040"/>
+                </a:solidFill>
+                <a:latin typeface="Arial"/>
+              </a:defRPr>
+            </a:pPr>
+            <a:r>
+              <a:t>• Drives strategic growth initiatives</a:t>
+            </a:r>
+          </a:p>
+        </p:txBody>
+      </p:sp>
+      <p:sp>
+        <p:nvSpPr>
+          <p:cNvPr id="19" name="TextBox 18"/>
+          <p:cNvSpPr txBox="1"/>
+          <p:nvPr/>
+        </p:nvSpPr>
+        <p:spPr>
+          <a:xfrm>
+            <a:off x="4069080" y="3319272"/>
+            <a:ext cx="3657600" cy="320040"/>
+          </a:xfrm>
+          <a:prstGeom prst="rect">
+            <a:avLst/>
+          </a:prstGeom>
+          <a:noFill/>
+        </p:spPr>
+        <p:txBody>
+          <a:bodyPr wrap="square" lIns="36576" rIns="36576" tIns="14630" bIns="14630">
+            <a:spAutoFit/>
+          </a:bodyPr>
+          <a:lstStyle/>
+          <a:p>
+            <a:pPr algn="l">
+              <a:defRPr sz="1400" b="1">
+                <a:solidFill>
+                  <a:srgbClr val="183A58"/>
+                </a:solidFill>
+                <a:latin typeface="Arial"/>
+              </a:defRPr>
+            </a:pPr>
+            <a:r>
+              <a:t>President</a:t>
+            </a:r>
+          </a:p>
+        </p:txBody>
+      </p:sp>
+      <p:sp>
+        <p:nvSpPr>
+          <p:cNvPr id="20" name="TextBox 19"/>
+          <p:cNvSpPr txBox="1"/>
+          <p:nvPr/>
+        </p:nvSpPr>
+        <p:spPr>
+          <a:xfrm>
+            <a:off x="4069080" y="3685032"/>
+            <a:ext cx="3657600" cy="329184"/>
+          </a:xfrm>
+          <a:prstGeom prst="rect">
+            <a:avLst/>
+          </a:prstGeom>
+          <a:noFill/>
+        </p:spPr>
+        <p:txBody>
+          <a:bodyPr wrap="square" lIns="36576" rIns="36576" tIns="10972" bIns="10972"/>
+          <a:lstStyle/>
+          <a:p>
+            <a:pPr algn="l">
+              <a:lnSpc>
+                <a:spcPct val="120000"/>
+              </a:lnSpc>
+              <a:defRPr sz="1100">
+                <a:solidFill>
+                  <a:srgbClr val="404040"/>
+                </a:solidFill>
+                <a:latin typeface="Arial"/>
+              </a:defRPr>
+            </a:pPr>
+            <a:r>
+              <a:t>• 20+ years consulting experience</a:t>
+            </a:r>
+          </a:p>
+        </p:txBody>
+      </p:sp>
+      <p:sp>
+        <p:nvSpPr>
+          <p:cNvPr id="21" name="TextBox 20"/>
+          <p:cNvSpPr txBox="1"/>
+          <p:nvPr/>
+        </p:nvSpPr>
+        <p:spPr>
+          <a:xfrm>
+            <a:off x="4069080" y="4069080"/>
+            <a:ext cx="3657600" cy="329184"/>
+          </a:xfrm>
+          <a:prstGeom prst="rect">
+            <a:avLst/>
+          </a:prstGeom>
+          <a:noFill/>
+        </p:spPr>
+        <p:txBody>
+          <a:bodyPr wrap="square" lIns="36576" rIns="36576" tIns="10972" bIns="10972"/>
+          <a:lstStyle/>
+          <a:p>
+            <a:pPr algn="l">
+              <a:lnSpc>
+                <a:spcPct val="120000"/>
+              </a:lnSpc>
+              <a:defRPr sz="1100">
+                <a:solidFill>
+                  <a:srgbClr val="404040"/>
+                </a:solidFill>
+                <a:latin typeface="Arial"/>
+              </a:defRPr>
+            </a:pPr>
+            <a:r>
+              <a:t>• Leads Global Services Organization</a:t>
+            </a:r>
+          </a:p>
+        </p:txBody>
+      </p:sp>
+      <p:sp>
+        <p:nvSpPr>
+          <p:cNvPr id="22" name="TextBox 21"/>
+          <p:cNvSpPr txBox="1"/>
+          <p:nvPr/>
+        </p:nvSpPr>
+        <p:spPr>
+          <a:xfrm>
+            <a:off x="4069080" y="4453128"/>
+            <a:ext cx="3657600" cy="329184"/>
+          </a:xfrm>
+          <a:prstGeom prst="rect">
+            <a:avLst/>
+          </a:prstGeom>
+          <a:noFill/>
+        </p:spPr>
+        <p:txBody>
+          <a:bodyPr wrap="square" lIns="36576" rIns="36576" tIns="10972" bIns="10972"/>
+          <a:lstStyle/>
+          <a:p>
+            <a:pPr algn="l">
+              <a:lnSpc>
+                <a:spcPct val="120000"/>
+              </a:lnSpc>
+              <a:defRPr sz="1100">
+                <a:solidFill>
+                  <a:srgbClr val="404040"/>
+                </a:solidFill>
+                <a:latin typeface="Arial"/>
+              </a:defRPr>
+            </a:pPr>
+            <a:r>
+              <a:t>• Digital transformation expert</a:t>
+            </a:r>
+          </a:p>
+        </p:txBody>
+      </p:sp>
+      <p:sp>
+        <p:nvSpPr>
+          <p:cNvPr id="23" name="TextBox 22"/>
+          <p:cNvSpPr txBox="1"/>
+          <p:nvPr/>
+        </p:nvSpPr>
+        <p:spPr>
+          <a:xfrm>
+            <a:off x="4069080" y="4837176"/>
+            <a:ext cx="3657600" cy="329184"/>
+          </a:xfrm>
+          <a:prstGeom prst="rect">
+            <a:avLst/>
+          </a:prstGeom>
+          <a:noFill/>
+        </p:spPr>
+        <p:txBody>
+          <a:bodyPr wrap="square" lIns="36576" rIns="36576" tIns="10972" bIns="10972"/>
+          <a:lstStyle/>
+          <a:p>
+            <a:pPr algn="l">
+              <a:lnSpc>
+                <a:spcPct val="120000"/>
+              </a:lnSpc>
+              <a:defRPr sz="1100">
+                <a:solidFill>
+                  <a:srgbClr val="404040"/>
+                </a:solidFill>
+                <a:latin typeface="Arial"/>
+              </a:defRPr>
+            </a:pPr>
+            <a:r>
+              <a:t>• Oversees delivery excellence and innovation</a:t>
+            </a:r>
+          </a:p>
+        </p:txBody>
+      </p:sp>
+      <p:sp>
+        <p:nvSpPr>
+          <p:cNvPr id="24" name="TextBox 23"/>
+          <p:cNvSpPr txBox="1"/>
+          <p:nvPr/>
+        </p:nvSpPr>
+        <p:spPr>
+          <a:xfrm>
+            <a:off x="365760" y="6355080"/>
+            <a:ext cx="5486400" cy="365760"/>
+          </a:xfrm>
+          <a:prstGeom prst="rect">
+            <a:avLst/>
+          </a:prstGeom>
+          <a:noFill/>
+        </p:spPr>
+        <p:txBody>
+          <a:bodyPr wrap="none" lIns="45720" rIns="45720" anchor="ctr">
+            <a:spAutoFit/>
+          </a:bodyPr>
+          <a:lstStyle/>
+          <a:p>
+            <a:pPr algn="l">
+              <a:defRPr sz="900">
+                <a:solidFill>
+                  <a:srgbClr val="808080"/>
+                </a:solidFill>
+                <a:latin typeface="Arial"/>
+              </a:defRPr>
+            </a:pPr>
+            <a:r>
+              <a:t>Confidential | August 29, 2025</a:t>
+            </a:r>
+          </a:p>
+        </p:txBody>
+      </p:sp>
+      <p:sp>
+        <p:nvSpPr>
+          <p:cNvPr id="25" name="TextBox 24"/>
+          <p:cNvSpPr txBox="1"/>
+          <p:nvPr/>
+        </p:nvSpPr>
+        <p:spPr>
+          <a:xfrm>
+            <a:off x="8686800" y="6355080"/>
+            <a:ext cx="2926080" cy="365760"/>
+          </a:xfrm>
+          <a:prstGeom prst="rect">
+            <a:avLst/>
+          </a:prstGeom>
+          <a:noFill/>
+        </p:spPr>
+        <p:txBody>
+          <a:bodyPr wrap="none" lIns="45720" rIns="45720" anchor="ctr">
+            <a:spAutoFit/>
+          </a:bodyPr>
+          <a:lstStyle/>
+          <a:p>
+            <a:pPr algn="r">
+              <a:defRPr sz="900">
+                <a:solidFill>
+                  <a:srgbClr val="808080"/>
+                </a:solidFill>
+                <a:latin typeface="Arial"/>
+              </a:defRPr>
+            </a:pPr>
+            <a:r>
+              <a:t>Moelis &amp; Company</a:t>
+            </a:r>
+          </a:p>
+        </p:txBody>
+      </p:sp>
+    </p:spTree>
+  </p:cSld>
+  <p:clrMapOvr>
+    <a:masterClrMapping/>
+  </p:clrMapOvr>
+</p:sld>
+</file>
+
+<file path=ppt/slides/slide11.xml><?xml version="1.0" encoding="utf-8"?>
+<p:sld xmlns:a="http://schemas.openxmlformats.org/drawingml/2006/main" xmlns:p="http://schemas.openxmlformats.org/presentationml/2006/main" xmlns:r="http://schemas.openxmlformats.org/officeDocument/2006/relationships">
+  <p:cSld>
+    <p:spTree>
+      <p:nvGrpSpPr>
+        <p:cNvPr id="1" name=""/>
+        <p:cNvGrpSpPr/>
+        <p:nvPr/>
+      </p:nvGrpSpPr>
+      <p:grpSpPr/>
+      <p:sp>
+        <p:nvSpPr>
+          <p:cNvPr id="2" name="TextBox 1"/>
+          <p:cNvSpPr txBox="1"/>
+          <p:nvPr/>
+        </p:nvSpPr>
+        <p:spPr>
+          <a:xfrm>
+            <a:off x="457200" y="274320"/>
+            <a:ext cx="11277295" cy="731520"/>
+          </a:xfrm>
+          <a:prstGeom prst="rect">
+            <a:avLst/>
+          </a:prstGeom>
+          <a:noFill/>
+        </p:spPr>
+        <p:txBody>
+          <a:bodyPr wrap="none" lIns="0" tIns="0" rIns="0" bIns="0">
+            <a:spAutoFit/>
+          </a:bodyPr>
+          <a:lstStyle/>
+          <a:p>
+            <a:pPr algn="l"/>
+            <a:r>
+              <a:rPr sz="2400" b="1">
+                <a:solidFill>
+                  <a:srgbClr val="183A58"/>
+                </a:solidFill>
+                <a:latin typeface="Arial"/>
+              </a:rPr>
+              <a:t>Strategic Buyer Profiles</a:t>
+            </a:r>
+          </a:p>
+        </p:txBody>
+      </p:sp>
+      <p:sp>
+        <p:nvSpPr>
+          <p:cNvPr id="3" name="Rectangle 2"/>
+          <p:cNvSpPr/>
+          <p:nvPr/>
+        </p:nvSpPr>
+        <p:spPr>
+          <a:xfrm>
+            <a:off x="457200" y="914400"/>
+            <a:ext cx="11277295" cy="45720"/>
+          </a:xfrm>
+          <a:prstGeom prst="rect">
+            <a:avLst/>
+          </a:prstGeom>
+          <a:solidFill>
+            <a:srgbClr val="183A58"/>
+          </a:solidFill>
+          <a:ln>
+            <a:noFill/>
+          </a:ln>
+        </p:spPr>
+        <p:style>
+          <a:lnRef idx="1">
+            <a:schemeClr val="accent1"/>
+          </a:lnRef>
+          <a:fillRef idx="3">
+            <a:schemeClr val="accent1"/>
+          </a:fillRef>
+          <a:effectRef idx="2">
+            <a:schemeClr val="accent1"/>
+          </a:effectRef>
+          <a:fontRef idx="minor">
+            <a:schemeClr val="lt1"/>
+          </a:fontRef>
+        </p:style>
+        <p:txBody>
+          <a:bodyPr rtlCol="0" anchor="ctr"/>
+          <a:lstStyle/>
+          <a:p>
+            <a:pPr algn="ctr"/>
+          </a:p>
+        </p:txBody>
+      </p:sp>
+      <p:sp>
+        <p:nvSpPr>
+          <p:cNvPr id="4" name="TextBox 3"/>
+          <p:cNvSpPr txBox="1"/>
+          <p:nvPr/>
+        </p:nvSpPr>
+        <p:spPr>
+          <a:xfrm>
+            <a:off x="1828800" y="2743200"/>
+            <a:ext cx="8229600" cy="914400"/>
+          </a:xfrm>
+          <a:prstGeom prst="rect">
+            <a:avLst/>
+          </a:prstGeom>
+          <a:noFill/>
+          <a:ln>
+            <a:noFill/>
+          </a:ln>
+          <a:effectLst/>
+        </p:spPr>
+        <p:txBody>
+          <a:bodyPr wrap="square">
+            <a:spAutoFit/>
+          </a:bodyPr>
+          <a:lstStyle/>
+          <a:p>
+            <a:pPr algn="ctr"/>
+            <a:r>
+              <a:rPr sz="1400" b="0">
+                <a:solidFill>
+                  <a:srgbClr val="404040"/>
+                </a:solidFill>
+                <a:latin typeface="Arial"/>
+              </a:rPr>
+              <a:t>Buyer profiles data will be displayed here when available.</a:t>
+            </a:r>
+          </a:p>
+        </p:txBody>
+      </p:sp>
+      <p:sp>
+        <p:nvSpPr>
+          <p:cNvPr id="5" name="TextBox 4"/>
+          <p:cNvSpPr txBox="1"/>
+          <p:nvPr/>
+        </p:nvSpPr>
+        <p:spPr>
+          <a:xfrm>
+            <a:off x="457200" y="6400800"/>
+            <a:ext cx="5486400" cy="365760"/>
+          </a:xfrm>
+          <a:prstGeom prst="rect">
+            <a:avLst/>
+          </a:prstGeom>
+          <a:noFill/>
+        </p:spPr>
+        <p:txBody>
+          <a:bodyPr wrap="none" anchor="ctr">
+            <a:spAutoFit/>
+          </a:bodyPr>
+          <a:lstStyle/>
+          <a:p>
+            <a:pPr algn="l">
+              <a:defRPr sz="900">
+                <a:solidFill>
+                  <a:srgbClr val="808080"/>
+                </a:solidFill>
+                <a:latin typeface="Arial"/>
+              </a:defRPr>
+            </a:pPr>
+            <a:r>
+              <a:t>Confidential | August 29, 2025</a:t>
+            </a:r>
+          </a:p>
+        </p:txBody>
+      </p:sp>
+      <p:sp>
+        <p:nvSpPr>
+          <p:cNvPr id="6" name="TextBox 5"/>
+          <p:cNvSpPr txBox="1"/>
+          <p:nvPr/>
+        </p:nvSpPr>
+        <p:spPr>
+          <a:xfrm>
+            <a:off x="9144000" y="6400800"/>
+            <a:ext cx="2743200" cy="365760"/>
+          </a:xfrm>
+          <a:prstGeom prst="rect">
+            <a:avLst/>
+          </a:prstGeom>
+          <a:noFill/>
+        </p:spPr>
+        <p:txBody>
+          <a:bodyPr wrap="none" anchor="ctr">
+            <a:spAutoFit/>
+          </a:bodyPr>
+          <a:lstStyle/>
+          <a:p>
+            <a:pPr algn="r">
+              <a:defRPr sz="900">
+                <a:solidFill>
+                  <a:srgbClr val="808080"/>
+                </a:solidFill>
+                <a:latin typeface="Arial"/>
+              </a:defRPr>
+            </a:pPr>
+            <a:r>
+              <a:t>Moelis &amp; Company</a:t>
+            </a:r>
+          </a:p>
+        </p:txBody>
+      </p:sp>
+    </p:spTree>
+  </p:cSld>
+  <p:clrMapOvr>
+    <a:masterClrMapping/>
+  </p:clrMapOvr>
+</p:sld>
+</file>
+
+<file path=ppt/slides/slide12.xml><?xml version="1.0" encoding="utf-8"?>
+<p:sld xmlns:a="http://schemas.openxmlformats.org/drawingml/2006/main" xmlns:p="http://schemas.openxmlformats.org/presentationml/2006/main" xmlns:r="http://schemas.openxmlformats.org/officeDocument/2006/relationships">
+  <p:cSld>
+    <p:spTree>
+      <p:nvGrpSpPr>
+        <p:cNvPr id="1" name=""/>
+        <p:cNvGrpSpPr/>
+        <p:nvPr/>
+      </p:nvGrpSpPr>
+      <p:grpSpPr/>
+      <p:sp>
+        <p:nvSpPr>
+          <p:cNvPr id="2" name="TextBox 1"/>
+          <p:cNvSpPr txBox="1"/>
+          <p:nvPr/>
+        </p:nvSpPr>
+        <p:spPr>
+          <a:xfrm>
+            <a:off x="457200" y="274320"/>
+            <a:ext cx="11277295" cy="731520"/>
+          </a:xfrm>
+          <a:prstGeom prst="rect">
+            <a:avLst/>
+          </a:prstGeom>
+          <a:noFill/>
+        </p:spPr>
+        <p:txBody>
+          <a:bodyPr wrap="none" lIns="0" tIns="0" rIns="0" bIns="0">
+            <a:spAutoFit/>
+          </a:bodyPr>
+          <a:lstStyle/>
+          <a:p>
+            <a:pPr algn="l"/>
+            <a:r>
+              <a:rPr sz="2400" b="1">
+                <a:solidFill>
+                  <a:srgbClr val="183A58"/>
+                </a:solidFill>
+                <a:latin typeface="Arial"/>
+              </a:rPr>
+              <a:t>Financial Buyer Profiles</a:t>
+            </a:r>
+          </a:p>
+        </p:txBody>
+      </p:sp>
+      <p:sp>
+        <p:nvSpPr>
+          <p:cNvPr id="3" name="Rectangle 2"/>
+          <p:cNvSpPr/>
+          <p:nvPr/>
+        </p:nvSpPr>
+        <p:spPr>
+          <a:xfrm>
+            <a:off x="457200" y="914400"/>
+            <a:ext cx="11277295" cy="45720"/>
+          </a:xfrm>
+          <a:prstGeom prst="rect">
+            <a:avLst/>
+          </a:prstGeom>
+          <a:solidFill>
+            <a:srgbClr val="183A58"/>
+          </a:solidFill>
+          <a:ln>
+            <a:noFill/>
+          </a:ln>
+        </p:spPr>
+        <p:style>
+          <a:lnRef idx="1">
+            <a:schemeClr val="accent1"/>
+          </a:lnRef>
+          <a:fillRef idx="3">
+            <a:schemeClr val="accent1"/>
+          </a:fillRef>
+          <a:effectRef idx="2">
+            <a:schemeClr val="accent1"/>
+          </a:effectRef>
+          <a:fontRef idx="minor">
+            <a:schemeClr val="lt1"/>
+          </a:fontRef>
+        </p:style>
+        <p:txBody>
+          <a:bodyPr rtlCol="0" anchor="ctr"/>
+          <a:lstStyle/>
+          <a:p>
+            <a:pPr algn="ctr"/>
+          </a:p>
+        </p:txBody>
+      </p:sp>
+      <p:sp>
+        <p:nvSpPr>
+          <p:cNvPr id="4" name="TextBox 3"/>
+          <p:cNvSpPr txBox="1"/>
+          <p:nvPr/>
+        </p:nvSpPr>
+        <p:spPr>
+          <a:xfrm>
+            <a:off x="1828800" y="2743200"/>
+            <a:ext cx="8229600" cy="914400"/>
+          </a:xfrm>
+          <a:prstGeom prst="rect">
+            <a:avLst/>
+          </a:prstGeom>
+          <a:noFill/>
+          <a:ln>
+            <a:noFill/>
+          </a:ln>
+          <a:effectLst/>
+        </p:spPr>
+        <p:txBody>
+          <a:bodyPr wrap="square">
+            <a:spAutoFit/>
+          </a:bodyPr>
+          <a:lstStyle/>
+          <a:p>
+            <a:pPr algn="ctr"/>
+            <a:r>
+              <a:rPr sz="1400" b="0">
+                <a:solidFill>
+                  <a:srgbClr val="404040"/>
+                </a:solidFill>
+                <a:latin typeface="Arial"/>
+              </a:rPr>
+              <a:t>Buyer profiles data will be displayed here when available.</a:t>
+            </a:r>
+          </a:p>
+        </p:txBody>
+      </p:sp>
+      <p:sp>
+        <p:nvSpPr>
+          <p:cNvPr id="5" name="TextBox 4"/>
+          <p:cNvSpPr txBox="1"/>
+          <p:nvPr/>
+        </p:nvSpPr>
+        <p:spPr>
+          <a:xfrm>
+            <a:off x="457200" y="6400800"/>
+            <a:ext cx="5486400" cy="365760"/>
+          </a:xfrm>
+          <a:prstGeom prst="rect">
+            <a:avLst/>
+          </a:prstGeom>
+          <a:noFill/>
+        </p:spPr>
+        <p:txBody>
+          <a:bodyPr wrap="none" anchor="ctr">
+            <a:spAutoFit/>
+          </a:bodyPr>
+          <a:lstStyle/>
+          <a:p>
+            <a:pPr algn="l">
+              <a:defRPr sz="900">
+                <a:solidFill>
+                  <a:srgbClr val="808080"/>
+                </a:solidFill>
+                <a:latin typeface="Arial"/>
+              </a:defRPr>
+            </a:pPr>
+            <a:r>
+              <a:t>Confidential | August 29, 2025</a:t>
+            </a:r>
+          </a:p>
+        </p:txBody>
+      </p:sp>
+      <p:sp>
+        <p:nvSpPr>
+          <p:cNvPr id="6" name="TextBox 5"/>
+          <p:cNvSpPr txBox="1"/>
+          <p:nvPr/>
+        </p:nvSpPr>
+        <p:spPr>
+          <a:xfrm>
+            <a:off x="9144000" y="6400800"/>
+            <a:ext cx="2743200" cy="365760"/>
+          </a:xfrm>
+          <a:prstGeom prst="rect">
+            <a:avLst/>
+          </a:prstGeom>
+          <a:noFill/>
+        </p:spPr>
+        <p:txBody>
+          <a:bodyPr wrap="none" anchor="ctr">
+            <a:spAutoFit/>
+          </a:bodyPr>
+          <a:lstStyle/>
+          <a:p>
+            <a:pPr algn="r">
+              <a:defRPr sz="900">
+                <a:solidFill>
+                  <a:srgbClr val="808080"/>
+                </a:solidFill>
+                <a:latin typeface="Arial"/>
+              </a:defRPr>
+            </a:pPr>
+            <a:r>
+              <a:t>Moelis &amp; Company</a:t>
+            </a:r>
+          </a:p>
+        </p:txBody>
+      </p:sp>
+    </p:spTree>
+  </p:cSld>
+  <p:clrMapOvr>
+    <a:masterClrMapping/>
+  </p:clrMapOvr>
+</p:sld>
+</file>
+
+<file path=ppt/slides/slide13.xml><?xml version="1.0" encoding="utf-8"?>
+<p:sld xmlns:a="http://schemas.openxmlformats.org/drawingml/2006/main" xmlns:p="http://schemas.openxmlformats.org/presentationml/2006/main" xmlns:r="http://schemas.openxmlformats.org/officeDocument/2006/relationships">
+  <p:cSld>
+    <p:spTree>
+      <p:nvGrpSpPr>
+        <p:cNvPr id="1" name=""/>
+        <p:cNvGrpSpPr/>
+        <p:nvPr/>
+      </p:nvGrpSpPr>
+      <p:grpSpPr/>
+      <p:sp>
+        <p:nvSpPr>
+          <p:cNvPr id="2" name="TextBox 1"/>
+          <p:cNvSpPr txBox="1"/>
+          <p:nvPr/>
+        </p:nvSpPr>
+        <p:spPr>
+          <a:xfrm>
+            <a:off x="457200" y="274320"/>
+            <a:ext cx="11277295" cy="731520"/>
+          </a:xfrm>
+          <a:prstGeom prst="rect">
+            <a:avLst/>
+          </a:prstGeom>
+          <a:noFill/>
+        </p:spPr>
+        <p:txBody>
+          <a:bodyPr wrap="none" lIns="0" tIns="0" rIns="0" bIns="0">
+            <a:spAutoFit/>
+          </a:bodyPr>
+          <a:lstStyle/>
+          <a:p>
+            <a:pPr algn="l"/>
+            <a:r>
+              <a:rPr sz="2400" b="1">
+                <a:solidFill>
+                  <a:srgbClr val="183A58"/>
+                </a:solidFill>
+                <a:latin typeface="Arial"/>
+              </a:rPr>
+              <a:t>Growth Strategy &amp; Market Opportunity</a:t>
+            </a:r>
+          </a:p>
+        </p:txBody>
+      </p:sp>
+      <p:sp>
+        <p:nvSpPr>
+          <p:cNvPr id="3" name="Rectangle 2"/>
+          <p:cNvSpPr/>
+          <p:nvPr/>
+        </p:nvSpPr>
+        <p:spPr>
+          <a:xfrm>
+            <a:off x="457200" y="914400"/>
+            <a:ext cx="11277295" cy="45720"/>
+          </a:xfrm>
+          <a:prstGeom prst="rect">
+            <a:avLst/>
+          </a:prstGeom>
+          <a:solidFill>
+            <a:srgbClr val="183A58"/>
+          </a:solidFill>
+          <a:ln>
+            <a:noFill/>
+          </a:ln>
+        </p:spPr>
+        <p:style>
+          <a:lnRef idx="1">
+            <a:schemeClr val="accent1"/>
+          </a:lnRef>
+          <a:fillRef idx="3">
+            <a:schemeClr val="accent1"/>
+          </a:fillRef>
+          <a:effectRef idx="2">
+            <a:schemeClr val="accent1"/>
+          </a:effectRef>
+          <a:fontRef idx="minor">
+            <a:schemeClr val="lt1"/>
+          </a:fontRef>
+        </p:style>
+        <p:txBody>
+          <a:bodyPr rtlCol="0" anchor="ctr"/>
+          <a:lstStyle/>
+          <a:p>
+            <a:pPr algn="ctr"/>
+          </a:p>
+        </p:txBody>
+      </p:sp>
+      <p:sp>
+        <p:nvSpPr>
+          <p:cNvPr id="4" name="TextBox 3"/>
+          <p:cNvSpPr txBox="1"/>
+          <p:nvPr/>
+        </p:nvSpPr>
+        <p:spPr>
+          <a:xfrm>
+            <a:off x="457200" y="1280160"/>
+            <a:ext cx="5486400" cy="274320"/>
+          </a:xfrm>
+          <a:prstGeom prst="rect">
+            <a:avLst/>
+          </a:prstGeom>
+          <a:noFill/>
+          <a:ln>
+            <a:noFill/>
+          </a:ln>
+          <a:effectLst/>
+        </p:spPr>
+        <p:txBody>
+          <a:bodyPr wrap="square">
+            <a:spAutoFit/>
+          </a:bodyPr>
+          <a:lstStyle/>
+          <a:p>
+            <a:pPr algn="l"/>
+            <a:r>
+              <a:rPr sz="1400" b="1">
+                <a:solidFill>
+                  <a:srgbClr val="183A58"/>
+                </a:solidFill>
+                <a:latin typeface="Arial"/>
+              </a:rPr>
+              <a:t>Multi-Pronged Growth Strategy</a:t>
+            </a:r>
+          </a:p>
+        </p:txBody>
+      </p:sp>
+      <p:sp>
+        <p:nvSpPr>
+          <p:cNvPr id="5" name="Oval 4"/>
+          <p:cNvSpPr/>
+          <p:nvPr/>
+        </p:nvSpPr>
+        <p:spPr>
+          <a:xfrm>
+            <a:off x="640080" y="1645920"/>
+            <a:ext cx="54864" cy="54864"/>
+          </a:xfrm>
+          <a:prstGeom prst="ellipse">
+            <a:avLst/>
+          </a:prstGeom>
+          <a:solidFill>
+            <a:srgbClr val="B5975B"/>
+          </a:solidFill>
+          <a:ln>
+            <a:noFill/>
+          </a:ln>
+          <a:effectLst/>
+        </p:spPr>
+        <p:style>
+          <a:lnRef idx="1">
+            <a:schemeClr val="accent1"/>
+          </a:lnRef>
+          <a:fillRef idx="3">
+            <a:schemeClr val="accent1"/>
+          </a:fillRef>
+          <a:effectRef idx="2">
+            <a:schemeClr val="accent1"/>
+          </a:effectRef>
+          <a:fontRef idx="minor">
+            <a:schemeClr val="lt1"/>
+          </a:fontRef>
+        </p:style>
+        <p:txBody>
+          <a:bodyPr rtlCol="0" anchor="ctr"/>
+          <a:lstStyle/>
+          <a:p>
+            <a:pPr algn="ctr"/>
+          </a:p>
+        </p:txBody>
+      </p:sp>
+      <p:sp>
+        <p:nvSpPr>
+          <p:cNvPr id="6" name="TextBox 5"/>
+          <p:cNvSpPr txBox="1"/>
+          <p:nvPr/>
+        </p:nvSpPr>
+        <p:spPr>
+          <a:xfrm>
+            <a:off x="777240" y="1600200"/>
+            <a:ext cx="5029200" cy="274320"/>
+          </a:xfrm>
+          <a:prstGeom prst="rect">
+            <a:avLst/>
+          </a:prstGeom>
+          <a:noFill/>
+          <a:ln>
+            <a:noFill/>
+          </a:ln>
+          <a:effectLst/>
+        </p:spPr>
+        <p:txBody>
+          <a:bodyPr wrap="square">
+            <a:spAutoFit/>
+          </a:bodyPr>
+          <a:lstStyle/>
+          <a:p>
+            <a:pPr algn="l"/>
+            <a:r>
+              <a:rPr sz="900" b="0">
+                <a:solidFill>
+                  <a:srgbClr val="404040"/>
+                </a:solidFill>
+                <a:latin typeface="Arial"/>
+              </a:rPr>
+              <a:t>Expand digital services portfolio to capture growing market demand</a:t>
+            </a:r>
+          </a:p>
+        </p:txBody>
+      </p:sp>
+      <p:sp>
+        <p:nvSpPr>
+          <p:cNvPr id="7" name="Oval 6"/>
+          <p:cNvSpPr/>
+          <p:nvPr/>
+        </p:nvSpPr>
+        <p:spPr>
+          <a:xfrm>
+            <a:off x="640080" y="1965960"/>
+            <a:ext cx="54864" cy="54864"/>
+          </a:xfrm>
+          <a:prstGeom prst="ellipse">
+            <a:avLst/>
+          </a:prstGeom>
+          <a:solidFill>
+            <a:srgbClr val="B5975B"/>
+          </a:solidFill>
+          <a:ln>
+            <a:noFill/>
+          </a:ln>
+          <a:effectLst/>
+        </p:spPr>
+        <p:style>
+          <a:lnRef idx="1">
+            <a:schemeClr val="accent1"/>
+          </a:lnRef>
+          <a:fillRef idx="3">
+            <a:schemeClr val="accent1"/>
+          </a:fillRef>
+          <a:effectRef idx="2">
+            <a:schemeClr val="accent1"/>
+          </a:effectRef>
+          <a:fontRef idx="minor">
+            <a:schemeClr val="lt1"/>
+          </a:fontRef>
+        </p:style>
+        <p:txBody>
+          <a:bodyPr rtlCol="0" anchor="ctr"/>
+          <a:lstStyle/>
+          <a:p>
+            <a:pPr algn="ctr"/>
+          </a:p>
+        </p:txBody>
+      </p:sp>
+      <p:sp>
+        <p:nvSpPr>
+          <p:cNvPr id="8" name="TextBox 7"/>
+          <p:cNvSpPr txBox="1"/>
+          <p:nvPr/>
+        </p:nvSpPr>
+        <p:spPr>
+          <a:xfrm>
+            <a:off x="777240" y="1920240"/>
+            <a:ext cx="5029200" cy="274320"/>
+          </a:xfrm>
+          <a:prstGeom prst="rect">
+            <a:avLst/>
+          </a:prstGeom>
+          <a:noFill/>
+          <a:ln>
+            <a:noFill/>
+          </a:ln>
+          <a:effectLst/>
+        </p:spPr>
+        <p:txBody>
+          <a:bodyPr wrap="square">
+            <a:spAutoFit/>
+          </a:bodyPr>
+          <a:lstStyle/>
+          <a:p>
+            <a:pPr algn="l"/>
+            <a:r>
+              <a:rPr sz="900" b="0">
+                <a:solidFill>
+                  <a:srgbClr val="404040"/>
+                </a:solidFill>
+                <a:latin typeface="Arial"/>
+              </a:rPr>
+              <a:t>Accelerate cloud transformation through Infosys Cobalt</a:t>
+            </a:r>
+          </a:p>
+        </p:txBody>
+      </p:sp>
+      <p:sp>
+        <p:nvSpPr>
+          <p:cNvPr id="9" name="Oval 8"/>
+          <p:cNvSpPr/>
+          <p:nvPr/>
+        </p:nvSpPr>
+        <p:spPr>
+          <a:xfrm>
+            <a:off x="640080" y="2286000"/>
+            <a:ext cx="54864" cy="54864"/>
+          </a:xfrm>
+          <a:prstGeom prst="ellipse">
+            <a:avLst/>
+          </a:prstGeom>
+          <a:solidFill>
+            <a:srgbClr val="B5975B"/>
+          </a:solidFill>
+          <a:ln>
+            <a:noFill/>
+          </a:ln>
+          <a:effectLst/>
+        </p:spPr>
+        <p:style>
+          <a:lnRef idx="1">
+            <a:schemeClr val="accent1"/>
+          </a:lnRef>
+          <a:fillRef idx="3">
+            <a:schemeClr val="accent1"/>
+          </a:fillRef>
+          <a:effectRef idx="2">
+            <a:schemeClr val="accent1"/>
+          </a:effectRef>
+          <a:fontRef idx="minor">
+            <a:schemeClr val="lt1"/>
+          </a:fontRef>
+        </p:style>
+        <p:txBody>
+          <a:bodyPr rtlCol="0" anchor="ctr"/>
+          <a:lstStyle/>
+          <a:p>
+            <a:pPr algn="ctr"/>
+          </a:p>
+        </p:txBody>
+      </p:sp>
+      <p:sp>
+        <p:nvSpPr>
+          <p:cNvPr id="10" name="TextBox 9"/>
+          <p:cNvSpPr txBox="1"/>
+          <p:nvPr/>
+        </p:nvSpPr>
+        <p:spPr>
+          <a:xfrm>
+            <a:off x="777240" y="2240280"/>
+            <a:ext cx="5029200" cy="274320"/>
+          </a:xfrm>
+          <a:prstGeom prst="rect">
+            <a:avLst/>
+          </a:prstGeom>
+          <a:noFill/>
+          <a:ln>
+            <a:noFill/>
+          </a:ln>
+          <a:effectLst/>
+        </p:spPr>
+        <p:txBody>
+          <a:bodyPr wrap="square">
+            <a:spAutoFit/>
+          </a:bodyPr>
+          <a:lstStyle/>
+          <a:p>
+            <a:pPr algn="l"/>
+            <a:r>
+              <a:rPr sz="900" b="0">
+                <a:solidFill>
+                  <a:srgbClr val="404040"/>
+                </a:solidFill>
+                <a:latin typeface="Arial"/>
+              </a:rPr>
+              <a:t>Enhance AI/ML capabilities via Infosys Topaz platform</a:t>
+            </a:r>
+          </a:p>
+        </p:txBody>
+      </p:sp>
+      <p:sp>
+        <p:nvSpPr>
+          <p:cNvPr id="11" name="Oval 10"/>
+          <p:cNvSpPr/>
+          <p:nvPr/>
+        </p:nvSpPr>
+        <p:spPr>
+          <a:xfrm>
+            <a:off x="640080" y="2606039"/>
+            <a:ext cx="54864" cy="54864"/>
+          </a:xfrm>
+          <a:prstGeom prst="ellipse">
+            <a:avLst/>
+          </a:prstGeom>
+          <a:solidFill>
+            <a:srgbClr val="B5975B"/>
+          </a:solidFill>
+          <a:ln>
+            <a:noFill/>
+          </a:ln>
+          <a:effectLst/>
+        </p:spPr>
+        <p:style>
+          <a:lnRef idx="1">
+            <a:schemeClr val="accent1"/>
+          </a:lnRef>
+          <a:fillRef idx="3">
+            <a:schemeClr val="accent1"/>
+          </a:fillRef>
+          <a:effectRef idx="2">
+            <a:schemeClr val="accent1"/>
+          </a:effectRef>
+          <a:fontRef idx="minor">
+            <a:schemeClr val="lt1"/>
+          </a:fontRef>
+        </p:style>
+        <p:txBody>
+          <a:bodyPr rtlCol="0" anchor="ctr"/>
+          <a:lstStyle/>
+          <a:p>
+            <a:pPr algn="ctr"/>
+          </a:p>
+        </p:txBody>
+      </p:sp>
+      <p:sp>
+        <p:nvSpPr>
+          <p:cNvPr id="12" name="TextBox 11"/>
+          <p:cNvSpPr txBox="1"/>
+          <p:nvPr/>
+        </p:nvSpPr>
+        <p:spPr>
+          <a:xfrm>
+            <a:off x="777240" y="2560319"/>
+            <a:ext cx="5029200" cy="274320"/>
+          </a:xfrm>
+          <a:prstGeom prst="rect">
+            <a:avLst/>
+          </a:prstGeom>
+          <a:noFill/>
+          <a:ln>
+            <a:noFill/>
+          </a:ln>
+          <a:effectLst/>
+        </p:spPr>
+        <p:txBody>
+          <a:bodyPr wrap="square">
+            <a:spAutoFit/>
+          </a:bodyPr>
+          <a:lstStyle/>
+          <a:p>
+            <a:pPr algn="l"/>
+            <a:r>
+              <a:rPr sz="900" b="0">
+                <a:solidFill>
+                  <a:srgbClr val="404040"/>
+                </a:solidFill>
+                <a:latin typeface="Arial"/>
+              </a:rPr>
+              <a:t>Strategic acquisitions in emerging technologies</a:t>
+            </a:r>
+          </a:p>
+        </p:txBody>
+      </p:sp>
+      <p:sp>
+        <p:nvSpPr>
+          <p:cNvPr id="13" name="Oval 12"/>
+          <p:cNvSpPr/>
+          <p:nvPr/>
+        </p:nvSpPr>
+        <p:spPr>
+          <a:xfrm>
+            <a:off x="640080" y="2926080"/>
+            <a:ext cx="54864" cy="54864"/>
+          </a:xfrm>
+          <a:prstGeom prst="ellipse">
+            <a:avLst/>
+          </a:prstGeom>
+          <a:solidFill>
+            <a:srgbClr val="B5975B"/>
+          </a:solidFill>
+          <a:ln>
+            <a:noFill/>
+          </a:ln>
+          <a:effectLst/>
+        </p:spPr>
+        <p:style>
+          <a:lnRef idx="1">
+            <a:schemeClr val="accent1"/>
+          </a:lnRef>
+          <a:fillRef idx="3">
+            <a:schemeClr val="accent1"/>
+          </a:fillRef>
+          <a:effectRef idx="2">
+            <a:schemeClr val="accent1"/>
+          </a:effectRef>
+          <a:fontRef idx="minor">
+            <a:schemeClr val="lt1"/>
+          </a:fontRef>
+        </p:style>
+        <p:txBody>
+          <a:bodyPr rtlCol="0" anchor="ctr"/>
+          <a:lstStyle/>
+          <a:p>
+            <a:pPr algn="ctr"/>
+          </a:p>
+        </p:txBody>
+      </p:sp>
+      <p:sp>
+        <p:nvSpPr>
+          <p:cNvPr id="14" name="TextBox 13"/>
+          <p:cNvSpPr txBox="1"/>
+          <p:nvPr/>
+        </p:nvSpPr>
+        <p:spPr>
+          <a:xfrm>
+            <a:off x="777240" y="2880360"/>
+            <a:ext cx="5029200" cy="274320"/>
+          </a:xfrm>
+          <a:prstGeom prst="rect">
+            <a:avLst/>
+          </a:prstGeom>
+          <a:noFill/>
+          <a:ln>
+            <a:noFill/>
+          </a:ln>
+          <a:effectLst/>
+        </p:spPr>
+        <p:txBody>
+          <a:bodyPr wrap="square">
+            <a:spAutoFit/>
+          </a:bodyPr>
+          <a:lstStyle/>
+          <a:p>
+            <a:pPr algn="l"/>
+            <a:r>
+              <a:rPr sz="900" b="0">
+                <a:solidFill>
+                  <a:srgbClr val="404040"/>
+                </a:solidFill>
+                <a:latin typeface="Arial"/>
+              </a:rPr>
+              <a:t>Geographic expansion in Europe and APAC markets</a:t>
+            </a:r>
+          </a:p>
+        </p:txBody>
+      </p:sp>
+      <p:sp>
+        <p:nvSpPr>
+          <p:cNvPr id="15" name="TextBox 14"/>
+          <p:cNvSpPr txBox="1"/>
+          <p:nvPr/>
+        </p:nvSpPr>
+        <p:spPr>
+          <a:xfrm>
+            <a:off x="457200" y="6400800"/>
+            <a:ext cx="5486400" cy="365760"/>
+          </a:xfrm>
+          <a:prstGeom prst="rect">
+            <a:avLst/>
+          </a:prstGeom>
+          <a:noFill/>
+        </p:spPr>
+        <p:txBody>
+          <a:bodyPr wrap="none" anchor="ctr">
+            <a:spAutoFit/>
+          </a:bodyPr>
+          <a:lstStyle/>
+          <a:p>
+            <a:pPr algn="l">
+              <a:defRPr sz="900">
+                <a:solidFill>
+                  <a:srgbClr val="808080"/>
+                </a:solidFill>
+                <a:latin typeface="Arial"/>
+              </a:defRPr>
+            </a:pPr>
+            <a:r>
+              <a:t>Confidential | August 29, 2025</a:t>
+            </a:r>
+          </a:p>
+        </p:txBody>
+      </p:sp>
+      <p:sp>
+        <p:nvSpPr>
+          <p:cNvPr id="16" name="TextBox 15"/>
+          <p:cNvSpPr txBox="1"/>
+          <p:nvPr/>
+        </p:nvSpPr>
+        <p:spPr>
+          <a:xfrm>
+            <a:off x="9144000" y="6400800"/>
+            <a:ext cx="2743200" cy="365760"/>
+          </a:xfrm>
+          <a:prstGeom prst="rect">
+            <a:avLst/>
+          </a:prstGeom>
+          <a:noFill/>
+        </p:spPr>
+        <p:txBody>
+          <a:bodyPr wrap="none" anchor="ctr">
+            <a:spAutoFit/>
+          </a:bodyPr>
+          <a:lstStyle/>
+          <a:p>
+            <a:pPr algn="r">
+              <a:defRPr sz="900">
+                <a:solidFill>
+                  <a:srgbClr val="808080"/>
+                </a:solidFill>
+                <a:latin typeface="Arial"/>
+              </a:defRPr>
+            </a:pPr>
+            <a:r>
+              <a:t>Moelis &amp; Company</a:t>
+            </a:r>
+          </a:p>
+        </p:txBody>
+      </p:sp>
+    </p:spTree>
+  </p:cSld>
+  <p:clrMapOvr>
+    <a:masterClrMapping/>
+  </p:clrMapOvr>
+</p:sld>
+</file>
+
+<file path=ppt/slides/slide2.xml><?xml version="1.0" encoding="utf-8"?>
 <p:sld xmlns:a="http://schemas.openxmlformats.org/drawingml/2006/main" xmlns:p="http://schemas.openxmlformats.org/presentationml/2006/main" xmlns:r="http://schemas.openxmlformats.org/officeDocument/2006/relationships">
   <p:cSld>
     <p:bg>
@@ -5283,7 +7304,930 @@
                 </a:solidFill>
                 <a:latin typeface="Arial"/>
               </a:rPr>
-              <a:t>Competitive Positioning Analysis</a:t>
+              <a:t>Service Portfolio &amp; Global Presence</a:t>
+            </a:r>
+          </a:p>
+        </p:txBody>
+      </p:sp>
+      <p:sp>
+        <p:nvSpPr>
+          <p:cNvPr id="3" name="Rectangle 2"/>
+          <p:cNvSpPr/>
+          <p:nvPr/>
+        </p:nvSpPr>
+        <p:spPr>
+          <a:xfrm>
+            <a:off x="457200" y="914400"/>
+            <a:ext cx="11277295" cy="45720"/>
+          </a:xfrm>
+          <a:prstGeom prst="rect">
+            <a:avLst/>
+          </a:prstGeom>
+          <a:solidFill>
+            <a:srgbClr val="183A58"/>
+          </a:solidFill>
+          <a:ln>
+            <a:noFill/>
+          </a:ln>
+        </p:spPr>
+        <p:style>
+          <a:lnRef idx="1">
+            <a:schemeClr val="accent1"/>
+          </a:lnRef>
+          <a:fillRef idx="3">
+            <a:schemeClr val="accent1"/>
+          </a:fillRef>
+          <a:effectRef idx="2">
+            <a:schemeClr val="accent1"/>
+          </a:effectRef>
+          <a:fontRef idx="minor">
+            <a:schemeClr val="lt1"/>
+          </a:fontRef>
+        </p:style>
+        <p:txBody>
+          <a:bodyPr rtlCol="0" anchor="ctr"/>
+          <a:lstStyle/>
+          <a:p>
+            <a:pPr algn="ctr"/>
+          </a:p>
+        </p:txBody>
+      </p:sp>
+      <p:sp>
+        <p:nvSpPr>
+          <p:cNvPr id="4" name="Oval 3"/>
+          <p:cNvSpPr/>
+          <p:nvPr/>
+        </p:nvSpPr>
+        <p:spPr>
+          <a:xfrm>
+            <a:off x="731520" y="1280160"/>
+            <a:ext cx="274320" cy="274320"/>
+          </a:xfrm>
+          <a:prstGeom prst="ellipse">
+            <a:avLst/>
+          </a:prstGeom>
+          <a:solidFill>
+            <a:srgbClr val="B5975B"/>
+          </a:solidFill>
+          <a:ln>
+            <a:noFill/>
+          </a:ln>
+        </p:spPr>
+        <p:style>
+          <a:lnRef idx="1">
+            <a:schemeClr val="accent1"/>
+          </a:lnRef>
+          <a:fillRef idx="3">
+            <a:schemeClr val="accent1"/>
+          </a:fillRef>
+          <a:effectRef idx="2">
+            <a:schemeClr val="accent1"/>
+          </a:effectRef>
+          <a:fontRef idx="minor">
+            <a:schemeClr val="lt1"/>
+          </a:fontRef>
+        </p:style>
+        <p:txBody>
+          <a:bodyPr rtlCol="0" anchor="ctr"/>
+          <a:lstStyle/>
+          <a:p>
+            <a:pPr algn="ctr"/>
+          </a:p>
+        </p:txBody>
+      </p:sp>
+      <p:sp>
+        <p:nvSpPr>
+          <p:cNvPr id="5" name="TextBox 4"/>
+          <p:cNvSpPr txBox="1"/>
+          <p:nvPr/>
+        </p:nvSpPr>
+        <p:spPr>
+          <a:xfrm>
+            <a:off x="1097280" y="1280160"/>
+            <a:ext cx="5029200" cy="228600"/>
+          </a:xfrm>
+          <a:prstGeom prst="rect">
+            <a:avLst/>
+          </a:prstGeom>
+          <a:noFill/>
+          <a:ln>
+            <a:noFill/>
+          </a:ln>
+          <a:effectLst/>
+        </p:spPr>
+        <p:txBody>
+          <a:bodyPr wrap="square">
+            <a:spAutoFit/>
+          </a:bodyPr>
+          <a:lstStyle/>
+          <a:p>
+            <a:pPr algn="l"/>
+            <a:r>
+              <a:rPr sz="1200" b="1">
+                <a:solidFill>
+                  <a:srgbClr val="183A58"/>
+                </a:solidFill>
+                <a:latin typeface="Arial"/>
+              </a:rPr>
+              <a:t>Digital Transformation</a:t>
+            </a:r>
+          </a:p>
+        </p:txBody>
+      </p:sp>
+      <p:sp>
+        <p:nvSpPr>
+          <p:cNvPr id="6" name="TextBox 5"/>
+          <p:cNvSpPr txBox="1"/>
+          <p:nvPr/>
+        </p:nvSpPr>
+        <p:spPr>
+          <a:xfrm>
+            <a:off x="1097280" y="1508760"/>
+            <a:ext cx="5029200" cy="502920"/>
+          </a:xfrm>
+          <a:prstGeom prst="rect">
+            <a:avLst/>
+          </a:prstGeom>
+          <a:noFill/>
+          <a:ln>
+            <a:noFill/>
+          </a:ln>
+          <a:effectLst/>
+        </p:spPr>
+        <p:txBody>
+          <a:bodyPr wrap="square">
+            <a:spAutoFit/>
+          </a:bodyPr>
+          <a:lstStyle/>
+          <a:p>
+            <a:pPr algn="l"/>
+            <a:r>
+              <a:rPr sz="1000" b="0">
+                <a:solidFill>
+                  <a:srgbClr val="404040"/>
+                </a:solidFill>
+                <a:latin typeface="Arial"/>
+              </a:rPr>
+              <a:t>End-to-end digital solutions including cloud, AI, and data analytics</a:t>
+            </a:r>
+          </a:p>
+        </p:txBody>
+      </p:sp>
+      <p:sp>
+        <p:nvSpPr>
+          <p:cNvPr id="7" name="Oval 6"/>
+          <p:cNvSpPr/>
+          <p:nvPr/>
+        </p:nvSpPr>
+        <p:spPr>
+          <a:xfrm>
+            <a:off x="731520" y="2057400"/>
+            <a:ext cx="274320" cy="274320"/>
+          </a:xfrm>
+          <a:prstGeom prst="ellipse">
+            <a:avLst/>
+          </a:prstGeom>
+          <a:solidFill>
+            <a:srgbClr val="B5975B"/>
+          </a:solidFill>
+          <a:ln>
+            <a:noFill/>
+          </a:ln>
+        </p:spPr>
+        <p:style>
+          <a:lnRef idx="1">
+            <a:schemeClr val="accent1"/>
+          </a:lnRef>
+          <a:fillRef idx="3">
+            <a:schemeClr val="accent1"/>
+          </a:fillRef>
+          <a:effectRef idx="2">
+            <a:schemeClr val="accent1"/>
+          </a:effectRef>
+          <a:fontRef idx="minor">
+            <a:schemeClr val="lt1"/>
+          </a:fontRef>
+        </p:style>
+        <p:txBody>
+          <a:bodyPr rtlCol="0" anchor="ctr"/>
+          <a:lstStyle/>
+          <a:p>
+            <a:pPr algn="ctr"/>
+          </a:p>
+        </p:txBody>
+      </p:sp>
+      <p:sp>
+        <p:nvSpPr>
+          <p:cNvPr id="8" name="TextBox 7"/>
+          <p:cNvSpPr txBox="1"/>
+          <p:nvPr/>
+        </p:nvSpPr>
+        <p:spPr>
+          <a:xfrm>
+            <a:off x="1097280" y="2057400"/>
+            <a:ext cx="5029200" cy="228600"/>
+          </a:xfrm>
+          <a:prstGeom prst="rect">
+            <a:avLst/>
+          </a:prstGeom>
+          <a:noFill/>
+          <a:ln>
+            <a:noFill/>
+          </a:ln>
+          <a:effectLst/>
+        </p:spPr>
+        <p:txBody>
+          <a:bodyPr wrap="square">
+            <a:spAutoFit/>
+          </a:bodyPr>
+          <a:lstStyle/>
+          <a:p>
+            <a:pPr algn="l"/>
+            <a:r>
+              <a:rPr sz="1200" b="1">
+                <a:solidFill>
+                  <a:srgbClr val="183A58"/>
+                </a:solidFill>
+                <a:latin typeface="Arial"/>
+              </a:rPr>
+              <a:t>Infosys Cobalt</a:t>
+            </a:r>
+          </a:p>
+        </p:txBody>
+      </p:sp>
+      <p:sp>
+        <p:nvSpPr>
+          <p:cNvPr id="9" name="TextBox 8"/>
+          <p:cNvSpPr txBox="1"/>
+          <p:nvPr/>
+        </p:nvSpPr>
+        <p:spPr>
+          <a:xfrm>
+            <a:off x="1097280" y="2286000"/>
+            <a:ext cx="5029200" cy="502920"/>
+          </a:xfrm>
+          <a:prstGeom prst="rect">
+            <a:avLst/>
+          </a:prstGeom>
+          <a:noFill/>
+          <a:ln>
+            <a:noFill/>
+          </a:ln>
+          <a:effectLst/>
+        </p:spPr>
+        <p:txBody>
+          <a:bodyPr wrap="square">
+            <a:spAutoFit/>
+          </a:bodyPr>
+          <a:lstStyle/>
+          <a:p>
+            <a:pPr algn="l"/>
+            <a:r>
+              <a:rPr sz="1000" b="0">
+                <a:solidFill>
+                  <a:srgbClr val="404040"/>
+                </a:solidFill>
+                <a:latin typeface="Arial"/>
+              </a:rPr>
+              <a:t>Cloud solutions with 35,000+ cloud assets and 300+ cloud-first solution blueprints</a:t>
+            </a:r>
+          </a:p>
+        </p:txBody>
+      </p:sp>
+      <p:sp>
+        <p:nvSpPr>
+          <p:cNvPr id="10" name="Oval 9"/>
+          <p:cNvSpPr/>
+          <p:nvPr/>
+        </p:nvSpPr>
+        <p:spPr>
+          <a:xfrm>
+            <a:off x="731520" y="2834640"/>
+            <a:ext cx="274320" cy="274320"/>
+          </a:xfrm>
+          <a:prstGeom prst="ellipse">
+            <a:avLst/>
+          </a:prstGeom>
+          <a:solidFill>
+            <a:srgbClr val="B5975B"/>
+          </a:solidFill>
+          <a:ln>
+            <a:noFill/>
+          </a:ln>
+        </p:spPr>
+        <p:style>
+          <a:lnRef idx="1">
+            <a:schemeClr val="accent1"/>
+          </a:lnRef>
+          <a:fillRef idx="3">
+            <a:schemeClr val="accent1"/>
+          </a:fillRef>
+          <a:effectRef idx="2">
+            <a:schemeClr val="accent1"/>
+          </a:effectRef>
+          <a:fontRef idx="minor">
+            <a:schemeClr val="lt1"/>
+          </a:fontRef>
+        </p:style>
+        <p:txBody>
+          <a:bodyPr rtlCol="0" anchor="ctr"/>
+          <a:lstStyle/>
+          <a:p>
+            <a:pPr algn="ctr"/>
+          </a:p>
+        </p:txBody>
+      </p:sp>
+      <p:sp>
+        <p:nvSpPr>
+          <p:cNvPr id="11" name="TextBox 10"/>
+          <p:cNvSpPr txBox="1"/>
+          <p:nvPr/>
+        </p:nvSpPr>
+        <p:spPr>
+          <a:xfrm>
+            <a:off x="1097280" y="2834640"/>
+            <a:ext cx="5029200" cy="228600"/>
+          </a:xfrm>
+          <a:prstGeom prst="rect">
+            <a:avLst/>
+          </a:prstGeom>
+          <a:noFill/>
+          <a:ln>
+            <a:noFill/>
+          </a:ln>
+          <a:effectLst/>
+        </p:spPr>
+        <p:txBody>
+          <a:bodyPr wrap="square">
+            <a:spAutoFit/>
+          </a:bodyPr>
+          <a:lstStyle/>
+          <a:p>
+            <a:pPr algn="l"/>
+            <a:r>
+              <a:rPr sz="1200" b="1">
+                <a:solidFill>
+                  <a:srgbClr val="183A58"/>
+                </a:solidFill>
+                <a:latin typeface="Arial"/>
+              </a:rPr>
+              <a:t>AI &amp; Automation</a:t>
+            </a:r>
+          </a:p>
+        </p:txBody>
+      </p:sp>
+      <p:sp>
+        <p:nvSpPr>
+          <p:cNvPr id="12" name="TextBox 11"/>
+          <p:cNvSpPr txBox="1"/>
+          <p:nvPr/>
+        </p:nvSpPr>
+        <p:spPr>
+          <a:xfrm>
+            <a:off x="1097280" y="3063240"/>
+            <a:ext cx="5029200" cy="502920"/>
+          </a:xfrm>
+          <a:prstGeom prst="rect">
+            <a:avLst/>
+          </a:prstGeom>
+          <a:noFill/>
+          <a:ln>
+            <a:noFill/>
+          </a:ln>
+          <a:effectLst/>
+        </p:spPr>
+        <p:txBody>
+          <a:bodyPr wrap="square">
+            <a:spAutoFit/>
+          </a:bodyPr>
+          <a:lstStyle/>
+          <a:p>
+            <a:pPr algn="l"/>
+            <a:r>
+              <a:rPr sz="1000" b="0">
+                <a:solidFill>
+                  <a:srgbClr val="404040"/>
+                </a:solidFill>
+                <a:latin typeface="Arial"/>
+              </a:rPr>
+              <a:t>Advanced AI/ML solutions through Infosys Topaz platform</a:t>
+            </a:r>
+          </a:p>
+        </p:txBody>
+      </p:sp>
+      <p:sp>
+        <p:nvSpPr>
+          <p:cNvPr id="13" name="Oval 12"/>
+          <p:cNvSpPr/>
+          <p:nvPr/>
+        </p:nvSpPr>
+        <p:spPr>
+          <a:xfrm>
+            <a:off x="731520" y="3611880"/>
+            <a:ext cx="274320" cy="274320"/>
+          </a:xfrm>
+          <a:prstGeom prst="ellipse">
+            <a:avLst/>
+          </a:prstGeom>
+          <a:solidFill>
+            <a:srgbClr val="B5975B"/>
+          </a:solidFill>
+          <a:ln>
+            <a:noFill/>
+          </a:ln>
+        </p:spPr>
+        <p:style>
+          <a:lnRef idx="1">
+            <a:schemeClr val="accent1"/>
+          </a:lnRef>
+          <a:fillRef idx="3">
+            <a:schemeClr val="accent1"/>
+          </a:fillRef>
+          <a:effectRef idx="2">
+            <a:schemeClr val="accent1"/>
+          </a:effectRef>
+          <a:fontRef idx="minor">
+            <a:schemeClr val="lt1"/>
+          </a:fontRef>
+        </p:style>
+        <p:txBody>
+          <a:bodyPr rtlCol="0" anchor="ctr"/>
+          <a:lstStyle/>
+          <a:p>
+            <a:pPr algn="ctr"/>
+          </a:p>
+        </p:txBody>
+      </p:sp>
+      <p:sp>
+        <p:nvSpPr>
+          <p:cNvPr id="14" name="TextBox 13"/>
+          <p:cNvSpPr txBox="1"/>
+          <p:nvPr/>
+        </p:nvSpPr>
+        <p:spPr>
+          <a:xfrm>
+            <a:off x="1097280" y="3611880"/>
+            <a:ext cx="5029200" cy="228600"/>
+          </a:xfrm>
+          <a:prstGeom prst="rect">
+            <a:avLst/>
+          </a:prstGeom>
+          <a:noFill/>
+          <a:ln>
+            <a:noFill/>
+          </a:ln>
+          <a:effectLst/>
+        </p:spPr>
+        <p:txBody>
+          <a:bodyPr wrap="square">
+            <a:spAutoFit/>
+          </a:bodyPr>
+          <a:lstStyle/>
+          <a:p>
+            <a:pPr algn="l"/>
+            <a:r>
+              <a:rPr sz="1200" b="1">
+                <a:solidFill>
+                  <a:srgbClr val="183A58"/>
+                </a:solidFill>
+                <a:latin typeface="Arial"/>
+              </a:rPr>
+              <a:t>Engineering Services</a:t>
+            </a:r>
+          </a:p>
+        </p:txBody>
+      </p:sp>
+      <p:sp>
+        <p:nvSpPr>
+          <p:cNvPr id="15" name="TextBox 14"/>
+          <p:cNvSpPr txBox="1"/>
+          <p:nvPr/>
+        </p:nvSpPr>
+        <p:spPr>
+          <a:xfrm>
+            <a:off x="1097280" y="3840480"/>
+            <a:ext cx="5029200" cy="502920"/>
+          </a:xfrm>
+          <a:prstGeom prst="rect">
+            <a:avLst/>
+          </a:prstGeom>
+          <a:noFill/>
+          <a:ln>
+            <a:noFill/>
+          </a:ln>
+          <a:effectLst/>
+        </p:spPr>
+        <p:txBody>
+          <a:bodyPr wrap="square">
+            <a:spAutoFit/>
+          </a:bodyPr>
+          <a:lstStyle/>
+          <a:p>
+            <a:pPr algn="l"/>
+            <a:r>
+              <a:rPr sz="1000" b="0">
+                <a:solidFill>
+                  <a:srgbClr val="404040"/>
+                </a:solidFill>
+                <a:latin typeface="Arial"/>
+              </a:rPr>
+              <a:t>Product development and digital manufacturing solutions</a:t>
+            </a:r>
+          </a:p>
+        </p:txBody>
+      </p:sp>
+      <p:sp>
+        <p:nvSpPr>
+          <p:cNvPr id="16" name="TextBox 15"/>
+          <p:cNvSpPr txBox="1"/>
+          <p:nvPr/>
+        </p:nvSpPr>
+        <p:spPr>
+          <a:xfrm>
+            <a:off x="6583680" y="1280160"/>
+            <a:ext cx="5029200" cy="274320"/>
+          </a:xfrm>
+          <a:prstGeom prst="rect">
+            <a:avLst/>
+          </a:prstGeom>
+          <a:noFill/>
+          <a:ln>
+            <a:noFill/>
+          </a:ln>
+          <a:effectLst/>
+        </p:spPr>
+        <p:txBody>
+          <a:bodyPr wrap="square">
+            <a:spAutoFit/>
+          </a:bodyPr>
+          <a:lstStyle/>
+          <a:p>
+            <a:pPr algn="ctr"/>
+            <a:r>
+              <a:rPr sz="1400" b="1">
+                <a:solidFill>
+                  <a:srgbClr val="183A58"/>
+                </a:solidFill>
+                <a:latin typeface="Arial"/>
+              </a:rPr>
+              <a:t>Product &amp; Service Market Coverage</a:t>
+            </a:r>
+          </a:p>
+        </p:txBody>
+      </p:sp>
+    </p:spTree>
+  </p:cSld>
+  <p:clrMapOvr>
+    <a:masterClrMapping/>
+  </p:clrMapOvr>
+</p:sld>
+</file>
+
+<file path=ppt/slides/slide3.xml><?xml version="1.0" encoding="utf-8"?>
+<p:sld xmlns:a="http://schemas.openxmlformats.org/drawingml/2006/main" xmlns:p="http://schemas.openxmlformats.org/presentationml/2006/main" xmlns:r="http://schemas.openxmlformats.org/officeDocument/2006/relationships">
+  <p:cSld>
+    <p:spTree>
+      <p:nvGrpSpPr>
+        <p:cNvPr id="1" name=""/>
+        <p:cNvGrpSpPr/>
+        <p:nvPr/>
+      </p:nvGrpSpPr>
+      <p:grpSpPr/>
+      <p:sp>
+        <p:nvSpPr>
+          <p:cNvPr id="2" name="TextBox 1"/>
+          <p:cNvSpPr txBox="1"/>
+          <p:nvPr/>
+        </p:nvSpPr>
+        <p:spPr>
+          <a:xfrm>
+            <a:off x="640080" y="731520"/>
+            <a:ext cx="10515600" cy="1371600"/>
+          </a:xfrm>
+          <a:prstGeom prst="rect">
+            <a:avLst/>
+          </a:prstGeom>
+          <a:noFill/>
+        </p:spPr>
+        <p:txBody>
+          <a:bodyPr wrap="none">
+            <a:spAutoFit/>
+          </a:bodyPr>
+          <a:lstStyle/>
+          <a:p>
+            <a:pPr algn="l"/>
+            <a:r>
+              <a:rPr sz="1400"/>
+              <a:t>Renderer error: 0</a:t>
+            </a:r>
+          </a:p>
+        </p:txBody>
+      </p:sp>
+    </p:spTree>
+  </p:cSld>
+  <p:clrMapOvr>
+    <a:masterClrMapping/>
+  </p:clrMapOvr>
+</p:sld>
+</file>
+
+<file path=ppt/slides/slide4.xml><?xml version="1.0" encoding="utf-8"?>
+<p:sld xmlns:a="http://schemas.openxmlformats.org/drawingml/2006/main" xmlns:p="http://schemas.openxmlformats.org/presentationml/2006/main" xmlns:r="http://schemas.openxmlformats.org/officeDocument/2006/relationships">
+  <p:cSld>
+    <p:bg>
+      <p:bgPr>
+        <a:solidFill>
+          <a:srgbClr val="FFFFFF"/>
+        </a:solidFill>
+        <a:effectLst/>
+      </p:bgPr>
+    </p:bg>
+    <p:spTree>
+      <p:nvGrpSpPr>
+        <p:cNvPr id="1" name=""/>
+        <p:cNvGrpSpPr/>
+        <p:nvPr/>
+      </p:nvGrpSpPr>
+      <p:grpSpPr/>
+      <p:sp>
+        <p:nvSpPr>
+          <p:cNvPr id="2" name="TextBox 1"/>
+          <p:cNvSpPr txBox="1"/>
+          <p:nvPr/>
+        </p:nvSpPr>
+        <p:spPr>
+          <a:xfrm>
+            <a:off x="457200" y="274320"/>
+            <a:ext cx="11277295" cy="731520"/>
+          </a:xfrm>
+          <a:prstGeom prst="rect">
+            <a:avLst/>
+          </a:prstGeom>
+          <a:noFill/>
+        </p:spPr>
+        <p:txBody>
+          <a:bodyPr wrap="none" lIns="0" tIns="0" rIns="0" bIns="0">
+            <a:spAutoFit/>
+          </a:bodyPr>
+          <a:lstStyle/>
+          <a:p>
+            <a:pPr algn="l"/>
+            <a:r>
+              <a:rPr sz="2400" b="1">
+                <a:solidFill>
+                  <a:srgbClr val="183A58"/>
+                </a:solidFill>
+                <a:latin typeface="Arial"/>
+              </a:rPr>
+              <a:t>Financial Performance</a:t>
+            </a:r>
+          </a:p>
+        </p:txBody>
+      </p:sp>
+      <p:sp>
+        <p:nvSpPr>
+          <p:cNvPr id="3" name="Rectangle 2"/>
+          <p:cNvSpPr/>
+          <p:nvPr/>
+        </p:nvSpPr>
+        <p:spPr>
+          <a:xfrm>
+            <a:off x="457200" y="914400"/>
+            <a:ext cx="11277295" cy="45720"/>
+          </a:xfrm>
+          <a:prstGeom prst="rect">
+            <a:avLst/>
+          </a:prstGeom>
+          <a:solidFill>
+            <a:srgbClr val="183A58"/>
+          </a:solidFill>
+          <a:ln>
+            <a:noFill/>
+          </a:ln>
+        </p:spPr>
+        <p:style>
+          <a:lnRef idx="1">
+            <a:schemeClr val="accent1"/>
+          </a:lnRef>
+          <a:fillRef idx="3">
+            <a:schemeClr val="accent1"/>
+          </a:fillRef>
+          <a:effectRef idx="2">
+            <a:schemeClr val="accent1"/>
+          </a:effectRef>
+          <a:fontRef idx="minor">
+            <a:schemeClr val="lt1"/>
+          </a:fontRef>
+        </p:style>
+        <p:txBody>
+          <a:bodyPr rtlCol="0" anchor="ctr"/>
+          <a:lstStyle/>
+          <a:p>
+            <a:pPr algn="ctr"/>
+          </a:p>
+        </p:txBody>
+      </p:sp>
+      <p:sp>
+        <p:nvSpPr>
+          <p:cNvPr id="4" name="TextBox 3"/>
+          <p:cNvSpPr txBox="1"/>
+          <p:nvPr/>
+        </p:nvSpPr>
+        <p:spPr>
+          <a:xfrm>
+            <a:off x="914400" y="1188720"/>
+            <a:ext cx="10058400" cy="274320"/>
+          </a:xfrm>
+          <a:prstGeom prst="rect">
+            <a:avLst/>
+          </a:prstGeom>
+          <a:noFill/>
+          <a:ln>
+            <a:noFill/>
+          </a:ln>
+          <a:effectLst/>
+        </p:spPr>
+        <p:txBody>
+          <a:bodyPr wrap="square">
+            <a:spAutoFit/>
+          </a:bodyPr>
+          <a:lstStyle/>
+          <a:p>
+            <a:pPr algn="ctr"/>
+            <a:r>
+              <a:rPr sz="1600" b="1">
+                <a:solidFill>
+                  <a:srgbClr val="183A58"/>
+                </a:solidFill>
+                <a:latin typeface="Arial"/>
+              </a:rPr>
+              <a:t>Company - 5-Year Financial Performance</a:t>
+            </a:r>
+          </a:p>
+        </p:txBody>
+      </p:sp>
+      <p:graphicFrame>
+        <p:nvGraphicFramePr>
+          <p:cNvPr id="5" name="Chart 4"/>
+          <p:cNvGraphicFramePr>
+            <a:graphicFrameLocks noGrp="1"/>
+          </p:cNvGraphicFramePr>
+          <p:nvPr/>
+        </p:nvGraphicFramePr>
+        <p:xfrm>
+          <a:off x="1828800" y="1554480"/>
+          <a:ext cx="8229600" cy="2103120"/>
+        </p:xfrm>
+        <a:graphic>
+          <a:graphicData uri="http://schemas.openxmlformats.org/drawingml/2006/chart">
+            <c:chart xmlns:c="http://schemas.openxmlformats.org/drawingml/2006/chart" r:id="rId2"/>
+          </a:graphicData>
+        </a:graphic>
+      </p:graphicFrame>
+      <p:sp>
+        <p:nvSpPr>
+          <p:cNvPr id="6" name="TextBox 5"/>
+          <p:cNvSpPr txBox="1"/>
+          <p:nvPr/>
+        </p:nvSpPr>
+        <p:spPr>
+          <a:xfrm>
+            <a:off x="1828800" y="3749039"/>
+            <a:ext cx="8229600" cy="182880"/>
+          </a:xfrm>
+          <a:prstGeom prst="rect">
+            <a:avLst/>
+          </a:prstGeom>
+          <a:noFill/>
+          <a:ln>
+            <a:noFill/>
+          </a:ln>
+          <a:effectLst/>
+        </p:spPr>
+        <p:txBody>
+          <a:bodyPr wrap="square">
+            <a:spAutoFit/>
+          </a:bodyPr>
+          <a:lstStyle/>
+          <a:p>
+            <a:pPr algn="ctr"/>
+            <a:r>
+              <a:rPr sz="800" b="0">
+                <a:solidFill>
+                  <a:srgbClr val="404040"/>
+                </a:solidFill>
+                <a:latin typeface="Arial"/>
+              </a:rPr>
+              <a:t>*Historical figures represent estimated performance based on market trends.</a:t>
+            </a:r>
+          </a:p>
+        </p:txBody>
+      </p:sp>
+    </p:spTree>
+  </p:cSld>
+  <p:clrMapOvr>
+    <a:masterClrMapping/>
+  </p:clrMapOvr>
+</p:sld>
+</file>
+
+<file path=ppt/slides/slide5.xml><?xml version="1.0" encoding="utf-8"?>
+<p:sld xmlns:a="http://schemas.openxmlformats.org/drawingml/2006/main" xmlns:p="http://schemas.openxmlformats.org/presentationml/2006/main" xmlns:r="http://schemas.openxmlformats.org/officeDocument/2006/relationships">
+  <p:cSld>
+    <p:spTree>
+      <p:nvGrpSpPr>
+        <p:cNvPr id="1" name=""/>
+        <p:cNvGrpSpPr/>
+        <p:nvPr/>
+      </p:nvGrpSpPr>
+      <p:grpSpPr/>
+      <p:sp>
+        <p:nvSpPr>
+          <p:cNvPr id="2" name="TextBox 1"/>
+          <p:cNvSpPr txBox="1"/>
+          <p:nvPr/>
+        </p:nvSpPr>
+        <p:spPr>
+          <a:xfrm>
+            <a:off x="640080" y="731520"/>
+            <a:ext cx="10515600" cy="1371600"/>
+          </a:xfrm>
+          <a:prstGeom prst="rect">
+            <a:avLst/>
+          </a:prstGeom>
+          <a:noFill/>
+        </p:spPr>
+        <p:txBody>
+          <a:bodyPr wrap="none">
+            <a:spAutoFit/>
+          </a:bodyPr>
+          <a:lstStyle/>
+          <a:p>
+            <a:pPr algn="l"/>
+            <a:r>
+              <a:rPr sz="1400"/>
+              <a:t>Renderer error: 'list' object has no attribute 'get'</a:t>
+            </a:r>
+          </a:p>
+        </p:txBody>
+      </p:sp>
+    </p:spTree>
+  </p:cSld>
+  <p:clrMapOvr>
+    <a:masterClrMapping/>
+  </p:clrMapOvr>
+</p:sld>
+</file>
+
+<file path=ppt/slides/slide6.xml><?xml version="1.0" encoding="utf-8"?>
+<p:sld xmlns:a="http://schemas.openxmlformats.org/drawingml/2006/main" xmlns:p="http://schemas.openxmlformats.org/presentationml/2006/main" xmlns:r="http://schemas.openxmlformats.org/officeDocument/2006/relationships">
+  <p:cSld>
+    <p:bg>
+      <p:bgPr>
+        <a:solidFill>
+          <a:srgbClr val="FFFFFF"/>
+        </a:solidFill>
+        <a:effectLst/>
+      </p:bgPr>
+    </p:bg>
+    <p:spTree>
+      <p:nvGrpSpPr>
+        <p:cNvPr id="1" name=""/>
+        <p:cNvGrpSpPr/>
+        <p:nvPr/>
+      </p:nvGrpSpPr>
+      <p:grpSpPr/>
+      <p:sp>
+        <p:nvSpPr>
+          <p:cNvPr id="2" name="TextBox 1"/>
+          <p:cNvSpPr txBox="1"/>
+          <p:nvPr/>
+        </p:nvSpPr>
+        <p:spPr>
+          <a:xfrm>
+            <a:off x="457200" y="274320"/>
+            <a:ext cx="11277295" cy="731520"/>
+          </a:xfrm>
+          <a:prstGeom prst="rect">
+            <a:avLst/>
+          </a:prstGeom>
+          <a:noFill/>
+        </p:spPr>
+        <p:txBody>
+          <a:bodyPr wrap="none" lIns="0" tIns="0" rIns="0" bIns="0">
+            <a:spAutoFit/>
+          </a:bodyPr>
+          <a:lstStyle/>
+          <a:p>
+            <a:pPr algn="l"/>
+            <a:r>
+              <a:rPr sz="2400" b="1">
+                <a:solidFill>
+                  <a:srgbClr val="183A58"/>
+                </a:solidFill>
+                <a:latin typeface="Arial"/>
+              </a:rPr>
+              <a:t>Market Position &amp; Competitive Analysis</a:t>
             </a:r>
           </a:p>
         </p:txBody>
@@ -6517,1008 +9461,7 @@
 </p:sld>
 </file>
 
-<file path=ppt/slides/slide11.xml><?xml version="1.0" encoding="utf-8"?>
-<p:sld xmlns:a="http://schemas.openxmlformats.org/drawingml/2006/main" xmlns:p="http://schemas.openxmlformats.org/presentationml/2006/main" xmlns:r="http://schemas.openxmlformats.org/officeDocument/2006/relationships">
-  <p:cSld>
-    <p:spTree>
-      <p:nvGrpSpPr>
-        <p:cNvPr id="1" name=""/>
-        <p:cNvGrpSpPr/>
-        <p:nvPr/>
-      </p:nvGrpSpPr>
-      <p:grpSpPr/>
-      <p:sp>
-        <p:nvSpPr>
-          <p:cNvPr id="2" name="TextBox 1"/>
-          <p:cNvSpPr txBox="1"/>
-          <p:nvPr/>
-        </p:nvSpPr>
-        <p:spPr>
-          <a:xfrm>
-            <a:off x="640080" y="731520"/>
-            <a:ext cx="10515600" cy="1371600"/>
-          </a:xfrm>
-          <a:prstGeom prst="rect">
-            <a:avLst/>
-          </a:prstGeom>
-          <a:noFill/>
-        </p:spPr>
-        <p:txBody>
-          <a:bodyPr wrap="none">
-            <a:spAutoFit/>
-          </a:bodyPr>
-          <a:lstStyle/>
-          <a:p>
-            <a:pPr algn="l"/>
-            <a:r>
-              <a:rPr sz="1400"/>
-              <a:t>Renderer error for render_competitive_positioning_slide: string indices must be integers, not 'str'</a:t>
-            </a:r>
-          </a:p>
-        </p:txBody>
-      </p:sp>
-    </p:spTree>
-  </p:cSld>
-  <p:clrMapOvr>
-    <a:masterClrMapping/>
-  </p:clrMapOvr>
-</p:sld>
-</file>
-
-<file path=ppt/slides/slide12.xml><?xml version="1.0" encoding="utf-8"?>
-<p:sld xmlns:a="http://schemas.openxmlformats.org/drawingml/2006/main" xmlns:p="http://schemas.openxmlformats.org/presentationml/2006/main" xmlns:r="http://schemas.openxmlformats.org/officeDocument/2006/relationships">
-  <p:cSld>
-    <p:spTree>
-      <p:nvGrpSpPr>
-        <p:cNvPr id="1" name=""/>
-        <p:cNvGrpSpPr/>
-        <p:nvPr/>
-      </p:nvGrpSpPr>
-      <p:grpSpPr/>
-      <p:sp>
-        <p:nvSpPr>
-          <p:cNvPr id="2" name="TextBox 1"/>
-          <p:cNvSpPr txBox="1"/>
-          <p:nvPr/>
-        </p:nvSpPr>
-        <p:spPr>
-          <a:xfrm>
-            <a:off x="457200" y="274320"/>
-            <a:ext cx="11277295" cy="731520"/>
-          </a:xfrm>
-          <a:prstGeom prst="rect">
-            <a:avLst/>
-          </a:prstGeom>
-          <a:noFill/>
-        </p:spPr>
-        <p:txBody>
-          <a:bodyPr wrap="none" lIns="0" tIns="0" rIns="0" bIns="0">
-            <a:spAutoFit/>
-          </a:bodyPr>
-          <a:lstStyle/>
-          <a:p>
-            <a:pPr algn="l"/>
-            <a:r>
-              <a:rPr sz="2400" b="1">
-                <a:solidFill>
-                  <a:srgbClr val="183A58"/>
-                </a:solidFill>
-                <a:latin typeface="Arial"/>
-              </a:rPr>
-              <a:t>Strategic Buyer Profiles</a:t>
-            </a:r>
-          </a:p>
-        </p:txBody>
-      </p:sp>
-      <p:sp>
-        <p:nvSpPr>
-          <p:cNvPr id="3" name="Rectangle 2"/>
-          <p:cNvSpPr/>
-          <p:nvPr/>
-        </p:nvSpPr>
-        <p:spPr>
-          <a:xfrm>
-            <a:off x="457200" y="914400"/>
-            <a:ext cx="11277295" cy="45720"/>
-          </a:xfrm>
-          <a:prstGeom prst="rect">
-            <a:avLst/>
-          </a:prstGeom>
-          <a:solidFill>
-            <a:srgbClr val="183A58"/>
-          </a:solidFill>
-          <a:ln>
-            <a:noFill/>
-          </a:ln>
-        </p:spPr>
-        <p:style>
-          <a:lnRef idx="1">
-            <a:schemeClr val="accent1"/>
-          </a:lnRef>
-          <a:fillRef idx="3">
-            <a:schemeClr val="accent1"/>
-          </a:fillRef>
-          <a:effectRef idx="2">
-            <a:schemeClr val="accent1"/>
-          </a:effectRef>
-          <a:fontRef idx="minor">
-            <a:schemeClr val="lt1"/>
-          </a:fontRef>
-        </p:style>
-        <p:txBody>
-          <a:bodyPr rtlCol="0" anchor="ctr"/>
-          <a:lstStyle/>
-          <a:p>
-            <a:pPr algn="ctr"/>
-          </a:p>
-        </p:txBody>
-      </p:sp>
-      <p:sp>
-        <p:nvSpPr>
-          <p:cNvPr id="4" name="TextBox 3"/>
-          <p:cNvSpPr txBox="1"/>
-          <p:nvPr/>
-        </p:nvSpPr>
-        <p:spPr>
-          <a:xfrm>
-            <a:off x="1828800" y="2743200"/>
-            <a:ext cx="8229600" cy="914400"/>
-          </a:xfrm>
-          <a:prstGeom prst="rect">
-            <a:avLst/>
-          </a:prstGeom>
-          <a:noFill/>
-          <a:ln>
-            <a:noFill/>
-          </a:ln>
-          <a:effectLst/>
-        </p:spPr>
-        <p:txBody>
-          <a:bodyPr wrap="square">
-            <a:spAutoFit/>
-          </a:bodyPr>
-          <a:lstStyle/>
-          <a:p>
-            <a:pPr algn="ctr"/>
-            <a:r>
-              <a:rPr sz="1400" b="0">
-                <a:solidFill>
-                  <a:srgbClr val="404040"/>
-                </a:solidFill>
-                <a:latin typeface="Arial"/>
-              </a:rPr>
-              <a:t>Buyer profiles data will be displayed here when available.</a:t>
-            </a:r>
-          </a:p>
-        </p:txBody>
-      </p:sp>
-      <p:sp>
-        <p:nvSpPr>
-          <p:cNvPr id="5" name="TextBox 4"/>
-          <p:cNvSpPr txBox="1"/>
-          <p:nvPr/>
-        </p:nvSpPr>
-        <p:spPr>
-          <a:xfrm>
-            <a:off x="457200" y="6400800"/>
-            <a:ext cx="5486400" cy="365760"/>
-          </a:xfrm>
-          <a:prstGeom prst="rect">
-            <a:avLst/>
-          </a:prstGeom>
-          <a:noFill/>
-        </p:spPr>
-        <p:txBody>
-          <a:bodyPr wrap="none" anchor="ctr">
-            <a:spAutoFit/>
-          </a:bodyPr>
-          <a:lstStyle/>
-          <a:p>
-            <a:pPr algn="l">
-              <a:defRPr sz="900">
-                <a:solidFill>
-                  <a:srgbClr val="808080"/>
-                </a:solidFill>
-                <a:latin typeface="Arial"/>
-              </a:defRPr>
-            </a:pPr>
-            <a:r>
-              <a:t>Confidential | August 29, 2025</a:t>
-            </a:r>
-          </a:p>
-        </p:txBody>
-      </p:sp>
-      <p:sp>
-        <p:nvSpPr>
-          <p:cNvPr id="6" name="TextBox 5"/>
-          <p:cNvSpPr txBox="1"/>
-          <p:nvPr/>
-        </p:nvSpPr>
-        <p:spPr>
-          <a:xfrm>
-            <a:off x="9144000" y="6400800"/>
-            <a:ext cx="2743200" cy="365760"/>
-          </a:xfrm>
-          <a:prstGeom prst="rect">
-            <a:avLst/>
-          </a:prstGeom>
-          <a:noFill/>
-        </p:spPr>
-        <p:txBody>
-          <a:bodyPr wrap="none" anchor="ctr">
-            <a:spAutoFit/>
-          </a:bodyPr>
-          <a:lstStyle/>
-          <a:p>
-            <a:pPr algn="r">
-              <a:defRPr sz="900">
-                <a:solidFill>
-                  <a:srgbClr val="808080"/>
-                </a:solidFill>
-                <a:latin typeface="Arial"/>
-              </a:defRPr>
-            </a:pPr>
-            <a:r>
-              <a:t>Moelis &amp; Company</a:t>
-            </a:r>
-          </a:p>
-        </p:txBody>
-      </p:sp>
-    </p:spTree>
-  </p:cSld>
-  <p:clrMapOvr>
-    <a:masterClrMapping/>
-  </p:clrMapOvr>
-</p:sld>
-</file>
-
-<file path=ppt/slides/slide13.xml><?xml version="1.0" encoding="utf-8"?>
-<p:sld xmlns:a="http://schemas.openxmlformats.org/drawingml/2006/main" xmlns:p="http://schemas.openxmlformats.org/presentationml/2006/main" xmlns:r="http://schemas.openxmlformats.org/officeDocument/2006/relationships">
-  <p:cSld>
-    <p:spTree>
-      <p:nvGrpSpPr>
-        <p:cNvPr id="1" name=""/>
-        <p:cNvGrpSpPr/>
-        <p:nvPr/>
-      </p:nvGrpSpPr>
-      <p:grpSpPr/>
-      <p:sp>
-        <p:nvSpPr>
-          <p:cNvPr id="2" name="TextBox 1"/>
-          <p:cNvSpPr txBox="1"/>
-          <p:nvPr/>
-        </p:nvSpPr>
-        <p:spPr>
-          <a:xfrm>
-            <a:off x="457200" y="274320"/>
-            <a:ext cx="11277295" cy="731520"/>
-          </a:xfrm>
-          <a:prstGeom prst="rect">
-            <a:avLst/>
-          </a:prstGeom>
-          <a:noFill/>
-        </p:spPr>
-        <p:txBody>
-          <a:bodyPr wrap="none" lIns="0" tIns="0" rIns="0" bIns="0">
-            <a:spAutoFit/>
-          </a:bodyPr>
-          <a:lstStyle/>
-          <a:p>
-            <a:pPr algn="l"/>
-            <a:r>
-              <a:rPr sz="2400" b="1">
-                <a:solidFill>
-                  <a:srgbClr val="183A58"/>
-                </a:solidFill>
-                <a:latin typeface="Arial"/>
-              </a:rPr>
-              <a:t>Financial Buyer Profiles</a:t>
-            </a:r>
-          </a:p>
-        </p:txBody>
-      </p:sp>
-      <p:sp>
-        <p:nvSpPr>
-          <p:cNvPr id="3" name="Rectangle 2"/>
-          <p:cNvSpPr/>
-          <p:nvPr/>
-        </p:nvSpPr>
-        <p:spPr>
-          <a:xfrm>
-            <a:off x="457200" y="914400"/>
-            <a:ext cx="11277295" cy="45720"/>
-          </a:xfrm>
-          <a:prstGeom prst="rect">
-            <a:avLst/>
-          </a:prstGeom>
-          <a:solidFill>
-            <a:srgbClr val="183A58"/>
-          </a:solidFill>
-          <a:ln>
-            <a:noFill/>
-          </a:ln>
-        </p:spPr>
-        <p:style>
-          <a:lnRef idx="1">
-            <a:schemeClr val="accent1"/>
-          </a:lnRef>
-          <a:fillRef idx="3">
-            <a:schemeClr val="accent1"/>
-          </a:fillRef>
-          <a:effectRef idx="2">
-            <a:schemeClr val="accent1"/>
-          </a:effectRef>
-          <a:fontRef idx="minor">
-            <a:schemeClr val="lt1"/>
-          </a:fontRef>
-        </p:style>
-        <p:txBody>
-          <a:bodyPr rtlCol="0" anchor="ctr"/>
-          <a:lstStyle/>
-          <a:p>
-            <a:pPr algn="ctr"/>
-          </a:p>
-        </p:txBody>
-      </p:sp>
-      <p:sp>
-        <p:nvSpPr>
-          <p:cNvPr id="4" name="TextBox 3"/>
-          <p:cNvSpPr txBox="1"/>
-          <p:nvPr/>
-        </p:nvSpPr>
-        <p:spPr>
-          <a:xfrm>
-            <a:off x="1828800" y="2743200"/>
-            <a:ext cx="8229600" cy="914400"/>
-          </a:xfrm>
-          <a:prstGeom prst="rect">
-            <a:avLst/>
-          </a:prstGeom>
-          <a:noFill/>
-          <a:ln>
-            <a:noFill/>
-          </a:ln>
-          <a:effectLst/>
-        </p:spPr>
-        <p:txBody>
-          <a:bodyPr wrap="square">
-            <a:spAutoFit/>
-          </a:bodyPr>
-          <a:lstStyle/>
-          <a:p>
-            <a:pPr algn="ctr"/>
-            <a:r>
-              <a:rPr sz="1400" b="0">
-                <a:solidFill>
-                  <a:srgbClr val="404040"/>
-                </a:solidFill>
-                <a:latin typeface="Arial"/>
-              </a:rPr>
-              <a:t>Buyer profiles data will be displayed here when available.</a:t>
-            </a:r>
-          </a:p>
-        </p:txBody>
-      </p:sp>
-      <p:sp>
-        <p:nvSpPr>
-          <p:cNvPr id="5" name="TextBox 4"/>
-          <p:cNvSpPr txBox="1"/>
-          <p:nvPr/>
-        </p:nvSpPr>
-        <p:spPr>
-          <a:xfrm>
-            <a:off x="457200" y="6400800"/>
-            <a:ext cx="5486400" cy="365760"/>
-          </a:xfrm>
-          <a:prstGeom prst="rect">
-            <a:avLst/>
-          </a:prstGeom>
-          <a:noFill/>
-        </p:spPr>
-        <p:txBody>
-          <a:bodyPr wrap="none" anchor="ctr">
-            <a:spAutoFit/>
-          </a:bodyPr>
-          <a:lstStyle/>
-          <a:p>
-            <a:pPr algn="l">
-              <a:defRPr sz="900">
-                <a:solidFill>
-                  <a:srgbClr val="808080"/>
-                </a:solidFill>
-                <a:latin typeface="Arial"/>
-              </a:defRPr>
-            </a:pPr>
-            <a:r>
-              <a:t>Confidential | August 29, 2025</a:t>
-            </a:r>
-          </a:p>
-        </p:txBody>
-      </p:sp>
-      <p:sp>
-        <p:nvSpPr>
-          <p:cNvPr id="6" name="TextBox 5"/>
-          <p:cNvSpPr txBox="1"/>
-          <p:nvPr/>
-        </p:nvSpPr>
-        <p:spPr>
-          <a:xfrm>
-            <a:off x="9144000" y="6400800"/>
-            <a:ext cx="2743200" cy="365760"/>
-          </a:xfrm>
-          <a:prstGeom prst="rect">
-            <a:avLst/>
-          </a:prstGeom>
-          <a:noFill/>
-        </p:spPr>
-        <p:txBody>
-          <a:bodyPr wrap="none" anchor="ctr">
-            <a:spAutoFit/>
-          </a:bodyPr>
-          <a:lstStyle/>
-          <a:p>
-            <a:pPr algn="r">
-              <a:defRPr sz="900">
-                <a:solidFill>
-                  <a:srgbClr val="808080"/>
-                </a:solidFill>
-                <a:latin typeface="Arial"/>
-              </a:defRPr>
-            </a:pPr>
-            <a:r>
-              <a:t>Moelis &amp; Company</a:t>
-            </a:r>
-          </a:p>
-        </p:txBody>
-      </p:sp>
-    </p:spTree>
-  </p:cSld>
-  <p:clrMapOvr>
-    <a:masterClrMapping/>
-  </p:clrMapOvr>
-</p:sld>
-</file>
-
-<file path=ppt/slides/slide14.xml><?xml version="1.0" encoding="utf-8"?>
-<p:sld xmlns:a="http://schemas.openxmlformats.org/drawingml/2006/main" xmlns:p="http://schemas.openxmlformats.org/presentationml/2006/main" xmlns:r="http://schemas.openxmlformats.org/officeDocument/2006/relationships">
-  <p:cSld>
-    <p:spTree>
-      <p:nvGrpSpPr>
-        <p:cNvPr id="1" name=""/>
-        <p:cNvGrpSpPr/>
-        <p:nvPr/>
-      </p:nvGrpSpPr>
-      <p:grpSpPr/>
-      <p:sp>
-        <p:nvSpPr>
-          <p:cNvPr id="2" name="TextBox 1"/>
-          <p:cNvSpPr txBox="1"/>
-          <p:nvPr/>
-        </p:nvSpPr>
-        <p:spPr>
-          <a:xfrm>
-            <a:off x="457200" y="274320"/>
-            <a:ext cx="11277295" cy="731520"/>
-          </a:xfrm>
-          <a:prstGeom prst="rect">
-            <a:avLst/>
-          </a:prstGeom>
-          <a:noFill/>
-        </p:spPr>
-        <p:txBody>
-          <a:bodyPr wrap="none" lIns="0" tIns="0" rIns="0" bIns="0">
-            <a:spAutoFit/>
-          </a:bodyPr>
-          <a:lstStyle/>
-          <a:p>
-            <a:pPr algn="l"/>
-            <a:r>
-              <a:rPr sz="2400" b="1">
-                <a:solidFill>
-                  <a:srgbClr val="183A58"/>
-                </a:solidFill>
-                <a:latin typeface="Arial"/>
-              </a:rPr>
-              <a:t>Growth Strategy &amp; Market Opportunity</a:t>
-            </a:r>
-          </a:p>
-        </p:txBody>
-      </p:sp>
-      <p:sp>
-        <p:nvSpPr>
-          <p:cNvPr id="3" name="Rectangle 2"/>
-          <p:cNvSpPr/>
-          <p:nvPr/>
-        </p:nvSpPr>
-        <p:spPr>
-          <a:xfrm>
-            <a:off x="457200" y="914400"/>
-            <a:ext cx="11277295" cy="45720"/>
-          </a:xfrm>
-          <a:prstGeom prst="rect">
-            <a:avLst/>
-          </a:prstGeom>
-          <a:solidFill>
-            <a:srgbClr val="183A58"/>
-          </a:solidFill>
-          <a:ln>
-            <a:noFill/>
-          </a:ln>
-        </p:spPr>
-        <p:style>
-          <a:lnRef idx="1">
-            <a:schemeClr val="accent1"/>
-          </a:lnRef>
-          <a:fillRef idx="3">
-            <a:schemeClr val="accent1"/>
-          </a:fillRef>
-          <a:effectRef idx="2">
-            <a:schemeClr val="accent1"/>
-          </a:effectRef>
-          <a:fontRef idx="minor">
-            <a:schemeClr val="lt1"/>
-          </a:fontRef>
-        </p:style>
-        <p:txBody>
-          <a:bodyPr rtlCol="0" anchor="ctr"/>
-          <a:lstStyle/>
-          <a:p>
-            <a:pPr algn="ctr"/>
-          </a:p>
-        </p:txBody>
-      </p:sp>
-      <p:sp>
-        <p:nvSpPr>
-          <p:cNvPr id="4" name="TextBox 3"/>
-          <p:cNvSpPr txBox="1"/>
-          <p:nvPr/>
-        </p:nvSpPr>
-        <p:spPr>
-          <a:xfrm>
-            <a:off x="457200" y="1280160"/>
-            <a:ext cx="5486400" cy="274320"/>
-          </a:xfrm>
-          <a:prstGeom prst="rect">
-            <a:avLst/>
-          </a:prstGeom>
-          <a:noFill/>
-          <a:ln>
-            <a:noFill/>
-          </a:ln>
-          <a:effectLst/>
-        </p:spPr>
-        <p:txBody>
-          <a:bodyPr wrap="square">
-            <a:spAutoFit/>
-          </a:bodyPr>
-          <a:lstStyle/>
-          <a:p>
-            <a:pPr algn="l"/>
-            <a:r>
-              <a:rPr sz="1400" b="1">
-                <a:solidFill>
-                  <a:srgbClr val="183A58"/>
-                </a:solidFill>
-                <a:latin typeface="Arial"/>
-              </a:rPr>
-              <a:t>Multi-Pronged Growth Strategy</a:t>
-            </a:r>
-          </a:p>
-        </p:txBody>
-      </p:sp>
-      <p:sp>
-        <p:nvSpPr>
-          <p:cNvPr id="5" name="Oval 4"/>
-          <p:cNvSpPr/>
-          <p:nvPr/>
-        </p:nvSpPr>
-        <p:spPr>
-          <a:xfrm>
-            <a:off x="640080" y="1645920"/>
-            <a:ext cx="54864" cy="54864"/>
-          </a:xfrm>
-          <a:prstGeom prst="ellipse">
-            <a:avLst/>
-          </a:prstGeom>
-          <a:solidFill>
-            <a:srgbClr val="B5975B"/>
-          </a:solidFill>
-          <a:ln>
-            <a:noFill/>
-          </a:ln>
-          <a:effectLst/>
-        </p:spPr>
-        <p:style>
-          <a:lnRef idx="1">
-            <a:schemeClr val="accent1"/>
-          </a:lnRef>
-          <a:fillRef idx="3">
-            <a:schemeClr val="accent1"/>
-          </a:fillRef>
-          <a:effectRef idx="2">
-            <a:schemeClr val="accent1"/>
-          </a:effectRef>
-          <a:fontRef idx="minor">
-            <a:schemeClr val="lt1"/>
-          </a:fontRef>
-        </p:style>
-        <p:txBody>
-          <a:bodyPr rtlCol="0" anchor="ctr"/>
-          <a:lstStyle/>
-          <a:p>
-            <a:pPr algn="ctr"/>
-          </a:p>
-        </p:txBody>
-      </p:sp>
-      <p:sp>
-        <p:nvSpPr>
-          <p:cNvPr id="6" name="TextBox 5"/>
-          <p:cNvSpPr txBox="1"/>
-          <p:nvPr/>
-        </p:nvSpPr>
-        <p:spPr>
-          <a:xfrm>
-            <a:off x="777240" y="1600200"/>
-            <a:ext cx="5029200" cy="274320"/>
-          </a:xfrm>
-          <a:prstGeom prst="rect">
-            <a:avLst/>
-          </a:prstGeom>
-          <a:noFill/>
-          <a:ln>
-            <a:noFill/>
-          </a:ln>
-          <a:effectLst/>
-        </p:spPr>
-        <p:txBody>
-          <a:bodyPr wrap="square">
-            <a:spAutoFit/>
-          </a:bodyPr>
-          <a:lstStyle/>
-          <a:p>
-            <a:pPr algn="l"/>
-            <a:r>
-              <a:rPr sz="900" b="0">
-                <a:solidFill>
-                  <a:srgbClr val="404040"/>
-                </a:solidFill>
-                <a:latin typeface="Arial"/>
-              </a:rPr>
-              <a:t>Establish leadership in Enterprise AI and Generative AI</a:t>
-            </a:r>
-          </a:p>
-        </p:txBody>
-      </p:sp>
-      <p:sp>
-        <p:nvSpPr>
-          <p:cNvPr id="7" name="Oval 6"/>
-          <p:cNvSpPr/>
-          <p:nvPr/>
-        </p:nvSpPr>
-        <p:spPr>
-          <a:xfrm>
-            <a:off x="640080" y="1965960"/>
-            <a:ext cx="54864" cy="54864"/>
-          </a:xfrm>
-          <a:prstGeom prst="ellipse">
-            <a:avLst/>
-          </a:prstGeom>
-          <a:solidFill>
-            <a:srgbClr val="B5975B"/>
-          </a:solidFill>
-          <a:ln>
-            <a:noFill/>
-          </a:ln>
-          <a:effectLst/>
-        </p:spPr>
-        <p:style>
-          <a:lnRef idx="1">
-            <a:schemeClr val="accent1"/>
-          </a:lnRef>
-          <a:fillRef idx="3">
-            <a:schemeClr val="accent1"/>
-          </a:fillRef>
-          <a:effectRef idx="2">
-            <a:schemeClr val="accent1"/>
-          </a:effectRef>
-          <a:fontRef idx="minor">
-            <a:schemeClr val="lt1"/>
-          </a:fontRef>
-        </p:style>
-        <p:txBody>
-          <a:bodyPr rtlCol="0" anchor="ctr"/>
-          <a:lstStyle/>
-          <a:p>
-            <a:pPr algn="ctr"/>
-          </a:p>
-        </p:txBody>
-      </p:sp>
-      <p:sp>
-        <p:nvSpPr>
-          <p:cNvPr id="8" name="TextBox 7"/>
-          <p:cNvSpPr txBox="1"/>
-          <p:nvPr/>
-        </p:nvSpPr>
-        <p:spPr>
-          <a:xfrm>
-            <a:off x="777240" y="1920240"/>
-            <a:ext cx="5029200" cy="274320"/>
-          </a:xfrm>
-          <a:prstGeom prst="rect">
-            <a:avLst/>
-          </a:prstGeom>
-          <a:noFill/>
-          <a:ln>
-            <a:noFill/>
-          </a:ln>
-          <a:effectLst/>
-        </p:spPr>
-        <p:txBody>
-          <a:bodyPr wrap="square">
-            <a:spAutoFit/>
-          </a:bodyPr>
-          <a:lstStyle/>
-          <a:p>
-            <a:pPr algn="l"/>
-            <a:r>
-              <a:rPr sz="900" b="0">
-                <a:solidFill>
-                  <a:srgbClr val="404040"/>
-                </a:solidFill>
-                <a:latin typeface="Arial"/>
-              </a:rPr>
-              <a:t>Focus on large-scale digital transformation deals</a:t>
-            </a:r>
-          </a:p>
-        </p:txBody>
-      </p:sp>
-      <p:sp>
-        <p:nvSpPr>
-          <p:cNvPr id="9" name="Oval 8"/>
-          <p:cNvSpPr/>
-          <p:nvPr/>
-        </p:nvSpPr>
-        <p:spPr>
-          <a:xfrm>
-            <a:off x="640080" y="2286000"/>
-            <a:ext cx="54864" cy="54864"/>
-          </a:xfrm>
-          <a:prstGeom prst="ellipse">
-            <a:avLst/>
-          </a:prstGeom>
-          <a:solidFill>
-            <a:srgbClr val="B5975B"/>
-          </a:solidFill>
-          <a:ln>
-            <a:noFill/>
-          </a:ln>
-          <a:effectLst/>
-        </p:spPr>
-        <p:style>
-          <a:lnRef idx="1">
-            <a:schemeClr val="accent1"/>
-          </a:lnRef>
-          <a:fillRef idx="3">
-            <a:schemeClr val="accent1"/>
-          </a:fillRef>
-          <a:effectRef idx="2">
-            <a:schemeClr val="accent1"/>
-          </a:effectRef>
-          <a:fontRef idx="minor">
-            <a:schemeClr val="lt1"/>
-          </a:fontRef>
-        </p:style>
-        <p:txBody>
-          <a:bodyPr rtlCol="0" anchor="ctr"/>
-          <a:lstStyle/>
-          <a:p>
-            <a:pPr algn="ctr"/>
-          </a:p>
-        </p:txBody>
-      </p:sp>
-      <p:sp>
-        <p:nvSpPr>
-          <p:cNvPr id="10" name="TextBox 9"/>
-          <p:cNvSpPr txBox="1"/>
-          <p:nvPr/>
-        </p:nvSpPr>
-        <p:spPr>
-          <a:xfrm>
-            <a:off x="777240" y="2240280"/>
-            <a:ext cx="5029200" cy="274320"/>
-          </a:xfrm>
-          <a:prstGeom prst="rect">
-            <a:avLst/>
-          </a:prstGeom>
-          <a:noFill/>
-          <a:ln>
-            <a:noFill/>
-          </a:ln>
-          <a:effectLst/>
-        </p:spPr>
-        <p:txBody>
-          <a:bodyPr wrap="square">
-            <a:spAutoFit/>
-          </a:bodyPr>
-          <a:lstStyle/>
-          <a:p>
-            <a:pPr algn="l"/>
-            <a:r>
-              <a:rPr sz="900" b="0">
-                <a:solidFill>
-                  <a:srgbClr val="404040"/>
-                </a:solidFill>
-                <a:latin typeface="Arial"/>
-              </a:rPr>
-              <a:t>Expand within high-growth industry verticals</a:t>
-            </a:r>
-          </a:p>
-        </p:txBody>
-      </p:sp>
-      <p:sp>
-        <p:nvSpPr>
-          <p:cNvPr id="11" name="Oval 10"/>
-          <p:cNvSpPr/>
-          <p:nvPr/>
-        </p:nvSpPr>
-        <p:spPr>
-          <a:xfrm>
-            <a:off x="640080" y="2606039"/>
-            <a:ext cx="54864" cy="54864"/>
-          </a:xfrm>
-          <a:prstGeom prst="ellipse">
-            <a:avLst/>
-          </a:prstGeom>
-          <a:solidFill>
-            <a:srgbClr val="B5975B"/>
-          </a:solidFill>
-          <a:ln>
-            <a:noFill/>
-          </a:ln>
-          <a:effectLst/>
-        </p:spPr>
-        <p:style>
-          <a:lnRef idx="1">
-            <a:schemeClr val="accent1"/>
-          </a:lnRef>
-          <a:fillRef idx="3">
-            <a:schemeClr val="accent1"/>
-          </a:fillRef>
-          <a:effectRef idx="2">
-            <a:schemeClr val="accent1"/>
-          </a:effectRef>
-          <a:fontRef idx="minor">
-            <a:schemeClr val="lt1"/>
-          </a:fontRef>
-        </p:style>
-        <p:txBody>
-          <a:bodyPr rtlCol="0" anchor="ctr"/>
-          <a:lstStyle/>
-          <a:p>
-            <a:pPr algn="ctr"/>
-          </a:p>
-        </p:txBody>
-      </p:sp>
-      <p:sp>
-        <p:nvSpPr>
-          <p:cNvPr id="12" name="TextBox 11"/>
-          <p:cNvSpPr txBox="1"/>
-          <p:nvPr/>
-        </p:nvSpPr>
-        <p:spPr>
-          <a:xfrm>
-            <a:off x="777240" y="2560319"/>
-            <a:ext cx="5029200" cy="274320"/>
-          </a:xfrm>
-          <a:prstGeom prst="rect">
-            <a:avLst/>
-          </a:prstGeom>
-          <a:noFill/>
-          <a:ln>
-            <a:noFill/>
-          </a:ln>
-          <a:effectLst/>
-        </p:spPr>
-        <p:txBody>
-          <a:bodyPr wrap="square">
-            <a:spAutoFit/>
-          </a:bodyPr>
-          <a:lstStyle/>
-          <a:p>
-            <a:pPr algn="l"/>
-            <a:r>
-              <a:rPr sz="900" b="0">
-                <a:solidFill>
-                  <a:srgbClr val="404040"/>
-                </a:solidFill>
-                <a:latin typeface="Arial"/>
-              </a:rPr>
-              <a:t>Deepen presence in core geographic markets</a:t>
-            </a:r>
-          </a:p>
-        </p:txBody>
-      </p:sp>
-      <p:sp>
-        <p:nvSpPr>
-          <p:cNvPr id="13" name="TextBox 12"/>
-          <p:cNvSpPr txBox="1"/>
-          <p:nvPr/>
-        </p:nvSpPr>
-        <p:spPr>
-          <a:xfrm>
-            <a:off x="457200" y="6400800"/>
-            <a:ext cx="5486400" cy="365760"/>
-          </a:xfrm>
-          <a:prstGeom prst="rect">
-            <a:avLst/>
-          </a:prstGeom>
-          <a:noFill/>
-        </p:spPr>
-        <p:txBody>
-          <a:bodyPr wrap="none" anchor="ctr">
-            <a:spAutoFit/>
-          </a:bodyPr>
-          <a:lstStyle/>
-          <a:p>
-            <a:pPr algn="l">
-              <a:defRPr sz="900">
-                <a:solidFill>
-                  <a:srgbClr val="808080"/>
-                </a:solidFill>
-                <a:latin typeface="Arial"/>
-              </a:defRPr>
-            </a:pPr>
-            <a:r>
-              <a:t>Confidential | August 29, 2025</a:t>
-            </a:r>
-          </a:p>
-        </p:txBody>
-      </p:sp>
-      <p:sp>
-        <p:nvSpPr>
-          <p:cNvPr id="14" name="TextBox 13"/>
-          <p:cNvSpPr txBox="1"/>
-          <p:nvPr/>
-        </p:nvSpPr>
-        <p:spPr>
-          <a:xfrm>
-            <a:off x="9144000" y="6400800"/>
-            <a:ext cx="2743200" cy="365760"/>
-          </a:xfrm>
-          <a:prstGeom prst="rect">
-            <a:avLst/>
-          </a:prstGeom>
-          <a:noFill/>
-        </p:spPr>
-        <p:txBody>
-          <a:bodyPr wrap="none" anchor="ctr">
-            <a:spAutoFit/>
-          </a:bodyPr>
-          <a:lstStyle/>
-          <a:p>
-            <a:pPr algn="r">
-              <a:defRPr sz="900">
-                <a:solidFill>
-                  <a:srgbClr val="808080"/>
-                </a:solidFill>
-                <a:latin typeface="Arial"/>
-              </a:defRPr>
-            </a:pPr>
-            <a:r>
-              <a:t>Moelis &amp; Company</a:t>
-            </a:r>
-          </a:p>
-        </p:txBody>
-      </p:sp>
-    </p:spTree>
-  </p:cSld>
-  <p:clrMapOvr>
-    <a:masterClrMapping/>
-  </p:clrMapOvr>
-</p:sld>
-</file>
-
-<file path=ppt/slides/slide2.xml><?xml version="1.0" encoding="utf-8"?>
+<file path=ppt/slides/slide7.xml><?xml version="1.0" encoding="utf-8"?>
 <p:sld xmlns:a="http://schemas.openxmlformats.org/drawingml/2006/main" xmlns:p="http://schemas.openxmlformats.org/presentationml/2006/main" xmlns:r="http://schemas.openxmlformats.org/officeDocument/2006/relationships">
   <p:cSld>
     <p:bg>
@@ -7566,1975 +9509,7 @@
                 </a:solidFill>
                 <a:latin typeface="Arial"/>
               </a:rPr>
-              <a:t>Service Portfolio &amp; Global Presence</a:t>
-            </a:r>
-          </a:p>
-        </p:txBody>
-      </p:sp>
-      <p:sp>
-        <p:nvSpPr>
-          <p:cNvPr id="3" name="Rectangle 2"/>
-          <p:cNvSpPr/>
-          <p:nvPr/>
-        </p:nvSpPr>
-        <p:spPr>
-          <a:xfrm>
-            <a:off x="457200" y="914400"/>
-            <a:ext cx="11277295" cy="45720"/>
-          </a:xfrm>
-          <a:prstGeom prst="rect">
-            <a:avLst/>
-          </a:prstGeom>
-          <a:solidFill>
-            <a:srgbClr val="183A58"/>
-          </a:solidFill>
-          <a:ln>
-            <a:noFill/>
-          </a:ln>
-        </p:spPr>
-        <p:style>
-          <a:lnRef idx="1">
-            <a:schemeClr val="accent1"/>
-          </a:lnRef>
-          <a:fillRef idx="3">
-            <a:schemeClr val="accent1"/>
-          </a:fillRef>
-          <a:effectRef idx="2">
-            <a:schemeClr val="accent1"/>
-          </a:effectRef>
-          <a:fontRef idx="minor">
-            <a:schemeClr val="lt1"/>
-          </a:fontRef>
-        </p:style>
-        <p:txBody>
-          <a:bodyPr rtlCol="0" anchor="ctr"/>
-          <a:lstStyle/>
-          <a:p>
-            <a:pPr algn="ctr"/>
-          </a:p>
-        </p:txBody>
-      </p:sp>
-      <p:sp>
-        <p:nvSpPr>
-          <p:cNvPr id="4" name="Oval 3"/>
-          <p:cNvSpPr/>
-          <p:nvPr/>
-        </p:nvSpPr>
-        <p:spPr>
-          <a:xfrm>
-            <a:off x="731520" y="1280160"/>
-            <a:ext cx="274320" cy="274320"/>
-          </a:xfrm>
-          <a:prstGeom prst="ellipse">
-            <a:avLst/>
-          </a:prstGeom>
-          <a:solidFill>
-            <a:srgbClr val="B5975B"/>
-          </a:solidFill>
-          <a:ln>
-            <a:noFill/>
-          </a:ln>
-        </p:spPr>
-        <p:style>
-          <a:lnRef idx="1">
-            <a:schemeClr val="accent1"/>
-          </a:lnRef>
-          <a:fillRef idx="3">
-            <a:schemeClr val="accent1"/>
-          </a:fillRef>
-          <a:effectRef idx="2">
-            <a:schemeClr val="accent1"/>
-          </a:effectRef>
-          <a:fontRef idx="minor">
-            <a:schemeClr val="lt1"/>
-          </a:fontRef>
-        </p:style>
-        <p:txBody>
-          <a:bodyPr rtlCol="0" anchor="ctr"/>
-          <a:lstStyle/>
-          <a:p>
-            <a:pPr algn="ctr"/>
-          </a:p>
-        </p:txBody>
-      </p:sp>
-      <p:sp>
-        <p:nvSpPr>
-          <p:cNvPr id="5" name="TextBox 4"/>
-          <p:cNvSpPr txBox="1"/>
-          <p:nvPr/>
-        </p:nvSpPr>
-        <p:spPr>
-          <a:xfrm>
-            <a:off x="1097280" y="1280160"/>
-            <a:ext cx="5029200" cy="228600"/>
-          </a:xfrm>
-          <a:prstGeom prst="rect">
-            <a:avLst/>
-          </a:prstGeom>
-          <a:noFill/>
-          <a:ln>
-            <a:noFill/>
-          </a:ln>
-          <a:effectLst/>
-        </p:spPr>
-        <p:txBody>
-          <a:bodyPr wrap="square">
-            <a:spAutoFit/>
-          </a:bodyPr>
-          <a:lstStyle/>
-          <a:p>
-            <a:pPr algn="l"/>
-            <a:r>
-              <a:rPr sz="1200" b="1">
-                <a:solidFill>
-                  <a:srgbClr val="183A58"/>
-                </a:solidFill>
-                <a:latin typeface="Arial"/>
-              </a:rPr>
-              <a:t>Enterprise AI Solutions</a:t>
-            </a:r>
-          </a:p>
-        </p:txBody>
-      </p:sp>
-      <p:sp>
-        <p:nvSpPr>
-          <p:cNvPr id="6" name="TextBox 5"/>
-          <p:cNvSpPr txBox="1"/>
-          <p:nvPr/>
-        </p:nvSpPr>
-        <p:spPr>
-          <a:xfrm>
-            <a:off x="1097280" y="1508760"/>
-            <a:ext cx="5029200" cy="502920"/>
-          </a:xfrm>
-          <a:prstGeom prst="rect">
-            <a:avLst/>
-          </a:prstGeom>
-          <a:noFill/>
-          <a:ln>
-            <a:noFill/>
-          </a:ln>
-          <a:effectLst/>
-        </p:spPr>
-        <p:txBody>
-          <a:bodyPr wrap="square">
-            <a:spAutoFit/>
-          </a:bodyPr>
-          <a:lstStyle/>
-          <a:p>
-            <a:pPr algn="l"/>
-            <a:r>
-              <a:rPr sz="1000" b="0">
-                <a:solidFill>
-                  <a:srgbClr val="404040"/>
-                </a:solidFill>
-                <a:latin typeface="Arial"/>
-              </a:rPr>
-              <a:t>Proprietary Infosys Topaz™ platform for responsible AI integration</a:t>
-            </a:r>
-          </a:p>
-        </p:txBody>
-      </p:sp>
-      <p:sp>
-        <p:nvSpPr>
-          <p:cNvPr id="7" name="Oval 6"/>
-          <p:cNvSpPr/>
-          <p:nvPr/>
-        </p:nvSpPr>
-        <p:spPr>
-          <a:xfrm>
-            <a:off x="731520" y="2057400"/>
-            <a:ext cx="274320" cy="274320"/>
-          </a:xfrm>
-          <a:prstGeom prst="ellipse">
-            <a:avLst/>
-          </a:prstGeom>
-          <a:solidFill>
-            <a:srgbClr val="B5975B"/>
-          </a:solidFill>
-          <a:ln>
-            <a:noFill/>
-          </a:ln>
-        </p:spPr>
-        <p:style>
-          <a:lnRef idx="1">
-            <a:schemeClr val="accent1"/>
-          </a:lnRef>
-          <a:fillRef idx="3">
-            <a:schemeClr val="accent1"/>
-          </a:fillRef>
-          <a:effectRef idx="2">
-            <a:schemeClr val="accent1"/>
-          </a:effectRef>
-          <a:fontRef idx="minor">
-            <a:schemeClr val="lt1"/>
-          </a:fontRef>
-        </p:style>
-        <p:txBody>
-          <a:bodyPr rtlCol="0" anchor="ctr"/>
-          <a:lstStyle/>
-          <a:p>
-            <a:pPr algn="ctr"/>
-          </a:p>
-        </p:txBody>
-      </p:sp>
-      <p:sp>
-        <p:nvSpPr>
-          <p:cNvPr id="8" name="TextBox 7"/>
-          <p:cNvSpPr txBox="1"/>
-          <p:nvPr/>
-        </p:nvSpPr>
-        <p:spPr>
-          <a:xfrm>
-            <a:off x="1097280" y="2057400"/>
-            <a:ext cx="5029200" cy="228600"/>
-          </a:xfrm>
-          <a:prstGeom prst="rect">
-            <a:avLst/>
-          </a:prstGeom>
-          <a:noFill/>
-          <a:ln>
-            <a:noFill/>
-          </a:ln>
-          <a:effectLst/>
-        </p:spPr>
-        <p:txBody>
-          <a:bodyPr wrap="square">
-            <a:spAutoFit/>
-          </a:bodyPr>
-          <a:lstStyle/>
-          <a:p>
-            <a:pPr algn="l"/>
-            <a:r>
-              <a:rPr sz="1200" b="1">
-                <a:solidFill>
-                  <a:srgbClr val="183A58"/>
-                </a:solidFill>
-                <a:latin typeface="Arial"/>
-              </a:rPr>
-              <a:t>Cloud Services</a:t>
-            </a:r>
-          </a:p>
-        </p:txBody>
-      </p:sp>
-      <p:sp>
-        <p:nvSpPr>
-          <p:cNvPr id="9" name="TextBox 8"/>
-          <p:cNvSpPr txBox="1"/>
-          <p:nvPr/>
-        </p:nvSpPr>
-        <p:spPr>
-          <a:xfrm>
-            <a:off x="1097280" y="2286000"/>
-            <a:ext cx="5029200" cy="502920"/>
-          </a:xfrm>
-          <a:prstGeom prst="rect">
-            <a:avLst/>
-          </a:prstGeom>
-          <a:noFill/>
-          <a:ln>
-            <a:noFill/>
-          </a:ln>
-          <a:effectLst/>
-        </p:spPr>
-        <p:txBody>
-          <a:bodyPr wrap="square">
-            <a:spAutoFit/>
-          </a:bodyPr>
-          <a:lstStyle/>
-          <a:p>
-            <a:pPr algn="l"/>
-            <a:r>
-              <a:rPr sz="1000" b="0">
-                <a:solidFill>
-                  <a:srgbClr val="404040"/>
-                </a:solidFill>
-                <a:latin typeface="Arial"/>
-              </a:rPr>
-              <a:t>Infosys Cobalt™-powered hybrid and multi-cloud solutions</a:t>
-            </a:r>
-          </a:p>
-        </p:txBody>
-      </p:sp>
-      <p:sp>
-        <p:nvSpPr>
-          <p:cNvPr id="10" name="Oval 9"/>
-          <p:cNvSpPr/>
-          <p:nvPr/>
-        </p:nvSpPr>
-        <p:spPr>
-          <a:xfrm>
-            <a:off x="731520" y="2834640"/>
-            <a:ext cx="274320" cy="274320"/>
-          </a:xfrm>
-          <a:prstGeom prst="ellipse">
-            <a:avLst/>
-          </a:prstGeom>
-          <a:solidFill>
-            <a:srgbClr val="B5975B"/>
-          </a:solidFill>
-          <a:ln>
-            <a:noFill/>
-          </a:ln>
-        </p:spPr>
-        <p:style>
-          <a:lnRef idx="1">
-            <a:schemeClr val="accent1"/>
-          </a:lnRef>
-          <a:fillRef idx="3">
-            <a:schemeClr val="accent1"/>
-          </a:fillRef>
-          <a:effectRef idx="2">
-            <a:schemeClr val="accent1"/>
-          </a:effectRef>
-          <a:fontRef idx="minor">
-            <a:schemeClr val="lt1"/>
-          </a:fontRef>
-        </p:style>
-        <p:txBody>
-          <a:bodyPr rtlCol="0" anchor="ctr"/>
-          <a:lstStyle/>
-          <a:p>
-            <a:pPr algn="ctr"/>
-          </a:p>
-        </p:txBody>
-      </p:sp>
-      <p:sp>
-        <p:nvSpPr>
-          <p:cNvPr id="11" name="TextBox 10"/>
-          <p:cNvSpPr txBox="1"/>
-          <p:nvPr/>
-        </p:nvSpPr>
-        <p:spPr>
-          <a:xfrm>
-            <a:off x="1097280" y="2834640"/>
-            <a:ext cx="5029200" cy="228600"/>
-          </a:xfrm>
-          <a:prstGeom prst="rect">
-            <a:avLst/>
-          </a:prstGeom>
-          <a:noFill/>
-          <a:ln>
-            <a:noFill/>
-          </a:ln>
-          <a:effectLst/>
-        </p:spPr>
-        <p:txBody>
-          <a:bodyPr wrap="square">
-            <a:spAutoFit/>
-          </a:bodyPr>
-          <a:lstStyle/>
-          <a:p>
-            <a:pPr algn="l"/>
-            <a:r>
-              <a:rPr sz="1200" b="1">
-                <a:solidFill>
-                  <a:srgbClr val="183A58"/>
-                </a:solidFill>
-                <a:latin typeface="Arial"/>
-              </a:rPr>
-              <a:t>Digital Transformation</a:t>
-            </a:r>
-          </a:p>
-        </p:txBody>
-      </p:sp>
-      <p:sp>
-        <p:nvSpPr>
-          <p:cNvPr id="12" name="TextBox 11"/>
-          <p:cNvSpPr txBox="1"/>
-          <p:nvPr/>
-        </p:nvSpPr>
-        <p:spPr>
-          <a:xfrm>
-            <a:off x="1097280" y="3063240"/>
-            <a:ext cx="5029200" cy="502920"/>
-          </a:xfrm>
-          <a:prstGeom prst="rect">
-            <a:avLst/>
-          </a:prstGeom>
-          <a:noFill/>
-          <a:ln>
-            <a:noFill/>
-          </a:ln>
-          <a:effectLst/>
-        </p:spPr>
-        <p:txBody>
-          <a:bodyPr wrap="square">
-            <a:spAutoFit/>
-          </a:bodyPr>
-          <a:lstStyle/>
-          <a:p>
-            <a:pPr algn="l"/>
-            <a:r>
-              <a:rPr sz="1000" b="0">
-                <a:solidFill>
-                  <a:srgbClr val="404040"/>
-                </a:solidFill>
-                <a:latin typeface="Arial"/>
-              </a:rPr>
-              <a:t>End-to-end digital strategy and implementation services</a:t>
-            </a:r>
-          </a:p>
-        </p:txBody>
-      </p:sp>
-      <p:sp>
-        <p:nvSpPr>
-          <p:cNvPr id="13" name="Oval 12"/>
-          <p:cNvSpPr/>
-          <p:nvPr/>
-        </p:nvSpPr>
-        <p:spPr>
-          <a:xfrm>
-            <a:off x="731520" y="3611880"/>
-            <a:ext cx="274320" cy="274320"/>
-          </a:xfrm>
-          <a:prstGeom prst="ellipse">
-            <a:avLst/>
-          </a:prstGeom>
-          <a:solidFill>
-            <a:srgbClr val="B5975B"/>
-          </a:solidFill>
-          <a:ln>
-            <a:noFill/>
-          </a:ln>
-        </p:spPr>
-        <p:style>
-          <a:lnRef idx="1">
-            <a:schemeClr val="accent1"/>
-          </a:lnRef>
-          <a:fillRef idx="3">
-            <a:schemeClr val="accent1"/>
-          </a:fillRef>
-          <a:effectRef idx="2">
-            <a:schemeClr val="accent1"/>
-          </a:effectRef>
-          <a:fontRef idx="minor">
-            <a:schemeClr val="lt1"/>
-          </a:fontRef>
-        </p:style>
-        <p:txBody>
-          <a:bodyPr rtlCol="0" anchor="ctr"/>
-          <a:lstStyle/>
-          <a:p>
-            <a:pPr algn="ctr"/>
-          </a:p>
-        </p:txBody>
-      </p:sp>
-      <p:sp>
-        <p:nvSpPr>
-          <p:cNvPr id="14" name="TextBox 13"/>
-          <p:cNvSpPr txBox="1"/>
-          <p:nvPr/>
-        </p:nvSpPr>
-        <p:spPr>
-          <a:xfrm>
-            <a:off x="1097280" y="3611880"/>
-            <a:ext cx="5029200" cy="228600"/>
-          </a:xfrm>
-          <a:prstGeom prst="rect">
-            <a:avLst/>
-          </a:prstGeom>
-          <a:noFill/>
-          <a:ln>
-            <a:noFill/>
-          </a:ln>
-          <a:effectLst/>
-        </p:spPr>
-        <p:txBody>
-          <a:bodyPr wrap="square">
-            <a:spAutoFit/>
-          </a:bodyPr>
-          <a:lstStyle/>
-          <a:p>
-            <a:pPr algn="l"/>
-            <a:r>
-              <a:rPr sz="1200" b="1">
-                <a:solidFill>
-                  <a:srgbClr val="183A58"/>
-                </a:solidFill>
-                <a:latin typeface="Arial"/>
-              </a:rPr>
-              <a:t>Core IT Services</a:t>
-            </a:r>
-          </a:p>
-        </p:txBody>
-      </p:sp>
-      <p:sp>
-        <p:nvSpPr>
-          <p:cNvPr id="15" name="TextBox 14"/>
-          <p:cNvSpPr txBox="1"/>
-          <p:nvPr/>
-        </p:nvSpPr>
-        <p:spPr>
-          <a:xfrm>
-            <a:off x="1097280" y="3840480"/>
-            <a:ext cx="5029200" cy="502920"/>
-          </a:xfrm>
-          <a:prstGeom prst="rect">
-            <a:avLst/>
-          </a:prstGeom>
-          <a:noFill/>
-          <a:ln>
-            <a:noFill/>
-          </a:ln>
-          <a:effectLst/>
-        </p:spPr>
-        <p:txBody>
-          <a:bodyPr wrap="square">
-            <a:spAutoFit/>
-          </a:bodyPr>
-          <a:lstStyle/>
-          <a:p>
-            <a:pPr algn="l"/>
-            <a:r>
-              <a:rPr sz="1000" b="0">
-                <a:solidFill>
-                  <a:srgbClr val="404040"/>
-                </a:solidFill>
-                <a:latin typeface="Arial"/>
-              </a:rPr>
-              <a:t>Application development, maintenance, and infrastructure management</a:t>
-            </a:r>
-          </a:p>
-        </p:txBody>
-      </p:sp>
-      <p:sp>
-        <p:nvSpPr>
-          <p:cNvPr id="16" name="TextBox 15"/>
-          <p:cNvSpPr txBox="1"/>
-          <p:nvPr/>
-        </p:nvSpPr>
-        <p:spPr>
-          <a:xfrm>
-            <a:off x="6583680" y="1280160"/>
-            <a:ext cx="5029200" cy="274320"/>
-          </a:xfrm>
-          <a:prstGeom prst="rect">
-            <a:avLst/>
-          </a:prstGeom>
-          <a:noFill/>
-          <a:ln>
-            <a:noFill/>
-          </a:ln>
-          <a:effectLst/>
-        </p:spPr>
-        <p:txBody>
-          <a:bodyPr wrap="square">
-            <a:spAutoFit/>
-          </a:bodyPr>
-          <a:lstStyle/>
-          <a:p>
-            <a:pPr algn="ctr"/>
-            <a:r>
-              <a:rPr sz="1400" b="1">
-                <a:solidFill>
-                  <a:srgbClr val="183A58"/>
-                </a:solidFill>
-                <a:latin typeface="Arial"/>
-              </a:rPr>
-              <a:t>Product &amp; Service Market Coverage</a:t>
-            </a:r>
-          </a:p>
-        </p:txBody>
-      </p:sp>
-      <p:graphicFrame>
-        <p:nvGraphicFramePr>
-          <p:cNvPr id="17" name="Table 16"/>
-          <p:cNvGraphicFramePr>
-            <a:graphicFrameLocks noGrp="1"/>
-          </p:cNvGraphicFramePr>
-          <p:nvPr/>
-        </p:nvGraphicFramePr>
-        <p:xfrm>
-          <a:off x="6583680" y="1645920"/>
-          <a:ext cx="1828800" cy="2560320"/>
-        </p:xfrm>
-        <a:graphic>
-          <a:graphicData uri="http://schemas.openxmlformats.org/drawingml/2006/table">
-            <a:tbl>
-              <a:tblPr firstRow="1" bandRow="1">
-                <a:tableStyleId>{5C22544A-7EE6-4342-B048-85BDC9FD1C3A}</a:tableStyleId>
-              </a:tblPr>
-              <a:tblGrid>
-                <a:gridCol w="1097280"/>
-                <a:gridCol w="731520"/>
-              </a:tblGrid>
-              <a:tr h="853440">
-                <a:tc>
-                  <a:txBody>
-                    <a:bodyPr/>
-                    <a:lstStyle/>
-                    <a:p>
-                      <a:pPr algn="ctr"/>
-                      <a:r>
-                        <a:rPr sz="900" b="1">
-                          <a:solidFill>
-                            <a:srgbClr val="FFFFFF"/>
-                          </a:solidFill>
-                          <a:latin typeface="Arial"/>
-                        </a:rPr>
-                        <a:t>North America</a:t>
-                      </a:r>
-                    </a:p>
-                  </a:txBody>
-                  <a:tcPr marL="45720" marR="45720" marT="45720" marB="45720">
-                    <a:solidFill>
-                      <a:srgbClr val="183A58"/>
-                    </a:solidFill>
-                  </a:tcPr>
-                </a:tc>
-                <a:tc>
-                  <a:txBody>
-                    <a:bodyPr/>
-                    <a:lstStyle/>
-                    <a:p>
-                      <a:pPr algn="ctr"/>
-                      <a:r>
-                        <a:rPr sz="900" b="1">
-                          <a:solidFill>
-                            <a:srgbClr val="FFFFFF"/>
-                          </a:solidFill>
-                          <a:latin typeface="Arial"/>
-                        </a:rPr>
-                        <a:t>60%</a:t>
-                      </a:r>
-                    </a:p>
-                  </a:txBody>
-                  <a:tcPr marL="45720" marR="45720" marT="45720" marB="45720">
-                    <a:solidFill>
-                      <a:srgbClr val="183A58"/>
-                    </a:solidFill>
-                  </a:tcPr>
-                </a:tc>
-              </a:tr>
-              <a:tr h="853440">
-                <a:tc>
-                  <a:txBody>
-                    <a:bodyPr/>
-                    <a:lstStyle/>
-                    <a:p>
-                      <a:pPr algn="ctr"/>
-                      <a:r>
-                        <a:rPr sz="900">
-                          <a:solidFill>
-                            <a:srgbClr val="404040"/>
-                          </a:solidFill>
-                          <a:latin typeface="Arial"/>
-                        </a:rPr>
-                        <a:t>Europe</a:t>
-                      </a:r>
-                    </a:p>
-                  </a:txBody>
-                  <a:tcPr marL="45720" marR="45720" marT="45720" marB="45720">
-                    <a:solidFill>
-                      <a:srgbClr val="FFFFFF"/>
-                    </a:solidFill>
-                  </a:tcPr>
-                </a:tc>
-                <a:tc>
-                  <a:txBody>
-                    <a:bodyPr/>
-                    <a:lstStyle/>
-                    <a:p>
-                      <a:pPr algn="ctr"/>
-                      <a:r>
-                        <a:rPr sz="900">
-                          <a:solidFill>
-                            <a:srgbClr val="404040"/>
-                          </a:solidFill>
-                          <a:latin typeface="Arial"/>
-                        </a:rPr>
-                        <a:t>25%</a:t>
-                      </a:r>
-                    </a:p>
-                  </a:txBody>
-                  <a:tcPr marL="45720" marR="45720" marT="45720" marB="45720">
-                    <a:solidFill>
-                      <a:srgbClr val="FFFFFF"/>
-                    </a:solidFill>
-                  </a:tcPr>
-                </a:tc>
-              </a:tr>
-              <a:tr h="853440">
-                <a:tc>
-                  <a:txBody>
-                    <a:bodyPr/>
-                    <a:lstStyle/>
-                    <a:p>
-                      <a:pPr algn="ctr"/>
-                      <a:r>
-                        <a:rPr sz="900">
-                          <a:solidFill>
-                            <a:srgbClr val="404040"/>
-                          </a:solidFill>
-                          <a:latin typeface="Arial"/>
-                        </a:rPr>
-                        <a:t>Rest of World</a:t>
-                      </a:r>
-                    </a:p>
-                  </a:txBody>
-                  <a:tcPr marL="45720" marR="45720" marT="45720" marB="45720">
-                    <a:solidFill>
-                      <a:srgbClr val="F0F0F0"/>
-                    </a:solidFill>
-                  </a:tcPr>
-                </a:tc>
-                <a:tc>
-                  <a:txBody>
-                    <a:bodyPr/>
-                    <a:lstStyle/>
-                    <a:p>
-                      <a:pPr algn="ctr"/>
-                      <a:r>
-                        <a:rPr sz="900">
-                          <a:solidFill>
-                            <a:srgbClr val="404040"/>
-                          </a:solidFill>
-                          <a:latin typeface="Arial"/>
-                        </a:rPr>
-                        <a:t>15%</a:t>
-                      </a:r>
-                    </a:p>
-                  </a:txBody>
-                  <a:tcPr marL="45720" marR="45720" marT="45720" marB="45720">
-                    <a:solidFill>
-                      <a:srgbClr val="F0F0F0"/>
-                    </a:solidFill>
-                  </a:tcPr>
-                </a:tc>
-              </a:tr>
-            </a:tbl>
-          </a:graphicData>
-        </a:graphic>
-      </p:graphicFrame>
-      <p:sp>
-        <p:nvSpPr>
-          <p:cNvPr id="18" name="TextBox 17"/>
-          <p:cNvSpPr txBox="1"/>
-          <p:nvPr/>
-        </p:nvSpPr>
-        <p:spPr>
-          <a:xfrm>
-            <a:off x="6583680" y="4389120"/>
-            <a:ext cx="5029200" cy="274320"/>
-          </a:xfrm>
-          <a:prstGeom prst="rect">
-            <a:avLst/>
-          </a:prstGeom>
-          <a:noFill/>
-          <a:ln>
-            <a:noFill/>
-          </a:ln>
-          <a:effectLst/>
-        </p:spPr>
-        <p:txBody>
-          <a:bodyPr wrap="square">
-            <a:spAutoFit/>
-          </a:bodyPr>
-          <a:lstStyle/>
-          <a:p>
-            <a:pPr algn="ctr"/>
-            <a:r>
-              <a:rPr sz="1400" b="1">
-                <a:solidFill>
-                  <a:srgbClr val="183A58"/>
-                </a:solidFill>
-                <a:latin typeface="Arial"/>
-              </a:rPr>
-              <a:t>Key Operational Metrics</a:t>
-            </a:r>
-          </a:p>
-        </p:txBody>
-      </p:sp>
-      <p:sp>
-        <p:nvSpPr>
-          <p:cNvPr id="19" name="Rectangle 18"/>
-          <p:cNvSpPr/>
-          <p:nvPr/>
-        </p:nvSpPr>
-        <p:spPr>
-          <a:xfrm>
-            <a:off x="6583680" y="4663440"/>
-            <a:ext cx="5029200" cy="1828800"/>
-          </a:xfrm>
-          <a:prstGeom prst="rect">
-            <a:avLst/>
-          </a:prstGeom>
-          <a:solidFill>
-            <a:srgbClr val="F0F0F0"/>
-          </a:solidFill>
-          <a:ln>
-            <a:noFill/>
-          </a:ln>
-        </p:spPr>
-        <p:style>
-          <a:lnRef idx="1">
-            <a:schemeClr val="accent1"/>
-          </a:lnRef>
-          <a:fillRef idx="3">
-            <a:schemeClr val="accent1"/>
-          </a:fillRef>
-          <a:effectRef idx="2">
-            <a:schemeClr val="accent1"/>
-          </a:effectRef>
-          <a:fontRef idx="minor">
-            <a:schemeClr val="lt1"/>
-          </a:fontRef>
-        </p:style>
-        <p:txBody>
-          <a:bodyPr rtlCol="0" anchor="ctr"/>
-          <a:lstStyle/>
-          <a:p>
-            <a:pPr algn="ctr"/>
-          </a:p>
-        </p:txBody>
-      </p:sp>
-    </p:spTree>
-  </p:cSld>
-  <p:clrMapOvr>
-    <a:masterClrMapping/>
-  </p:clrMapOvr>
-</p:sld>
-</file>
-
-<file path=ppt/slides/slide3.xml><?xml version="1.0" encoding="utf-8"?>
-<p:sld xmlns:a="http://schemas.openxmlformats.org/drawingml/2006/main" xmlns:p="http://schemas.openxmlformats.org/presentationml/2006/main" xmlns:r="http://schemas.openxmlformats.org/officeDocument/2006/relationships">
-  <p:cSld>
-    <p:spTree>
-      <p:nvGrpSpPr>
-        <p:cNvPr id="1" name=""/>
-        <p:cNvGrpSpPr/>
-        <p:nvPr/>
-      </p:nvGrpSpPr>
-      <p:grpSpPr/>
-      <p:sp>
-        <p:nvSpPr>
-          <p:cNvPr id="2" name="TextBox 1"/>
-          <p:cNvSpPr txBox="1"/>
-          <p:nvPr/>
-        </p:nvSpPr>
-        <p:spPr>
-          <a:xfrm>
-            <a:off x="640080" y="731520"/>
-            <a:ext cx="10515600" cy="1371600"/>
-          </a:xfrm>
-          <a:prstGeom prst="rect">
-            <a:avLst/>
-          </a:prstGeom>
-          <a:noFill/>
-        </p:spPr>
-        <p:txBody>
-          <a:bodyPr wrap="none">
-            <a:spAutoFit/>
-          </a:bodyPr>
-          <a:lstStyle/>
-          <a:p>
-            <a:pPr algn="l"/>
-            <a:r>
-              <a:rPr sz="1400"/>
-              <a:t>Renderer error: 'str' object has no attribute 'get'</a:t>
-            </a:r>
-          </a:p>
-        </p:txBody>
-      </p:sp>
-    </p:spTree>
-  </p:cSld>
-  <p:clrMapOvr>
-    <a:masterClrMapping/>
-  </p:clrMapOvr>
-</p:sld>
-</file>
-
-<file path=ppt/slides/slide4.xml><?xml version="1.0" encoding="utf-8"?>
-<p:sld xmlns:a="http://schemas.openxmlformats.org/drawingml/2006/main" xmlns:p="http://schemas.openxmlformats.org/presentationml/2006/main" xmlns:r="http://schemas.openxmlformats.org/officeDocument/2006/relationships">
-  <p:cSld>
-    <p:bg>
-      <p:bgPr>
-        <a:solidFill>
-          <a:srgbClr val="FFFFFF"/>
-        </a:solidFill>
-        <a:effectLst/>
-      </p:bgPr>
-    </p:bg>
-    <p:spTree>
-      <p:nvGrpSpPr>
-        <p:cNvPr id="1" name=""/>
-        <p:cNvGrpSpPr/>
-        <p:nvPr/>
-      </p:nvGrpSpPr>
-      <p:grpSpPr/>
-      <p:sp>
-        <p:nvSpPr>
-          <p:cNvPr id="2" name="TextBox 1"/>
-          <p:cNvSpPr txBox="1"/>
-          <p:nvPr/>
-        </p:nvSpPr>
-        <p:spPr>
-          <a:xfrm>
-            <a:off x="457200" y="274320"/>
-            <a:ext cx="11277295" cy="731520"/>
-          </a:xfrm>
-          <a:prstGeom prst="rect">
-            <a:avLst/>
-          </a:prstGeom>
-          <a:noFill/>
-        </p:spPr>
-        <p:txBody>
-          <a:bodyPr wrap="none" lIns="0" tIns="0" rIns="0" bIns="0">
-            <a:spAutoFit/>
-          </a:bodyPr>
-          <a:lstStyle/>
-          <a:p>
-            <a:pPr algn="l"/>
-            <a:r>
-              <a:rPr sz="2400" b="1">
-                <a:solidFill>
-                  <a:srgbClr val="183A58"/>
-                </a:solidFill>
-                <a:latin typeface="Arial"/>
-              </a:rPr>
-              <a:t>Historical Financial Performance</a:t>
-            </a:r>
-          </a:p>
-        </p:txBody>
-      </p:sp>
-      <p:sp>
-        <p:nvSpPr>
-          <p:cNvPr id="3" name="Rectangle 2"/>
-          <p:cNvSpPr/>
-          <p:nvPr/>
-        </p:nvSpPr>
-        <p:spPr>
-          <a:xfrm>
-            <a:off x="457200" y="914400"/>
-            <a:ext cx="11277295" cy="45720"/>
-          </a:xfrm>
-          <a:prstGeom prst="rect">
-            <a:avLst/>
-          </a:prstGeom>
-          <a:solidFill>
-            <a:srgbClr val="183A58"/>
-          </a:solidFill>
-          <a:ln>
-            <a:noFill/>
-          </a:ln>
-        </p:spPr>
-        <p:style>
-          <a:lnRef idx="1">
-            <a:schemeClr val="accent1"/>
-          </a:lnRef>
-          <a:fillRef idx="3">
-            <a:schemeClr val="accent1"/>
-          </a:fillRef>
-          <a:effectRef idx="2">
-            <a:schemeClr val="accent1"/>
-          </a:effectRef>
-          <a:fontRef idx="minor">
-            <a:schemeClr val="lt1"/>
-          </a:fontRef>
-        </p:style>
-        <p:txBody>
-          <a:bodyPr rtlCol="0" anchor="ctr"/>
-          <a:lstStyle/>
-          <a:p>
-            <a:pPr algn="ctr"/>
-          </a:p>
-        </p:txBody>
-      </p:sp>
-      <p:sp>
-        <p:nvSpPr>
-          <p:cNvPr id="4" name="TextBox 3"/>
-          <p:cNvSpPr txBox="1"/>
-          <p:nvPr/>
-        </p:nvSpPr>
-        <p:spPr>
-          <a:xfrm>
-            <a:off x="914400" y="1188720"/>
-            <a:ext cx="10058400" cy="274320"/>
-          </a:xfrm>
-          <a:prstGeom prst="rect">
-            <a:avLst/>
-          </a:prstGeom>
-          <a:noFill/>
-          <a:ln>
-            <a:noFill/>
-          </a:ln>
-          <a:effectLst/>
-        </p:spPr>
-        <p:txBody>
-          <a:bodyPr wrap="square">
-            <a:spAutoFit/>
-          </a:bodyPr>
-          <a:lstStyle/>
-          <a:p>
-            <a:pPr algn="ctr"/>
-            <a:r>
-              <a:rPr sz="1600" b="1">
-                <a:solidFill>
-                  <a:srgbClr val="183A58"/>
-                </a:solidFill>
-                <a:latin typeface="Arial"/>
-              </a:rPr>
-              <a:t>Company - 5-Year Financial Performance</a:t>
-            </a:r>
-          </a:p>
-        </p:txBody>
-      </p:sp>
-      <p:graphicFrame>
-        <p:nvGraphicFramePr>
-          <p:cNvPr id="5" name="Chart 4"/>
-          <p:cNvGraphicFramePr>
-            <a:graphicFrameLocks noGrp="1"/>
-          </p:cNvGraphicFramePr>
-          <p:nvPr/>
-        </p:nvGraphicFramePr>
-        <p:xfrm>
-          <a:off x="1828800" y="1554480"/>
-          <a:ext cx="8229600" cy="2103120"/>
-        </p:xfrm>
-        <a:graphic>
-          <a:graphicData uri="http://schemas.openxmlformats.org/drawingml/2006/chart">
-            <c:chart xmlns:c="http://schemas.openxmlformats.org/drawingml/2006/chart" r:id="rId2"/>
-          </a:graphicData>
-        </a:graphic>
-      </p:graphicFrame>
-      <p:sp>
-        <p:nvSpPr>
-          <p:cNvPr id="6" name="TextBox 5"/>
-          <p:cNvSpPr txBox="1"/>
-          <p:nvPr/>
-        </p:nvSpPr>
-        <p:spPr>
-          <a:xfrm>
-            <a:off x="1828800" y="3749039"/>
-            <a:ext cx="8229600" cy="182880"/>
-          </a:xfrm>
-          <a:prstGeom prst="rect">
-            <a:avLst/>
-          </a:prstGeom>
-          <a:noFill/>
-          <a:ln>
-            <a:noFill/>
-          </a:ln>
-          <a:effectLst/>
-        </p:spPr>
-        <p:txBody>
-          <a:bodyPr wrap="square">
-            <a:spAutoFit/>
-          </a:bodyPr>
-          <a:lstStyle/>
-          <a:p>
-            <a:pPr algn="ctr"/>
-            <a:r>
-              <a:rPr sz="800" b="0">
-                <a:solidFill>
-                  <a:srgbClr val="404040"/>
-                </a:solidFill>
-                <a:latin typeface="Arial"/>
-              </a:rPr>
-              <a:t>*Historical figures represent estimated performance based on market trends.</a:t>
-            </a:r>
-          </a:p>
-        </p:txBody>
-      </p:sp>
-    </p:spTree>
-  </p:cSld>
-  <p:clrMapOvr>
-    <a:masterClrMapping/>
-  </p:clrMapOvr>
-</p:sld>
-</file>
-
-<file path=ppt/slides/slide5.xml><?xml version="1.0" encoding="utf-8"?>
-<p:sld xmlns:a="http://schemas.openxmlformats.org/drawingml/2006/main" xmlns:p="http://schemas.openxmlformats.org/presentationml/2006/main" xmlns:r="http://schemas.openxmlformats.org/officeDocument/2006/relationships">
-  <p:cSld>
-    <p:spTree>
-      <p:nvGrpSpPr>
-        <p:cNvPr id="1" name=""/>
-        <p:cNvGrpSpPr/>
-        <p:nvPr/>
-      </p:nvGrpSpPr>
-      <p:grpSpPr/>
-      <p:sp>
-        <p:nvSpPr>
-          <p:cNvPr id="2" name="TextBox 1"/>
-          <p:cNvSpPr txBox="1"/>
-          <p:nvPr/>
-        </p:nvSpPr>
-        <p:spPr>
-          <a:xfrm>
-            <a:off x="640080" y="731520"/>
-            <a:ext cx="10515600" cy="1371600"/>
-          </a:xfrm>
-          <a:prstGeom prst="rect">
-            <a:avLst/>
-          </a:prstGeom>
-          <a:noFill/>
-        </p:spPr>
-        <p:txBody>
-          <a:bodyPr wrap="none">
-            <a:spAutoFit/>
-          </a:bodyPr>
-          <a:lstStyle/>
-          <a:p>
-            <a:pPr algn="l"/>
-            <a:r>
-              <a:rPr sz="1400"/>
-              <a:t>Renderer error: 'list' object has no attribute 'get'</a:t>
-            </a:r>
-          </a:p>
-        </p:txBody>
-      </p:sp>
-    </p:spTree>
-  </p:cSld>
-  <p:clrMapOvr>
-    <a:masterClrMapping/>
-  </p:clrMapOvr>
-</p:sld>
-</file>
-
-<file path=ppt/slides/slide6.xml><?xml version="1.0" encoding="utf-8"?>
-<p:sld xmlns:a="http://schemas.openxmlformats.org/drawingml/2006/main" xmlns:p="http://schemas.openxmlformats.org/presentationml/2006/main" xmlns:r="http://schemas.openxmlformats.org/officeDocument/2006/relationships">
-  <p:cSld>
-    <p:spTree>
-      <p:nvGrpSpPr>
-        <p:cNvPr id="1" name=""/>
-        <p:cNvGrpSpPr/>
-        <p:nvPr/>
-      </p:nvGrpSpPr>
-      <p:grpSpPr/>
-      <p:sp>
-        <p:nvSpPr>
-          <p:cNvPr id="2" name="TextBox 1"/>
-          <p:cNvSpPr txBox="1"/>
-          <p:nvPr/>
-        </p:nvSpPr>
-        <p:spPr>
-          <a:xfrm>
-            <a:off x="457200" y="274320"/>
-            <a:ext cx="11277295" cy="731520"/>
-          </a:xfrm>
-          <a:prstGeom prst="rect">
-            <a:avLst/>
-          </a:prstGeom>
-          <a:noFill/>
-        </p:spPr>
-        <p:txBody>
-          <a:bodyPr wrap="none" lIns="0" tIns="0" rIns="0" bIns="0">
-            <a:spAutoFit/>
-          </a:bodyPr>
-          <a:lstStyle/>
-          <a:p>
-            <a:pPr algn="l"/>
-            <a:r>
-              <a:rPr sz="2400" b="1">
-                <a:solidFill>
-                  <a:srgbClr val="183A58"/>
-                </a:solidFill>
-                <a:latin typeface="Arial"/>
-              </a:rPr>
-              <a:t>Margin &amp; Cost Management Strategy</a:t>
-            </a:r>
-          </a:p>
-        </p:txBody>
-      </p:sp>
-      <p:sp>
-        <p:nvSpPr>
-          <p:cNvPr id="3" name="Rectangle 2"/>
-          <p:cNvSpPr/>
-          <p:nvPr/>
-        </p:nvSpPr>
-        <p:spPr>
-          <a:xfrm>
-            <a:off x="457200" y="914400"/>
-            <a:ext cx="11277295" cy="45720"/>
-          </a:xfrm>
-          <a:prstGeom prst="rect">
-            <a:avLst/>
-          </a:prstGeom>
-          <a:solidFill>
-            <a:srgbClr val="183A58"/>
-          </a:solidFill>
-          <a:ln>
-            <a:noFill/>
-          </a:ln>
-        </p:spPr>
-        <p:style>
-          <a:lnRef idx="1">
-            <a:schemeClr val="accent1"/>
-          </a:lnRef>
-          <a:fillRef idx="3">
-            <a:schemeClr val="accent1"/>
-          </a:fillRef>
-          <a:effectRef idx="2">
-            <a:schemeClr val="accent1"/>
-          </a:effectRef>
-          <a:fontRef idx="minor">
-            <a:schemeClr val="lt1"/>
-          </a:fontRef>
-        </p:style>
-        <p:txBody>
-          <a:bodyPr rtlCol="0" anchor="ctr"/>
-          <a:lstStyle/>
-          <a:p>
-            <a:pPr algn="ctr"/>
-          </a:p>
-        </p:txBody>
-      </p:sp>
-      <p:sp>
-        <p:nvSpPr>
-          <p:cNvPr id="4" name="TextBox 3"/>
-          <p:cNvSpPr txBox="1"/>
-          <p:nvPr/>
-        </p:nvSpPr>
-        <p:spPr>
-          <a:xfrm>
-            <a:off x="914400" y="1280160"/>
-            <a:ext cx="5486400" cy="274320"/>
-          </a:xfrm>
-          <a:prstGeom prst="rect">
-            <a:avLst/>
-          </a:prstGeom>
-          <a:noFill/>
-          <a:ln>
-            <a:noFill/>
-          </a:ln>
-          <a:effectLst/>
-        </p:spPr>
-        <p:txBody>
-          <a:bodyPr wrap="square">
-            <a:spAutoFit/>
-          </a:bodyPr>
-          <a:lstStyle/>
-          <a:p>
-            <a:pPr algn="l"/>
-            <a:r>
-              <a:rPr sz="1400" b="1">
-                <a:solidFill>
-                  <a:srgbClr val="183A58"/>
-                </a:solidFill>
-                <a:latin typeface="Arial"/>
-              </a:rPr>
-              <a:t>EBITDA Margin Trend</a:t>
-            </a:r>
-          </a:p>
-        </p:txBody>
-      </p:sp>
-      <p:sp>
-        <p:nvSpPr>
-          <p:cNvPr id="5" name="TextBox 4"/>
-          <p:cNvSpPr txBox="1"/>
-          <p:nvPr/>
-        </p:nvSpPr>
-        <p:spPr>
-          <a:xfrm>
-            <a:off x="914400" y="1828800"/>
-            <a:ext cx="5486400" cy="914400"/>
-          </a:xfrm>
-          <a:prstGeom prst="rect">
-            <a:avLst/>
-          </a:prstGeom>
-          <a:noFill/>
-          <a:ln>
-            <a:noFill/>
-          </a:ln>
-          <a:effectLst/>
-        </p:spPr>
-        <p:txBody>
-          <a:bodyPr wrap="square">
-            <a:spAutoFit/>
-          </a:bodyPr>
-          <a:lstStyle/>
-          <a:p>
-            <a:pPr algn="l"/>
-            <a:r>
-              <a:rPr sz="1200" b="0">
-                <a:solidFill>
-                  <a:srgbClr val="404040"/>
-                </a:solidFill>
-                <a:latin typeface="Arial"/>
-              </a:rPr>
-              <a:t>EBITDA margin trend chart will be displayed here.</a:t>
-            </a:r>
-          </a:p>
-        </p:txBody>
-      </p:sp>
-      <p:sp>
-        <p:nvSpPr>
-          <p:cNvPr id="6" name="TextBox 5"/>
-          <p:cNvSpPr txBox="1"/>
-          <p:nvPr/>
-        </p:nvSpPr>
-        <p:spPr>
-          <a:xfrm>
-            <a:off x="4572000" y="3749039"/>
-            <a:ext cx="2286000" cy="137160"/>
-          </a:xfrm>
-          <a:prstGeom prst="rect">
-            <a:avLst/>
-          </a:prstGeom>
-          <a:noFill/>
-          <a:ln>
-            <a:noFill/>
-          </a:ln>
-          <a:effectLst/>
-        </p:spPr>
-        <p:txBody>
-          <a:bodyPr wrap="square">
-            <a:spAutoFit/>
-          </a:bodyPr>
-          <a:lstStyle/>
-          <a:p>
-            <a:pPr algn="r"/>
-            <a:r>
-              <a:rPr sz="800" b="0">
-                <a:solidFill>
-                  <a:srgbClr val="404040"/>
-                </a:solidFill>
-                <a:latin typeface="Arial"/>
-              </a:rPr>
-              <a:t>Source: Company financials</a:t>
-            </a:r>
-          </a:p>
-        </p:txBody>
-      </p:sp>
-      <p:sp>
-        <p:nvSpPr>
-          <p:cNvPr id="7" name="TextBox 6"/>
-          <p:cNvSpPr txBox="1"/>
-          <p:nvPr/>
-        </p:nvSpPr>
-        <p:spPr>
-          <a:xfrm>
-            <a:off x="914400" y="4023360"/>
-            <a:ext cx="5486400" cy="274320"/>
-          </a:xfrm>
-          <a:prstGeom prst="rect">
-            <a:avLst/>
-          </a:prstGeom>
-          <a:noFill/>
-          <a:ln>
-            <a:noFill/>
-          </a:ln>
-          <a:effectLst/>
-        </p:spPr>
-        <p:txBody>
-          <a:bodyPr wrap="square">
-            <a:spAutoFit/>
-          </a:bodyPr>
-          <a:lstStyle/>
-          <a:p>
-            <a:pPr algn="l"/>
-            <a:r>
-              <a:rPr sz="1400" b="1">
-                <a:solidFill>
-                  <a:srgbClr val="183A58"/>
-                </a:solidFill>
-                <a:latin typeface="Arial"/>
-              </a:rPr>
-              <a:t>Cost Management &amp; Efficiency Initiatives</a:t>
-            </a:r>
-          </a:p>
-        </p:txBody>
-      </p:sp>
-      <p:sp>
-        <p:nvSpPr>
-          <p:cNvPr id="8" name="Oval 7"/>
-          <p:cNvSpPr/>
-          <p:nvPr/>
-        </p:nvSpPr>
-        <p:spPr>
-          <a:xfrm>
-            <a:off x="1097280" y="4389120"/>
-            <a:ext cx="54864" cy="54864"/>
-          </a:xfrm>
-          <a:prstGeom prst="ellipse">
-            <a:avLst/>
-          </a:prstGeom>
-          <a:solidFill>
-            <a:srgbClr val="B5975B"/>
-          </a:solidFill>
-          <a:ln>
-            <a:noFill/>
-          </a:ln>
-          <a:effectLst/>
-        </p:spPr>
-        <p:style>
-          <a:lnRef idx="1">
-            <a:schemeClr val="accent1"/>
-          </a:lnRef>
-          <a:fillRef idx="3">
-            <a:schemeClr val="accent1"/>
-          </a:fillRef>
-          <a:effectRef idx="2">
-            <a:schemeClr val="accent1"/>
-          </a:effectRef>
-          <a:fontRef idx="minor">
-            <a:schemeClr val="lt1"/>
-          </a:fontRef>
-        </p:style>
-        <p:txBody>
-          <a:bodyPr rtlCol="0" anchor="ctr"/>
-          <a:lstStyle/>
-          <a:p>
-            <a:pPr algn="ctr"/>
-          </a:p>
-        </p:txBody>
-      </p:sp>
-      <p:sp>
-        <p:nvSpPr>
-          <p:cNvPr id="9" name="TextBox 8"/>
-          <p:cNvSpPr txBox="1"/>
-          <p:nvPr/>
-        </p:nvSpPr>
-        <p:spPr>
-          <a:xfrm>
-            <a:off x="1234440" y="4343400"/>
-            <a:ext cx="5029200" cy="137160"/>
-          </a:xfrm>
-          <a:prstGeom prst="rect">
-            <a:avLst/>
-          </a:prstGeom>
-          <a:noFill/>
-          <a:ln>
-            <a:noFill/>
-          </a:ln>
-          <a:effectLst/>
-        </p:spPr>
-        <p:txBody>
-          <a:bodyPr wrap="square">
-            <a:spAutoFit/>
-          </a:bodyPr>
-          <a:lstStyle/>
-          <a:p>
-            <a:pPr algn="l"/>
-            <a:r>
-              <a:rPr sz="1000" b="1">
-                <a:solidFill>
-                  <a:srgbClr val="183A58"/>
-                </a:solidFill>
-                <a:latin typeface="Arial"/>
-              </a:rPr>
-              <a:t>AI-Powered Automation</a:t>
-            </a:r>
-          </a:p>
-        </p:txBody>
-      </p:sp>
-      <p:sp>
-        <p:nvSpPr>
-          <p:cNvPr id="10" name="TextBox 9"/>
-          <p:cNvSpPr txBox="1"/>
-          <p:nvPr/>
-        </p:nvSpPr>
-        <p:spPr>
-          <a:xfrm>
-            <a:off x="1234440" y="4480560"/>
-            <a:ext cx="5029200" cy="256032"/>
-          </a:xfrm>
-          <a:prstGeom prst="rect">
-            <a:avLst/>
-          </a:prstGeom>
-          <a:noFill/>
-          <a:ln>
-            <a:noFill/>
-          </a:ln>
-          <a:effectLst/>
-        </p:spPr>
-        <p:txBody>
-          <a:bodyPr wrap="square">
-            <a:spAutoFit/>
-          </a:bodyPr>
-          <a:lstStyle/>
-          <a:p>
-            <a:pPr algn="l"/>
-            <a:r>
-              <a:rPr sz="900" b="0">
-                <a:solidFill>
-                  <a:srgbClr val="404040"/>
-                </a:solidFill>
-                <a:latin typeface="Arial"/>
-              </a:rPr>
-              <a:t>Driving internal productivity and delivery efficiency through automated processes</a:t>
-            </a:r>
-          </a:p>
-        </p:txBody>
-      </p:sp>
-      <p:sp>
-        <p:nvSpPr>
-          <p:cNvPr id="11" name="Oval 10"/>
-          <p:cNvSpPr/>
-          <p:nvPr/>
-        </p:nvSpPr>
-        <p:spPr>
-          <a:xfrm>
-            <a:off x="1097280" y="4800600"/>
-            <a:ext cx="54864" cy="54864"/>
-          </a:xfrm>
-          <a:prstGeom prst="ellipse">
-            <a:avLst/>
-          </a:prstGeom>
-          <a:solidFill>
-            <a:srgbClr val="B5975B"/>
-          </a:solidFill>
-          <a:ln>
-            <a:noFill/>
-          </a:ln>
-          <a:effectLst/>
-        </p:spPr>
-        <p:style>
-          <a:lnRef idx="1">
-            <a:schemeClr val="accent1"/>
-          </a:lnRef>
-          <a:fillRef idx="3">
-            <a:schemeClr val="accent1"/>
-          </a:fillRef>
-          <a:effectRef idx="2">
-            <a:schemeClr val="accent1"/>
-          </a:effectRef>
-          <a:fontRef idx="minor">
-            <a:schemeClr val="lt1"/>
-          </a:fontRef>
-        </p:style>
-        <p:txBody>
-          <a:bodyPr rtlCol="0" anchor="ctr"/>
-          <a:lstStyle/>
-          <a:p>
-            <a:pPr algn="ctr"/>
-          </a:p>
-        </p:txBody>
-      </p:sp>
-      <p:sp>
-        <p:nvSpPr>
-          <p:cNvPr id="12" name="TextBox 11"/>
-          <p:cNvSpPr txBox="1"/>
-          <p:nvPr/>
-        </p:nvSpPr>
-        <p:spPr>
-          <a:xfrm>
-            <a:off x="1234440" y="4754880"/>
-            <a:ext cx="5029200" cy="137160"/>
-          </a:xfrm>
-          <a:prstGeom prst="rect">
-            <a:avLst/>
-          </a:prstGeom>
-          <a:noFill/>
-          <a:ln>
-            <a:noFill/>
-          </a:ln>
-          <a:effectLst/>
-        </p:spPr>
-        <p:txBody>
-          <a:bodyPr wrap="square">
-            <a:spAutoFit/>
-          </a:bodyPr>
-          <a:lstStyle/>
-          <a:p>
-            <a:pPr algn="l"/>
-            <a:r>
-              <a:rPr sz="1000" b="1">
-                <a:solidFill>
-                  <a:srgbClr val="183A58"/>
-                </a:solidFill>
-                <a:latin typeface="Arial"/>
-              </a:rPr>
-              <a:t>Strategic Resource Management</a:t>
-            </a:r>
-          </a:p>
-        </p:txBody>
-      </p:sp>
-      <p:sp>
-        <p:nvSpPr>
-          <p:cNvPr id="13" name="TextBox 12"/>
-          <p:cNvSpPr txBox="1"/>
-          <p:nvPr/>
-        </p:nvSpPr>
-        <p:spPr>
-          <a:xfrm>
-            <a:off x="1234440" y="4892040"/>
-            <a:ext cx="5029200" cy="256032"/>
-          </a:xfrm>
-          <a:prstGeom prst="rect">
-            <a:avLst/>
-          </a:prstGeom>
-          <a:noFill/>
-          <a:ln>
-            <a:noFill/>
-          </a:ln>
-          <a:effectLst/>
-        </p:spPr>
-        <p:txBody>
-          <a:bodyPr wrap="square">
-            <a:spAutoFit/>
-          </a:bodyPr>
-          <a:lstStyle/>
-          <a:p>
-            <a:pPr algn="l"/>
-            <a:r>
-              <a:rPr sz="900" b="0">
-                <a:solidFill>
-                  <a:srgbClr val="404040"/>
-                </a:solidFill>
-                <a:latin typeface="Arial"/>
-              </a:rPr>
-              <a:t>Optimizing talent pyramid and maximizing employee utilization</a:t>
-            </a:r>
-          </a:p>
-        </p:txBody>
-      </p:sp>
-      <p:sp>
-        <p:nvSpPr>
-          <p:cNvPr id="14" name="Oval 13"/>
-          <p:cNvSpPr/>
-          <p:nvPr/>
-        </p:nvSpPr>
-        <p:spPr>
-          <a:xfrm>
-            <a:off x="1097280" y="5212080"/>
-            <a:ext cx="54864" cy="54864"/>
-          </a:xfrm>
-          <a:prstGeom prst="ellipse">
-            <a:avLst/>
-          </a:prstGeom>
-          <a:solidFill>
-            <a:srgbClr val="B5975B"/>
-          </a:solidFill>
-          <a:ln>
-            <a:noFill/>
-          </a:ln>
-          <a:effectLst/>
-        </p:spPr>
-        <p:style>
-          <a:lnRef idx="1">
-            <a:schemeClr val="accent1"/>
-          </a:lnRef>
-          <a:fillRef idx="3">
-            <a:schemeClr val="accent1"/>
-          </a:fillRef>
-          <a:effectRef idx="2">
-            <a:schemeClr val="accent1"/>
-          </a:effectRef>
-          <a:fontRef idx="minor">
-            <a:schemeClr val="lt1"/>
-          </a:fontRef>
-        </p:style>
-        <p:txBody>
-          <a:bodyPr rtlCol="0" anchor="ctr"/>
-          <a:lstStyle/>
-          <a:p>
-            <a:pPr algn="ctr"/>
-          </a:p>
-        </p:txBody>
-      </p:sp>
-      <p:sp>
-        <p:nvSpPr>
-          <p:cNvPr id="15" name="TextBox 14"/>
-          <p:cNvSpPr txBox="1"/>
-          <p:nvPr/>
-        </p:nvSpPr>
-        <p:spPr>
-          <a:xfrm>
-            <a:off x="1234440" y="5166360"/>
-            <a:ext cx="5029200" cy="137160"/>
-          </a:xfrm>
-          <a:prstGeom prst="rect">
-            <a:avLst/>
-          </a:prstGeom>
-          <a:noFill/>
-          <a:ln>
-            <a:noFill/>
-          </a:ln>
-          <a:effectLst/>
-        </p:spPr>
-        <p:txBody>
-          <a:bodyPr wrap="square">
-            <a:spAutoFit/>
-          </a:bodyPr>
-          <a:lstStyle/>
-          <a:p>
-            <a:pPr algn="l"/>
-            <a:r>
-              <a:rPr sz="1000" b="1">
-                <a:solidFill>
-                  <a:srgbClr val="183A58"/>
-                </a:solidFill>
-                <a:latin typeface="Arial"/>
-              </a:rPr>
-              <a:t>Flexible Global Delivery</a:t>
-            </a:r>
-          </a:p>
-        </p:txBody>
-      </p:sp>
-      <p:sp>
-        <p:nvSpPr>
-          <p:cNvPr id="16" name="TextBox 15"/>
-          <p:cNvSpPr txBox="1"/>
-          <p:nvPr/>
-        </p:nvSpPr>
-        <p:spPr>
-          <a:xfrm>
-            <a:off x="1234440" y="5303520"/>
-            <a:ext cx="5029200" cy="256032"/>
-          </a:xfrm>
-          <a:prstGeom prst="rect">
-            <a:avLst/>
-          </a:prstGeom>
-          <a:noFill/>
-          <a:ln>
-            <a:noFill/>
-          </a:ln>
-          <a:effectLst/>
-        </p:spPr>
-        <p:txBody>
-          <a:bodyPr wrap="square">
-            <a:spAutoFit/>
-          </a:bodyPr>
-          <a:lstStyle/>
-          <a:p>
-            <a:pPr algn="l"/>
-            <a:r>
-              <a:rPr sz="900" b="0">
-                <a:solidFill>
-                  <a:srgbClr val="404040"/>
-                </a:solidFill>
-                <a:latin typeface="Arial"/>
-              </a:rPr>
-              <a:t>Balanced onshore, nearshore, and offshore resource allocation</a:t>
-            </a:r>
-          </a:p>
-        </p:txBody>
-      </p:sp>
-      <p:sp>
-        <p:nvSpPr>
-          <p:cNvPr id="17" name="TextBox 16"/>
-          <p:cNvSpPr txBox="1"/>
-          <p:nvPr/>
-        </p:nvSpPr>
-        <p:spPr>
-          <a:xfrm>
-            <a:off x="7315200" y="1280160"/>
-            <a:ext cx="4572000" cy="274320"/>
-          </a:xfrm>
-          <a:prstGeom prst="rect">
-            <a:avLst/>
-          </a:prstGeom>
-          <a:noFill/>
-          <a:ln>
-            <a:noFill/>
-          </a:ln>
-          <a:effectLst/>
-        </p:spPr>
-        <p:txBody>
-          <a:bodyPr wrap="square">
-            <a:spAutoFit/>
-          </a:bodyPr>
-          <a:lstStyle/>
-          <a:p>
-            <a:pPr algn="l"/>
-            <a:r>
-              <a:rPr sz="1400" b="1">
-                <a:solidFill>
-                  <a:srgbClr val="183A58"/>
-                </a:solidFill>
-                <a:latin typeface="Arial"/>
-              </a:rPr>
-              <a:t>Risk Mitigation Strategies</a:t>
-            </a:r>
-          </a:p>
-        </p:txBody>
-      </p:sp>
-      <p:sp>
-        <p:nvSpPr>
-          <p:cNvPr id="18" name="Rectangle 17"/>
-          <p:cNvSpPr/>
-          <p:nvPr/>
-        </p:nvSpPr>
-        <p:spPr>
-          <a:xfrm>
-            <a:off x="7315200" y="1645920"/>
-            <a:ext cx="4572000" cy="1645920"/>
-          </a:xfrm>
-          <a:prstGeom prst="rect">
-            <a:avLst/>
-          </a:prstGeom>
-          <a:solidFill>
-            <a:srgbClr val="F0F0F0"/>
-          </a:solidFill>
-          <a:ln>
-            <a:noFill/>
-          </a:ln>
-          <a:effectLst/>
-        </p:spPr>
-        <p:style>
-          <a:lnRef idx="1">
-            <a:schemeClr val="accent1"/>
-          </a:lnRef>
-          <a:fillRef idx="3">
-            <a:schemeClr val="accent1"/>
-          </a:fillRef>
-          <a:effectRef idx="2">
-            <a:schemeClr val="accent1"/>
-          </a:effectRef>
-          <a:fontRef idx="minor">
-            <a:schemeClr val="lt1"/>
-          </a:fontRef>
-        </p:style>
-        <p:txBody>
-          <a:bodyPr rtlCol="0" anchor="ctr"/>
-          <a:lstStyle/>
-          <a:p>
-            <a:pPr algn="ctr"/>
-          </a:p>
-        </p:txBody>
-      </p:sp>
-      <p:sp>
-        <p:nvSpPr>
-          <p:cNvPr id="19" name="Rectangle 18"/>
-          <p:cNvSpPr/>
-          <p:nvPr/>
-        </p:nvSpPr>
-        <p:spPr>
-          <a:xfrm>
-            <a:off x="7315200" y="1645920"/>
-            <a:ext cx="91440" cy="1645920"/>
-          </a:xfrm>
-          <a:prstGeom prst="rect">
-            <a:avLst/>
-          </a:prstGeom>
-          <a:solidFill>
-            <a:srgbClr val="B5975B"/>
-          </a:solidFill>
-          <a:ln>
-            <a:noFill/>
-          </a:ln>
-          <a:effectLst/>
-        </p:spPr>
-        <p:style>
-          <a:lnRef idx="1">
-            <a:schemeClr val="accent1"/>
-          </a:lnRef>
-          <a:fillRef idx="3">
-            <a:schemeClr val="accent1"/>
-          </a:fillRef>
-          <a:effectRef idx="2">
-            <a:schemeClr val="accent1"/>
-          </a:effectRef>
-          <a:fontRef idx="minor">
-            <a:schemeClr val="lt1"/>
-          </a:fontRef>
-        </p:style>
-        <p:txBody>
-          <a:bodyPr rtlCol="0" anchor="ctr"/>
-          <a:lstStyle/>
-          <a:p>
-            <a:pPr algn="ctr"/>
-          </a:p>
-        </p:txBody>
-      </p:sp>
-    </p:spTree>
-  </p:cSld>
-  <p:clrMapOvr>
-    <a:masterClrMapping/>
-  </p:clrMapOvr>
-</p:sld>
-</file>
-
-<file path=ppt/slides/slide7.xml><?xml version="1.0" encoding="utf-8"?>
-<p:sld xmlns:a="http://schemas.openxmlformats.org/drawingml/2006/main" xmlns:p="http://schemas.openxmlformats.org/presentationml/2006/main" xmlns:r="http://schemas.openxmlformats.org/officeDocument/2006/relationships">
-  <p:cSld>
-    <p:spTree>
-      <p:nvGrpSpPr>
-        <p:cNvPr id="1" name=""/>
-        <p:cNvGrpSpPr/>
-        <p:nvPr/>
-      </p:nvGrpSpPr>
-      <p:grpSpPr/>
-      <p:sp>
-        <p:nvSpPr>
-          <p:cNvPr id="2" name="TextBox 1"/>
-          <p:cNvSpPr txBox="1"/>
-          <p:nvPr/>
-        </p:nvSpPr>
-        <p:spPr>
-          <a:xfrm>
-            <a:off x="640080" y="731520"/>
-            <a:ext cx="10515600" cy="1371600"/>
-          </a:xfrm>
-          <a:prstGeom prst="rect">
-            <a:avLst/>
-          </a:prstGeom>
-          <a:noFill/>
-        </p:spPr>
-        <p:txBody>
-          <a:bodyPr wrap="none">
-            <a:spAutoFit/>
-          </a:bodyPr>
-          <a:lstStyle/>
-          <a:p>
-            <a:pPr algn="l"/>
-            <a:r>
-              <a:rPr sz="1400"/>
-              <a:t>Renderer error: 'str' object has no attribute 'get'</a:t>
-            </a:r>
-          </a:p>
-        </p:txBody>
-      </p:sp>
-    </p:spTree>
-  </p:cSld>
-  <p:clrMapOvr>
-    <a:masterClrMapping/>
-  </p:clrMapOvr>
-</p:sld>
-</file>
-
-<file path=ppt/slides/slide8.xml><?xml version="1.0" encoding="utf-8"?>
-<p:sld xmlns:a="http://schemas.openxmlformats.org/drawingml/2006/main" xmlns:p="http://schemas.openxmlformats.org/presentationml/2006/main" xmlns:r="http://schemas.openxmlformats.org/officeDocument/2006/relationships">
-  <p:cSld>
-    <p:bg>
-      <p:bgPr>
-        <a:solidFill>
-          <a:srgbClr val="FFFFFF"/>
-        </a:solidFill>
-        <a:effectLst/>
-      </p:bgPr>
-    </p:bg>
-    <p:spTree>
-      <p:nvGrpSpPr>
-        <p:cNvPr id="1" name=""/>
-        <p:cNvGrpSpPr/>
-        <p:nvPr/>
-      </p:nvGrpSpPr>
-      <p:grpSpPr/>
-      <p:sp>
-        <p:nvSpPr>
-          <p:cNvPr id="2" name="TextBox 1"/>
-          <p:cNvSpPr txBox="1"/>
-          <p:nvPr/>
-        </p:nvSpPr>
-        <p:spPr>
-          <a:xfrm>
-            <a:off x="457200" y="274320"/>
-            <a:ext cx="11277295" cy="731520"/>
-          </a:xfrm>
-          <a:prstGeom prst="rect">
-            <a:avLst/>
-          </a:prstGeom>
-          <a:noFill/>
-        </p:spPr>
-        <p:txBody>
-          <a:bodyPr wrap="none" lIns="0" tIns="0" rIns="0" bIns="0">
-            <a:spAutoFit/>
-          </a:bodyPr>
-          <a:lstStyle/>
-          <a:p>
-            <a:pPr algn="l"/>
-            <a:r>
-              <a:rPr sz="2400" b="1">
-                <a:solidFill>
-                  <a:srgbClr val="183A58"/>
-                </a:solidFill>
-                <a:latin typeface="Arial"/>
-              </a:rPr>
-              <a:t>Competitive Positioning Analysis</a:t>
+              <a:t>Market Position &amp; Competitive Analysis</a:t>
             </a:r>
           </a:p>
         </p:txBody>
@@ -10768,7 +10743,7 @@
 </p:sld>
 </file>
 
-<file path=ppt/slides/slide9.xml><?xml version="1.0" encoding="utf-8"?>
+<file path=ppt/slides/slide8.xml><?xml version="1.0" encoding="utf-8"?>
 <p:sld xmlns:a="http://schemas.openxmlformats.org/drawingml/2006/main" xmlns:p="http://schemas.openxmlformats.org/presentationml/2006/main" xmlns:r="http://schemas.openxmlformats.org/officeDocument/2006/relationships">
   <p:cSld>
     <p:bg>
@@ -10816,7 +10791,7 @@
                 </a:solidFill>
                 <a:latin typeface="Arial"/>
               </a:rPr>
-              <a:t>Competitive Positioning Analysis</a:t>
+              <a:t>Market Position &amp; Competitive Analysis</a:t>
             </a:r>
           </a:p>
         </p:txBody>
@@ -12050,6 +12025,54 @@
 </p:sld>
 </file>
 
+<file path=ppt/slides/slide9.xml><?xml version="1.0" encoding="utf-8"?>
+<p:sld xmlns:a="http://schemas.openxmlformats.org/drawingml/2006/main" xmlns:p="http://schemas.openxmlformats.org/presentationml/2006/main" xmlns:r="http://schemas.openxmlformats.org/officeDocument/2006/relationships">
+  <p:cSld>
+    <p:spTree>
+      <p:nvGrpSpPr>
+        <p:cNvPr id="1" name=""/>
+        <p:cNvGrpSpPr/>
+        <p:nvPr/>
+      </p:nvGrpSpPr>
+      <p:grpSpPr/>
+      <p:sp>
+        <p:nvSpPr>
+          <p:cNvPr id="2" name="TextBox 1"/>
+          <p:cNvSpPr txBox="1"/>
+          <p:nvPr/>
+        </p:nvSpPr>
+        <p:spPr>
+          <a:xfrm>
+            <a:off x="640080" y="731520"/>
+            <a:ext cx="10515600" cy="1371600"/>
+          </a:xfrm>
+          <a:prstGeom prst="rect">
+            <a:avLst/>
+          </a:prstGeom>
+          <a:noFill/>
+        </p:spPr>
+        <p:txBody>
+          <a:bodyPr wrap="none">
+            <a:spAutoFit/>
+          </a:bodyPr>
+          <a:lstStyle/>
+          <a:p>
+            <a:pPr algn="l"/>
+            <a:r>
+              <a:rPr sz="1400"/>
+              <a:t>Renderer error for render_competitive_positioning_slide: string indices must be integers, not 'str'</a:t>
+            </a:r>
+          </a:p>
+        </p:txBody>
+      </p:sp>
+    </p:spTree>
+  </p:cSld>
+  <p:clrMapOvr>
+    <a:masterClrMapping/>
+  </p:clrMapOvr>
+</p:sld>
+</file>
+
 <file path=ppt/theme/theme1.xml><?xml version="1.0" encoding="utf-8"?>
 <a:theme xmlns:a="http://schemas.openxmlformats.org/drawingml/2006/main" name="Office Theme">
   <a:themeElements>

--- a/ai_generated_deck.pptx
+++ b/ai_generated_deck.pptx
@@ -13193,7 +13193,7 @@
                 <a:gridCol w="1097280"/>
                 <a:gridCol w="731520"/>
               </a:tblGrid>
-              <a:tr h="512064">
+              <a:tr h="853440">
                 <a:tc>
                   <a:txBody>
                     <a:bodyPr/>
@@ -13230,7 +13230,7 @@
                           </a:solidFill>
                           <a:latin typeface="Arial"/>
                         </a:rPr>
-                        <a:t>Outlets</a:t>
+                        <a:t>Status</a:t>
                       </a:r>
                     </a:p>
                   </a:txBody>
@@ -13241,7 +13241,7 @@
                   </a:tcPr>
                 </a:tc>
               </a:tr>
-              <a:tr h="512064">
+              <a:tr h="853440">
                 <a:tc>
                   <a:txBody>
                     <a:bodyPr/>
@@ -13255,7 +13255,7 @@
                           </a:solidFill>
                           <a:latin typeface="Arial"/>
                         </a:rPr>
-                        <a:t>Jakarta</a:t>
+                        <a:t>No data</a:t>
                       </a:r>
                     </a:p>
                   </a:txBody>
@@ -13278,7 +13278,7 @@
                           </a:solidFill>
                           <a:latin typeface="Arial"/>
                         </a:rPr>
-                        <a:t>45</a:t>
+                        <a:t>Please provide</a:t>
                       </a:r>
                     </a:p>
                   </a:txBody>
@@ -13289,7 +13289,7 @@
                   </a:tcPr>
                 </a:tc>
               </a:tr>
-              <a:tr h="512064">
+              <a:tr h="853440">
                 <a:tc>
                   <a:txBody>
                     <a:bodyPr/>
@@ -13303,7 +13303,7 @@
                           </a:solidFill>
                           <a:latin typeface="Arial"/>
                         </a:rPr>
-                        <a:t>Bandung</a:t>
+                        <a:t>coverage_table</a:t>
                       </a:r>
                     </a:p>
                   </a:txBody>
@@ -13326,103 +13326,7 @@
                           </a:solidFill>
                           <a:latin typeface="Arial"/>
                         </a:rPr>
-                        <a:t>25</a:t>
-                      </a:r>
-                    </a:p>
-                  </a:txBody>
-                  <a:tcPr marL="45720" marR="45720" marT="45720" marB="45720">
-                    <a:solidFill>
-                      <a:srgbClr val="F0F0F0"/>
-                    </a:solidFill>
-                  </a:tcPr>
-                </a:tc>
-              </a:tr>
-              <a:tr h="512064">
-                <a:tc>
-                  <a:txBody>
-                    <a:bodyPr/>
-                    <a:lstStyle/>
-                    <a:p>
-                      <a:pPr algn="ctr"/>
-                      <a:r>
-                        <a:rPr sz="900">
-                          <a:solidFill>
-                            <a:srgbClr val="404040"/>
-                          </a:solidFill>
-                          <a:latin typeface="Arial"/>
-                        </a:rPr>
-                        <a:t>Surabaya</a:t>
-                      </a:r>
-                    </a:p>
-                  </a:txBody>
-                  <a:tcPr marL="45720" marR="45720" marT="45720" marB="45720">
-                    <a:solidFill>
-                      <a:srgbClr val="FFFFFF"/>
-                    </a:solidFill>
-                  </a:tcPr>
-                </a:tc>
-                <a:tc>
-                  <a:txBody>
-                    <a:bodyPr/>
-                    <a:lstStyle/>
-                    <a:p>
-                      <a:pPr algn="ctr"/>
-                      <a:r>
-                        <a:rPr sz="900">
-                          <a:solidFill>
-                            <a:srgbClr val="404040"/>
-                          </a:solidFill>
-                          <a:latin typeface="Arial"/>
-                        </a:rPr>
-                        <a:t>20</a:t>
-                      </a:r>
-                    </a:p>
-                  </a:txBody>
-                  <a:tcPr marL="45720" marR="45720" marT="45720" marB="45720">
-                    <a:solidFill>
-                      <a:srgbClr val="FFFFFF"/>
-                    </a:solidFill>
-                  </a:tcPr>
-                </a:tc>
-              </a:tr>
-              <a:tr h="512064">
-                <a:tc>
-                  <a:txBody>
-                    <a:bodyPr/>
-                    <a:lstStyle/>
-                    <a:p>
-                      <a:pPr algn="ctr"/>
-                      <a:r>
-                        <a:rPr sz="900">
-                          <a:solidFill>
-                            <a:srgbClr val="404040"/>
-                          </a:solidFill>
-                          <a:latin typeface="Arial"/>
-                        </a:rPr>
-                        <a:t>Other Cities</a:t>
-                      </a:r>
-                    </a:p>
-                  </a:txBody>
-                  <a:tcPr marL="45720" marR="45720" marT="45720" marB="45720">
-                    <a:solidFill>
-                      <a:srgbClr val="F0F0F0"/>
-                    </a:solidFill>
-                  </a:tcPr>
-                </a:tc>
-                <a:tc>
-                  <a:txBody>
-                    <a:bodyPr/>
-                    <a:lstStyle/>
-                    <a:p>
-                      <a:pPr algn="ctr"/>
-                      <a:r>
-                        <a:rPr sz="900">
-                          <a:solidFill>
-                            <a:srgbClr val="404040"/>
-                          </a:solidFill>
-                          <a:latin typeface="Arial"/>
-                        </a:rPr>
-                        <a:t>40+</a:t>
+                        <a:t>in JSON data</a:t>
                       </a:r>
                     </a:p>
                   </a:txBody>

--- a/ai_generated_deck.pptx
+++ b/ai_generated_deck.pptx
@@ -20,10 +20,6 @@
     <p:sldId id="268" r:id="rId19"/>
     <p:sldId id="269" r:id="rId20"/>
     <p:sldId id="270" r:id="rId21"/>
-    <p:sldId id="271" r:id="rId22"/>
-    <p:sldId id="272" r:id="rId23"/>
-    <p:sldId id="273" r:id="rId24"/>
-    <p:sldId id="274" r:id="rId25"/>
   </p:sldIdLst>
   <p:sldSz cx="12191695" cy="6858000" type="screen4x3"/>
   <p:notesSz cx="6858000" cy="9144000"/>
@@ -5207,318 +5203,6 @@
                 </a:solidFill>
                 <a:latin typeface="Arial"/>
               </a:rPr>
-              <a:t>Precedent Transactions</a:t>
-            </a:r>
-          </a:p>
-        </p:txBody>
-      </p:sp>
-      <p:sp>
-        <p:nvSpPr>
-          <p:cNvPr id="3" name="Rectangle 2"/>
-          <p:cNvSpPr/>
-          <p:nvPr/>
-        </p:nvSpPr>
-        <p:spPr>
-          <a:xfrm>
-            <a:off x="457200" y="914400"/>
-            <a:ext cx="11277295" cy="45720"/>
-          </a:xfrm>
-          <a:prstGeom prst="rect">
-            <a:avLst/>
-          </a:prstGeom>
-          <a:solidFill>
-            <a:srgbClr val="183A58"/>
-          </a:solidFill>
-          <a:ln>
-            <a:noFill/>
-          </a:ln>
-        </p:spPr>
-        <p:style>
-          <a:lnRef idx="1">
-            <a:schemeClr val="accent1"/>
-          </a:lnRef>
-          <a:fillRef idx="3">
-            <a:schemeClr val="accent1"/>
-          </a:fillRef>
-          <a:effectRef idx="2">
-            <a:schemeClr val="accent1"/>
-          </a:effectRef>
-          <a:fontRef idx="minor">
-            <a:schemeClr val="lt1"/>
-          </a:fontRef>
-        </p:style>
-        <p:txBody>
-          <a:bodyPr rtlCol="0" anchor="ctr"/>
-          <a:lstStyle/>
-          <a:p>
-            <a:pPr algn="ctr"/>
-          </a:p>
-        </p:txBody>
-      </p:sp>
-      <p:sp>
-        <p:nvSpPr>
-          <p:cNvPr id="4" name="TextBox 3"/>
-          <p:cNvSpPr txBox="1"/>
-          <p:nvPr/>
-        </p:nvSpPr>
-        <p:spPr>
-          <a:xfrm>
-            <a:off x="1828800" y="1371600"/>
-            <a:ext cx="8229600" cy="457200"/>
-          </a:xfrm>
-          <a:prstGeom prst="rect">
-            <a:avLst/>
-          </a:prstGeom>
-          <a:noFill/>
-        </p:spPr>
-        <p:txBody>
-          <a:bodyPr wrap="none">
-            <a:spAutoFit/>
-          </a:bodyPr>
-          <a:lstStyle/>
-          <a:p>
-            <a:pPr algn="ctr">
-              <a:defRPr sz="1400" b="1">
-                <a:solidFill>
-                  <a:srgbClr val="183A58"/>
-                </a:solidFill>
-                <a:latin typeface="Arial"/>
-              </a:defRPr>
-            </a:pPr>
-            <a:r>
-              <a:t>EV/Revenue Multiples by Transaction</a:t>
-            </a:r>
-          </a:p>
-        </p:txBody>
-      </p:sp>
-    </p:spTree>
-  </p:cSld>
-  <p:clrMapOvr>
-    <a:masterClrMapping/>
-  </p:clrMapOvr>
-</p:sld>
-</file>
-
-<file path=ppt/slides/slide11.xml><?xml version="1.0" encoding="utf-8"?>
-<p:sld xmlns:a="http://schemas.openxmlformats.org/drawingml/2006/main" xmlns:p="http://schemas.openxmlformats.org/presentationml/2006/main" xmlns:r="http://schemas.openxmlformats.org/officeDocument/2006/relationships">
-  <p:cSld>
-    <p:spTree>
-      <p:nvGrpSpPr>
-        <p:cNvPr id="1" name=""/>
-        <p:cNvGrpSpPr/>
-        <p:nvPr/>
-      </p:nvGrpSpPr>
-      <p:grpSpPr/>
-      <p:sp>
-        <p:nvSpPr>
-          <p:cNvPr id="2" name="TextBox 1"/>
-          <p:cNvSpPr txBox="1"/>
-          <p:nvPr/>
-        </p:nvSpPr>
-        <p:spPr>
-          <a:xfrm>
-            <a:off x="457200" y="274320"/>
-            <a:ext cx="11277295" cy="731520"/>
-          </a:xfrm>
-          <a:prstGeom prst="rect">
-            <a:avLst/>
-          </a:prstGeom>
-          <a:noFill/>
-        </p:spPr>
-        <p:txBody>
-          <a:bodyPr wrap="none" lIns="0" tIns="0" rIns="0" bIns="0">
-            <a:spAutoFit/>
-          </a:bodyPr>
-          <a:lstStyle/>
-          <a:p>
-            <a:pPr algn="l"/>
-            <a:r>
-              <a:rPr sz="2400" b="1">
-                <a:solidFill>
-                  <a:srgbClr val="183A58"/>
-                </a:solidFill>
-                <a:latin typeface="Arial"/>
-              </a:rPr>
-              <a:t>Precedent Transactions</a:t>
-            </a:r>
-          </a:p>
-        </p:txBody>
-      </p:sp>
-      <p:sp>
-        <p:nvSpPr>
-          <p:cNvPr id="3" name="Rectangle 2"/>
-          <p:cNvSpPr/>
-          <p:nvPr/>
-        </p:nvSpPr>
-        <p:spPr>
-          <a:xfrm>
-            <a:off x="457200" y="914400"/>
-            <a:ext cx="11277295" cy="45720"/>
-          </a:xfrm>
-          <a:prstGeom prst="rect">
-            <a:avLst/>
-          </a:prstGeom>
-          <a:solidFill>
-            <a:srgbClr val="183A58"/>
-          </a:solidFill>
-          <a:ln>
-            <a:noFill/>
-          </a:ln>
-        </p:spPr>
-        <p:style>
-          <a:lnRef idx="1">
-            <a:schemeClr val="accent1"/>
-          </a:lnRef>
-          <a:fillRef idx="3">
-            <a:schemeClr val="accent1"/>
-          </a:fillRef>
-          <a:effectRef idx="2">
-            <a:schemeClr val="accent1"/>
-          </a:effectRef>
-          <a:fontRef idx="minor">
-            <a:schemeClr val="lt1"/>
-          </a:fontRef>
-        </p:style>
-        <p:txBody>
-          <a:bodyPr rtlCol="0" anchor="ctr"/>
-          <a:lstStyle/>
-          <a:p>
-            <a:pPr algn="ctr"/>
-          </a:p>
-        </p:txBody>
-      </p:sp>
-      <p:sp>
-        <p:nvSpPr>
-          <p:cNvPr id="4" name="TextBox 3"/>
-          <p:cNvSpPr txBox="1"/>
-          <p:nvPr/>
-        </p:nvSpPr>
-        <p:spPr>
-          <a:xfrm>
-            <a:off x="1828800" y="1371600"/>
-            <a:ext cx="8229600" cy="457200"/>
-          </a:xfrm>
-          <a:prstGeom prst="rect">
-            <a:avLst/>
-          </a:prstGeom>
-          <a:noFill/>
-        </p:spPr>
-        <p:txBody>
-          <a:bodyPr wrap="none">
-            <a:spAutoFit/>
-          </a:bodyPr>
-          <a:lstStyle/>
-          <a:p>
-            <a:pPr algn="ctr">
-              <a:defRPr sz="1400" b="1">
-                <a:solidFill>
-                  <a:srgbClr val="183A58"/>
-                </a:solidFill>
-                <a:latin typeface="Arial"/>
-              </a:defRPr>
-            </a:pPr>
-            <a:r>
-              <a:t>EV/Revenue Multiples by Transaction</a:t>
-            </a:r>
-          </a:p>
-        </p:txBody>
-      </p:sp>
-    </p:spTree>
-  </p:cSld>
-  <p:clrMapOvr>
-    <a:masterClrMapping/>
-  </p:clrMapOvr>
-</p:sld>
-</file>
-
-<file path=ppt/slides/slide12.xml><?xml version="1.0" encoding="utf-8"?>
-<p:sld xmlns:a="http://schemas.openxmlformats.org/drawingml/2006/main" xmlns:p="http://schemas.openxmlformats.org/presentationml/2006/main" xmlns:r="http://schemas.openxmlformats.org/officeDocument/2006/relationships">
-  <p:cSld>
-    <p:spTree>
-      <p:nvGrpSpPr>
-        <p:cNvPr id="1" name=""/>
-        <p:cNvGrpSpPr/>
-        <p:nvPr/>
-      </p:nvGrpSpPr>
-      <p:grpSpPr/>
-      <p:sp>
-        <p:nvSpPr>
-          <p:cNvPr id="2" name="TextBox 1"/>
-          <p:cNvSpPr txBox="1"/>
-          <p:nvPr/>
-        </p:nvSpPr>
-        <p:spPr>
-          <a:xfrm>
-            <a:off x="640080" y="731520"/>
-            <a:ext cx="10515600" cy="1371600"/>
-          </a:xfrm>
-          <a:prstGeom prst="rect">
-            <a:avLst/>
-          </a:prstGeom>
-          <a:noFill/>
-        </p:spPr>
-        <p:txBody>
-          <a:bodyPr wrap="none">
-            <a:spAutoFit/>
-          </a:bodyPr>
-          <a:lstStyle/>
-          <a:p>
-            <a:pPr algn="l"/>
-            <a:r>
-              <a:rPr sz="1400"/>
-              <a:t>Renderer error for render_precedent_transactions_slide: '&gt;' not supported between instances of 'str' and 'int'</a:t>
-            </a:r>
-          </a:p>
-        </p:txBody>
-      </p:sp>
-    </p:spTree>
-  </p:cSld>
-  <p:clrMapOvr>
-    <a:masterClrMapping/>
-  </p:clrMapOvr>
-</p:sld>
-</file>
-
-<file path=ppt/slides/slide13.xml><?xml version="1.0" encoding="utf-8"?>
-<p:sld xmlns:a="http://schemas.openxmlformats.org/drawingml/2006/main" xmlns:p="http://schemas.openxmlformats.org/presentationml/2006/main" xmlns:r="http://schemas.openxmlformats.org/officeDocument/2006/relationships">
-  <p:cSld>
-    <p:spTree>
-      <p:nvGrpSpPr>
-        <p:cNvPr id="1" name=""/>
-        <p:cNvGrpSpPr/>
-        <p:nvPr/>
-      </p:nvGrpSpPr>
-      <p:grpSpPr/>
-      <p:sp>
-        <p:nvSpPr>
-          <p:cNvPr id="2" name="TextBox 1"/>
-          <p:cNvSpPr txBox="1"/>
-          <p:nvPr/>
-        </p:nvSpPr>
-        <p:spPr>
-          <a:xfrm>
-            <a:off x="457200" y="274320"/>
-            <a:ext cx="11277295" cy="731520"/>
-          </a:xfrm>
-          <a:prstGeom prst="rect">
-            <a:avLst/>
-          </a:prstGeom>
-          <a:noFill/>
-        </p:spPr>
-        <p:txBody>
-          <a:bodyPr wrap="none" lIns="0" tIns="0" rIns="0" bIns="0">
-            <a:spAutoFit/>
-          </a:bodyPr>
-          <a:lstStyle/>
-          <a:p>
-            <a:pPr algn="l"/>
-            <a:r>
-              <a:rPr sz="2400" b="1">
-                <a:solidFill>
-                  <a:srgbClr val="183A58"/>
-                </a:solidFill>
-                <a:latin typeface="Arial"/>
-              </a:rPr>
               <a:t>Margin &amp; Cost Resilience</a:t>
             </a:r>
           </a:p>
@@ -6631,7 +6315,7 @@
 </p:sld>
 </file>
 
-<file path=ppt/slides/slide14.xml><?xml version="1.0" encoding="utf-8"?>
+<file path=ppt/slides/slide11.xml><?xml version="1.0" encoding="utf-8"?>
 <p:sld xmlns:a="http://schemas.openxmlformats.org/drawingml/2006/main" xmlns:p="http://schemas.openxmlformats.org/presentationml/2006/main" xmlns:r="http://schemas.openxmlformats.org/officeDocument/2006/relationships">
   <p:cSld>
     <p:spTree>
@@ -7559,7 +7243,7 @@
 </p:sld>
 </file>
 
-<file path=ppt/slides/slide15.xml><?xml version="1.0" encoding="utf-8"?>
+<file path=ppt/slides/slide12.xml><?xml version="1.0" encoding="utf-8"?>
 <p:sld xmlns:a="http://schemas.openxmlformats.org/drawingml/2006/main" xmlns:p="http://schemas.openxmlformats.org/presentationml/2006/main" xmlns:r="http://schemas.openxmlformats.org/officeDocument/2006/relationships">
   <p:cSld>
     <p:spTree>
@@ -8049,7 +7733,7 @@
 </p:sld>
 </file>
 
-<file path=ppt/slides/slide16.xml><?xml version="1.0" encoding="utf-8"?>
+<file path=ppt/slides/slide13.xml><?xml version="1.0" encoding="utf-8"?>
 <p:sld xmlns:a="http://schemas.openxmlformats.org/drawingml/2006/main" xmlns:p="http://schemas.openxmlformats.org/presentationml/2006/main" xmlns:r="http://schemas.openxmlformats.org/officeDocument/2006/relationships">
   <p:cSld>
     <p:spTree>
@@ -8831,7 +8515,7 @@
 </p:sld>
 </file>
 
-<file path=ppt/slides/slide17.xml><?xml version="1.0" encoding="utf-8"?>
+<file path=ppt/slides/slide14.xml><?xml version="1.0" encoding="utf-8"?>
 <p:sld xmlns:a="http://schemas.openxmlformats.org/drawingml/2006/main" xmlns:p="http://schemas.openxmlformats.org/presentationml/2006/main" xmlns:r="http://schemas.openxmlformats.org/officeDocument/2006/relationships">
   <p:cSld>
     <p:spTree>
@@ -9613,7 +9297,7 @@
 </p:sld>
 </file>
 
-<file path=ppt/slides/slide18.xml><?xml version="1.0" encoding="utf-8"?>
+<file path=ppt/slides/slide15.xml><?xml version="1.0" encoding="utf-8"?>
 <p:sld xmlns:a="http://schemas.openxmlformats.org/drawingml/2006/main" xmlns:p="http://schemas.openxmlformats.org/presentationml/2006/main" xmlns:r="http://schemas.openxmlformats.org/officeDocument/2006/relationships">
   <p:cSld>
     <p:spTree>
@@ -11336,50 +11020,451 @@
           </a:p>
         </p:txBody>
       </p:sp>
-    </p:spTree>
-  </p:cSld>
-  <p:clrMapOvr>
-    <a:masterClrMapping/>
-  </p:clrMapOvr>
-</p:sld>
-</file>
-
-<file path=ppt/slides/slide19.xml><?xml version="1.0" encoding="utf-8"?>
-<p:sld xmlns:a="http://schemas.openxmlformats.org/drawingml/2006/main" xmlns:p="http://schemas.openxmlformats.org/presentationml/2006/main" xmlns:r="http://schemas.openxmlformats.org/officeDocument/2006/relationships">
-  <p:cSld>
-    <p:spTree>
-      <p:nvGrpSpPr>
-        <p:cNvPr id="1" name=""/>
-        <p:cNvGrpSpPr/>
-        <p:nvPr/>
-      </p:nvGrpSpPr>
-      <p:grpSpPr/>
-      <p:sp>
-        <p:nvSpPr>
-          <p:cNvPr id="2" name="TextBox 1"/>
-          <p:cNvSpPr txBox="1"/>
-          <p:nvPr/>
-        </p:nvSpPr>
-        <p:spPr>
-          <a:xfrm>
-            <a:off x="640080" y="731520"/>
-            <a:ext cx="10515600" cy="1371600"/>
-          </a:xfrm>
-          <a:prstGeom prst="rect">
-            <a:avLst/>
-          </a:prstGeom>
-          <a:noFill/>
-        </p:spPr>
-        <p:txBody>
-          <a:bodyPr wrap="none">
+      <p:sp>
+        <p:nvSpPr>
+          <p:cNvPr id="43" name="TextBox 42"/>
+          <p:cNvSpPr txBox="1"/>
+          <p:nvPr/>
+        </p:nvSpPr>
+        <p:spPr>
+          <a:xfrm>
+            <a:off x="6675120" y="3977639"/>
+            <a:ext cx="5029200" cy="201168"/>
+          </a:xfrm>
+          <a:prstGeom prst="rect">
+            <a:avLst/>
+          </a:prstGeom>
+          <a:noFill/>
+          <a:ln>
+            <a:noFill/>
+          </a:ln>
+          <a:effectLst/>
+        </p:spPr>
+        <p:txBody>
+          <a:bodyPr wrap="square" lIns="73152" rIns="73152"/>
+          <a:lstStyle/>
+          <a:p>
+            <a:pPr algn="l">
+              <a:lnSpc>
+                <a:spcPct val="110000"/>
+              </a:lnSpc>
+            </a:pPr>
+            <a:r>
+              <a:rPr sz="900" b="0">
+                <a:solidFill>
+                  <a:srgbClr val="404040"/>
+                </a:solidFill>
+                <a:latin typeface="Arial"/>
+              </a:rPr>
+              <a:t>Preparation: 2-3 weeks - NDA, data room, initial buyer list</a:t>
+            </a:r>
+          </a:p>
+        </p:txBody>
+      </p:sp>
+      <p:sp>
+        <p:nvSpPr>
+          <p:cNvPr id="44" name="Oval 43"/>
+          <p:cNvSpPr/>
+          <p:nvPr/>
+        </p:nvSpPr>
+        <p:spPr>
+          <a:xfrm>
+            <a:off x="6537960" y="4352543"/>
+            <a:ext cx="54864" cy="54864"/>
+          </a:xfrm>
+          <a:prstGeom prst="ellipse">
+            <a:avLst/>
+          </a:prstGeom>
+          <a:solidFill>
+            <a:srgbClr val="B5975B"/>
+          </a:solidFill>
+          <a:ln>
+            <a:noFill/>
+          </a:ln>
+        </p:spPr>
+        <p:style>
+          <a:lnRef idx="1">
+            <a:schemeClr val="accent1"/>
+          </a:lnRef>
+          <a:fillRef idx="3">
+            <a:schemeClr val="accent1"/>
+          </a:fillRef>
+          <a:effectRef idx="2">
+            <a:schemeClr val="accent1"/>
+          </a:effectRef>
+          <a:fontRef idx="minor">
+            <a:schemeClr val="lt1"/>
+          </a:fontRef>
+        </p:style>
+        <p:txBody>
+          <a:bodyPr rtlCol="0" anchor="ctr"/>
+          <a:lstStyle/>
+          <a:p>
+            <a:pPr algn="ctr"/>
+          </a:p>
+        </p:txBody>
+      </p:sp>
+      <p:sp>
+        <p:nvSpPr>
+          <p:cNvPr id="45" name="TextBox 44"/>
+          <p:cNvSpPr txBox="1"/>
+          <p:nvPr/>
+        </p:nvSpPr>
+        <p:spPr>
+          <a:xfrm>
+            <a:off x="6675120" y="4297679"/>
+            <a:ext cx="5029200" cy="201168"/>
+          </a:xfrm>
+          <a:prstGeom prst="rect">
+            <a:avLst/>
+          </a:prstGeom>
+          <a:noFill/>
+          <a:ln>
+            <a:noFill/>
+          </a:ln>
+          <a:effectLst/>
+        </p:spPr>
+        <p:txBody>
+          <a:bodyPr wrap="square" lIns="73152" rIns="73152"/>
+          <a:lstStyle/>
+          <a:p>
+            <a:pPr algn="l">
+              <a:lnSpc>
+                <a:spcPct val="110000"/>
+              </a:lnSpc>
+            </a:pPr>
+            <a:r>
+              <a:rPr sz="900" b="0">
+                <a:solidFill>
+                  <a:srgbClr val="404040"/>
+                </a:solidFill>
+                <a:latin typeface="Arial"/>
+              </a:rPr>
+              <a:t>Initial diligence: 3-4 weeks - Tech/code review, customer calls</a:t>
+            </a:r>
+          </a:p>
+        </p:txBody>
+      </p:sp>
+      <p:sp>
+        <p:nvSpPr>
+          <p:cNvPr id="46" name="Oval 45"/>
+          <p:cNvSpPr/>
+          <p:nvPr/>
+        </p:nvSpPr>
+        <p:spPr>
+          <a:xfrm>
+            <a:off x="6537960" y="4672583"/>
+            <a:ext cx="54864" cy="54864"/>
+          </a:xfrm>
+          <a:prstGeom prst="ellipse">
+            <a:avLst/>
+          </a:prstGeom>
+          <a:solidFill>
+            <a:srgbClr val="B5975B"/>
+          </a:solidFill>
+          <a:ln>
+            <a:noFill/>
+          </a:ln>
+        </p:spPr>
+        <p:style>
+          <a:lnRef idx="1">
+            <a:schemeClr val="accent1"/>
+          </a:lnRef>
+          <a:fillRef idx="3">
+            <a:schemeClr val="accent1"/>
+          </a:fillRef>
+          <a:effectRef idx="2">
+            <a:schemeClr val="accent1"/>
+          </a:effectRef>
+          <a:fontRef idx="minor">
+            <a:schemeClr val="lt1"/>
+          </a:fontRef>
+        </p:style>
+        <p:txBody>
+          <a:bodyPr rtlCol="0" anchor="ctr"/>
+          <a:lstStyle/>
+          <a:p>
+            <a:pPr algn="ctr"/>
+          </a:p>
+        </p:txBody>
+      </p:sp>
+      <p:sp>
+        <p:nvSpPr>
+          <p:cNvPr id="47" name="TextBox 46"/>
+          <p:cNvSpPr txBox="1"/>
+          <p:nvPr/>
+        </p:nvSpPr>
+        <p:spPr>
+          <a:xfrm>
+            <a:off x="6675120" y="4617719"/>
+            <a:ext cx="5029200" cy="201168"/>
+          </a:xfrm>
+          <a:prstGeom prst="rect">
+            <a:avLst/>
+          </a:prstGeom>
+          <a:noFill/>
+          <a:ln>
+            <a:noFill/>
+          </a:ln>
+          <a:effectLst/>
+        </p:spPr>
+        <p:txBody>
+          <a:bodyPr wrap="square" lIns="73152" rIns="73152"/>
+          <a:lstStyle/>
+          <a:p>
+            <a:pPr algn="l">
+              <a:lnSpc>
+                <a:spcPct val="110000"/>
+              </a:lnSpc>
+            </a:pPr>
+            <a:r>
+              <a:rPr sz="900" b="0">
+                <a:solidFill>
+                  <a:srgbClr val="404040"/>
+                </a:solidFill>
+                <a:latin typeface="Arial"/>
+              </a:rPr>
+              <a:t>Deep diligence: 4-5 weeks - Financials, IP, team interviews, security</a:t>
+            </a:r>
+          </a:p>
+        </p:txBody>
+      </p:sp>
+      <p:sp>
+        <p:nvSpPr>
+          <p:cNvPr id="48" name="Oval 47"/>
+          <p:cNvSpPr/>
+          <p:nvPr/>
+        </p:nvSpPr>
+        <p:spPr>
+          <a:xfrm>
+            <a:off x="6537960" y="4992622"/>
+            <a:ext cx="54864" cy="54864"/>
+          </a:xfrm>
+          <a:prstGeom prst="ellipse">
+            <a:avLst/>
+          </a:prstGeom>
+          <a:solidFill>
+            <a:srgbClr val="B5975B"/>
+          </a:solidFill>
+          <a:ln>
+            <a:noFill/>
+          </a:ln>
+        </p:spPr>
+        <p:style>
+          <a:lnRef idx="1">
+            <a:schemeClr val="accent1"/>
+          </a:lnRef>
+          <a:fillRef idx="3">
+            <a:schemeClr val="accent1"/>
+          </a:fillRef>
+          <a:effectRef idx="2">
+            <a:schemeClr val="accent1"/>
+          </a:effectRef>
+          <a:fontRef idx="minor">
+            <a:schemeClr val="lt1"/>
+          </a:fontRef>
+        </p:style>
+        <p:txBody>
+          <a:bodyPr rtlCol="0" anchor="ctr"/>
+          <a:lstStyle/>
+          <a:p>
+            <a:pPr algn="ctr"/>
+          </a:p>
+        </p:txBody>
+      </p:sp>
+      <p:sp>
+        <p:nvSpPr>
+          <p:cNvPr id="49" name="TextBox 48"/>
+          <p:cNvSpPr txBox="1"/>
+          <p:nvPr/>
+        </p:nvSpPr>
+        <p:spPr>
+          <a:xfrm>
+            <a:off x="6675120" y="4937758"/>
+            <a:ext cx="5029200" cy="201168"/>
+          </a:xfrm>
+          <a:prstGeom prst="rect">
+            <a:avLst/>
+          </a:prstGeom>
+          <a:noFill/>
+          <a:ln>
+            <a:noFill/>
+          </a:ln>
+          <a:effectLst/>
+        </p:spPr>
+        <p:txBody>
+          <a:bodyPr wrap="square" lIns="73152" rIns="73152"/>
+          <a:lstStyle/>
+          <a:p>
+            <a:pPr algn="l">
+              <a:lnSpc>
+                <a:spcPct val="110000"/>
+              </a:lnSpc>
+            </a:pPr>
+            <a:r>
+              <a:rPr sz="900" b="0">
+                <a:solidFill>
+                  <a:srgbClr val="404040"/>
+                </a:solidFill>
+                <a:latin typeface="Arial"/>
+              </a:rPr>
+              <a:t>Final offers: 2 weeks - Negotiation, board approvals</a:t>
+            </a:r>
+          </a:p>
+        </p:txBody>
+      </p:sp>
+      <p:sp>
+        <p:nvSpPr>
+          <p:cNvPr id="50" name="Oval 49"/>
+          <p:cNvSpPr/>
+          <p:nvPr/>
+        </p:nvSpPr>
+        <p:spPr>
+          <a:xfrm>
+            <a:off x="6537960" y="5312663"/>
+            <a:ext cx="54864" cy="54864"/>
+          </a:xfrm>
+          <a:prstGeom prst="ellipse">
+            <a:avLst/>
+          </a:prstGeom>
+          <a:solidFill>
+            <a:srgbClr val="B5975B"/>
+          </a:solidFill>
+          <a:ln>
+            <a:noFill/>
+          </a:ln>
+        </p:spPr>
+        <p:style>
+          <a:lnRef idx="1">
+            <a:schemeClr val="accent1"/>
+          </a:lnRef>
+          <a:fillRef idx="3">
+            <a:schemeClr val="accent1"/>
+          </a:fillRef>
+          <a:effectRef idx="2">
+            <a:schemeClr val="accent1"/>
+          </a:effectRef>
+          <a:fontRef idx="minor">
+            <a:schemeClr val="lt1"/>
+          </a:fontRef>
+        </p:style>
+        <p:txBody>
+          <a:bodyPr rtlCol="0" anchor="ctr"/>
+          <a:lstStyle/>
+          <a:p>
+            <a:pPr algn="ctr"/>
+          </a:p>
+        </p:txBody>
+      </p:sp>
+      <p:sp>
+        <p:nvSpPr>
+          <p:cNvPr id="51" name="TextBox 50"/>
+          <p:cNvSpPr txBox="1"/>
+          <p:nvPr/>
+        </p:nvSpPr>
+        <p:spPr>
+          <a:xfrm>
+            <a:off x="6675120" y="5257799"/>
+            <a:ext cx="5029200" cy="201168"/>
+          </a:xfrm>
+          <a:prstGeom prst="rect">
+            <a:avLst/>
+          </a:prstGeom>
+          <a:noFill/>
+          <a:ln>
+            <a:noFill/>
+          </a:ln>
+          <a:effectLst/>
+        </p:spPr>
+        <p:txBody>
+          <a:bodyPr wrap="square" lIns="73152" rIns="73152"/>
+          <a:lstStyle/>
+          <a:p>
+            <a:pPr algn="l">
+              <a:lnSpc>
+                <a:spcPct val="110000"/>
+              </a:lnSpc>
+            </a:pPr>
+            <a:r>
+              <a:rPr sz="900" b="0">
+                <a:solidFill>
+                  <a:srgbClr val="404040"/>
+                </a:solidFill>
+                <a:latin typeface="Arial"/>
+              </a:rPr>
+              <a:t>Signing/closing: 2-3 weeks - SPA/APA, regulatory, final close</a:t>
+            </a:r>
+          </a:p>
+        </p:txBody>
+      </p:sp>
+      <p:sp>
+        <p:nvSpPr>
+          <p:cNvPr id="52" name="TextBox 51"/>
+          <p:cNvSpPr txBox="1"/>
+          <p:nvPr/>
+        </p:nvSpPr>
+        <p:spPr>
+          <a:xfrm>
+            <a:off x="457200" y="6309360"/>
+            <a:ext cx="5486400" cy="365760"/>
+          </a:xfrm>
+          <a:prstGeom prst="rect">
+            <a:avLst/>
+          </a:prstGeom>
+          <a:noFill/>
+        </p:spPr>
+        <p:txBody>
+          <a:bodyPr wrap="none" anchor="ctr">
             <a:spAutoFit/>
           </a:bodyPr>
           <a:lstStyle/>
           <a:p>
-            <a:pPr algn="l"/>
-            <a:r>
-              <a:rPr sz="1400"/>
-              <a:t>Renderer error: 'str' object has no attribute 'get'</a:t>
+            <a:pPr algn="l">
+              <a:defRPr sz="900">
+                <a:solidFill>
+                  <a:srgbClr val="808080"/>
+                </a:solidFill>
+                <a:latin typeface="Arial"/>
+              </a:defRPr>
+            </a:pPr>
+            <a:r>
+              <a:t>Confidential | September 08, 2025</a:t>
+            </a:r>
+          </a:p>
+        </p:txBody>
+      </p:sp>
+      <p:sp>
+        <p:nvSpPr>
+          <p:cNvPr id="53" name="TextBox 52"/>
+          <p:cNvSpPr txBox="1"/>
+          <p:nvPr/>
+        </p:nvSpPr>
+        <p:spPr>
+          <a:xfrm>
+            <a:off x="9144000" y="6309360"/>
+            <a:ext cx="2743200" cy="365760"/>
+          </a:xfrm>
+          <a:prstGeom prst="rect">
+            <a:avLst/>
+          </a:prstGeom>
+          <a:noFill/>
+        </p:spPr>
+        <p:txBody>
+          <a:bodyPr wrap="none" anchor="ctr">
+            <a:spAutoFit/>
+          </a:bodyPr>
+          <a:lstStyle/>
+          <a:p>
+            <a:pPr algn="r">
+              <a:defRPr sz="900">
+                <a:solidFill>
+                  <a:srgbClr val="808080"/>
+                </a:solidFill>
+                <a:latin typeface="Arial"/>
+              </a:defRPr>
+            </a:pPr>
+            <a:r>
+              <a:t>Moelis &amp; Company</a:t>
             </a:r>
           </a:p>
         </p:txBody>
@@ -13181,7 +13266,7 @@
         </p:nvGraphicFramePr>
         <p:xfrm>
           <a:off x="6583680" y="1645920"/>
-          <a:ext cx="1828800" cy="2560320"/>
+          <a:ext cx="5029200" cy="2560320"/>
         </p:xfrm>
         <a:graphic>
           <a:graphicData uri="http://schemas.openxmlformats.org/drawingml/2006/table">
@@ -13190,10 +13275,12 @@
                 <a:tableStyleId>{5C22544A-7EE6-4342-B048-85BDC9FD1C3A}</a:tableStyleId>
               </a:tblPr>
               <a:tblGrid>
-                <a:gridCol w="1097280"/>
-                <a:gridCol w="731520"/>
+                <a:gridCol w="1737360"/>
+                <a:gridCol w="1280160"/>
+                <a:gridCol w="1005840"/>
+                <a:gridCol w="1005840"/>
               </a:tblGrid>
-              <a:tr h="853440">
+              <a:tr h="512064">
                 <a:tc>
                   <a:txBody>
                     <a:bodyPr/>
@@ -13230,7 +13317,53 @@
                           </a:solidFill>
                           <a:latin typeface="Arial"/>
                         </a:rPr>
-                        <a:t>Status</a:t>
+                        <a:t>Market Segment</a:t>
+                      </a:r>
+                    </a:p>
+                  </a:txBody>
+                  <a:tcPr marL="45720" marR="45720" marT="45720" marB="45720">
+                    <a:solidFill>
+                      <a:srgbClr val="183A58"/>
+                    </a:solidFill>
+                  </a:tcPr>
+                </a:tc>
+                <a:tc>
+                  <a:txBody>
+                    <a:bodyPr/>
+                    <a:lstStyle/>
+                    <a:p>
+                      <a:pPr algn="ctr"/>
+                      <a:r>
+                        <a:rPr sz="900" b="1">
+                          <a:solidFill>
+                            <a:srgbClr val="FFFFFF"/>
+                          </a:solidFill>
+                          <a:latin typeface="Arial"/>
+                        </a:rPr>
+                        <a:t>Major Assets/Products</a:t>
+                      </a:r>
+                    </a:p>
+                  </a:txBody>
+                  <a:tcPr marL="45720" marR="45720" marT="45720" marB="45720">
+                    <a:solidFill>
+                      <a:srgbClr val="183A58"/>
+                    </a:solidFill>
+                  </a:tcPr>
+                </a:tc>
+                <a:tc>
+                  <a:txBody>
+                    <a:bodyPr/>
+                    <a:lstStyle/>
+                    <a:p>
+                      <a:pPr algn="ctr"/>
+                      <a:r>
+                        <a:rPr sz="900" b="1">
+                          <a:solidFill>
+                            <a:srgbClr val="FFFFFF"/>
+                          </a:solidFill>
+                          <a:latin typeface="Arial"/>
+                        </a:rPr>
+                        <a:t>Coverage Details</a:t>
                       </a:r>
                     </a:p>
                   </a:txBody>
@@ -13241,7 +13374,7 @@
                   </a:tcPr>
                 </a:tc>
               </a:tr>
-              <a:tr h="853440">
+              <a:tr h="512064">
                 <a:tc>
                   <a:txBody>
                     <a:bodyPr/>
@@ -13255,7 +13388,7 @@
                           </a:solidFill>
                           <a:latin typeface="Arial"/>
                         </a:rPr>
-                        <a:t>No data</a:t>
+                        <a:t>United States</a:t>
                       </a:r>
                     </a:p>
                   </a:txBody>
@@ -13278,7 +13411,7 @@
                           </a:solidFill>
                           <a:latin typeface="Arial"/>
                         </a:rPr>
-                        <a:t>Please provide</a:t>
+                        <a:t>Finance, Tech, Services</a:t>
                       </a:r>
                     </a:p>
                   </a:txBody>
@@ -13288,8 +13421,6 @@
                     </a:solidFill>
                   </a:tcPr>
                 </a:tc>
-              </a:tr>
-              <a:tr h="853440">
                 <a:tc>
                   <a:txBody>
                     <a:bodyPr/>
@@ -13303,7 +13434,55 @@
                           </a:solidFill>
                           <a:latin typeface="Arial"/>
                         </a:rPr>
-                        <a:t>coverage_table</a:t>
+                        <a:t>LlamaCloud, LlamaParse, Framework</a:t>
+                      </a:r>
+                    </a:p>
+                  </a:txBody>
+                  <a:tcPr marL="45720" marR="45720" marT="45720" marB="45720">
+                    <a:solidFill>
+                      <a:srgbClr val="FFFFFF"/>
+                    </a:solidFill>
+                  </a:tcPr>
+                </a:tc>
+                <a:tc>
+                  <a:txBody>
+                    <a:bodyPr/>
+                    <a:lstStyle/>
+                    <a:p>
+                      <a:pPr algn="ctr"/>
+                      <a:r>
+                        <a:rPr sz="900">
+                          <a:solidFill>
+                            <a:srgbClr val="404040"/>
+                          </a:solidFill>
+                          <a:latin typeface="Arial"/>
+                        </a:rPr>
+                        <a:t>Enterprise deployments, Fortune 500 clients</a:t>
+                      </a:r>
+                    </a:p>
+                  </a:txBody>
+                  <a:tcPr marL="45720" marR="45720" marT="45720" marB="45720">
+                    <a:solidFill>
+                      <a:srgbClr val="FFFFFF"/>
+                    </a:solidFill>
+                  </a:tcPr>
+                </a:tc>
+              </a:tr>
+              <a:tr h="512064">
+                <a:tc>
+                  <a:txBody>
+                    <a:bodyPr/>
+                    <a:lstStyle/>
+                    <a:p>
+                      <a:pPr algn="ctr"/>
+                      <a:r>
+                        <a:rPr sz="900">
+                          <a:solidFill>
+                            <a:srgbClr val="404040"/>
+                          </a:solidFill>
+                          <a:latin typeface="Arial"/>
+                        </a:rPr>
+                        <a:t>Europe</a:t>
                       </a:r>
                     </a:p>
                   </a:txBody>
@@ -13326,7 +13505,241 @@
                           </a:solidFill>
                           <a:latin typeface="Arial"/>
                         </a:rPr>
-                        <a:t>in JSON data</a:t>
+                        <a:t>Consulting, Manufacturing</a:t>
+                      </a:r>
+                    </a:p>
+                  </a:txBody>
+                  <a:tcPr marL="45720" marR="45720" marT="45720" marB="45720">
+                    <a:solidFill>
+                      <a:srgbClr val="F0F0F0"/>
+                    </a:solidFill>
+                  </a:tcPr>
+                </a:tc>
+                <a:tc>
+                  <a:txBody>
+                    <a:bodyPr/>
+                    <a:lstStyle/>
+                    <a:p>
+                      <a:pPr algn="ctr"/>
+                      <a:r>
+                        <a:rPr sz="900">
+                          <a:solidFill>
+                            <a:srgbClr val="404040"/>
+                          </a:solidFill>
+                          <a:latin typeface="Arial"/>
+                        </a:rPr>
+                        <a:t>LlamaCloud, LlamaParse, Connectors</a:t>
+                      </a:r>
+                    </a:p>
+                  </a:txBody>
+                  <a:tcPr marL="45720" marR="45720" marT="45720" marB="45720">
+                    <a:solidFill>
+                      <a:srgbClr val="F0F0F0"/>
+                    </a:solidFill>
+                  </a:tcPr>
+                </a:tc>
+                <a:tc>
+                  <a:txBody>
+                    <a:bodyPr/>
+                    <a:lstStyle/>
+                    <a:p>
+                      <a:pPr algn="ctr"/>
+                      <a:r>
+                        <a:rPr sz="900">
+                          <a:solidFill>
+                            <a:srgbClr val="404040"/>
+                          </a:solidFill>
+                          <a:latin typeface="Arial"/>
+                        </a:rPr>
+                        <a:t>KPMG, industry leaders, RAG and AI workflow standardization</a:t>
+                      </a:r>
+                    </a:p>
+                  </a:txBody>
+                  <a:tcPr marL="45720" marR="45720" marT="45720" marB="45720">
+                    <a:solidFill>
+                      <a:srgbClr val="F0F0F0"/>
+                    </a:solidFill>
+                  </a:tcPr>
+                </a:tc>
+              </a:tr>
+              <a:tr h="512064">
+                <a:tc>
+                  <a:txBody>
+                    <a:bodyPr/>
+                    <a:lstStyle/>
+                    <a:p>
+                      <a:pPr algn="ctr"/>
+                      <a:r>
+                        <a:rPr sz="900">
+                          <a:solidFill>
+                            <a:srgbClr val="404040"/>
+                          </a:solidFill>
+                          <a:latin typeface="Arial"/>
+                        </a:rPr>
+                        <a:t>Asia</a:t>
+                      </a:r>
+                    </a:p>
+                  </a:txBody>
+                  <a:tcPr marL="45720" marR="45720" marT="45720" marB="45720">
+                    <a:solidFill>
+                      <a:srgbClr val="FFFFFF"/>
+                    </a:solidFill>
+                  </a:tcPr>
+                </a:tc>
+                <a:tc>
+                  <a:txBody>
+                    <a:bodyPr/>
+                    <a:lstStyle/>
+                    <a:p>
+                      <a:pPr algn="ctr"/>
+                      <a:r>
+                        <a:rPr sz="900">
+                          <a:solidFill>
+                            <a:srgbClr val="404040"/>
+                          </a:solidFill>
+                          <a:latin typeface="Arial"/>
+                        </a:rPr>
+                        <a:t>Tech, Financial Services</a:t>
+                      </a:r>
+                    </a:p>
+                  </a:txBody>
+                  <a:tcPr marL="45720" marR="45720" marT="45720" marB="45720">
+                    <a:solidFill>
+                      <a:srgbClr val="FFFFFF"/>
+                    </a:solidFill>
+                  </a:tcPr>
+                </a:tc>
+                <a:tc>
+                  <a:txBody>
+                    <a:bodyPr/>
+                    <a:lstStyle/>
+                    <a:p>
+                      <a:pPr algn="ctr"/>
+                      <a:r>
+                        <a:rPr sz="900">
+                          <a:solidFill>
+                            <a:srgbClr val="404040"/>
+                          </a:solidFill>
+                          <a:latin typeface="Arial"/>
+                        </a:rPr>
+                        <a:t>LlamaCloud, Framework, Data Connectors</a:t>
+                      </a:r>
+                    </a:p>
+                  </a:txBody>
+                  <a:tcPr marL="45720" marR="45720" marT="45720" marB="45720">
+                    <a:solidFill>
+                      <a:srgbClr val="FFFFFF"/>
+                    </a:solidFill>
+                  </a:tcPr>
+                </a:tc>
+                <a:tc>
+                  <a:txBody>
+                    <a:bodyPr/>
+                    <a:lstStyle/>
+                    <a:p>
+                      <a:pPr algn="ctr"/>
+                      <a:r>
+                        <a:rPr sz="900">
+                          <a:solidFill>
+                            <a:srgbClr val="404040"/>
+                          </a:solidFill>
+                          <a:latin typeface="Arial"/>
+                        </a:rPr>
+                        <a:t>Adoption in India, Singapore, Japan; growing in SE Asia</a:t>
+                      </a:r>
+                    </a:p>
+                  </a:txBody>
+                  <a:tcPr marL="45720" marR="45720" marT="45720" marB="45720">
+                    <a:solidFill>
+                      <a:srgbClr val="FFFFFF"/>
+                    </a:solidFill>
+                  </a:tcPr>
+                </a:tc>
+              </a:tr>
+              <a:tr h="512064">
+                <a:tc>
+                  <a:txBody>
+                    <a:bodyPr/>
+                    <a:lstStyle/>
+                    <a:p>
+                      <a:pPr algn="ctr"/>
+                      <a:r>
+                        <a:rPr sz="900">
+                          <a:solidFill>
+                            <a:srgbClr val="404040"/>
+                          </a:solidFill>
+                          <a:latin typeface="Arial"/>
+                        </a:rPr>
+                        <a:t>Global</a:t>
+                      </a:r>
+                    </a:p>
+                  </a:txBody>
+                  <a:tcPr marL="45720" marR="45720" marT="45720" marB="45720">
+                    <a:solidFill>
+                      <a:srgbClr val="F0F0F0"/>
+                    </a:solidFill>
+                  </a:tcPr>
+                </a:tc>
+                <a:tc>
+                  <a:txBody>
+                    <a:bodyPr/>
+                    <a:lstStyle/>
+                    <a:p>
+                      <a:pPr algn="ctr"/>
+                      <a:r>
+                        <a:rPr sz="900">
+                          <a:solidFill>
+                            <a:srgbClr val="404040"/>
+                          </a:solidFill>
+                          <a:latin typeface="Arial"/>
+                        </a:rPr>
+                        <a:t>Open Source/Dev Community</a:t>
+                      </a:r>
+                    </a:p>
+                  </a:txBody>
+                  <a:tcPr marL="45720" marR="45720" marT="45720" marB="45720">
+                    <a:solidFill>
+                      <a:srgbClr val="F0F0F0"/>
+                    </a:solidFill>
+                  </a:tcPr>
+                </a:tc>
+                <a:tc>
+                  <a:txBody>
+                    <a:bodyPr/>
+                    <a:lstStyle/>
+                    <a:p>
+                      <a:pPr algn="ctr"/>
+                      <a:r>
+                        <a:rPr sz="900">
+                          <a:solidFill>
+                            <a:srgbClr val="404040"/>
+                          </a:solidFill>
+                          <a:latin typeface="Arial"/>
+                        </a:rPr>
+                        <a:t>LlamaIndex Framework, LlamaHub</a:t>
+                      </a:r>
+                    </a:p>
+                  </a:txBody>
+                  <a:tcPr marL="45720" marR="45720" marT="45720" marB="45720">
+                    <a:solidFill>
+                      <a:srgbClr val="F0F0F0"/>
+                    </a:solidFill>
+                  </a:tcPr>
+                </a:tc>
+                <a:tc>
+                  <a:txBody>
+                    <a:bodyPr/>
+                    <a:lstStyle/>
+                    <a:p>
+                      <a:pPr algn="ctr"/>
+                      <a:r>
+                        <a:rPr sz="900">
+                          <a:solidFill>
+                            <a:srgbClr val="404040"/>
+                          </a:solidFill>
+                          <a:latin typeface="Arial"/>
+                        </a:rPr>
+                        <a:t>3M+ monthly downloads, developer adoption worldwide</a:t>
                       </a:r>
                     </a:p>
                   </a:txBody>
@@ -14085,7 +14498,7 @@
                 </a:solidFill>
                 <a:latin typeface="Arial"/>
               </a:rPr>
-              <a:t>Key Metric 1</a:t>
+              <a:t>Revenue CAGR</a:t>
             </a:r>
           </a:p>
         </p:txBody>
@@ -14163,7 +14576,7 @@
                 </a:solidFill>
                 <a:latin typeface="Arial"/>
               </a:rPr>
-              <a:t>(Historical)</a:t>
+              <a:t>(2020-2024E)</a:t>
             </a:r>
           </a:p>
         </p:txBody>
@@ -14195,6 +14608,15 @@
           <a:lstStyle/>
           <a:p>
             <a:pPr algn="l"/>
+            <a:r>
+              <a:rPr sz="800" b="0">
+                <a:solidFill>
+                  <a:srgbClr val="228B22"/>
+                </a:solidFill>
+                <a:latin typeface="Arial"/>
+              </a:rPr>
+              <a:t>High growth trajectory</a:t>
+            </a:r>
           </a:p>
         </p:txBody>
       </p:sp>
@@ -14276,7 +14698,7 @@
                 </a:solidFill>
                 <a:latin typeface="Arial"/>
               </a:rPr>
-              <a:t>Key Metric 2</a:t>
+              <a:t>2024E Revenue</a:t>
             </a:r>
           </a:p>
         </p:txBody>
@@ -14315,7 +14737,7 @@
                 </a:solidFill>
                 <a:latin typeface="Arial"/>
               </a:rPr>
-              <a:t>38.0</a:t>
+              <a:t>$38.0M</a:t>
             </a:r>
           </a:p>
         </p:txBody>
@@ -14354,7 +14776,7 @@
                 </a:solidFill>
                 <a:latin typeface="Arial"/>
               </a:rPr>
-              <a:t>(Historical)</a:t>
+              <a:t>USD (Est.)</a:t>
             </a:r>
           </a:p>
         </p:txBody>
@@ -14386,6 +14808,15 @@
           <a:lstStyle/>
           <a:p>
             <a:pPr algn="l"/>
+            <a:r>
+              <a:rPr sz="800" b="0">
+                <a:solidFill>
+                  <a:srgbClr val="228B22"/>
+                </a:solidFill>
+                <a:latin typeface="Arial"/>
+              </a:rPr>
+              <a:t>Strong scaling momentum</a:t>
+            </a:r>
           </a:p>
         </p:txBody>
       </p:sp>
@@ -14467,7 +14898,7 @@
                 </a:solidFill>
                 <a:latin typeface="Arial"/>
               </a:rPr>
-              <a:t>Key Metric 3</a:t>
+              <a:t>2024E EBITDA</a:t>
             </a:r>
           </a:p>
         </p:txBody>
@@ -14506,7 +14937,7 @@
                 </a:solidFill>
                 <a:latin typeface="Arial"/>
               </a:rPr>
-              <a:t>5.7</a:t>
+              <a:t>$5.7M</a:t>
             </a:r>
           </a:p>
         </p:txBody>
@@ -14545,7 +14976,7 @@
                 </a:solidFill>
                 <a:latin typeface="Arial"/>
               </a:rPr>
-              <a:t>(Historical)</a:t>
+              <a:t>USD (Est.)</a:t>
             </a:r>
           </a:p>
         </p:txBody>
@@ -14577,6 +15008,15 @@
           <a:lstStyle/>
           <a:p>
             <a:pPr algn="l"/>
+            <a:r>
+              <a:rPr sz="800" b="0">
+                <a:solidFill>
+                  <a:srgbClr val="228B22"/>
+                </a:solidFill>
+                <a:latin typeface="Arial"/>
+              </a:rPr>
+              <a:t>Achieving profitability</a:t>
+            </a:r>
           </a:p>
         </p:txBody>
       </p:sp>
@@ -14658,7 +15098,7 @@
                 </a:solidFill>
                 <a:latin typeface="Arial"/>
               </a:rPr>
-              <a:t>Key Metric 4</a:t>
+              <a:t>Enterprise Clients</a:t>
             </a:r>
           </a:p>
         </p:txBody>
@@ -14697,7 +15137,7 @@
                 </a:solidFill>
                 <a:latin typeface="Arial"/>
               </a:rPr>
-              <a:t>300</a:t>
+              <a:t>300+</a:t>
             </a:r>
           </a:p>
         </p:txBody>
@@ -14736,7 +15176,7 @@
                 </a:solidFill>
                 <a:latin typeface="Arial"/>
               </a:rPr>
-              <a:t>(Historical)</a:t>
+              <a:t>(Current)</a:t>
             </a:r>
           </a:p>
         </p:txBody>
@@ -14768,6 +15208,15 @@
           <a:lstStyle/>
           <a:p>
             <a:pPr algn="l"/>
+            <a:r>
+              <a:rPr sz="800" b="0">
+                <a:solidFill>
+                  <a:srgbClr val="228B22"/>
+                </a:solidFill>
+                <a:latin typeface="Arial"/>
+              </a:rPr>
+              <a:t>Fortune 500 adoption</a:t>
+            </a:r>
           </a:p>
         </p:txBody>
       </p:sp>
@@ -15231,8 +15680,8 @@
         </p:nvSpPr>
         <p:spPr>
           <a:xfrm>
-            <a:off x="274320" y="1325880"/>
-            <a:ext cx="3657600" cy="320040"/>
+            <a:off x="700887" y="1325880"/>
+            <a:ext cx="5029200" cy="320040"/>
           </a:xfrm>
           <a:prstGeom prst="rect">
             <a:avLst/>
@@ -15254,6 +15703,10 @@
               </a:defRPr>
             </a:pPr>
             <a:r>
+              <a:t>Jerry Liu</a:t>
+            </a:r>
+            <a:br/>
+            <a:r>
               <a:t>Chief Executive Officer (CEO)</a:t>
             </a:r>
           </a:p>
@@ -15267,8 +15720,8 @@
         </p:nvSpPr>
         <p:spPr>
           <a:xfrm>
-            <a:off x="274320" y="1691640"/>
-            <a:ext cx="3657600" cy="493776"/>
+            <a:off x="700887" y="1691640"/>
+            <a:ext cx="5029200" cy="329184"/>
           </a:xfrm>
           <a:prstGeom prst="rect">
             <a:avLst/>
@@ -15304,8 +15757,8 @@
         </p:nvSpPr>
         <p:spPr>
           <a:xfrm>
-            <a:off x="274320" y="2240280"/>
-            <a:ext cx="3657600" cy="329184"/>
+            <a:off x="700887" y="2075688"/>
+            <a:ext cx="5029200" cy="329184"/>
           </a:xfrm>
           <a:prstGeom prst="rect">
             <a:avLst/>
@@ -15341,8 +15794,8 @@
         </p:nvSpPr>
         <p:spPr>
           <a:xfrm>
-            <a:off x="274320" y="2624328"/>
-            <a:ext cx="3657600" cy="329184"/>
+            <a:off x="700887" y="2459736"/>
+            <a:ext cx="5029200" cy="329184"/>
           </a:xfrm>
           <a:prstGeom prst="rect">
             <a:avLst/>
@@ -15378,8 +15831,8 @@
         </p:nvSpPr>
         <p:spPr>
           <a:xfrm>
-            <a:off x="274320" y="3008376"/>
-            <a:ext cx="3657600" cy="329184"/>
+            <a:off x="700887" y="2843784"/>
+            <a:ext cx="5029200" cy="329184"/>
           </a:xfrm>
           <a:prstGeom prst="rect">
             <a:avLst/>
@@ -15415,8 +15868,8 @@
         </p:nvSpPr>
         <p:spPr>
           <a:xfrm>
-            <a:off x="274320" y="3392424"/>
-            <a:ext cx="3657600" cy="329184"/>
+            <a:off x="700887" y="3227832"/>
+            <a:ext cx="5029200" cy="329184"/>
           </a:xfrm>
           <a:prstGeom prst="rect">
             <a:avLst/>
@@ -15452,8 +15905,8 @@
         </p:nvSpPr>
         <p:spPr>
           <a:xfrm>
-            <a:off x="274320" y="3867912"/>
-            <a:ext cx="3657600" cy="320040"/>
+            <a:off x="700887" y="3703320"/>
+            <a:ext cx="5029200" cy="320040"/>
           </a:xfrm>
           <a:prstGeom prst="rect">
             <a:avLst/>
@@ -15475,6 +15928,10 @@
               </a:defRPr>
             </a:pPr>
             <a:r>
+              <a:t>Simon Suo</a:t>
+            </a:r>
+            <a:br/>
+            <a:r>
               <a:t>Chief Technology Officer (CTO)</a:t>
             </a:r>
           </a:p>
@@ -15488,8 +15945,8 @@
         </p:nvSpPr>
         <p:spPr>
           <a:xfrm>
-            <a:off x="274320" y="4233672"/>
-            <a:ext cx="3657600" cy="329184"/>
+            <a:off x="700887" y="4069080"/>
+            <a:ext cx="5029200" cy="329184"/>
           </a:xfrm>
           <a:prstGeom prst="rect">
             <a:avLst/>
@@ -15525,8 +15982,8 @@
         </p:nvSpPr>
         <p:spPr>
           <a:xfrm>
-            <a:off x="274320" y="4617720"/>
-            <a:ext cx="3657600" cy="329184"/>
+            <a:off x="700887" y="4453128"/>
+            <a:ext cx="5029200" cy="329184"/>
           </a:xfrm>
           <a:prstGeom prst="rect">
             <a:avLst/>
@@ -15562,8 +16019,8 @@
         </p:nvSpPr>
         <p:spPr>
           <a:xfrm>
-            <a:off x="274320" y="5001768"/>
-            <a:ext cx="3657600" cy="329184"/>
+            <a:off x="700887" y="4837176"/>
+            <a:ext cx="5029200" cy="329184"/>
           </a:xfrm>
           <a:prstGeom prst="rect">
             <a:avLst/>
@@ -15599,8 +16056,8 @@
         </p:nvSpPr>
         <p:spPr>
           <a:xfrm>
-            <a:off x="274320" y="5385816"/>
-            <a:ext cx="3657600" cy="329184"/>
+            <a:off x="700887" y="5221224"/>
+            <a:ext cx="5029200" cy="329184"/>
           </a:xfrm>
           <a:prstGeom prst="rect">
             <a:avLst/>
@@ -15636,8 +16093,8 @@
         </p:nvSpPr>
         <p:spPr>
           <a:xfrm>
-            <a:off x="274320" y="5769864"/>
-            <a:ext cx="3657600" cy="329184"/>
+            <a:off x="700887" y="5605272"/>
+            <a:ext cx="5029200" cy="329184"/>
           </a:xfrm>
           <a:prstGeom prst="rect">
             <a:avLst/>
@@ -15673,8 +16130,8 @@
         </p:nvSpPr>
         <p:spPr>
           <a:xfrm>
-            <a:off x="4069080" y="1325880"/>
-            <a:ext cx="3657600" cy="320040"/>
+            <a:off x="6461607" y="1325880"/>
+            <a:ext cx="5029200" cy="320040"/>
           </a:xfrm>
           <a:prstGeom prst="rect">
             <a:avLst/>
@@ -15696,6 +16153,10 @@
               </a:defRPr>
             </a:pPr>
             <a:r>
+              <a:t>Andrei Fajardo</a:t>
+            </a:r>
+            <a:br/>
+            <a:r>
               <a:t>Founding Account Executive</a:t>
             </a:r>
           </a:p>
@@ -15709,8 +16170,8 @@
         </p:nvSpPr>
         <p:spPr>
           <a:xfrm>
-            <a:off x="4069080" y="1691640"/>
-            <a:ext cx="3657600" cy="493776"/>
+            <a:off x="6461607" y="1691640"/>
+            <a:ext cx="5029200" cy="329184"/>
           </a:xfrm>
           <a:prstGeom prst="rect">
             <a:avLst/>
@@ -15746,8 +16207,8 @@
         </p:nvSpPr>
         <p:spPr>
           <a:xfrm>
-            <a:off x="4069080" y="2240280"/>
-            <a:ext cx="3657600" cy="493776"/>
+            <a:off x="6461607" y="2075688"/>
+            <a:ext cx="5029200" cy="329184"/>
           </a:xfrm>
           <a:prstGeom prst="rect">
             <a:avLst/>
@@ -15783,8 +16244,8 @@
         </p:nvSpPr>
         <p:spPr>
           <a:xfrm>
-            <a:off x="4069080" y="2788920"/>
-            <a:ext cx="3657600" cy="329184"/>
+            <a:off x="6461607" y="2459736"/>
+            <a:ext cx="5029200" cy="329184"/>
           </a:xfrm>
           <a:prstGeom prst="rect">
             <a:avLst/>
@@ -15820,8 +16281,8 @@
         </p:nvSpPr>
         <p:spPr>
           <a:xfrm>
-            <a:off x="4069080" y="3172968"/>
-            <a:ext cx="3657600" cy="329184"/>
+            <a:off x="6461607" y="2843784"/>
+            <a:ext cx="5029200" cy="329184"/>
           </a:xfrm>
           <a:prstGeom prst="rect">
             <a:avLst/>
@@ -15857,8 +16318,8 @@
         </p:nvSpPr>
         <p:spPr>
           <a:xfrm>
-            <a:off x="4069080" y="3557016"/>
-            <a:ext cx="3657600" cy="329184"/>
+            <a:off x="6461607" y="3227832"/>
+            <a:ext cx="5029200" cy="329184"/>
           </a:xfrm>
           <a:prstGeom prst="rect">
             <a:avLst/>
@@ -15894,8 +16355,8 @@
         </p:nvSpPr>
         <p:spPr>
           <a:xfrm>
-            <a:off x="4069080" y="4032504"/>
-            <a:ext cx="3657600" cy="320040"/>
+            <a:off x="6461607" y="3703320"/>
+            <a:ext cx="5029200" cy="320040"/>
           </a:xfrm>
           <a:prstGeom prst="rect">
             <a:avLst/>
@@ -15917,6 +16378,10 @@
               </a:defRPr>
             </a:pPr>
             <a:r>
+              <a:t>Logan Markewich</a:t>
+            </a:r>
+            <a:br/>
+            <a:r>
               <a:t>Founding AI Engineer, Customer Facing</a:t>
             </a:r>
           </a:p>
@@ -15930,8 +16395,8 @@
         </p:nvSpPr>
         <p:spPr>
           <a:xfrm>
-            <a:off x="4069080" y="4398264"/>
-            <a:ext cx="3657600" cy="329184"/>
+            <a:off x="6461607" y="4069080"/>
+            <a:ext cx="5029200" cy="329184"/>
           </a:xfrm>
           <a:prstGeom prst="rect">
             <a:avLst/>
@@ -15967,8 +16432,8 @@
         </p:nvSpPr>
         <p:spPr>
           <a:xfrm>
-            <a:off x="4069080" y="4782312"/>
-            <a:ext cx="3657600" cy="329184"/>
+            <a:off x="6461607" y="4453128"/>
+            <a:ext cx="5029200" cy="329184"/>
           </a:xfrm>
           <a:prstGeom prst="rect">
             <a:avLst/>
@@ -16004,8 +16469,8 @@
         </p:nvSpPr>
         <p:spPr>
           <a:xfrm>
-            <a:off x="4069080" y="5166360"/>
-            <a:ext cx="3657600" cy="329184"/>
+            <a:off x="6461607" y="4837176"/>
+            <a:ext cx="5029200" cy="329184"/>
           </a:xfrm>
           <a:prstGeom prst="rect">
             <a:avLst/>
@@ -16041,8 +16506,8 @@
         </p:nvSpPr>
         <p:spPr>
           <a:xfrm>
-            <a:off x="4069080" y="5550408"/>
-            <a:ext cx="3657600" cy="329184"/>
+            <a:off x="6461607" y="5221224"/>
+            <a:ext cx="5029200" cy="329184"/>
           </a:xfrm>
           <a:prstGeom prst="rect">
             <a:avLst/>
@@ -16078,8 +16543,8 @@
         </p:nvSpPr>
         <p:spPr>
           <a:xfrm>
-            <a:off x="4069080" y="5934456"/>
-            <a:ext cx="3657600" cy="329184"/>
+            <a:off x="6461607" y="5605272"/>
+            <a:ext cx="5029200" cy="329184"/>
           </a:xfrm>
           <a:prstGeom prst="rect">
             <a:avLst/>
@@ -19775,6 +20240,1713 @@
           </a:p>
         </p:txBody>
       </p:sp>
+      <p:sp>
+        <p:nvSpPr>
+          <p:cNvPr id="5" name="Rectangle 4"/>
+          <p:cNvSpPr/>
+          <p:nvPr/>
+        </p:nvSpPr>
+        <p:spPr>
+          <a:xfrm>
+            <a:off x="1645920" y="-17099280"/>
+            <a:ext cx="1645920" cy="20574000"/>
+          </a:xfrm>
+          <a:prstGeom prst="rect">
+            <a:avLst/>
+          </a:prstGeom>
+          <a:solidFill>
+            <a:srgbClr val="183A58"/>
+          </a:solidFill>
+          <a:ln>
+            <a:noFill/>
+          </a:ln>
+        </p:spPr>
+        <p:style>
+          <a:lnRef idx="1">
+            <a:schemeClr val="accent1"/>
+          </a:lnRef>
+          <a:fillRef idx="3">
+            <a:schemeClr val="accent1"/>
+          </a:fillRef>
+          <a:effectRef idx="2">
+            <a:schemeClr val="accent1"/>
+          </a:effectRef>
+          <a:fontRef idx="minor">
+            <a:schemeClr val="lt1"/>
+          </a:fontRef>
+        </p:style>
+        <p:txBody>
+          <a:bodyPr rtlCol="0" anchor="ctr"/>
+          <a:lstStyle/>
+          <a:p>
+            <a:pPr algn="ctr"/>
+          </a:p>
+        </p:txBody>
+      </p:sp>
+      <p:sp>
+        <p:nvSpPr>
+          <p:cNvPr id="6" name="TextBox 5"/>
+          <p:cNvSpPr txBox="1"/>
+          <p:nvPr/>
+        </p:nvSpPr>
+        <p:spPr>
+          <a:xfrm>
+            <a:off x="1645920" y="-17327880"/>
+            <a:ext cx="1645920" cy="182880"/>
+          </a:xfrm>
+          <a:prstGeom prst="rect">
+            <a:avLst/>
+          </a:prstGeom>
+          <a:noFill/>
+        </p:spPr>
+        <p:txBody>
+          <a:bodyPr wrap="none">
+            <a:spAutoFit/>
+          </a:bodyPr>
+          <a:lstStyle/>
+          <a:p>
+            <a:pPr algn="ctr">
+              <a:defRPr sz="900" b="1">
+                <a:latin typeface="Arial"/>
+              </a:defRPr>
+            </a:pPr>
+            <a:r>
+              <a:t>50.0x</a:t>
+            </a:r>
+          </a:p>
+        </p:txBody>
+      </p:sp>
+      <p:sp>
+        <p:nvSpPr>
+          <p:cNvPr id="7" name="TextBox 6"/>
+          <p:cNvSpPr txBox="1"/>
+          <p:nvPr/>
+        </p:nvSpPr>
+        <p:spPr>
+          <a:xfrm>
+            <a:off x="1645920" y="3566160"/>
+            <a:ext cx="1645920" cy="182880"/>
+          </a:xfrm>
+          <a:prstGeom prst="rect">
+            <a:avLst/>
+          </a:prstGeom>
+          <a:noFill/>
+        </p:spPr>
+        <p:txBody>
+          <a:bodyPr wrap="none">
+            <a:spAutoFit/>
+          </a:bodyPr>
+          <a:lstStyle/>
+          <a:p>
+            <a:pPr algn="ctr">
+              <a:defRPr sz="900">
+                <a:latin typeface="Arial"/>
+              </a:defRPr>
+            </a:pPr>
+            <a:r>
+              <a:t>T1</a:t>
+            </a:r>
+          </a:p>
+        </p:txBody>
+      </p:sp>
+      <p:sp>
+        <p:nvSpPr>
+          <p:cNvPr id="8" name="Rectangle 7"/>
+          <p:cNvSpPr/>
+          <p:nvPr/>
+        </p:nvSpPr>
+        <p:spPr>
+          <a:xfrm>
+            <a:off x="3383280" y="-9281160"/>
+            <a:ext cx="1645920" cy="12755880"/>
+          </a:xfrm>
+          <a:prstGeom prst="rect">
+            <a:avLst/>
+          </a:prstGeom>
+          <a:solidFill>
+            <a:srgbClr val="183A58"/>
+          </a:solidFill>
+          <a:ln>
+            <a:noFill/>
+          </a:ln>
+        </p:spPr>
+        <p:style>
+          <a:lnRef idx="1">
+            <a:schemeClr val="accent1"/>
+          </a:lnRef>
+          <a:fillRef idx="3">
+            <a:schemeClr val="accent1"/>
+          </a:fillRef>
+          <a:effectRef idx="2">
+            <a:schemeClr val="accent1"/>
+          </a:effectRef>
+          <a:fontRef idx="minor">
+            <a:schemeClr val="lt1"/>
+          </a:fontRef>
+        </p:style>
+        <p:txBody>
+          <a:bodyPr rtlCol="0" anchor="ctr"/>
+          <a:lstStyle/>
+          <a:p>
+            <a:pPr algn="ctr"/>
+          </a:p>
+        </p:txBody>
+      </p:sp>
+      <p:sp>
+        <p:nvSpPr>
+          <p:cNvPr id="9" name="TextBox 8"/>
+          <p:cNvSpPr txBox="1"/>
+          <p:nvPr/>
+        </p:nvSpPr>
+        <p:spPr>
+          <a:xfrm>
+            <a:off x="3383280" y="-9509760"/>
+            <a:ext cx="1645920" cy="182880"/>
+          </a:xfrm>
+          <a:prstGeom prst="rect">
+            <a:avLst/>
+          </a:prstGeom>
+          <a:noFill/>
+        </p:spPr>
+        <p:txBody>
+          <a:bodyPr wrap="none">
+            <a:spAutoFit/>
+          </a:bodyPr>
+          <a:lstStyle/>
+          <a:p>
+            <a:pPr algn="ctr">
+              <a:defRPr sz="900" b="1">
+                <a:latin typeface="Arial"/>
+              </a:defRPr>
+            </a:pPr>
+            <a:r>
+              <a:t>31.0x</a:t>
+            </a:r>
+          </a:p>
+        </p:txBody>
+      </p:sp>
+      <p:sp>
+        <p:nvSpPr>
+          <p:cNvPr id="10" name="TextBox 9"/>
+          <p:cNvSpPr txBox="1"/>
+          <p:nvPr/>
+        </p:nvSpPr>
+        <p:spPr>
+          <a:xfrm>
+            <a:off x="3383280" y="3566160"/>
+            <a:ext cx="1645920" cy="182880"/>
+          </a:xfrm>
+          <a:prstGeom prst="rect">
+            <a:avLst/>
+          </a:prstGeom>
+          <a:noFill/>
+        </p:spPr>
+        <p:txBody>
+          <a:bodyPr wrap="none">
+            <a:spAutoFit/>
+          </a:bodyPr>
+          <a:lstStyle/>
+          <a:p>
+            <a:pPr algn="ctr">
+              <a:defRPr sz="900">
+                <a:latin typeface="Arial"/>
+              </a:defRPr>
+            </a:pPr>
+            <a:r>
+              <a:t>T2</a:t>
+            </a:r>
+          </a:p>
+        </p:txBody>
+      </p:sp>
+      <p:sp>
+        <p:nvSpPr>
+          <p:cNvPr id="11" name="Rectangle 10"/>
+          <p:cNvSpPr/>
+          <p:nvPr/>
+        </p:nvSpPr>
+        <p:spPr>
+          <a:xfrm>
+            <a:off x="5120640" y="-8046720"/>
+            <a:ext cx="1645920" cy="11521440"/>
+          </a:xfrm>
+          <a:prstGeom prst="rect">
+            <a:avLst/>
+          </a:prstGeom>
+          <a:solidFill>
+            <a:srgbClr val="183A58"/>
+          </a:solidFill>
+          <a:ln>
+            <a:noFill/>
+          </a:ln>
+        </p:spPr>
+        <p:style>
+          <a:lnRef idx="1">
+            <a:schemeClr val="accent1"/>
+          </a:lnRef>
+          <a:fillRef idx="3">
+            <a:schemeClr val="accent1"/>
+          </a:fillRef>
+          <a:effectRef idx="2">
+            <a:schemeClr val="accent1"/>
+          </a:effectRef>
+          <a:fontRef idx="minor">
+            <a:schemeClr val="lt1"/>
+          </a:fontRef>
+        </p:style>
+        <p:txBody>
+          <a:bodyPr rtlCol="0" anchor="ctr"/>
+          <a:lstStyle/>
+          <a:p>
+            <a:pPr algn="ctr"/>
+          </a:p>
+        </p:txBody>
+      </p:sp>
+      <p:sp>
+        <p:nvSpPr>
+          <p:cNvPr id="12" name="TextBox 11"/>
+          <p:cNvSpPr txBox="1"/>
+          <p:nvPr/>
+        </p:nvSpPr>
+        <p:spPr>
+          <a:xfrm>
+            <a:off x="5120640" y="-8275320"/>
+            <a:ext cx="1645920" cy="182880"/>
+          </a:xfrm>
+          <a:prstGeom prst="rect">
+            <a:avLst/>
+          </a:prstGeom>
+          <a:noFill/>
+        </p:spPr>
+        <p:txBody>
+          <a:bodyPr wrap="none">
+            <a:spAutoFit/>
+          </a:bodyPr>
+          <a:lstStyle/>
+          <a:p>
+            <a:pPr algn="ctr">
+              <a:defRPr sz="900" b="1">
+                <a:latin typeface="Arial"/>
+              </a:defRPr>
+            </a:pPr>
+            <a:r>
+              <a:t>28.0x</a:t>
+            </a:r>
+          </a:p>
+        </p:txBody>
+      </p:sp>
+      <p:sp>
+        <p:nvSpPr>
+          <p:cNvPr id="13" name="TextBox 12"/>
+          <p:cNvSpPr txBox="1"/>
+          <p:nvPr/>
+        </p:nvSpPr>
+        <p:spPr>
+          <a:xfrm>
+            <a:off x="5120640" y="3566160"/>
+            <a:ext cx="1645920" cy="182880"/>
+          </a:xfrm>
+          <a:prstGeom prst="rect">
+            <a:avLst/>
+          </a:prstGeom>
+          <a:noFill/>
+        </p:spPr>
+        <p:txBody>
+          <a:bodyPr wrap="none">
+            <a:spAutoFit/>
+          </a:bodyPr>
+          <a:lstStyle/>
+          <a:p>
+            <a:pPr algn="ctr">
+              <a:defRPr sz="900">
+                <a:latin typeface="Arial"/>
+              </a:defRPr>
+            </a:pPr>
+            <a:r>
+              <a:t>T3</a:t>
+            </a:r>
+          </a:p>
+        </p:txBody>
+      </p:sp>
+      <p:sp>
+        <p:nvSpPr>
+          <p:cNvPr id="14" name="Rectangle 13"/>
+          <p:cNvSpPr/>
+          <p:nvPr/>
+        </p:nvSpPr>
+        <p:spPr>
+          <a:xfrm>
+            <a:off x="6858000" y="-6812280"/>
+            <a:ext cx="1645920" cy="10287000"/>
+          </a:xfrm>
+          <a:prstGeom prst="rect">
+            <a:avLst/>
+          </a:prstGeom>
+          <a:solidFill>
+            <a:srgbClr val="183A58"/>
+          </a:solidFill>
+          <a:ln>
+            <a:noFill/>
+          </a:ln>
+        </p:spPr>
+        <p:style>
+          <a:lnRef idx="1">
+            <a:schemeClr val="accent1"/>
+          </a:lnRef>
+          <a:fillRef idx="3">
+            <a:schemeClr val="accent1"/>
+          </a:fillRef>
+          <a:effectRef idx="2">
+            <a:schemeClr val="accent1"/>
+          </a:effectRef>
+          <a:fontRef idx="minor">
+            <a:schemeClr val="lt1"/>
+          </a:fontRef>
+        </p:style>
+        <p:txBody>
+          <a:bodyPr rtlCol="0" anchor="ctr"/>
+          <a:lstStyle/>
+          <a:p>
+            <a:pPr algn="ctr"/>
+          </a:p>
+        </p:txBody>
+      </p:sp>
+      <p:sp>
+        <p:nvSpPr>
+          <p:cNvPr id="15" name="TextBox 14"/>
+          <p:cNvSpPr txBox="1"/>
+          <p:nvPr/>
+        </p:nvSpPr>
+        <p:spPr>
+          <a:xfrm>
+            <a:off x="6858000" y="-7040880"/>
+            <a:ext cx="1645920" cy="182880"/>
+          </a:xfrm>
+          <a:prstGeom prst="rect">
+            <a:avLst/>
+          </a:prstGeom>
+          <a:noFill/>
+        </p:spPr>
+        <p:txBody>
+          <a:bodyPr wrap="none">
+            <a:spAutoFit/>
+          </a:bodyPr>
+          <a:lstStyle/>
+          <a:p>
+            <a:pPr algn="ctr">
+              <a:defRPr sz="900" b="1">
+                <a:latin typeface="Arial"/>
+              </a:defRPr>
+            </a:pPr>
+            <a:r>
+              <a:t>25.0x</a:t>
+            </a:r>
+          </a:p>
+        </p:txBody>
+      </p:sp>
+      <p:sp>
+        <p:nvSpPr>
+          <p:cNvPr id="16" name="TextBox 15"/>
+          <p:cNvSpPr txBox="1"/>
+          <p:nvPr/>
+        </p:nvSpPr>
+        <p:spPr>
+          <a:xfrm>
+            <a:off x="6858000" y="3566160"/>
+            <a:ext cx="1645920" cy="182880"/>
+          </a:xfrm>
+          <a:prstGeom prst="rect">
+            <a:avLst/>
+          </a:prstGeom>
+          <a:noFill/>
+        </p:spPr>
+        <p:txBody>
+          <a:bodyPr wrap="none">
+            <a:spAutoFit/>
+          </a:bodyPr>
+          <a:lstStyle/>
+          <a:p>
+            <a:pPr algn="ctr">
+              <a:defRPr sz="900">
+                <a:latin typeface="Arial"/>
+              </a:defRPr>
+            </a:pPr>
+            <a:r>
+              <a:t>T4</a:t>
+            </a:r>
+          </a:p>
+        </p:txBody>
+      </p:sp>
+      <p:sp>
+        <p:nvSpPr>
+          <p:cNvPr id="17" name="Rectangle 16"/>
+          <p:cNvSpPr/>
+          <p:nvPr/>
+        </p:nvSpPr>
+        <p:spPr>
+          <a:xfrm>
+            <a:off x="8595360" y="-4754880"/>
+            <a:ext cx="1645920" cy="8229600"/>
+          </a:xfrm>
+          <a:prstGeom prst="rect">
+            <a:avLst/>
+          </a:prstGeom>
+          <a:solidFill>
+            <a:srgbClr val="183A58"/>
+          </a:solidFill>
+          <a:ln>
+            <a:noFill/>
+          </a:ln>
+        </p:spPr>
+        <p:style>
+          <a:lnRef idx="1">
+            <a:schemeClr val="accent1"/>
+          </a:lnRef>
+          <a:fillRef idx="3">
+            <a:schemeClr val="accent1"/>
+          </a:fillRef>
+          <a:effectRef idx="2">
+            <a:schemeClr val="accent1"/>
+          </a:effectRef>
+          <a:fontRef idx="minor">
+            <a:schemeClr val="lt1"/>
+          </a:fontRef>
+        </p:style>
+        <p:txBody>
+          <a:bodyPr rtlCol="0" anchor="ctr"/>
+          <a:lstStyle/>
+          <a:p>
+            <a:pPr algn="ctr"/>
+          </a:p>
+        </p:txBody>
+      </p:sp>
+      <p:sp>
+        <p:nvSpPr>
+          <p:cNvPr id="18" name="TextBox 17"/>
+          <p:cNvSpPr txBox="1"/>
+          <p:nvPr/>
+        </p:nvSpPr>
+        <p:spPr>
+          <a:xfrm>
+            <a:off x="8595360" y="-4983480"/>
+            <a:ext cx="1645920" cy="182880"/>
+          </a:xfrm>
+          <a:prstGeom prst="rect">
+            <a:avLst/>
+          </a:prstGeom>
+          <a:noFill/>
+        </p:spPr>
+        <p:txBody>
+          <a:bodyPr wrap="none">
+            <a:spAutoFit/>
+          </a:bodyPr>
+          <a:lstStyle/>
+          <a:p>
+            <a:pPr algn="ctr">
+              <a:defRPr sz="900" b="1">
+                <a:latin typeface="Arial"/>
+              </a:defRPr>
+            </a:pPr>
+            <a:r>
+              <a:t>20.0x</a:t>
+            </a:r>
+          </a:p>
+        </p:txBody>
+      </p:sp>
+      <p:sp>
+        <p:nvSpPr>
+          <p:cNvPr id="19" name="TextBox 18"/>
+          <p:cNvSpPr txBox="1"/>
+          <p:nvPr/>
+        </p:nvSpPr>
+        <p:spPr>
+          <a:xfrm>
+            <a:off x="8595360" y="3566160"/>
+            <a:ext cx="1645920" cy="182880"/>
+          </a:xfrm>
+          <a:prstGeom prst="rect">
+            <a:avLst/>
+          </a:prstGeom>
+          <a:noFill/>
+        </p:spPr>
+        <p:txBody>
+          <a:bodyPr wrap="none">
+            <a:spAutoFit/>
+          </a:bodyPr>
+          <a:lstStyle/>
+          <a:p>
+            <a:pPr algn="ctr">
+              <a:defRPr sz="900">
+                <a:latin typeface="Arial"/>
+              </a:defRPr>
+            </a:pPr>
+            <a:r>
+              <a:t>T5</a:t>
+            </a:r>
+          </a:p>
+        </p:txBody>
+      </p:sp>
+      <p:graphicFrame>
+        <p:nvGraphicFramePr>
+          <p:cNvPr id="20" name="Table 19"/>
+          <p:cNvGraphicFramePr>
+            <a:graphicFrameLocks noGrp="1"/>
+          </p:cNvGraphicFramePr>
+          <p:nvPr/>
+        </p:nvGraphicFramePr>
+        <p:xfrm>
+          <a:off x="365760" y="4389120"/>
+          <a:ext cx="1188720" cy="1920240"/>
+        </p:xfrm>
+        <a:graphic>
+          <a:graphicData uri="http://schemas.openxmlformats.org/drawingml/2006/table">
+            <a:tbl>
+              <a:tblPr firstRow="1" bandRow="1">
+                <a:tableStyleId>{5C22544A-7EE6-4342-B048-85BDC9FD1C3A}</a:tableStyleId>
+              </a:tblPr>
+              <a:tblGrid>
+                <a:gridCol w="1188720"/>
+              </a:tblGrid>
+              <a:tr h="274320">
+                <a:tc>
+                  <a:txBody>
+                    <a:bodyPr/>
+                    <a:lstStyle/>
+                    <a:p>
+                      <a:pPr algn="r">
+                        <a:defRPr sz="1200" b="1">
+                          <a:solidFill>
+                            <a:srgbClr val="404040"/>
+                          </a:solidFill>
+                          <a:latin typeface="Arial"/>
+                        </a:defRPr>
+                      </a:pPr>
+                      <a:r>
+                        <a:t>Date</a:t>
+                      </a:r>
+                    </a:p>
+                  </a:txBody>
+                  <a:tcPr anchor="ctr">
+                    <a:solidFill>
+                      <a:srgbClr val="F0F0F0"/>
+                    </a:solidFill>
+                  </a:tcPr>
+                </a:tc>
+              </a:tr>
+              <a:tr h="274320">
+                <a:tc>
+                  <a:txBody>
+                    <a:bodyPr/>
+                    <a:lstStyle/>
+                    <a:p>
+                      <a:pPr algn="r">
+                        <a:defRPr sz="1200" b="1">
+                          <a:solidFill>
+                            <a:srgbClr val="404040"/>
+                          </a:solidFill>
+                          <a:latin typeface="Arial"/>
+                        </a:defRPr>
+                      </a:pPr>
+                      <a:r>
+                        <a:t>Target</a:t>
+                      </a:r>
+                    </a:p>
+                  </a:txBody>
+                  <a:tcPr anchor="ctr">
+                    <a:solidFill>
+                      <a:srgbClr val="F0F0F0"/>
+                    </a:solidFill>
+                  </a:tcPr>
+                </a:tc>
+              </a:tr>
+              <a:tr h="274320">
+                <a:tc>
+                  <a:txBody>
+                    <a:bodyPr/>
+                    <a:lstStyle/>
+                    <a:p>
+                      <a:pPr algn="r">
+                        <a:defRPr sz="1200" b="1">
+                          <a:solidFill>
+                            <a:srgbClr val="404040"/>
+                          </a:solidFill>
+                          <a:latin typeface="Arial"/>
+                        </a:defRPr>
+                      </a:pPr>
+                      <a:r>
+                        <a:t>Acquirer</a:t>
+                      </a:r>
+                    </a:p>
+                  </a:txBody>
+                  <a:tcPr anchor="ctr">
+                    <a:solidFill>
+                      <a:srgbClr val="F0F0F0"/>
+                    </a:solidFill>
+                  </a:tcPr>
+                </a:tc>
+              </a:tr>
+              <a:tr h="274320">
+                <a:tc>
+                  <a:txBody>
+                    <a:bodyPr/>
+                    <a:lstStyle/>
+                    <a:p>
+                      <a:pPr algn="r">
+                        <a:defRPr sz="1200" b="1">
+                          <a:solidFill>
+                            <a:srgbClr val="404040"/>
+                          </a:solidFill>
+                          <a:latin typeface="Arial"/>
+                        </a:defRPr>
+                      </a:pPr>
+                      <a:r>
+                        <a:t>Country</a:t>
+                      </a:r>
+                    </a:p>
+                  </a:txBody>
+                  <a:tcPr anchor="ctr">
+                    <a:solidFill>
+                      <a:srgbClr val="F0F0F0"/>
+                    </a:solidFill>
+                  </a:tcPr>
+                </a:tc>
+              </a:tr>
+              <a:tr h="274320">
+                <a:tc>
+                  <a:txBody>
+                    <a:bodyPr/>
+                    <a:lstStyle/>
+                    <a:p>
+                      <a:pPr algn="r">
+                        <a:defRPr sz="1200" b="1">
+                          <a:solidFill>
+                            <a:srgbClr val="404040"/>
+                          </a:solidFill>
+                          <a:latin typeface="Arial"/>
+                        </a:defRPr>
+                      </a:pPr>
+                      <a:r>
+                        <a:t>EV ($M)</a:t>
+                      </a:r>
+                    </a:p>
+                  </a:txBody>
+                  <a:tcPr anchor="ctr">
+                    <a:solidFill>
+                      <a:srgbClr val="F0F0F0"/>
+                    </a:solidFill>
+                  </a:tcPr>
+                </a:tc>
+              </a:tr>
+              <a:tr h="274320">
+                <a:tc>
+                  <a:txBody>
+                    <a:bodyPr/>
+                    <a:lstStyle/>
+                    <a:p>
+                      <a:pPr algn="r">
+                        <a:defRPr sz="1200" b="1">
+                          <a:solidFill>
+                            <a:srgbClr val="404040"/>
+                          </a:solidFill>
+                          <a:latin typeface="Arial"/>
+                        </a:defRPr>
+                      </a:pPr>
+                      <a:r>
+                        <a:t>Revenue ($M)</a:t>
+                      </a:r>
+                    </a:p>
+                  </a:txBody>
+                  <a:tcPr anchor="ctr">
+                    <a:solidFill>
+                      <a:srgbClr val="F0F0F0"/>
+                    </a:solidFill>
+                  </a:tcPr>
+                </a:tc>
+              </a:tr>
+              <a:tr h="274320">
+                <a:tc>
+                  <a:txBody>
+                    <a:bodyPr/>
+                    <a:lstStyle/>
+                    <a:p>
+                      <a:pPr algn="r">
+                        <a:defRPr sz="1200" b="1">
+                          <a:solidFill>
+                            <a:srgbClr val="404040"/>
+                          </a:solidFill>
+                          <a:latin typeface="Arial"/>
+                        </a:defRPr>
+                      </a:pPr>
+                      <a:r>
+                        <a:t>EV/Revenue</a:t>
+                      </a:r>
+                    </a:p>
+                  </a:txBody>
+                  <a:tcPr anchor="ctr">
+                    <a:solidFill>
+                      <a:srgbClr val="F0F0F0"/>
+                    </a:solidFill>
+                  </a:tcPr>
+                </a:tc>
+              </a:tr>
+            </a:tbl>
+          </a:graphicData>
+        </a:graphic>
+      </p:graphicFrame>
+      <p:graphicFrame>
+        <p:nvGraphicFramePr>
+          <p:cNvPr id="21" name="Table 20"/>
+          <p:cNvGraphicFramePr>
+            <a:graphicFrameLocks noGrp="1"/>
+          </p:cNvGraphicFramePr>
+          <p:nvPr/>
+        </p:nvGraphicFramePr>
+        <p:xfrm>
+          <a:off x="1600200" y="4389120"/>
+          <a:ext cx="8686800" cy="1920240"/>
+        </p:xfrm>
+        <a:graphic>
+          <a:graphicData uri="http://schemas.openxmlformats.org/drawingml/2006/table">
+            <a:tbl>
+              <a:tblPr firstRow="1" bandRow="1">
+                <a:tableStyleId>{5C22544A-7EE6-4342-B048-85BDC9FD1C3A}</a:tableStyleId>
+              </a:tblPr>
+              <a:tblGrid>
+                <a:gridCol w="1737360"/>
+                <a:gridCol w="1737360"/>
+                <a:gridCol w="1737360"/>
+                <a:gridCol w="1737360"/>
+                <a:gridCol w="1737360"/>
+              </a:tblGrid>
+              <a:tr h="274320">
+                <a:tc>
+                  <a:txBody>
+                    <a:bodyPr/>
+                    <a:lstStyle/>
+                    <a:p>
+                      <a:pPr algn="ctr">
+                        <a:defRPr sz="900">
+                          <a:solidFill>
+                            <a:srgbClr val="404040"/>
+                          </a:solidFill>
+                          <a:latin typeface="Arial"/>
+                        </a:defRPr>
+                      </a:pPr>
+                      <a:r>
+                        <a:t>Q2 2025</a:t>
+                      </a:r>
+                    </a:p>
+                  </a:txBody>
+                  <a:tcPr anchor="ctr">
+                    <a:solidFill>
+                      <a:srgbClr val="FFFFFF"/>
+                    </a:solidFill>
+                  </a:tcPr>
+                </a:tc>
+                <a:tc>
+                  <a:txBody>
+                    <a:bodyPr/>
+                    <a:lstStyle/>
+                    <a:p>
+                      <a:pPr algn="ctr">
+                        <a:defRPr sz="900">
+                          <a:solidFill>
+                            <a:srgbClr val="404040"/>
+                          </a:solidFill>
+                          <a:latin typeface="Arial"/>
+                        </a:defRPr>
+                      </a:pPr>
+                      <a:r>
+                        <a:t>Q1 2025</a:t>
+                      </a:r>
+                    </a:p>
+                  </a:txBody>
+                  <a:tcPr anchor="ctr">
+                    <a:solidFill>
+                      <a:srgbClr val="FFFFFF"/>
+                    </a:solidFill>
+                  </a:tcPr>
+                </a:tc>
+                <a:tc>
+                  <a:txBody>
+                    <a:bodyPr/>
+                    <a:lstStyle/>
+                    <a:p>
+                      <a:pPr algn="ctr">
+                        <a:defRPr sz="900">
+                          <a:solidFill>
+                            <a:srgbClr val="404040"/>
+                          </a:solidFill>
+                          <a:latin typeface="Arial"/>
+                        </a:defRPr>
+                      </a:pPr>
+                      <a:r>
+                        <a:t>Q4 2024</a:t>
+                      </a:r>
+                    </a:p>
+                  </a:txBody>
+                  <a:tcPr anchor="ctr">
+                    <a:solidFill>
+                      <a:srgbClr val="FFFFFF"/>
+                    </a:solidFill>
+                  </a:tcPr>
+                </a:tc>
+                <a:tc>
+                  <a:txBody>
+                    <a:bodyPr/>
+                    <a:lstStyle/>
+                    <a:p>
+                      <a:pPr algn="ctr">
+                        <a:defRPr sz="900">
+                          <a:solidFill>
+                            <a:srgbClr val="404040"/>
+                          </a:solidFill>
+                          <a:latin typeface="Arial"/>
+                        </a:defRPr>
+                      </a:pPr>
+                      <a:r>
+                        <a:t>Q3 2024</a:t>
+                      </a:r>
+                    </a:p>
+                  </a:txBody>
+                  <a:tcPr anchor="ctr">
+                    <a:solidFill>
+                      <a:srgbClr val="FFFFFF"/>
+                    </a:solidFill>
+                  </a:tcPr>
+                </a:tc>
+                <a:tc>
+                  <a:txBody>
+                    <a:bodyPr/>
+                    <a:lstStyle/>
+                    <a:p>
+                      <a:pPr algn="ctr">
+                        <a:defRPr sz="900">
+                          <a:solidFill>
+                            <a:srgbClr val="404040"/>
+                          </a:solidFill>
+                          <a:latin typeface="Arial"/>
+                        </a:defRPr>
+                      </a:pPr>
+                      <a:r>
+                        <a:t>Q1 2024</a:t>
+                      </a:r>
+                    </a:p>
+                  </a:txBody>
+                  <a:tcPr anchor="ctr">
+                    <a:solidFill>
+                      <a:srgbClr val="FFFFFF"/>
+                    </a:solidFill>
+                  </a:tcPr>
+                </a:tc>
+              </a:tr>
+              <a:tr h="274320">
+                <a:tc>
+                  <a:txBody>
+                    <a:bodyPr/>
+                    <a:lstStyle/>
+                    <a:p>
+                      <a:pPr algn="ctr">
+                        <a:defRPr sz="900">
+                          <a:solidFill>
+                            <a:srgbClr val="404040"/>
+                          </a:solidFill>
+                          <a:latin typeface="Arial"/>
+                        </a:defRPr>
+                      </a:pPr>
+                      <a:r>
+                        <a:t>Reka AI</a:t>
+                      </a:r>
+                    </a:p>
+                  </a:txBody>
+                  <a:tcPr anchor="ctr">
+                    <a:solidFill>
+                      <a:srgbClr val="FFFFFF"/>
+                    </a:solidFill>
+                  </a:tcPr>
+                </a:tc>
+                <a:tc>
+                  <a:txBody>
+                    <a:bodyPr/>
+                    <a:lstStyle/>
+                    <a:p>
+                      <a:pPr algn="ctr">
+                        <a:defRPr sz="900">
+                          <a:solidFill>
+                            <a:srgbClr val="404040"/>
+                          </a:solidFill>
+                          <a:latin typeface="Arial"/>
+                        </a:defRPr>
+                      </a:pPr>
+                      <a:r>
+                        <a:t>EliseAI</a:t>
+                      </a:r>
+                    </a:p>
+                  </a:txBody>
+                  <a:tcPr anchor="ctr">
+                    <a:solidFill>
+                      <a:srgbClr val="FFFFFF"/>
+                    </a:solidFill>
+                  </a:tcPr>
+                </a:tc>
+                <a:tc>
+                  <a:txBody>
+                    <a:bodyPr/>
+                    <a:lstStyle/>
+                    <a:p>
+                      <a:pPr algn="ctr">
+                        <a:defRPr sz="900">
+                          <a:solidFill>
+                            <a:srgbClr val="404040"/>
+                          </a:solidFill>
+                          <a:latin typeface="Arial"/>
+                        </a:defRPr>
+                      </a:pPr>
+                      <a:r>
+                        <a:t>Cohere</a:t>
+                      </a:r>
+                    </a:p>
+                  </a:txBody>
+                  <a:tcPr anchor="ctr">
+                    <a:solidFill>
+                      <a:srgbClr val="FFFFFF"/>
+                    </a:solidFill>
+                  </a:tcPr>
+                </a:tc>
+                <a:tc>
+                  <a:txBody>
+                    <a:bodyPr/>
+                    <a:lstStyle/>
+                    <a:p>
+                      <a:pPr algn="ctr">
+                        <a:defRPr sz="900">
+                          <a:solidFill>
+                            <a:srgbClr val="404040"/>
+                          </a:solidFill>
+                          <a:latin typeface="Arial"/>
+                        </a:defRPr>
+                      </a:pPr>
+                      <a:r>
+                        <a:t>Mistral AI</a:t>
+                      </a:r>
+                    </a:p>
+                  </a:txBody>
+                  <a:tcPr anchor="ctr">
+                    <a:solidFill>
+                      <a:srgbClr val="FFFFFF"/>
+                    </a:solidFill>
+                  </a:tcPr>
+                </a:tc>
+                <a:tc>
+                  <a:txBody>
+                    <a:bodyPr/>
+                    <a:lstStyle/>
+                    <a:p>
+                      <a:pPr algn="ctr">
+                        <a:defRPr sz="900">
+                          <a:solidFill>
+                            <a:srgbClr val="404040"/>
+                          </a:solidFill>
+                          <a:latin typeface="Arial"/>
+                        </a:defRPr>
+                      </a:pPr>
+                      <a:r>
+                        <a:t>Glean</a:t>
+                      </a:r>
+                    </a:p>
+                  </a:txBody>
+                  <a:tcPr anchor="ctr">
+                    <a:solidFill>
+                      <a:srgbClr val="FFFFFF"/>
+                    </a:solidFill>
+                  </a:tcPr>
+                </a:tc>
+              </a:tr>
+              <a:tr h="274320">
+                <a:tc>
+                  <a:txBody>
+                    <a:bodyPr/>
+                    <a:lstStyle/>
+                    <a:p>
+                      <a:pPr algn="ctr">
+                        <a:defRPr sz="900">
+                          <a:solidFill>
+                            <a:srgbClr val="404040"/>
+                          </a:solidFill>
+                          <a:latin typeface="Arial"/>
+                        </a:defRPr>
+                      </a:pPr>
+                      <a:r>
+                        <a:t>Salesforce Vent...</a:t>
+                      </a:r>
+                    </a:p>
+                  </a:txBody>
+                  <a:tcPr anchor="ctr">
+                    <a:solidFill>
+                      <a:srgbClr val="FFFFFF"/>
+                    </a:solidFill>
+                  </a:tcPr>
+                </a:tc>
+                <a:tc>
+                  <a:txBody>
+                    <a:bodyPr/>
+                    <a:lstStyle/>
+                    <a:p>
+                      <a:pPr algn="ctr">
+                        <a:defRPr sz="900">
+                          <a:solidFill>
+                            <a:srgbClr val="404040"/>
+                          </a:solidFill>
+                          <a:latin typeface="Arial"/>
+                        </a:defRPr>
+                      </a:pPr>
+                      <a:r>
+                        <a:t>General Catalys...</a:t>
+                      </a:r>
+                    </a:p>
+                  </a:txBody>
+                  <a:tcPr anchor="ctr">
+                    <a:solidFill>
+                      <a:srgbClr val="FFFFFF"/>
+                    </a:solidFill>
+                  </a:tcPr>
+                </a:tc>
+                <a:tc>
+                  <a:txBody>
+                    <a:bodyPr/>
+                    <a:lstStyle/>
+                    <a:p>
+                      <a:pPr algn="ctr">
+                        <a:defRPr sz="900">
+                          <a:solidFill>
+                            <a:srgbClr val="404040"/>
+                          </a:solidFill>
+                          <a:latin typeface="Arial"/>
+                        </a:defRPr>
+                      </a:pPr>
+                      <a:r>
+                        <a:t>Oracle</a:t>
+                      </a:r>
+                    </a:p>
+                  </a:txBody>
+                  <a:tcPr anchor="ctr">
+                    <a:solidFill>
+                      <a:srgbClr val="FFFFFF"/>
+                    </a:solidFill>
+                  </a:tcPr>
+                </a:tc>
+                <a:tc>
+                  <a:txBody>
+                    <a:bodyPr/>
+                    <a:lstStyle/>
+                    <a:p>
+                      <a:pPr algn="ctr">
+                        <a:defRPr sz="900">
+                          <a:solidFill>
+                            <a:srgbClr val="404040"/>
+                          </a:solidFill>
+                          <a:latin typeface="Arial"/>
+                        </a:defRPr>
+                      </a:pPr>
+                      <a:r>
+                        <a:t>Andreessen Horo...</a:t>
+                      </a:r>
+                    </a:p>
+                  </a:txBody>
+                  <a:tcPr anchor="ctr">
+                    <a:solidFill>
+                      <a:srgbClr val="FFFFFF"/>
+                    </a:solidFill>
+                  </a:tcPr>
+                </a:tc>
+                <a:tc>
+                  <a:txBody>
+                    <a:bodyPr/>
+                    <a:lstStyle/>
+                    <a:p>
+                      <a:pPr algn="ctr">
+                        <a:defRPr sz="900">
+                          <a:solidFill>
+                            <a:srgbClr val="404040"/>
+                          </a:solidFill>
+                          <a:latin typeface="Arial"/>
+                        </a:defRPr>
+                      </a:pPr>
+                      <a:r>
+                        <a:t>Sequoia Capital</a:t>
+                      </a:r>
+                    </a:p>
+                  </a:txBody>
+                  <a:tcPr anchor="ctr">
+                    <a:solidFill>
+                      <a:srgbClr val="FFFFFF"/>
+                    </a:solidFill>
+                  </a:tcPr>
+                </a:tc>
+              </a:tr>
+              <a:tr h="274320">
+                <a:tc>
+                  <a:txBody>
+                    <a:bodyPr/>
+                    <a:lstStyle/>
+                    <a:p>
+                      <a:pPr algn="ctr">
+                        <a:defRPr sz="900">
+                          <a:solidFill>
+                            <a:srgbClr val="404040"/>
+                          </a:solidFill>
+                          <a:latin typeface="Arial"/>
+                        </a:defRPr>
+                      </a:pPr>
+                      <a:r>
+                        <a:t>USA</a:t>
+                      </a:r>
+                    </a:p>
+                  </a:txBody>
+                  <a:tcPr anchor="ctr">
+                    <a:solidFill>
+                      <a:srgbClr val="FFFFFF"/>
+                    </a:solidFill>
+                  </a:tcPr>
+                </a:tc>
+                <a:tc>
+                  <a:txBody>
+                    <a:bodyPr/>
+                    <a:lstStyle/>
+                    <a:p>
+                      <a:pPr algn="ctr">
+                        <a:defRPr sz="900">
+                          <a:solidFill>
+                            <a:srgbClr val="404040"/>
+                          </a:solidFill>
+                          <a:latin typeface="Arial"/>
+                        </a:defRPr>
+                      </a:pPr>
+                      <a:r>
+                        <a:t>USA</a:t>
+                      </a:r>
+                    </a:p>
+                  </a:txBody>
+                  <a:tcPr anchor="ctr">
+                    <a:solidFill>
+                      <a:srgbClr val="FFFFFF"/>
+                    </a:solidFill>
+                  </a:tcPr>
+                </a:tc>
+                <a:tc>
+                  <a:txBody>
+                    <a:bodyPr/>
+                    <a:lstStyle/>
+                    <a:p>
+                      <a:pPr algn="ctr">
+                        <a:defRPr sz="900">
+                          <a:solidFill>
+                            <a:srgbClr val="404040"/>
+                          </a:solidFill>
+                          <a:latin typeface="Arial"/>
+                        </a:defRPr>
+                      </a:pPr>
+                      <a:r>
+                        <a:t>Canada</a:t>
+                      </a:r>
+                    </a:p>
+                  </a:txBody>
+                  <a:tcPr anchor="ctr">
+                    <a:solidFill>
+                      <a:srgbClr val="FFFFFF"/>
+                    </a:solidFill>
+                  </a:tcPr>
+                </a:tc>
+                <a:tc>
+                  <a:txBody>
+                    <a:bodyPr/>
+                    <a:lstStyle/>
+                    <a:p>
+                      <a:pPr algn="ctr">
+                        <a:defRPr sz="900">
+                          <a:solidFill>
+                            <a:srgbClr val="404040"/>
+                          </a:solidFill>
+                          <a:latin typeface="Arial"/>
+                        </a:defRPr>
+                      </a:pPr>
+                      <a:r>
+                        <a:t>France</a:t>
+                      </a:r>
+                    </a:p>
+                  </a:txBody>
+                  <a:tcPr anchor="ctr">
+                    <a:solidFill>
+                      <a:srgbClr val="FFFFFF"/>
+                    </a:solidFill>
+                  </a:tcPr>
+                </a:tc>
+                <a:tc>
+                  <a:txBody>
+                    <a:bodyPr/>
+                    <a:lstStyle/>
+                    <a:p>
+                      <a:pPr algn="ctr">
+                        <a:defRPr sz="900">
+                          <a:solidFill>
+                            <a:srgbClr val="404040"/>
+                          </a:solidFill>
+                          <a:latin typeface="Arial"/>
+                        </a:defRPr>
+                      </a:pPr>
+                      <a:r>
+                        <a:t>USA</a:t>
+                      </a:r>
+                    </a:p>
+                  </a:txBody>
+                  <a:tcPr anchor="ctr">
+                    <a:solidFill>
+                      <a:srgbClr val="FFFFFF"/>
+                    </a:solidFill>
+                  </a:tcPr>
+                </a:tc>
+              </a:tr>
+              <a:tr h="274320">
+                <a:tc>
+                  <a:txBody>
+                    <a:bodyPr/>
+                    <a:lstStyle/>
+                    <a:p>
+                      <a:pPr algn="ctr">
+                        <a:defRPr sz="900">
+                          <a:solidFill>
+                            <a:srgbClr val="404040"/>
+                          </a:solidFill>
+                          <a:latin typeface="Arial"/>
+                        </a:defRPr>
+                      </a:pPr>
+                      <a:r>
+                        <a:t>$10,000,000,000</a:t>
+                      </a:r>
+                    </a:p>
+                  </a:txBody>
+                  <a:tcPr anchor="ctr">
+                    <a:solidFill>
+                      <a:srgbClr val="FFFFFF"/>
+                    </a:solidFill>
+                  </a:tcPr>
+                </a:tc>
+                <a:tc>
+                  <a:txBody>
+                    <a:bodyPr/>
+                    <a:lstStyle/>
+                    <a:p>
+                      <a:pPr algn="ctr">
+                        <a:defRPr sz="900">
+                          <a:solidFill>
+                            <a:srgbClr val="404040"/>
+                          </a:solidFill>
+                          <a:latin typeface="Arial"/>
+                        </a:defRPr>
+                      </a:pPr>
+                      <a:r>
+                        <a:t>$2,200,000,000</a:t>
+                      </a:r>
+                    </a:p>
+                  </a:txBody>
+                  <a:tcPr anchor="ctr">
+                    <a:solidFill>
+                      <a:srgbClr val="FFFFFF"/>
+                    </a:solidFill>
+                  </a:tcPr>
+                </a:tc>
+                <a:tc>
+                  <a:txBody>
+                    <a:bodyPr/>
+                    <a:lstStyle/>
+                    <a:p>
+                      <a:pPr algn="ctr">
+                        <a:defRPr sz="900">
+                          <a:solidFill>
+                            <a:srgbClr val="404040"/>
+                          </a:solidFill>
+                          <a:latin typeface="Arial"/>
+                        </a:defRPr>
+                      </a:pPr>
+                      <a:r>
+                        <a:t>$2,100,000,000</a:t>
+                      </a:r>
+                    </a:p>
+                  </a:txBody>
+                  <a:tcPr anchor="ctr">
+                    <a:solidFill>
+                      <a:srgbClr val="FFFFFF"/>
+                    </a:solidFill>
+                  </a:tcPr>
+                </a:tc>
+                <a:tc>
+                  <a:txBody>
+                    <a:bodyPr/>
+                    <a:lstStyle/>
+                    <a:p>
+                      <a:pPr algn="ctr">
+                        <a:defRPr sz="900">
+                          <a:solidFill>
+                            <a:srgbClr val="404040"/>
+                          </a:solidFill>
+                          <a:latin typeface="Arial"/>
+                        </a:defRPr>
+                      </a:pPr>
+                      <a:r>
+                        <a:t>$500,000,000</a:t>
+                      </a:r>
+                    </a:p>
+                  </a:txBody>
+                  <a:tcPr anchor="ctr">
+                    <a:solidFill>
+                      <a:srgbClr val="FFFFFF"/>
+                    </a:solidFill>
+                  </a:tcPr>
+                </a:tc>
+                <a:tc>
+                  <a:txBody>
+                    <a:bodyPr/>
+                    <a:lstStyle/>
+                    <a:p>
+                      <a:pPr algn="ctr">
+                        <a:defRPr sz="900">
+                          <a:solidFill>
+                            <a:srgbClr val="404040"/>
+                          </a:solidFill>
+                          <a:latin typeface="Arial"/>
+                        </a:defRPr>
+                      </a:pPr>
+                      <a:r>
+                        <a:t>$1,200,000,000</a:t>
+                      </a:r>
+                    </a:p>
+                  </a:txBody>
+                  <a:tcPr anchor="ctr">
+                    <a:solidFill>
+                      <a:srgbClr val="FFFFFF"/>
+                    </a:solidFill>
+                  </a:tcPr>
+                </a:tc>
+              </a:tr>
+              <a:tr h="274320">
+                <a:tc>
+                  <a:txBody>
+                    <a:bodyPr/>
+                    <a:lstStyle/>
+                    <a:p>
+                      <a:pPr algn="ctr">
+                        <a:defRPr sz="900">
+                          <a:solidFill>
+                            <a:srgbClr val="404040"/>
+                          </a:solidFill>
+                          <a:latin typeface="Arial"/>
+                        </a:defRPr>
+                      </a:pPr>
+                      <a:r>
+                        <a:t>$200,000,000</a:t>
+                      </a:r>
+                    </a:p>
+                  </a:txBody>
+                  <a:tcPr anchor="ctr">
+                    <a:solidFill>
+                      <a:srgbClr val="FFFFFF"/>
+                    </a:solidFill>
+                  </a:tcPr>
+                </a:tc>
+                <a:tc>
+                  <a:txBody>
+                    <a:bodyPr/>
+                    <a:lstStyle/>
+                    <a:p>
+                      <a:pPr algn="ctr">
+                        <a:defRPr sz="900">
+                          <a:solidFill>
+                            <a:srgbClr val="404040"/>
+                          </a:solidFill>
+                          <a:latin typeface="Arial"/>
+                        </a:defRPr>
+                      </a:pPr>
+                      <a:r>
+                        <a:t>$70,000,000</a:t>
+                      </a:r>
+                    </a:p>
+                  </a:txBody>
+                  <a:tcPr anchor="ctr">
+                    <a:solidFill>
+                      <a:srgbClr val="FFFFFF"/>
+                    </a:solidFill>
+                  </a:tcPr>
+                </a:tc>
+                <a:tc>
+                  <a:txBody>
+                    <a:bodyPr/>
+                    <a:lstStyle/>
+                    <a:p>
+                      <a:pPr algn="ctr">
+                        <a:defRPr sz="900">
+                          <a:solidFill>
+                            <a:srgbClr val="404040"/>
+                          </a:solidFill>
+                          <a:latin typeface="Arial"/>
+                        </a:defRPr>
+                      </a:pPr>
+                      <a:r>
+                        <a:t>$75,000,000</a:t>
+                      </a:r>
+                    </a:p>
+                  </a:txBody>
+                  <a:tcPr anchor="ctr">
+                    <a:solidFill>
+                      <a:srgbClr val="FFFFFF"/>
+                    </a:solidFill>
+                  </a:tcPr>
+                </a:tc>
+                <a:tc>
+                  <a:txBody>
+                    <a:bodyPr/>
+                    <a:lstStyle/>
+                    <a:p>
+                      <a:pPr algn="ctr">
+                        <a:defRPr sz="900">
+                          <a:solidFill>
+                            <a:srgbClr val="404040"/>
+                          </a:solidFill>
+                          <a:latin typeface="Arial"/>
+                        </a:defRPr>
+                      </a:pPr>
+                      <a:r>
+                        <a:t>$20,000,000</a:t>
+                      </a:r>
+                    </a:p>
+                  </a:txBody>
+                  <a:tcPr anchor="ctr">
+                    <a:solidFill>
+                      <a:srgbClr val="FFFFFF"/>
+                    </a:solidFill>
+                  </a:tcPr>
+                </a:tc>
+                <a:tc>
+                  <a:txBody>
+                    <a:bodyPr/>
+                    <a:lstStyle/>
+                    <a:p>
+                      <a:pPr algn="ctr">
+                        <a:defRPr sz="900">
+                          <a:solidFill>
+                            <a:srgbClr val="404040"/>
+                          </a:solidFill>
+                          <a:latin typeface="Arial"/>
+                        </a:defRPr>
+                      </a:pPr>
+                      <a:r>
+                        <a:t>$60,000,000</a:t>
+                      </a:r>
+                    </a:p>
+                  </a:txBody>
+                  <a:tcPr anchor="ctr">
+                    <a:solidFill>
+                      <a:srgbClr val="FFFFFF"/>
+                    </a:solidFill>
+                  </a:tcPr>
+                </a:tc>
+              </a:tr>
+              <a:tr h="274320">
+                <a:tc>
+                  <a:txBody>
+                    <a:bodyPr/>
+                    <a:lstStyle/>
+                    <a:p>
+                      <a:pPr algn="ctr">
+                        <a:defRPr sz="900">
+                          <a:solidFill>
+                            <a:srgbClr val="404040"/>
+                          </a:solidFill>
+                          <a:latin typeface="Arial"/>
+                        </a:defRPr>
+                      </a:pPr>
+                      <a:r>
+                        <a:t>50.0x</a:t>
+                      </a:r>
+                    </a:p>
+                  </a:txBody>
+                  <a:tcPr anchor="ctr">
+                    <a:solidFill>
+                      <a:srgbClr val="FFFFFF"/>
+                    </a:solidFill>
+                  </a:tcPr>
+                </a:tc>
+                <a:tc>
+                  <a:txBody>
+                    <a:bodyPr/>
+                    <a:lstStyle/>
+                    <a:p>
+                      <a:pPr algn="ctr">
+                        <a:defRPr sz="900">
+                          <a:solidFill>
+                            <a:srgbClr val="404040"/>
+                          </a:solidFill>
+                          <a:latin typeface="Arial"/>
+                        </a:defRPr>
+                      </a:pPr>
+                      <a:r>
+                        <a:t>31.0x</a:t>
+                      </a:r>
+                    </a:p>
+                  </a:txBody>
+                  <a:tcPr anchor="ctr">
+                    <a:solidFill>
+                      <a:srgbClr val="FFFFFF"/>
+                    </a:solidFill>
+                  </a:tcPr>
+                </a:tc>
+                <a:tc>
+                  <a:txBody>
+                    <a:bodyPr/>
+                    <a:lstStyle/>
+                    <a:p>
+                      <a:pPr algn="ctr">
+                        <a:defRPr sz="900">
+                          <a:solidFill>
+                            <a:srgbClr val="404040"/>
+                          </a:solidFill>
+                          <a:latin typeface="Arial"/>
+                        </a:defRPr>
+                      </a:pPr>
+                      <a:r>
+                        <a:t>28.0x</a:t>
+                      </a:r>
+                    </a:p>
+                  </a:txBody>
+                  <a:tcPr anchor="ctr">
+                    <a:solidFill>
+                      <a:srgbClr val="FFFFFF"/>
+                    </a:solidFill>
+                  </a:tcPr>
+                </a:tc>
+                <a:tc>
+                  <a:txBody>
+                    <a:bodyPr/>
+                    <a:lstStyle/>
+                    <a:p>
+                      <a:pPr algn="ctr">
+                        <a:defRPr sz="900">
+                          <a:solidFill>
+                            <a:srgbClr val="404040"/>
+                          </a:solidFill>
+                          <a:latin typeface="Arial"/>
+                        </a:defRPr>
+                      </a:pPr>
+                      <a:r>
+                        <a:t>25.0x</a:t>
+                      </a:r>
+                    </a:p>
+                  </a:txBody>
+                  <a:tcPr anchor="ctr">
+                    <a:solidFill>
+                      <a:srgbClr val="FFFFFF"/>
+                    </a:solidFill>
+                  </a:tcPr>
+                </a:tc>
+                <a:tc>
+                  <a:txBody>
+                    <a:bodyPr/>
+                    <a:lstStyle/>
+                    <a:p>
+                      <a:pPr algn="ctr">
+                        <a:defRPr sz="900">
+                          <a:solidFill>
+                            <a:srgbClr val="404040"/>
+                          </a:solidFill>
+                          <a:latin typeface="Arial"/>
+                        </a:defRPr>
+                      </a:pPr>
+                      <a:r>
+                        <a:t>20.0x</a:t>
+                      </a:r>
+                    </a:p>
+                  </a:txBody>
+                  <a:tcPr anchor="ctr">
+                    <a:solidFill>
+                      <a:srgbClr val="FFFFFF"/>
+                    </a:solidFill>
+                  </a:tcPr>
+                </a:tc>
+              </a:tr>
+            </a:tbl>
+          </a:graphicData>
+        </a:graphic>
+      </p:graphicFrame>
+      <p:sp>
+        <p:nvSpPr>
+          <p:cNvPr id="22" name="TextBox 21"/>
+          <p:cNvSpPr txBox="1"/>
+          <p:nvPr/>
+        </p:nvSpPr>
+        <p:spPr>
+          <a:xfrm>
+            <a:off x="457200" y="6400800"/>
+            <a:ext cx="5486400" cy="365760"/>
+          </a:xfrm>
+          <a:prstGeom prst="rect">
+            <a:avLst/>
+          </a:prstGeom>
+          <a:noFill/>
+        </p:spPr>
+        <p:txBody>
+          <a:bodyPr wrap="none">
+            <a:spAutoFit/>
+          </a:bodyPr>
+          <a:lstStyle/>
+          <a:p>
+            <a:pPr>
+              <a:defRPr sz="900">
+                <a:solidFill>
+                  <a:srgbClr val="808080"/>
+                </a:solidFill>
+                <a:latin typeface="Arial"/>
+              </a:defRPr>
+            </a:pPr>
+            <a:r>
+              <a:t>Confidential | September 2025</a:t>
+            </a:r>
+          </a:p>
+        </p:txBody>
+      </p:sp>
+      <p:sp>
+        <p:nvSpPr>
+          <p:cNvPr id="23" name="TextBox 22"/>
+          <p:cNvSpPr txBox="1"/>
+          <p:nvPr/>
+        </p:nvSpPr>
+        <p:spPr>
+          <a:xfrm>
+            <a:off x="6705295" y="6400800"/>
+            <a:ext cx="5486400" cy="365760"/>
+          </a:xfrm>
+          <a:prstGeom prst="rect">
+            <a:avLst/>
+          </a:prstGeom>
+          <a:noFill/>
+        </p:spPr>
+        <p:txBody>
+          <a:bodyPr wrap="none">
+            <a:spAutoFit/>
+          </a:bodyPr>
+          <a:lstStyle/>
+          <a:p>
+            <a:pPr algn="r">
+              <a:defRPr sz="900">
+                <a:solidFill>
+                  <a:srgbClr val="808080"/>
+                </a:solidFill>
+                <a:latin typeface="Arial"/>
+              </a:defRPr>
+            </a:pPr>
+            <a:r>
+              <a:t>Moelis &amp; Company</a:t>
+            </a:r>
+          </a:p>
+        </p:txBody>
+      </p:sp>
     </p:spTree>
   </p:cSld>
   <p:clrMapOvr>

--- a/ai_generated_deck.pptx
+++ b/ai_generated_deck.pptx
@@ -14498,7 +14498,7 @@
                 </a:solidFill>
                 <a:latin typeface="Arial"/>
               </a:rPr>
-              <a:t>Revenue CAGR</a:t>
+              <a:t>Key Metric 1</a:t>
             </a:r>
           </a:p>
         </p:txBody>
@@ -14576,7 +14576,7 @@
                 </a:solidFill>
                 <a:latin typeface="Arial"/>
               </a:rPr>
-              <a:t>(2020-2024E)</a:t>
+              <a:t>(Historical)</a:t>
             </a:r>
           </a:p>
         </p:txBody>
@@ -14608,15 +14608,6 @@
           <a:lstStyle/>
           <a:p>
             <a:pPr algn="l"/>
-            <a:r>
-              <a:rPr sz="800" b="0">
-                <a:solidFill>
-                  <a:srgbClr val="228B22"/>
-                </a:solidFill>
-                <a:latin typeface="Arial"/>
-              </a:rPr>
-              <a:t>High growth trajectory</a:t>
-            </a:r>
           </a:p>
         </p:txBody>
       </p:sp>
@@ -14698,7 +14689,7 @@
                 </a:solidFill>
                 <a:latin typeface="Arial"/>
               </a:rPr>
-              <a:t>2024E Revenue</a:t>
+              <a:t>Key Metric 2</a:t>
             </a:r>
           </a:p>
         </p:txBody>
@@ -14737,7 +14728,7 @@
                 </a:solidFill>
                 <a:latin typeface="Arial"/>
               </a:rPr>
-              <a:t>$38.0M</a:t>
+              <a:t>38.0</a:t>
             </a:r>
           </a:p>
         </p:txBody>
@@ -14776,7 +14767,7 @@
                 </a:solidFill>
                 <a:latin typeface="Arial"/>
               </a:rPr>
-              <a:t>USD (Est.)</a:t>
+              <a:t>(Historical)</a:t>
             </a:r>
           </a:p>
         </p:txBody>
@@ -14808,15 +14799,6 @@
           <a:lstStyle/>
           <a:p>
             <a:pPr algn="l"/>
-            <a:r>
-              <a:rPr sz="800" b="0">
-                <a:solidFill>
-                  <a:srgbClr val="228B22"/>
-                </a:solidFill>
-                <a:latin typeface="Arial"/>
-              </a:rPr>
-              <a:t>Strong scaling momentum</a:t>
-            </a:r>
           </a:p>
         </p:txBody>
       </p:sp>
@@ -14898,7 +14880,7 @@
                 </a:solidFill>
                 <a:latin typeface="Arial"/>
               </a:rPr>
-              <a:t>2024E EBITDA</a:t>
+              <a:t>Key Metric 3</a:t>
             </a:r>
           </a:p>
         </p:txBody>
@@ -14937,7 +14919,7 @@
                 </a:solidFill>
                 <a:latin typeface="Arial"/>
               </a:rPr>
-              <a:t>$5.7M</a:t>
+              <a:t>5.7</a:t>
             </a:r>
           </a:p>
         </p:txBody>
@@ -14976,7 +14958,7 @@
                 </a:solidFill>
                 <a:latin typeface="Arial"/>
               </a:rPr>
-              <a:t>USD (Est.)</a:t>
+              <a:t>(Historical)</a:t>
             </a:r>
           </a:p>
         </p:txBody>
@@ -15008,15 +14990,6 @@
           <a:lstStyle/>
           <a:p>
             <a:pPr algn="l"/>
-            <a:r>
-              <a:rPr sz="800" b="0">
-                <a:solidFill>
-                  <a:srgbClr val="228B22"/>
-                </a:solidFill>
-                <a:latin typeface="Arial"/>
-              </a:rPr>
-              <a:t>Achieving profitability</a:t>
-            </a:r>
           </a:p>
         </p:txBody>
       </p:sp>
@@ -15098,7 +15071,7 @@
                 </a:solidFill>
                 <a:latin typeface="Arial"/>
               </a:rPr>
-              <a:t>Enterprise Clients</a:t>
+              <a:t>Key Metric 4</a:t>
             </a:r>
           </a:p>
         </p:txBody>
@@ -15137,7 +15110,7 @@
                 </a:solidFill>
                 <a:latin typeface="Arial"/>
               </a:rPr>
-              <a:t>300+</a:t>
+              <a:t>300</a:t>
             </a:r>
           </a:p>
         </p:txBody>
@@ -15176,7 +15149,7 @@
                 </a:solidFill>
                 <a:latin typeface="Arial"/>
               </a:rPr>
-              <a:t>(Current)</a:t>
+              <a:t>(Historical)</a:t>
             </a:r>
           </a:p>
         </p:txBody>
@@ -15208,15 +15181,6 @@
           <a:lstStyle/>
           <a:p>
             <a:pPr algn="l"/>
-            <a:r>
-              <a:rPr sz="800" b="0">
-                <a:solidFill>
-                  <a:srgbClr val="228B22"/>
-                </a:solidFill>
-                <a:latin typeface="Arial"/>
-              </a:rPr>
-              <a:t>Fortune 500 adoption</a:t>
-            </a:r>
           </a:p>
         </p:txBody>
       </p:sp>
@@ -15703,10 +15667,6 @@
               </a:defRPr>
             </a:pPr>
             <a:r>
-              <a:t>Jerry Liu</a:t>
-            </a:r>
-            <a:br/>
-            <a:r>
               <a:t>Chief Executive Officer (CEO)</a:t>
             </a:r>
           </a:p>
@@ -15928,10 +15888,6 @@
               </a:defRPr>
             </a:pPr>
             <a:r>
-              <a:t>Simon Suo</a:t>
-            </a:r>
-            <a:br/>
-            <a:r>
               <a:t>Chief Technology Officer (CTO)</a:t>
             </a:r>
           </a:p>
@@ -16153,10 +16109,6 @@
               </a:defRPr>
             </a:pPr>
             <a:r>
-              <a:t>Andrei Fajardo</a:t>
-            </a:r>
-            <a:br/>
-            <a:r>
               <a:t>Founding Account Executive</a:t>
             </a:r>
           </a:p>
@@ -16377,10 +16329,6 @@
                 <a:latin typeface="Arial"/>
               </a:defRPr>
             </a:pPr>
-            <a:r>
-              <a:t>Logan Markewich</a:t>
-            </a:r>
-            <a:br/>
             <a:r>
               <a:t>Founding AI Engineer, Customer Facing</a:t>
             </a:r>

--- a/ai_generated_deck.pptx
+++ b/ai_generated_deck.pptx
@@ -635,7 +635,7 @@
               <c:strCache>
                 <c:ptCount val="1"/>
                 <c:pt idx="0">
-                  <c:v>Revenue (HK$ M)</c:v>
+                  <c:v>Revenue ($M)</c:v>
                 </c:pt>
               </c:strCache>
             </c:strRef>
@@ -8000,29 +8000,6 @@
                           </a:solidFill>
                           <a:latin typeface="Arial"/>
                         </a:rPr>
-                        <a:t>N/A</a:t>
-                      </a:r>
-                    </a:p>
-                  </a:txBody>
-                  <a:tcPr marL="45720" marR="45720" marT="45720" marB="45720">
-                    <a:solidFill>
-                      <a:srgbClr val="FFFFFF"/>
-                    </a:solidFill>
-                  </a:tcPr>
-                </a:tc>
-                <a:tc>
-                  <a:txBody>
-                    <a:bodyPr wrap="square"/>
-                    <a:lstStyle/>
-                    <a:p>
-                      <a:pPr algn="l"/>
-                      <a:r>
-                        <a:rPr sz="1100">
-                          <a:solidFill>
-                            <a:srgbClr val="404040"/>
-                          </a:solidFill>
-                          <a:latin typeface="Arial"/>
-                        </a:rPr>
                         <a:t>World's largest AI chipmaker and GPU/cloud infrastructure leader.</a:t>
                       </a:r>
                     </a:p>
@@ -8047,6 +8024,29 @@
                           <a:latin typeface="Arial"/>
                         </a:rPr>
                         <a:t>Expand AI infrastructure and accelerate agentic platform adoption for enterprise customers.</a:t>
+                      </a:r>
+                    </a:p>
+                  </a:txBody>
+                  <a:tcPr marL="45720" marR="45720" marT="45720" marB="45720">
+                    <a:solidFill>
+                      <a:srgbClr val="FFFFFF"/>
+                    </a:solidFill>
+                  </a:tcPr>
+                </a:tc>
+                <a:tc>
+                  <a:txBody>
+                    <a:bodyPr wrap="square"/>
+                    <a:lstStyle/>
+                    <a:p>
+                      <a:pPr algn="l"/>
+                      <a:r>
+                        <a:rPr sz="1100">
+                          <a:solidFill>
+                            <a:srgbClr val="404040"/>
+                          </a:solidFill>
+                          <a:latin typeface="Arial"/>
+                        </a:rPr>
+                        <a:t>Integrate LlamaIndex's platform with NVIDIA AI infrastructure and developer ecosystem.</a:t>
                       </a:r>
                     </a:p>
                   </a:txBody>
@@ -8117,29 +8117,6 @@
                           </a:solidFill>
                           <a:latin typeface="Arial"/>
                         </a:rPr>
-                        <a:t>N/A</a:t>
-                      </a:r>
-                    </a:p>
-                  </a:txBody>
-                  <a:tcPr marL="45720" marR="45720" marT="45720" marB="45720">
-                    <a:solidFill>
-                      <a:srgbClr val="F0F0F0"/>
-                    </a:solidFill>
-                  </a:tcPr>
-                </a:tc>
-                <a:tc>
-                  <a:txBody>
-                    <a:bodyPr wrap="square"/>
-                    <a:lstStyle/>
-                    <a:p>
-                      <a:pPr algn="l"/>
-                      <a:r>
-                        <a:rPr sz="1100">
-                          <a:solidFill>
-                            <a:srgbClr val="404040"/>
-                          </a:solidFill>
-                          <a:latin typeface="Arial"/>
-                        </a:rPr>
                         <a:t>Leading global cloud, enterprise software, and AI provider (Azure, Copilot).</a:t>
                       </a:r>
                     </a:p>
@@ -8164,6 +8141,29 @@
                           <a:latin typeface="Arial"/>
                         </a:rPr>
                         <a:t>Broaden Azure AI suite and integrate advanced document/agent tech for enterprise clients.</a:t>
+                      </a:r>
+                    </a:p>
+                  </a:txBody>
+                  <a:tcPr marL="45720" marR="45720" marT="45720" marB="45720">
+                    <a:solidFill>
+                      <a:srgbClr val="F0F0F0"/>
+                    </a:solidFill>
+                  </a:tcPr>
+                </a:tc>
+                <a:tc>
+                  <a:txBody>
+                    <a:bodyPr wrap="square"/>
+                    <a:lstStyle/>
+                    <a:p>
+                      <a:pPr algn="l"/>
+                      <a:r>
+                        <a:rPr sz="1100">
+                          <a:solidFill>
+                            <a:srgbClr val="404040"/>
+                          </a:solidFill>
+                          <a:latin typeface="Arial"/>
+                        </a:rPr>
+                        <a:t>Cross-sell LlamaIndex with Azure, enhance Copilot and enterprise AI search.</a:t>
                       </a:r>
                     </a:p>
                   </a:txBody>
@@ -8234,29 +8234,6 @@
                           </a:solidFill>
                           <a:latin typeface="Arial"/>
                         </a:rPr>
-                        <a:t>N/A</a:t>
-                      </a:r>
-                    </a:p>
-                  </a:txBody>
-                  <a:tcPr marL="45720" marR="45720" marT="45720" marB="45720">
-                    <a:solidFill>
-                      <a:srgbClr val="FFFFFF"/>
-                    </a:solidFill>
-                  </a:tcPr>
-                </a:tc>
-                <a:tc>
-                  <a:txBody>
-                    <a:bodyPr wrap="square"/>
-                    <a:lstStyle/>
-                    <a:p>
-                      <a:pPr algn="l"/>
-                      <a:r>
-                        <a:rPr sz="1100">
-                          <a:solidFill>
-                            <a:srgbClr val="404040"/>
-                          </a:solidFill>
-                          <a:latin typeface="Arial"/>
-                        </a:rPr>
                         <a:t>Global leader in AI research, cloud, and enterprise platforms.</a:t>
                       </a:r>
                     </a:p>
@@ -8281,6 +8258,29 @@
                           <a:latin typeface="Arial"/>
                         </a:rPr>
                         <a:t>Strengthen Gemini/GCP AI ecosystem and enterprise knowledge search capabilities.</a:t>
+                      </a:r>
+                    </a:p>
+                  </a:txBody>
+                  <a:tcPr marL="45720" marR="45720" marT="45720" marB="45720">
+                    <a:solidFill>
+                      <a:srgbClr val="FFFFFF"/>
+                    </a:solidFill>
+                  </a:tcPr>
+                </a:tc>
+                <a:tc>
+                  <a:txBody>
+                    <a:bodyPr wrap="square"/>
+                    <a:lstStyle/>
+                    <a:p>
+                      <a:pPr algn="l"/>
+                      <a:r>
+                        <a:rPr sz="1100">
+                          <a:solidFill>
+                            <a:srgbClr val="404040"/>
+                          </a:solidFill>
+                          <a:latin typeface="Arial"/>
+                        </a:rPr>
+                        <a:t>Integrate LlamaIndex into Google Cloud, drive RAG/agent innovation.</a:t>
                       </a:r>
                     </a:p>
                   </a:txBody>
@@ -8351,29 +8351,6 @@
                           </a:solidFill>
                           <a:latin typeface="Arial"/>
                         </a:rPr>
-                        <a:t>N/A</a:t>
-                      </a:r>
-                    </a:p>
-                  </a:txBody>
-                  <a:tcPr marL="45720" marR="45720" marT="45720" marB="45720">
-                    <a:solidFill>
-                      <a:srgbClr val="F0F0F0"/>
-                    </a:solidFill>
-                  </a:tcPr>
-                </a:tc>
-                <a:tc>
-                  <a:txBody>
-                    <a:bodyPr wrap="square"/>
-                    <a:lstStyle/>
-                    <a:p>
-                      <a:pPr algn="l"/>
-                      <a:r>
-                        <a:rPr sz="1100">
-                          <a:solidFill>
-                            <a:srgbClr val="404040"/>
-                          </a:solidFill>
-                          <a:latin typeface="Arial"/>
-                        </a:rPr>
                         <a:t>Abu Dhabi-based conglomerate in AI, healthcare, real estate, and agri.</a:t>
                       </a:r>
                     </a:p>
@@ -8398,6 +8375,29 @@
                           <a:latin typeface="Arial"/>
                         </a:rPr>
                         <a:t>Diversify AI and knowledge management for regional/global clients.</a:t>
+                      </a:r>
+                    </a:p>
+                  </a:txBody>
+                  <a:tcPr marL="45720" marR="45720" marT="45720" marB="45720">
+                    <a:solidFill>
+                      <a:srgbClr val="F0F0F0"/>
+                    </a:solidFill>
+                  </a:tcPr>
+                </a:tc>
+                <a:tc>
+                  <a:txBody>
+                    <a:bodyPr wrap="square"/>
+                    <a:lstStyle/>
+                    <a:p>
+                      <a:pPr algn="l"/>
+                      <a:r>
+                        <a:rPr sz="1100">
+                          <a:solidFill>
+                            <a:srgbClr val="404040"/>
+                          </a:solidFill>
+                          <a:latin typeface="Arial"/>
+                        </a:rPr>
+                        <a:t>Expand LlamaIndex in MENA and global portfolio companies.</a:t>
                       </a:r>
                     </a:p>
                   </a:txBody>
@@ -8782,29 +8782,6 @@
                           </a:solidFill>
                           <a:latin typeface="Arial"/>
                         </a:rPr>
-                        <a:t>N/A</a:t>
-                      </a:r>
-                    </a:p>
-                  </a:txBody>
-                  <a:tcPr marL="45720" marR="45720" marT="45720" marB="45720">
-                    <a:solidFill>
-                      <a:srgbClr val="FFFFFF"/>
-                    </a:solidFill>
-                  </a:tcPr>
-                </a:tc>
-                <a:tc>
-                  <a:txBody>
-                    <a:bodyPr wrap="square"/>
-                    <a:lstStyle/>
-                    <a:p>
-                      <a:pPr algn="l"/>
-                      <a:r>
-                        <a:rPr sz="1100">
-                          <a:solidFill>
-                            <a:srgbClr val="404040"/>
-                          </a:solidFill>
-                          <a:latin typeface="Arial"/>
-                        </a:rPr>
                         <a:t>Top global VC with deep SaaS/AI portfolio.</a:t>
                       </a:r>
                     </a:p>
@@ -8829,6 +8806,29 @@
                           <a:latin typeface="Arial"/>
                         </a:rPr>
                         <a:t>Invest in next-gen AI infra platforms with high ARR growth and global enterprise adoption.</a:t>
+                      </a:r>
+                    </a:p>
+                  </a:txBody>
+                  <a:tcPr marL="45720" marR="45720" marT="45720" marB="45720">
+                    <a:solidFill>
+                      <a:srgbClr val="FFFFFF"/>
+                    </a:solidFill>
+                  </a:tcPr>
+                </a:tc>
+                <a:tc>
+                  <a:txBody>
+                    <a:bodyPr wrap="square"/>
+                    <a:lstStyle/>
+                    <a:p>
+                      <a:pPr algn="l"/>
+                      <a:r>
+                        <a:rPr sz="1100">
+                          <a:solidFill>
+                            <a:srgbClr val="404040"/>
+                          </a:solidFill>
+                          <a:latin typeface="Arial"/>
+                        </a:rPr>
+                        <a:t>Accelerate go-to-market, leverage Sequoia's AI expertise.</a:t>
                       </a:r>
                     </a:p>
                   </a:txBody>
@@ -8899,29 +8899,6 @@
                           </a:solidFill>
                           <a:latin typeface="Arial"/>
                         </a:rPr>
-                        <a:t>N/A</a:t>
-                      </a:r>
-                    </a:p>
-                  </a:txBody>
-                  <a:tcPr marL="45720" marR="45720" marT="45720" marB="45720">
-                    <a:solidFill>
-                      <a:srgbClr val="F0F0F0"/>
-                    </a:solidFill>
-                  </a:tcPr>
-                </a:tc>
-                <a:tc>
-                  <a:txBody>
-                    <a:bodyPr wrap="square"/>
-                    <a:lstStyle/>
-                    <a:p>
-                      <a:pPr algn="l"/>
-                      <a:r>
-                        <a:rPr sz="1100">
-                          <a:solidFill>
-                            <a:srgbClr val="404040"/>
-                          </a:solidFill>
-                          <a:latin typeface="Arial"/>
-                        </a:rPr>
                         <a:t>Leading VC with strong AI and developer tool focus.</a:t>
                       </a:r>
                     </a:p>
@@ -8946,6 +8923,29 @@
                           <a:latin typeface="Arial"/>
                         </a:rPr>
                         <a:t>Back high-growth, open-source AI platforms shaping data-centric enterprise AI.</a:t>
+                      </a:r>
+                    </a:p>
+                  </a:txBody>
+                  <a:tcPr marL="45720" marR="45720" marT="45720" marB="45720">
+                    <a:solidFill>
+                      <a:srgbClr val="F0F0F0"/>
+                    </a:solidFill>
+                  </a:tcPr>
+                </a:tc>
+                <a:tc>
+                  <a:txBody>
+                    <a:bodyPr wrap="square"/>
+                    <a:lstStyle/>
+                    <a:p>
+                      <a:pPr algn="l"/>
+                      <a:r>
+                        <a:rPr sz="1100">
+                          <a:solidFill>
+                            <a:srgbClr val="404040"/>
+                          </a:solidFill>
+                          <a:latin typeface="Arial"/>
+                        </a:rPr>
+                        <a:t>Support ecosystem expansion and future funding.</a:t>
                       </a:r>
                     </a:p>
                   </a:txBody>
@@ -9016,29 +9016,6 @@
                           </a:solidFill>
                           <a:latin typeface="Arial"/>
                         </a:rPr>
-                        <a:t>N/A</a:t>
-                      </a:r>
-                    </a:p>
-                  </a:txBody>
-                  <a:tcPr marL="45720" marR="45720" marT="45720" marB="45720">
-                    <a:solidFill>
-                      <a:srgbClr val="FFFFFF"/>
-                    </a:solidFill>
-                  </a:tcPr>
-                </a:tc>
-                <a:tc>
-                  <a:txBody>
-                    <a:bodyPr wrap="square"/>
-                    <a:lstStyle/>
-                    <a:p>
-                      <a:pPr algn="l"/>
-                      <a:r>
-                        <a:rPr sz="1100">
-                          <a:solidFill>
-                            <a:srgbClr val="404040"/>
-                          </a:solidFill>
-                          <a:latin typeface="Arial"/>
-                        </a:rPr>
                         <a:t>Global tech investor in AI, cloud, and infrastructure.</a:t>
                       </a:r>
                     </a:p>
@@ -9063,6 +9040,29 @@
                           <a:latin typeface="Arial"/>
                         </a:rPr>
                         <a:t>Invest in differentiated AI infrastructure for next-gen enterprise digital transformation.</a:t>
+                      </a:r>
+                    </a:p>
+                  </a:txBody>
+                  <a:tcPr marL="45720" marR="45720" marT="45720" marB="45720">
+                    <a:solidFill>
+                      <a:srgbClr val="FFFFFF"/>
+                    </a:solidFill>
+                  </a:tcPr>
+                </a:tc>
+                <a:tc>
+                  <a:txBody>
+                    <a:bodyPr wrap="square"/>
+                    <a:lstStyle/>
+                    <a:p>
+                      <a:pPr algn="l"/>
+                      <a:r>
+                        <a:rPr sz="1100">
+                          <a:solidFill>
+                            <a:srgbClr val="404040"/>
+                          </a:solidFill>
+                          <a:latin typeface="Arial"/>
+                        </a:rPr>
+                        <a:t>Global expansion and enterprise client access.</a:t>
                       </a:r>
                     </a:p>
                   </a:txBody>
@@ -9133,29 +9133,6 @@
                           </a:solidFill>
                           <a:latin typeface="Arial"/>
                         </a:rPr>
-                        <a:t>N/A</a:t>
-                      </a:r>
-                    </a:p>
-                  </a:txBody>
-                  <a:tcPr marL="45720" marR="45720" marT="45720" marB="45720">
-                    <a:solidFill>
-                      <a:srgbClr val="F0F0F0"/>
-                    </a:solidFill>
-                  </a:tcPr>
-                </a:tc>
-                <a:tc>
-                  <a:txBody>
-                    <a:bodyPr wrap="square"/>
-                    <a:lstStyle/>
-                    <a:p>
-                      <a:pPr algn="l"/>
-                      <a:r>
-                        <a:rPr sz="1100">
-                          <a:solidFill>
-                            <a:srgbClr val="404040"/>
-                          </a:solidFill>
-                          <a:latin typeface="Arial"/>
-                        </a:rPr>
                         <a:t>Venture fund with focus on deep tech and AI.</a:t>
                       </a:r>
                     </a:p>
@@ -9202,6 +9179,29 @@
                           </a:solidFill>
                           <a:latin typeface="Arial"/>
                         </a:rPr>
+                        <a:t>Technical expertise and founder support.</a:t>
+                      </a:r>
+                    </a:p>
+                  </a:txBody>
+                  <a:tcPr marL="45720" marR="45720" marT="45720" marB="45720">
+                    <a:solidFill>
+                      <a:srgbClr val="F0F0F0"/>
+                    </a:solidFill>
+                  </a:tcPr>
+                </a:tc>
+                <a:tc>
+                  <a:txBody>
+                    <a:bodyPr wrap="square"/>
+                    <a:lstStyle/>
+                    <a:p>
+                      <a:pPr algn="l"/>
+                      <a:r>
+                        <a:rPr sz="1100">
+                          <a:solidFill>
+                            <a:srgbClr val="404040"/>
+                          </a:solidFill>
+                          <a:latin typeface="Arial"/>
+                        </a:rPr>
                         <a:t>Medium (7/10) - Deep tech focus</a:t>
                       </a:r>
                     </a:p>
@@ -11645,7 +11645,7 @@
         </p:nvSpPr>
         <p:spPr>
           <a:xfrm>
-            <a:off x="640080" y="1645920"/>
+            <a:off x="640080" y="1737360"/>
             <a:ext cx="274320" cy="274320"/>
           </a:xfrm>
           <a:prstGeom prst="ellipse">
@@ -11688,7 +11688,7 @@
         </p:nvSpPr>
         <p:spPr>
           <a:xfrm>
-            <a:off x="640080" y="1645920"/>
+            <a:off x="640080" y="1737360"/>
             <a:ext cx="274320" cy="274320"/>
           </a:xfrm>
           <a:prstGeom prst="rect">
@@ -11724,8 +11724,8 @@
         </p:nvSpPr>
         <p:spPr>
           <a:xfrm>
-            <a:off x="1005840" y="1485900"/>
-            <a:ext cx="4754880" cy="594360"/>
+            <a:off x="1005840" y="1554480"/>
+            <a:ext cx="4754880" cy="731520"/>
           </a:xfrm>
           <a:prstGeom prst="rect">
             <a:avLst/>
@@ -11760,7 +11760,7 @@
         </p:nvSpPr>
         <p:spPr>
           <a:xfrm>
-            <a:off x="6126480" y="1645920"/>
+            <a:off x="6126480" y="1737360"/>
             <a:ext cx="274320" cy="274320"/>
           </a:xfrm>
           <a:prstGeom prst="ellipse">
@@ -11803,7 +11803,7 @@
         </p:nvSpPr>
         <p:spPr>
           <a:xfrm>
-            <a:off x="6126480" y="1645920"/>
+            <a:off x="6126480" y="1737360"/>
             <a:ext cx="274320" cy="274320"/>
           </a:xfrm>
           <a:prstGeom prst="rect">
@@ -11839,8 +11839,8 @@
         </p:nvSpPr>
         <p:spPr>
           <a:xfrm>
-            <a:off x="6492240" y="1485900"/>
-            <a:ext cx="5212080" cy="594360"/>
+            <a:off x="6492240" y="1554480"/>
+            <a:ext cx="5212080" cy="731520"/>
           </a:xfrm>
           <a:prstGeom prst="rect">
             <a:avLst/>
@@ -11875,7 +11875,7 @@
         </p:nvSpPr>
         <p:spPr>
           <a:xfrm>
-            <a:off x="640080" y="2331720"/>
+            <a:off x="640080" y="2743200"/>
             <a:ext cx="274320" cy="274320"/>
           </a:xfrm>
           <a:prstGeom prst="ellipse">
@@ -11918,7 +11918,7 @@
         </p:nvSpPr>
         <p:spPr>
           <a:xfrm>
-            <a:off x="640080" y="2331720"/>
+            <a:off x="640080" y="2743200"/>
             <a:ext cx="274320" cy="274320"/>
           </a:xfrm>
           <a:prstGeom prst="rect">
@@ -11954,8 +11954,8 @@
         </p:nvSpPr>
         <p:spPr>
           <a:xfrm>
-            <a:off x="1005840" y="2171700"/>
-            <a:ext cx="4754880" cy="594360"/>
+            <a:off x="1005840" y="2560320"/>
+            <a:ext cx="4754880" cy="731520"/>
           </a:xfrm>
           <a:prstGeom prst="rect">
             <a:avLst/>
@@ -11990,7 +11990,7 @@
         </p:nvSpPr>
         <p:spPr>
           <a:xfrm>
-            <a:off x="6126480" y="2331720"/>
+            <a:off x="6126480" y="2743200"/>
             <a:ext cx="274320" cy="274320"/>
           </a:xfrm>
           <a:prstGeom prst="ellipse">
@@ -12033,7 +12033,7 @@
         </p:nvSpPr>
         <p:spPr>
           <a:xfrm>
-            <a:off x="6126480" y="2331720"/>
+            <a:off x="6126480" y="2743200"/>
             <a:ext cx="274320" cy="274320"/>
           </a:xfrm>
           <a:prstGeom prst="rect">
@@ -12069,8 +12069,8 @@
         </p:nvSpPr>
         <p:spPr>
           <a:xfrm>
-            <a:off x="6492240" y="2171700"/>
-            <a:ext cx="5212080" cy="594360"/>
+            <a:off x="6492240" y="2560320"/>
+            <a:ext cx="5212080" cy="731520"/>
           </a:xfrm>
           <a:prstGeom prst="rect">
             <a:avLst/>
@@ -12105,7 +12105,7 @@
         </p:nvSpPr>
         <p:spPr>
           <a:xfrm>
-            <a:off x="640080" y="3017520"/>
+            <a:off x="640080" y="3749039"/>
             <a:ext cx="274320" cy="274320"/>
           </a:xfrm>
           <a:prstGeom prst="ellipse">
@@ -12148,7 +12148,7 @@
         </p:nvSpPr>
         <p:spPr>
           <a:xfrm>
-            <a:off x="640080" y="3017520"/>
+            <a:off x="640080" y="3749039"/>
             <a:ext cx="274320" cy="274320"/>
           </a:xfrm>
           <a:prstGeom prst="rect">
@@ -12184,8 +12184,8 @@
         </p:nvSpPr>
         <p:spPr>
           <a:xfrm>
-            <a:off x="1005840" y="2857500"/>
-            <a:ext cx="4754880" cy="594360"/>
+            <a:off x="1005840" y="3566159"/>
+            <a:ext cx="4754880" cy="731520"/>
           </a:xfrm>
           <a:prstGeom prst="rect">
             <a:avLst/>
@@ -12220,7 +12220,7 @@
         </p:nvSpPr>
         <p:spPr>
           <a:xfrm>
-            <a:off x="6126480" y="3017520"/>
+            <a:off x="6126480" y="3749039"/>
             <a:ext cx="274320" cy="274320"/>
           </a:xfrm>
           <a:prstGeom prst="ellipse">
@@ -12263,7 +12263,7 @@
         </p:nvSpPr>
         <p:spPr>
           <a:xfrm>
-            <a:off x="6126480" y="3017520"/>
+            <a:off x="6126480" y="3749039"/>
             <a:ext cx="274320" cy="274320"/>
           </a:xfrm>
           <a:prstGeom prst="rect">
@@ -12299,8 +12299,8 @@
         </p:nvSpPr>
         <p:spPr>
           <a:xfrm>
-            <a:off x="6492240" y="2857500"/>
-            <a:ext cx="5212080" cy="594360"/>
+            <a:off x="6492240" y="3566159"/>
+            <a:ext cx="5212080" cy="731520"/>
           </a:xfrm>
           <a:prstGeom prst="rect">
             <a:avLst/>
@@ -12335,7 +12335,7 @@
         </p:nvSpPr>
         <p:spPr>
           <a:xfrm>
-            <a:off x="640080" y="3703320"/>
+            <a:off x="640080" y="4754880"/>
             <a:ext cx="274320" cy="274320"/>
           </a:xfrm>
           <a:prstGeom prst="ellipse">
@@ -12378,7 +12378,7 @@
         </p:nvSpPr>
         <p:spPr>
           <a:xfrm>
-            <a:off x="640080" y="3703320"/>
+            <a:off x="640080" y="4754880"/>
             <a:ext cx="274320" cy="274320"/>
           </a:xfrm>
           <a:prstGeom prst="rect">
@@ -12414,8 +12414,8 @@
         </p:nvSpPr>
         <p:spPr>
           <a:xfrm>
-            <a:off x="1005840" y="3543300"/>
-            <a:ext cx="4754880" cy="594360"/>
+            <a:off x="1005840" y="4572000"/>
+            <a:ext cx="4754880" cy="731520"/>
           </a:xfrm>
           <a:prstGeom prst="rect">
             <a:avLst/>
@@ -12450,7 +12450,7 @@
         </p:nvSpPr>
         <p:spPr>
           <a:xfrm>
-            <a:off x="6126480" y="3703320"/>
+            <a:off x="6126480" y="4754880"/>
             <a:ext cx="274320" cy="274320"/>
           </a:xfrm>
           <a:prstGeom prst="ellipse">
@@ -12493,7 +12493,7 @@
         </p:nvSpPr>
         <p:spPr>
           <a:xfrm>
-            <a:off x="6126480" y="3703320"/>
+            <a:off x="6126480" y="4754880"/>
             <a:ext cx="274320" cy="274320"/>
           </a:xfrm>
           <a:prstGeom prst="rect">
@@ -12529,8 +12529,8 @@
         </p:nvSpPr>
         <p:spPr>
           <a:xfrm>
-            <a:off x="6492240" y="3543300"/>
-            <a:ext cx="5212080" cy="594360"/>
+            <a:off x="6492240" y="4572000"/>
+            <a:ext cx="5212080" cy="731520"/>
           </a:xfrm>
           <a:prstGeom prst="rect">
             <a:avLst/>
@@ -14498,7 +14498,7 @@
                 </a:solidFill>
                 <a:latin typeface="Arial"/>
               </a:rPr>
-              <a:t>Key Metric 1</a:t>
+              <a:t>Revenue CAGR</a:t>
             </a:r>
           </a:p>
         </p:txBody>
@@ -14576,7 +14576,7 @@
                 </a:solidFill>
                 <a:latin typeface="Arial"/>
               </a:rPr>
-              <a:t>(Historical)</a:t>
+              <a:t>(2020-2024E)</a:t>
             </a:r>
           </a:p>
         </p:txBody>
@@ -14608,6 +14608,15 @@
           <a:lstStyle/>
           <a:p>
             <a:pPr algn="l"/>
+            <a:r>
+              <a:rPr sz="800" b="0">
+                <a:solidFill>
+                  <a:srgbClr val="228B22"/>
+                </a:solidFill>
+                <a:latin typeface="Arial"/>
+              </a:rPr>
+              <a:t>High growth trajectory</a:t>
+            </a:r>
           </a:p>
         </p:txBody>
       </p:sp>
@@ -14689,7 +14698,7 @@
                 </a:solidFill>
                 <a:latin typeface="Arial"/>
               </a:rPr>
-              <a:t>Key Metric 2</a:t>
+              <a:t>2024E Revenue</a:t>
             </a:r>
           </a:p>
         </p:txBody>
@@ -14728,7 +14737,7 @@
                 </a:solidFill>
                 <a:latin typeface="Arial"/>
               </a:rPr>
-              <a:t>38.0</a:t>
+              <a:t>$38.0M</a:t>
             </a:r>
           </a:p>
         </p:txBody>
@@ -14767,7 +14776,7 @@
                 </a:solidFill>
                 <a:latin typeface="Arial"/>
               </a:rPr>
-              <a:t>(Historical)</a:t>
+              <a:t>USD (Est.)</a:t>
             </a:r>
           </a:p>
         </p:txBody>
@@ -14799,6 +14808,15 @@
           <a:lstStyle/>
           <a:p>
             <a:pPr algn="l"/>
+            <a:r>
+              <a:rPr sz="800" b="0">
+                <a:solidFill>
+                  <a:srgbClr val="228B22"/>
+                </a:solidFill>
+                <a:latin typeface="Arial"/>
+              </a:rPr>
+              <a:t>Strong scaling momentum</a:t>
+            </a:r>
           </a:p>
         </p:txBody>
       </p:sp>
@@ -14880,7 +14898,7 @@
                 </a:solidFill>
                 <a:latin typeface="Arial"/>
               </a:rPr>
-              <a:t>Key Metric 3</a:t>
+              <a:t>2024E EBITDA</a:t>
             </a:r>
           </a:p>
         </p:txBody>
@@ -14919,7 +14937,7 @@
                 </a:solidFill>
                 <a:latin typeface="Arial"/>
               </a:rPr>
-              <a:t>5.7</a:t>
+              <a:t>$5.7M</a:t>
             </a:r>
           </a:p>
         </p:txBody>
@@ -14958,7 +14976,7 @@
                 </a:solidFill>
                 <a:latin typeface="Arial"/>
               </a:rPr>
-              <a:t>(Historical)</a:t>
+              <a:t>USD (Est.)</a:t>
             </a:r>
           </a:p>
         </p:txBody>
@@ -14990,6 +15008,15 @@
           <a:lstStyle/>
           <a:p>
             <a:pPr algn="l"/>
+            <a:r>
+              <a:rPr sz="800" b="0">
+                <a:solidFill>
+                  <a:srgbClr val="228B22"/>
+                </a:solidFill>
+                <a:latin typeface="Arial"/>
+              </a:rPr>
+              <a:t>Achieving profitability</a:t>
+            </a:r>
           </a:p>
         </p:txBody>
       </p:sp>
@@ -15071,7 +15098,7 @@
                 </a:solidFill>
                 <a:latin typeface="Arial"/>
               </a:rPr>
-              <a:t>Key Metric 4</a:t>
+              <a:t>Enterprise Clients</a:t>
             </a:r>
           </a:p>
         </p:txBody>
@@ -15110,7 +15137,7 @@
                 </a:solidFill>
                 <a:latin typeface="Arial"/>
               </a:rPr>
-              <a:t>300</a:t>
+              <a:t>300+</a:t>
             </a:r>
           </a:p>
         </p:txBody>
@@ -15149,7 +15176,7 @@
                 </a:solidFill>
                 <a:latin typeface="Arial"/>
               </a:rPr>
-              <a:t>(Historical)</a:t>
+              <a:t>(Current)</a:t>
             </a:r>
           </a:p>
         </p:txBody>
@@ -15181,6 +15208,15 @@
           <a:lstStyle/>
           <a:p>
             <a:pPr algn="l"/>
+            <a:r>
+              <a:rPr sz="800" b="0">
+                <a:solidFill>
+                  <a:srgbClr val="228B22"/>
+                </a:solidFill>
+                <a:latin typeface="Arial"/>
+              </a:rPr>
+              <a:t>Fortune 500 adoption</a:t>
+            </a:r>
           </a:p>
         </p:txBody>
       </p:sp>
@@ -15667,6 +15703,10 @@
               </a:defRPr>
             </a:pPr>
             <a:r>
+              <a:t>Jerry Liu</a:t>
+            </a:r>
+            <a:br/>
+            <a:r>
               <a:t>Chief Executive Officer (CEO)</a:t>
             </a:r>
           </a:p>
@@ -15888,6 +15928,10 @@
               </a:defRPr>
             </a:pPr>
             <a:r>
+              <a:t>Simon Suo</a:t>
+            </a:r>
+            <a:br/>
+            <a:r>
               <a:t>Chief Technology Officer (CTO)</a:t>
             </a:r>
           </a:p>
@@ -16109,6 +16153,10 @@
               </a:defRPr>
             </a:pPr>
             <a:r>
+              <a:t>Andrei Fajardo</a:t>
+            </a:r>
+            <a:br/>
+            <a:r>
               <a:t>Founding Account Executive</a:t>
             </a:r>
           </a:p>
@@ -16329,6 +16377,10 @@
                 <a:latin typeface="Arial"/>
               </a:defRPr>
             </a:pPr>
+            <a:r>
+              <a:t>Logan Markewich</a:t>
+            </a:r>
+            <a:br/>
             <a:r>
               <a:t>Founding AI Engineer, Customer Facing</a:t>
             </a:r>
@@ -18066,7 +18118,7 @@
                 <a:gridCol w="822960"/>
                 <a:gridCol w="731520"/>
               </a:tblGrid>
-              <a:tr h="274320">
+              <a:tr h="228600">
                 <a:tc>
                   <a:txBody>
                     <a:bodyPr/>
@@ -18080,7 +18132,7 @@
                           </a:solidFill>
                           <a:latin typeface="Arial"/>
                         </a:rPr>
-                        <a:t>Provider</a:t>
+                        <a:t>Company</a:t>
                       </a:r>
                     </a:p>
                   </a:txBody>
@@ -18103,7 +18155,7 @@
                           </a:solidFill>
                           <a:latin typeface="Arial"/>
                         </a:rPr>
-                        <a:t>Scale</a:t>
+                        <a:t>Market Focus</a:t>
                       </a:r>
                     </a:p>
                   </a:txBody>
@@ -18126,7 +18178,7 @@
                           </a:solidFill>
                           <a:latin typeface="Arial"/>
                         </a:rPr>
-                        <a:t>Quality</a:t>
+                        <a:t>Connectors/Indexing</a:t>
                       </a:r>
                     </a:p>
                   </a:txBody>
@@ -18149,7 +18201,7 @@
                           </a:solidFill>
                           <a:latin typeface="Arial"/>
                         </a:rPr>
-                        <a:t>Innovation</a:t>
+                        <a:t>Enterprise Adoption</a:t>
                       </a:r>
                     </a:p>
                   </a:txBody>
@@ -18172,7 +18224,7 @@
                           </a:solidFill>
                           <a:latin typeface="Arial"/>
                         </a:rPr>
-                        <a:t>Distribution</a:t>
+                        <a:t>Factuality/Traceability</a:t>
                       </a:r>
                     </a:p>
                   </a:txBody>
@@ -18183,7 +18235,7 @@
                   </a:tcPr>
                 </a:tc>
               </a:tr>
-              <a:tr h="274320">
+              <a:tr h="228600">
                 <a:tc>
                   <a:txBody>
                     <a:bodyPr/>
@@ -18197,7 +18249,7 @@
                           </a:solidFill>
                           <a:latin typeface="Arial"/>
                         </a:rPr>
-                        <a:t>Breadlife</a:t>
+                        <a:t>LlamaIndex</a:t>
                       </a:r>
                     </a:p>
                   </a:txBody>
@@ -18220,7 +18272,7 @@
                           </a:solidFill>
                           <a:latin typeface="Arial"/>
                         </a:rPr>
-                        <a:t>●●●●</a:t>
+                        <a:t>⭐⭐⭐⭐⭐</a:t>
                       </a:r>
                     </a:p>
                   </a:txBody>
@@ -18243,7 +18295,7 @@
                           </a:solidFill>
                           <a:latin typeface="Arial"/>
                         </a:rPr>
-                        <a:t>●●●●●</a:t>
+                        <a:t>⭐⭐⭐⭐⭐</a:t>
                       </a:r>
                     </a:p>
                   </a:txBody>
@@ -18266,7 +18318,7 @@
                           </a:solidFill>
                           <a:latin typeface="Arial"/>
                         </a:rPr>
-                        <a:t>●●●●●</a:t>
+                        <a:t>⭐⭐⭐⭐</a:t>
                       </a:r>
                     </a:p>
                   </a:txBody>
@@ -18289,7 +18341,7 @@
                           </a:solidFill>
                           <a:latin typeface="Arial"/>
                         </a:rPr>
-                        <a:t>●●●●</a:t>
+                        <a:t>⭐⭐⭐⭐⭐</a:t>
                       </a:r>
                     </a:p>
                   </a:txBody>
@@ -18300,7 +18352,7 @@
                   </a:tcPr>
                 </a:tc>
               </a:tr>
-              <a:tr h="274320">
+              <a:tr h="228600">
                 <a:tc>
                   <a:txBody>
                     <a:bodyPr/>
@@ -18314,7 +18366,7 @@
                           </a:solidFill>
                           <a:latin typeface="Arial"/>
                         </a:rPr>
-                        <a:t>Sari Roti</a:t>
+                        <a:t>LangChain</a:t>
                       </a:r>
                     </a:p>
                   </a:txBody>
@@ -18337,7 +18389,7 @@
                           </a:solidFill>
                           <a:latin typeface="Arial"/>
                         </a:rPr>
-                        <a:t>●●●●●</a:t>
+                        <a:t>⭐⭐⭐⭐</a:t>
                       </a:r>
                     </a:p>
                   </a:txBody>
@@ -18360,7 +18412,7 @@
                           </a:solidFill>
                           <a:latin typeface="Arial"/>
                         </a:rPr>
-                        <a:t>●●●●</a:t>
+                        <a:t>⭐⭐⭐⭐</a:t>
                       </a:r>
                     </a:p>
                   </a:txBody>
@@ -18383,7 +18435,7 @@
                           </a:solidFill>
                           <a:latin typeface="Arial"/>
                         </a:rPr>
-                        <a:t>●●●</a:t>
+                        <a:t>⭐⭐⭐⭐</a:t>
                       </a:r>
                     </a:p>
                   </a:txBody>
@@ -18406,7 +18458,7 @@
                           </a:solidFill>
                           <a:latin typeface="Arial"/>
                         </a:rPr>
-                        <a:t>●●●●●</a:t>
+                        <a:t>⭐⭐⭐⭐</a:t>
                       </a:r>
                     </a:p>
                   </a:txBody>
@@ -18417,7 +18469,7 @@
                   </a:tcPr>
                 </a:tc>
               </a:tr>
-              <a:tr h="274320">
+              <a:tr h="228600">
                 <a:tc>
                   <a:txBody>
                     <a:bodyPr/>
@@ -18431,7 +18483,7 @@
                           </a:solidFill>
                           <a:latin typeface="Arial"/>
                         </a:rPr>
-                        <a:t>Holland Bakery</a:t>
+                        <a:t>CrewAI</a:t>
                       </a:r>
                     </a:p>
                   </a:txBody>
@@ -18450,7 +18502,7 @@
                           </a:solidFill>
                           <a:latin typeface="Arial"/>
                         </a:rPr>
-                        <a:t>●●●</a:t>
+                        <a:t>⭐⭐⭐</a:t>
                       </a:r>
                     </a:p>
                   </a:txBody>
@@ -18469,7 +18521,7 @@
                           </a:solidFill>
                           <a:latin typeface="Arial"/>
                         </a:rPr>
-                        <a:t>●●●●</a:t>
+                        <a:t>⭐⭐⭐</a:t>
                       </a:r>
                     </a:p>
                   </a:txBody>
@@ -18488,7 +18540,7 @@
                           </a:solidFill>
                           <a:latin typeface="Arial"/>
                         </a:rPr>
-                        <a:t>●●●●</a:t>
+                        <a:t>⭐⭐</a:t>
                       </a:r>
                     </a:p>
                   </a:txBody>
@@ -18507,14 +18559,14 @@
                           </a:solidFill>
                           <a:latin typeface="Arial"/>
                         </a:rPr>
-                        <a:t>●●●</a:t>
+                        <a:t>⭐⭐⭐</a:t>
                       </a:r>
                     </a:p>
                   </a:txBody>
                   <a:tcPr marL="45720" marR="45720" marT="45720" marB="45720"/>
                 </a:tc>
               </a:tr>
-              <a:tr h="274320">
+              <a:tr h="228600">
                 <a:tc>
                   <a:txBody>
                     <a:bodyPr/>
@@ -18528,7 +18580,7 @@
                           </a:solidFill>
                           <a:latin typeface="Arial"/>
                         </a:rPr>
-                        <a:t>BreadTalk</a:t>
+                        <a:t>OpenAI API</a:t>
                       </a:r>
                     </a:p>
                   </a:txBody>
@@ -18551,7 +18603,7 @@
                           </a:solidFill>
                           <a:latin typeface="Arial"/>
                         </a:rPr>
-                        <a:t>●●</a:t>
+                        <a:t>⭐⭐⭐⭐</a:t>
                       </a:r>
                     </a:p>
                   </a:txBody>
@@ -18574,7 +18626,7 @@
                           </a:solidFill>
                           <a:latin typeface="Arial"/>
                         </a:rPr>
-                        <a:t>●●●</a:t>
+                        <a:t>⭐⭐</a:t>
                       </a:r>
                     </a:p>
                   </a:txBody>
@@ -18597,7 +18649,7 @@
                           </a:solidFill>
                           <a:latin typeface="Arial"/>
                         </a:rPr>
-                        <a:t>●●</a:t>
+                        <a:t>⭐⭐⭐⭐</a:t>
                       </a:r>
                     </a:p>
                   </a:txBody>
@@ -18620,7 +18672,7 @@
                           </a:solidFill>
                           <a:latin typeface="Arial"/>
                         </a:rPr>
-                        <a:t>●●</a:t>
+                        <a:t>⭐⭐⭐⭐</a:t>
                       </a:r>
                     </a:p>
                   </a:txBody>
@@ -18629,6 +18681,103 @@
                       <a:srgbClr val="F0F0F0"/>
                     </a:solidFill>
                   </a:tcPr>
+                </a:tc>
+              </a:tr>
+              <a:tr h="228600">
+                <a:tc>
+                  <a:txBody>
+                    <a:bodyPr/>
+                    <a:lstStyle/>
+                    <a:p>
+                      <a:pPr algn="ctr"/>
+                      <a:r>
+                        <a:rPr sz="800">
+                          <a:solidFill>
+                            <a:srgbClr val="404040"/>
+                          </a:solidFill>
+                          <a:latin typeface="Arial"/>
+                        </a:rPr>
+                        <a:t>Haystack</a:t>
+                      </a:r>
+                    </a:p>
+                  </a:txBody>
+                  <a:tcPr marL="45720" marR="45720" marT="45720" marB="45720"/>
+                </a:tc>
+                <a:tc>
+                  <a:txBody>
+                    <a:bodyPr/>
+                    <a:lstStyle/>
+                    <a:p>
+                      <a:pPr algn="ctr"/>
+                      <a:r>
+                        <a:rPr sz="800">
+                          <a:solidFill>
+                            <a:srgbClr val="404040"/>
+                          </a:solidFill>
+                          <a:latin typeface="Arial"/>
+                        </a:rPr>
+                        <a:t>⭐⭐⭐⭐</a:t>
+                      </a:r>
+                    </a:p>
+                  </a:txBody>
+                  <a:tcPr marL="45720" marR="45720" marT="45720" marB="45720"/>
+                </a:tc>
+                <a:tc>
+                  <a:txBody>
+                    <a:bodyPr/>
+                    <a:lstStyle/>
+                    <a:p>
+                      <a:pPr algn="ctr"/>
+                      <a:r>
+                        <a:rPr sz="800">
+                          <a:solidFill>
+                            <a:srgbClr val="404040"/>
+                          </a:solidFill>
+                          <a:latin typeface="Arial"/>
+                        </a:rPr>
+                        <a:t>⭐⭐⭐⭐</a:t>
+                      </a:r>
+                    </a:p>
+                  </a:txBody>
+                  <a:tcPr marL="45720" marR="45720" marT="45720" marB="45720"/>
+                </a:tc>
+                <a:tc>
+                  <a:txBody>
+                    <a:bodyPr/>
+                    <a:lstStyle/>
+                    <a:p>
+                      <a:pPr algn="ctr"/>
+                      <a:r>
+                        <a:rPr sz="800">
+                          <a:solidFill>
+                            <a:srgbClr val="404040"/>
+                          </a:solidFill>
+                          <a:latin typeface="Arial"/>
+                        </a:rPr>
+                        <a:t>⭐⭐⭐</a:t>
+                      </a:r>
+                    </a:p>
+                  </a:txBody>
+                  <a:tcPr marL="45720" marR="45720" marT="45720" marB="45720"/>
+                </a:tc>
+                <a:tc>
+                  <a:txBody>
+                    <a:bodyPr/>
+                    <a:lstStyle/>
+                    <a:p>
+                      <a:pPr algn="ctr"/>
+                      <a:r>
+                        <a:rPr sz="800">
+                          <a:solidFill>
+                            <a:srgbClr val="404040"/>
+                          </a:solidFill>
+                          <a:latin typeface="Arial"/>
+                        </a:rPr>
+                        <a:t>⭐⭐⭐⭐</a:t>
+                      </a:r>
+                    </a:p>
+                  </a:txBody>
+                  <a:tcPr marL="45720" marR="45720" marT="45720" marB="45720"/>
                 </a:tc>
               </a:tr>
             </a:tbl>
@@ -20196,8 +20345,8 @@
         </p:nvSpPr>
         <p:spPr>
           <a:xfrm>
-            <a:off x="1645920" y="-17099280"/>
-            <a:ext cx="1645920" cy="20574000"/>
+            <a:off x="1645920" y="2103120"/>
+            <a:ext cx="1645920" cy="1371600"/>
           </a:xfrm>
           <a:prstGeom prst="rect">
             <a:avLst/>
@@ -20239,7 +20388,7 @@
         </p:nvSpPr>
         <p:spPr>
           <a:xfrm>
-            <a:off x="1645920" y="-17327880"/>
+            <a:off x="1645920" y="1874520"/>
             <a:ext cx="1645920" cy="182880"/>
           </a:xfrm>
           <a:prstGeom prst="rect">
@@ -20305,8 +20454,8 @@
         </p:nvSpPr>
         <p:spPr>
           <a:xfrm>
-            <a:off x="3383280" y="-9281160"/>
-            <a:ext cx="1645920" cy="12755880"/>
+            <a:off x="3383280" y="2624328"/>
+            <a:ext cx="1645920" cy="850392"/>
           </a:xfrm>
           <a:prstGeom prst="rect">
             <a:avLst/>
@@ -20348,7 +20497,7 @@
         </p:nvSpPr>
         <p:spPr>
           <a:xfrm>
-            <a:off x="3383280" y="-9509760"/>
+            <a:off x="3383280" y="2395728"/>
             <a:ext cx="1645920" cy="182880"/>
           </a:xfrm>
           <a:prstGeom prst="rect">
@@ -20414,8 +20563,8 @@
         </p:nvSpPr>
         <p:spPr>
           <a:xfrm>
-            <a:off x="5120640" y="-8046720"/>
-            <a:ext cx="1645920" cy="11521440"/>
+            <a:off x="5120640" y="2706624"/>
+            <a:ext cx="1645920" cy="768096"/>
           </a:xfrm>
           <a:prstGeom prst="rect">
             <a:avLst/>
@@ -20457,7 +20606,7 @@
         </p:nvSpPr>
         <p:spPr>
           <a:xfrm>
-            <a:off x="5120640" y="-8275320"/>
+            <a:off x="5120640" y="2478024"/>
             <a:ext cx="1645920" cy="182880"/>
           </a:xfrm>
           <a:prstGeom prst="rect">
@@ -20523,8 +20672,8 @@
         </p:nvSpPr>
         <p:spPr>
           <a:xfrm>
-            <a:off x="6858000" y="-6812280"/>
-            <a:ext cx="1645920" cy="10287000"/>
+            <a:off x="6858000" y="2788920"/>
+            <a:ext cx="1645920" cy="685800"/>
           </a:xfrm>
           <a:prstGeom prst="rect">
             <a:avLst/>
@@ -20566,7 +20715,7 @@
         </p:nvSpPr>
         <p:spPr>
           <a:xfrm>
-            <a:off x="6858000" y="-7040880"/>
+            <a:off x="6858000" y="2560320"/>
             <a:ext cx="1645920" cy="182880"/>
           </a:xfrm>
           <a:prstGeom prst="rect">
@@ -20632,8 +20781,8 @@
         </p:nvSpPr>
         <p:spPr>
           <a:xfrm>
-            <a:off x="8595360" y="-4754880"/>
-            <a:ext cx="1645920" cy="8229600"/>
+            <a:off x="8595360" y="2926080"/>
+            <a:ext cx="1645920" cy="548640"/>
           </a:xfrm>
           <a:prstGeom prst="rect">
             <a:avLst/>
@@ -20675,7 +20824,7 @@
         </p:nvSpPr>
         <p:spPr>
           <a:xfrm>
-            <a:off x="8595360" y="-4983480"/>
+            <a:off x="8595360" y="2697480"/>
             <a:ext cx="1645920" cy="182880"/>
           </a:xfrm>
           <a:prstGeom prst="rect">
@@ -20743,7 +20892,7 @@
         </p:nvGraphicFramePr>
         <p:xfrm>
           <a:off x="365760" y="4389120"/>
-          <a:ext cx="1188720" cy="1920240"/>
+          <a:ext cx="1188720" cy="2048256"/>
         </p:xfrm>
         <a:graphic>
           <a:graphicData uri="http://schemas.openxmlformats.org/drawingml/2006/table">
@@ -20754,7 +20903,7 @@
               <a:tblGrid>
                 <a:gridCol w="1188720"/>
               </a:tblGrid>
-              <a:tr h="274320">
+              <a:tr h="292608">
                 <a:tc>
                   <a:txBody>
                     <a:bodyPr/>
@@ -20780,7 +20929,7 @@
                   </a:tcPr>
                 </a:tc>
               </a:tr>
-              <a:tr h="274320">
+              <a:tr h="292608">
                 <a:tc>
                   <a:txBody>
                     <a:bodyPr/>
@@ -20806,7 +20955,7 @@
                   </a:tcPr>
                 </a:tc>
               </a:tr>
-              <a:tr h="274320">
+              <a:tr h="292608">
                 <a:tc>
                   <a:txBody>
                     <a:bodyPr/>
@@ -20832,7 +20981,7 @@
                   </a:tcPr>
                 </a:tc>
               </a:tr>
-              <a:tr h="274320">
+              <a:tr h="292608">
                 <a:tc>
                   <a:txBody>
                     <a:bodyPr/>
@@ -20858,7 +21007,7 @@
                   </a:tcPr>
                 </a:tc>
               </a:tr>
-              <a:tr h="274320">
+              <a:tr h="292608">
                 <a:tc>
                   <a:txBody>
                     <a:bodyPr/>
@@ -20884,7 +21033,7 @@
                   </a:tcPr>
                 </a:tc>
               </a:tr>
-              <a:tr h="274320">
+              <a:tr h="292608">
                 <a:tc>
                   <a:txBody>
                     <a:bodyPr/>
@@ -20910,7 +21059,7 @@
                   </a:tcPr>
                 </a:tc>
               </a:tr>
-              <a:tr h="274320">
+              <a:tr h="292608">
                 <a:tc>
                   <a:txBody>
                     <a:bodyPr/>
@@ -20950,7 +21099,7 @@
         </p:nvGraphicFramePr>
         <p:xfrm>
           <a:off x="1600200" y="4389120"/>
-          <a:ext cx="8686800" cy="1920240"/>
+          <a:ext cx="8686800" cy="2048256"/>
         </p:xfrm>
         <a:graphic>
           <a:graphicData uri="http://schemas.openxmlformats.org/drawingml/2006/table">
@@ -20965,14 +21114,14 @@
                 <a:gridCol w="1737360"/>
                 <a:gridCol w="1737360"/>
               </a:tblGrid>
-              <a:tr h="274320">
+              <a:tr h="292608">
                 <a:tc>
                   <a:txBody>
                     <a:bodyPr/>
                     <a:lstStyle/>
                     <a:p>
                       <a:pPr algn="ctr">
-                        <a:defRPr sz="900">
+                        <a:defRPr sz="1000">
                           <a:solidFill>
                             <a:srgbClr val="404040"/>
                           </a:solidFill>
@@ -20984,7 +21133,7 @@
                       </a:r>
                     </a:p>
                   </a:txBody>
-                  <a:tcPr anchor="ctr">
+                  <a:tcPr anchor="ctr" marL="45720" marR="45720" marT="27432" marB="27432">
                     <a:solidFill>
                       <a:srgbClr val="FFFFFF"/>
                     </a:solidFill>
@@ -20996,7 +21145,7 @@
                     <a:lstStyle/>
                     <a:p>
                       <a:pPr algn="ctr">
-                        <a:defRPr sz="900">
+                        <a:defRPr sz="1000">
                           <a:solidFill>
                             <a:srgbClr val="404040"/>
                           </a:solidFill>
@@ -21008,7 +21157,7 @@
                       </a:r>
                     </a:p>
                   </a:txBody>
-                  <a:tcPr anchor="ctr">
+                  <a:tcPr anchor="ctr" marL="45720" marR="45720" marT="27432" marB="27432">
                     <a:solidFill>
                       <a:srgbClr val="FFFFFF"/>
                     </a:solidFill>
@@ -21020,7 +21169,7 @@
                     <a:lstStyle/>
                     <a:p>
                       <a:pPr algn="ctr">
-                        <a:defRPr sz="900">
+                        <a:defRPr sz="1000">
                           <a:solidFill>
                             <a:srgbClr val="404040"/>
                           </a:solidFill>
@@ -21032,7 +21181,7 @@
                       </a:r>
                     </a:p>
                   </a:txBody>
-                  <a:tcPr anchor="ctr">
+                  <a:tcPr anchor="ctr" marL="45720" marR="45720" marT="27432" marB="27432">
                     <a:solidFill>
                       <a:srgbClr val="FFFFFF"/>
                     </a:solidFill>
@@ -21044,7 +21193,7 @@
                     <a:lstStyle/>
                     <a:p>
                       <a:pPr algn="ctr">
-                        <a:defRPr sz="900">
+                        <a:defRPr sz="1000">
                           <a:solidFill>
                             <a:srgbClr val="404040"/>
                           </a:solidFill>
@@ -21056,7 +21205,7 @@
                       </a:r>
                     </a:p>
                   </a:txBody>
-                  <a:tcPr anchor="ctr">
+                  <a:tcPr anchor="ctr" marL="45720" marR="45720" marT="27432" marB="27432">
                     <a:solidFill>
                       <a:srgbClr val="FFFFFF"/>
                     </a:solidFill>
@@ -21068,7 +21217,7 @@
                     <a:lstStyle/>
                     <a:p>
                       <a:pPr algn="ctr">
-                        <a:defRPr sz="900">
+                        <a:defRPr sz="1000">
                           <a:solidFill>
                             <a:srgbClr val="404040"/>
                           </a:solidFill>
@@ -21080,21 +21229,21 @@
                       </a:r>
                     </a:p>
                   </a:txBody>
-                  <a:tcPr anchor="ctr">
+                  <a:tcPr anchor="ctr" marL="45720" marR="45720" marT="27432" marB="27432">
                     <a:solidFill>
                       <a:srgbClr val="FFFFFF"/>
                     </a:solidFill>
                   </a:tcPr>
                 </a:tc>
               </a:tr>
-              <a:tr h="274320">
+              <a:tr h="292608">
                 <a:tc>
                   <a:txBody>
                     <a:bodyPr/>
                     <a:lstStyle/>
                     <a:p>
                       <a:pPr algn="ctr">
-                        <a:defRPr sz="900">
+                        <a:defRPr sz="1000">
                           <a:solidFill>
                             <a:srgbClr val="404040"/>
                           </a:solidFill>
@@ -21106,7 +21255,7 @@
                       </a:r>
                     </a:p>
                   </a:txBody>
-                  <a:tcPr anchor="ctr">
+                  <a:tcPr anchor="ctr" marL="45720" marR="45720" marT="27432" marB="27432">
                     <a:solidFill>
                       <a:srgbClr val="FFFFFF"/>
                     </a:solidFill>
@@ -21118,7 +21267,7 @@
                     <a:lstStyle/>
                     <a:p>
                       <a:pPr algn="ctr">
-                        <a:defRPr sz="900">
+                        <a:defRPr sz="1000">
                           <a:solidFill>
                             <a:srgbClr val="404040"/>
                           </a:solidFill>
@@ -21130,7 +21279,7 @@
                       </a:r>
                     </a:p>
                   </a:txBody>
-                  <a:tcPr anchor="ctr">
+                  <a:tcPr anchor="ctr" marL="45720" marR="45720" marT="27432" marB="27432">
                     <a:solidFill>
                       <a:srgbClr val="FFFFFF"/>
                     </a:solidFill>
@@ -21142,7 +21291,7 @@
                     <a:lstStyle/>
                     <a:p>
                       <a:pPr algn="ctr">
-                        <a:defRPr sz="900">
+                        <a:defRPr sz="1000">
                           <a:solidFill>
                             <a:srgbClr val="404040"/>
                           </a:solidFill>
@@ -21154,7 +21303,7 @@
                       </a:r>
                     </a:p>
                   </a:txBody>
-                  <a:tcPr anchor="ctr">
+                  <a:tcPr anchor="ctr" marL="45720" marR="45720" marT="27432" marB="27432">
                     <a:solidFill>
                       <a:srgbClr val="FFFFFF"/>
                     </a:solidFill>
@@ -21166,7 +21315,7 @@
                     <a:lstStyle/>
                     <a:p>
                       <a:pPr algn="ctr">
-                        <a:defRPr sz="900">
+                        <a:defRPr sz="1000">
                           <a:solidFill>
                             <a:srgbClr val="404040"/>
                           </a:solidFill>
@@ -21178,7 +21327,7 @@
                       </a:r>
                     </a:p>
                   </a:txBody>
-                  <a:tcPr anchor="ctr">
+                  <a:tcPr anchor="ctr" marL="45720" marR="45720" marT="27432" marB="27432">
                     <a:solidFill>
                       <a:srgbClr val="FFFFFF"/>
                     </a:solidFill>
@@ -21190,7 +21339,7 @@
                     <a:lstStyle/>
                     <a:p>
                       <a:pPr algn="ctr">
-                        <a:defRPr sz="900">
+                        <a:defRPr sz="1000">
                           <a:solidFill>
                             <a:srgbClr val="404040"/>
                           </a:solidFill>
@@ -21202,21 +21351,21 @@
                       </a:r>
                     </a:p>
                   </a:txBody>
-                  <a:tcPr anchor="ctr">
+                  <a:tcPr anchor="ctr" marL="45720" marR="45720" marT="27432" marB="27432">
                     <a:solidFill>
                       <a:srgbClr val="FFFFFF"/>
                     </a:solidFill>
                   </a:tcPr>
                 </a:tc>
               </a:tr>
-              <a:tr h="274320">
+              <a:tr h="292608">
                 <a:tc>
                   <a:txBody>
                     <a:bodyPr/>
                     <a:lstStyle/>
                     <a:p>
                       <a:pPr algn="ctr">
-                        <a:defRPr sz="900">
+                        <a:defRPr sz="1000">
                           <a:solidFill>
                             <a:srgbClr val="404040"/>
                           </a:solidFill>
@@ -21224,11 +21373,11 @@
                         </a:defRPr>
                       </a:pPr>
                       <a:r>
-                        <a:t>Salesforce Vent...</a:t>
+                        <a:t>Salesforce...</a:t>
                       </a:r>
                     </a:p>
                   </a:txBody>
-                  <a:tcPr anchor="ctr">
+                  <a:tcPr anchor="ctr" marL="45720" marR="45720" marT="27432" marB="27432">
                     <a:solidFill>
                       <a:srgbClr val="FFFFFF"/>
                     </a:solidFill>
@@ -21240,7 +21389,7 @@
                     <a:lstStyle/>
                     <a:p>
                       <a:pPr algn="ctr">
-                        <a:defRPr sz="900">
+                        <a:defRPr sz="1000">
                           <a:solidFill>
                             <a:srgbClr val="404040"/>
                           </a:solidFill>
@@ -21248,11 +21397,11 @@
                         </a:defRPr>
                       </a:pPr>
                       <a:r>
-                        <a:t>General Catalys...</a:t>
+                        <a:t>General Catalyst</a:t>
                       </a:r>
                     </a:p>
                   </a:txBody>
-                  <a:tcPr anchor="ctr">
+                  <a:tcPr anchor="ctr" marL="45720" marR="45720" marT="27432" marB="27432">
                     <a:solidFill>
                       <a:srgbClr val="FFFFFF"/>
                     </a:solidFill>
@@ -21264,7 +21413,7 @@
                     <a:lstStyle/>
                     <a:p>
                       <a:pPr algn="ctr">
-                        <a:defRPr sz="900">
+                        <a:defRPr sz="1000">
                           <a:solidFill>
                             <a:srgbClr val="404040"/>
                           </a:solidFill>
@@ -21276,7 +21425,7 @@
                       </a:r>
                     </a:p>
                   </a:txBody>
-                  <a:tcPr anchor="ctr">
+                  <a:tcPr anchor="ctr" marL="45720" marR="45720" marT="27432" marB="27432">
                     <a:solidFill>
                       <a:srgbClr val="FFFFFF"/>
                     </a:solidFill>
@@ -21288,7 +21437,7 @@
                     <a:lstStyle/>
                     <a:p>
                       <a:pPr algn="ctr">
-                        <a:defRPr sz="900">
+                        <a:defRPr sz="1000">
                           <a:solidFill>
                             <a:srgbClr val="404040"/>
                           </a:solidFill>
@@ -21296,11 +21445,11 @@
                         </a:defRPr>
                       </a:pPr>
                       <a:r>
-                        <a:t>Andreessen Horo...</a:t>
+                        <a:t>Andreessen...</a:t>
                       </a:r>
                     </a:p>
                   </a:txBody>
-                  <a:tcPr anchor="ctr">
+                  <a:tcPr anchor="ctr" marL="45720" marR="45720" marT="27432" marB="27432">
                     <a:solidFill>
                       <a:srgbClr val="FFFFFF"/>
                     </a:solidFill>
@@ -21312,7 +21461,7 @@
                     <a:lstStyle/>
                     <a:p>
                       <a:pPr algn="ctr">
-                        <a:defRPr sz="900">
+                        <a:defRPr sz="1000">
                           <a:solidFill>
                             <a:srgbClr val="404040"/>
                           </a:solidFill>
@@ -21324,21 +21473,21 @@
                       </a:r>
                     </a:p>
                   </a:txBody>
-                  <a:tcPr anchor="ctr">
+                  <a:tcPr anchor="ctr" marL="45720" marR="45720" marT="27432" marB="27432">
                     <a:solidFill>
                       <a:srgbClr val="FFFFFF"/>
                     </a:solidFill>
                   </a:tcPr>
                 </a:tc>
               </a:tr>
-              <a:tr h="274320">
+              <a:tr h="292608">
                 <a:tc>
                   <a:txBody>
                     <a:bodyPr/>
                     <a:lstStyle/>
                     <a:p>
                       <a:pPr algn="ctr">
-                        <a:defRPr sz="900">
+                        <a:defRPr sz="1000">
                           <a:solidFill>
                             <a:srgbClr val="404040"/>
                           </a:solidFill>
@@ -21350,7 +21499,7 @@
                       </a:r>
                     </a:p>
                   </a:txBody>
-                  <a:tcPr anchor="ctr">
+                  <a:tcPr anchor="ctr" marL="45720" marR="45720" marT="27432" marB="27432">
                     <a:solidFill>
                       <a:srgbClr val="FFFFFF"/>
                     </a:solidFill>
@@ -21362,7 +21511,7 @@
                     <a:lstStyle/>
                     <a:p>
                       <a:pPr algn="ctr">
-                        <a:defRPr sz="900">
+                        <a:defRPr sz="1000">
                           <a:solidFill>
                             <a:srgbClr val="404040"/>
                           </a:solidFill>
@@ -21374,7 +21523,7 @@
                       </a:r>
                     </a:p>
                   </a:txBody>
-                  <a:tcPr anchor="ctr">
+                  <a:tcPr anchor="ctr" marL="45720" marR="45720" marT="27432" marB="27432">
                     <a:solidFill>
                       <a:srgbClr val="FFFFFF"/>
                     </a:solidFill>
@@ -21386,7 +21535,7 @@
                     <a:lstStyle/>
                     <a:p>
                       <a:pPr algn="ctr">
-                        <a:defRPr sz="900">
+                        <a:defRPr sz="1000">
                           <a:solidFill>
                             <a:srgbClr val="404040"/>
                           </a:solidFill>
@@ -21398,7 +21547,7 @@
                       </a:r>
                     </a:p>
                   </a:txBody>
-                  <a:tcPr anchor="ctr">
+                  <a:tcPr anchor="ctr" marL="45720" marR="45720" marT="27432" marB="27432">
                     <a:solidFill>
                       <a:srgbClr val="FFFFFF"/>
                     </a:solidFill>
@@ -21410,7 +21559,7 @@
                     <a:lstStyle/>
                     <a:p>
                       <a:pPr algn="ctr">
-                        <a:defRPr sz="900">
+                        <a:defRPr sz="1000">
                           <a:solidFill>
                             <a:srgbClr val="404040"/>
                           </a:solidFill>
@@ -21422,7 +21571,7 @@
                       </a:r>
                     </a:p>
                   </a:txBody>
-                  <a:tcPr anchor="ctr">
+                  <a:tcPr anchor="ctr" marL="45720" marR="45720" marT="27432" marB="27432">
                     <a:solidFill>
                       <a:srgbClr val="FFFFFF"/>
                     </a:solidFill>
@@ -21434,7 +21583,7 @@
                     <a:lstStyle/>
                     <a:p>
                       <a:pPr algn="ctr">
-                        <a:defRPr sz="900">
+                        <a:defRPr sz="1000">
                           <a:solidFill>
                             <a:srgbClr val="404040"/>
                           </a:solidFill>
@@ -21446,21 +21595,21 @@
                       </a:r>
                     </a:p>
                   </a:txBody>
-                  <a:tcPr anchor="ctr">
+                  <a:tcPr anchor="ctr" marL="45720" marR="45720" marT="27432" marB="27432">
                     <a:solidFill>
                       <a:srgbClr val="FFFFFF"/>
                     </a:solidFill>
                   </a:tcPr>
                 </a:tc>
               </a:tr>
-              <a:tr h="274320">
+              <a:tr h="292608">
                 <a:tc>
                   <a:txBody>
                     <a:bodyPr/>
                     <a:lstStyle/>
                     <a:p>
                       <a:pPr algn="ctr">
-                        <a:defRPr sz="900">
+                        <a:defRPr sz="1000">
                           <a:solidFill>
                             <a:srgbClr val="404040"/>
                           </a:solidFill>
@@ -21468,11 +21617,11 @@
                         </a:defRPr>
                       </a:pPr>
                       <a:r>
-                        <a:t>$10,000,000,000</a:t>
+                        <a:t>$10B</a:t>
                       </a:r>
                     </a:p>
                   </a:txBody>
-                  <a:tcPr anchor="ctr">
+                  <a:tcPr anchor="ctr" marL="45720" marR="45720" marT="27432" marB="27432">
                     <a:solidFill>
                       <a:srgbClr val="FFFFFF"/>
                     </a:solidFill>
@@ -21484,7 +21633,7 @@
                     <a:lstStyle/>
                     <a:p>
                       <a:pPr algn="ctr">
-                        <a:defRPr sz="900">
+                        <a:defRPr sz="1000">
                           <a:solidFill>
                             <a:srgbClr val="404040"/>
                           </a:solidFill>
@@ -21492,11 +21641,11 @@
                         </a:defRPr>
                       </a:pPr>
                       <a:r>
-                        <a:t>$2,200,000,000</a:t>
+                        <a:t>$2.2B</a:t>
                       </a:r>
                     </a:p>
                   </a:txBody>
-                  <a:tcPr anchor="ctr">
+                  <a:tcPr anchor="ctr" marL="45720" marR="45720" marT="27432" marB="27432">
                     <a:solidFill>
                       <a:srgbClr val="FFFFFF"/>
                     </a:solidFill>
@@ -21508,7 +21657,7 @@
                     <a:lstStyle/>
                     <a:p>
                       <a:pPr algn="ctr">
-                        <a:defRPr sz="900">
+                        <a:defRPr sz="1000">
                           <a:solidFill>
                             <a:srgbClr val="404040"/>
                           </a:solidFill>
@@ -21516,11 +21665,11 @@
                         </a:defRPr>
                       </a:pPr>
                       <a:r>
-                        <a:t>$2,100,000,000</a:t>
+                        <a:t>$2.1B</a:t>
                       </a:r>
                     </a:p>
                   </a:txBody>
-                  <a:tcPr anchor="ctr">
+                  <a:tcPr anchor="ctr" marL="45720" marR="45720" marT="27432" marB="27432">
                     <a:solidFill>
                       <a:srgbClr val="FFFFFF"/>
                     </a:solidFill>
@@ -21532,7 +21681,7 @@
                     <a:lstStyle/>
                     <a:p>
                       <a:pPr algn="ctr">
-                        <a:defRPr sz="900">
+                        <a:defRPr sz="1000">
                           <a:solidFill>
                             <a:srgbClr val="404040"/>
                           </a:solidFill>
@@ -21540,11 +21689,11 @@
                         </a:defRPr>
                       </a:pPr>
                       <a:r>
-                        <a:t>$500,000,000</a:t>
+                        <a:t>$500M</a:t>
                       </a:r>
                     </a:p>
                   </a:txBody>
-                  <a:tcPr anchor="ctr">
+                  <a:tcPr anchor="ctr" marL="45720" marR="45720" marT="27432" marB="27432">
                     <a:solidFill>
                       <a:srgbClr val="FFFFFF"/>
                     </a:solidFill>
@@ -21556,7 +21705,7 @@
                     <a:lstStyle/>
                     <a:p>
                       <a:pPr algn="ctr">
-                        <a:defRPr sz="900">
+                        <a:defRPr sz="1000">
                           <a:solidFill>
                             <a:srgbClr val="404040"/>
                           </a:solidFill>
@@ -21564,25 +21713,25 @@
                         </a:defRPr>
                       </a:pPr>
                       <a:r>
-                        <a:t>$1,200,000,000</a:t>
+                        <a:t>$1.2B</a:t>
                       </a:r>
                     </a:p>
                   </a:txBody>
-                  <a:tcPr anchor="ctr">
+                  <a:tcPr anchor="ctr" marL="45720" marR="45720" marT="27432" marB="27432">
                     <a:solidFill>
                       <a:srgbClr val="FFFFFF"/>
                     </a:solidFill>
                   </a:tcPr>
                 </a:tc>
               </a:tr>
-              <a:tr h="274320">
+              <a:tr h="292608">
                 <a:tc>
                   <a:txBody>
                     <a:bodyPr/>
                     <a:lstStyle/>
                     <a:p>
                       <a:pPr algn="ctr">
-                        <a:defRPr sz="900">
+                        <a:defRPr sz="1000">
                           <a:solidFill>
                             <a:srgbClr val="404040"/>
                           </a:solidFill>
@@ -21590,11 +21739,11 @@
                         </a:defRPr>
                       </a:pPr>
                       <a:r>
-                        <a:t>$200,000,000</a:t>
+                        <a:t>$200M</a:t>
                       </a:r>
                     </a:p>
                   </a:txBody>
-                  <a:tcPr anchor="ctr">
+                  <a:tcPr anchor="ctr" marL="45720" marR="45720" marT="27432" marB="27432">
                     <a:solidFill>
                       <a:srgbClr val="FFFFFF"/>
                     </a:solidFill>
@@ -21606,7 +21755,7 @@
                     <a:lstStyle/>
                     <a:p>
                       <a:pPr algn="ctr">
-                        <a:defRPr sz="900">
+                        <a:defRPr sz="1000">
                           <a:solidFill>
                             <a:srgbClr val="404040"/>
                           </a:solidFill>
@@ -21614,11 +21763,11 @@
                         </a:defRPr>
                       </a:pPr>
                       <a:r>
-                        <a:t>$70,000,000</a:t>
+                        <a:t>$70M</a:t>
                       </a:r>
                     </a:p>
                   </a:txBody>
-                  <a:tcPr anchor="ctr">
+                  <a:tcPr anchor="ctr" marL="45720" marR="45720" marT="27432" marB="27432">
                     <a:solidFill>
                       <a:srgbClr val="FFFFFF"/>
                     </a:solidFill>
@@ -21630,7 +21779,7 @@
                     <a:lstStyle/>
                     <a:p>
                       <a:pPr algn="ctr">
-                        <a:defRPr sz="900">
+                        <a:defRPr sz="1000">
                           <a:solidFill>
                             <a:srgbClr val="404040"/>
                           </a:solidFill>
@@ -21638,11 +21787,11 @@
                         </a:defRPr>
                       </a:pPr>
                       <a:r>
-                        <a:t>$75,000,000</a:t>
+                        <a:t>$75M</a:t>
                       </a:r>
                     </a:p>
                   </a:txBody>
-                  <a:tcPr anchor="ctr">
+                  <a:tcPr anchor="ctr" marL="45720" marR="45720" marT="27432" marB="27432">
                     <a:solidFill>
                       <a:srgbClr val="FFFFFF"/>
                     </a:solidFill>
@@ -21654,7 +21803,7 @@
                     <a:lstStyle/>
                     <a:p>
                       <a:pPr algn="ctr">
-                        <a:defRPr sz="900">
+                        <a:defRPr sz="1000">
                           <a:solidFill>
                             <a:srgbClr val="404040"/>
                           </a:solidFill>
@@ -21662,11 +21811,11 @@
                         </a:defRPr>
                       </a:pPr>
                       <a:r>
-                        <a:t>$20,000,000</a:t>
+                        <a:t>$20M</a:t>
                       </a:r>
                     </a:p>
                   </a:txBody>
-                  <a:tcPr anchor="ctr">
+                  <a:tcPr anchor="ctr" marL="45720" marR="45720" marT="27432" marB="27432">
                     <a:solidFill>
                       <a:srgbClr val="FFFFFF"/>
                     </a:solidFill>
@@ -21678,7 +21827,7 @@
                     <a:lstStyle/>
                     <a:p>
                       <a:pPr algn="ctr">
-                        <a:defRPr sz="900">
+                        <a:defRPr sz="1000">
                           <a:solidFill>
                             <a:srgbClr val="404040"/>
                           </a:solidFill>
@@ -21686,25 +21835,25 @@
                         </a:defRPr>
                       </a:pPr>
                       <a:r>
-                        <a:t>$60,000,000</a:t>
+                        <a:t>$60M</a:t>
                       </a:r>
                     </a:p>
                   </a:txBody>
-                  <a:tcPr anchor="ctr">
+                  <a:tcPr anchor="ctr" marL="45720" marR="45720" marT="27432" marB="27432">
                     <a:solidFill>
                       <a:srgbClr val="FFFFFF"/>
                     </a:solidFill>
                   </a:tcPr>
                 </a:tc>
               </a:tr>
-              <a:tr h="274320">
+              <a:tr h="292608">
                 <a:tc>
                   <a:txBody>
                     <a:bodyPr/>
                     <a:lstStyle/>
                     <a:p>
                       <a:pPr algn="ctr">
-                        <a:defRPr sz="900">
+                        <a:defRPr sz="1000">
                           <a:solidFill>
                             <a:srgbClr val="404040"/>
                           </a:solidFill>
@@ -21716,7 +21865,7 @@
                       </a:r>
                     </a:p>
                   </a:txBody>
-                  <a:tcPr anchor="ctr">
+                  <a:tcPr anchor="ctr" marL="45720" marR="45720" marT="27432" marB="27432">
                     <a:solidFill>
                       <a:srgbClr val="FFFFFF"/>
                     </a:solidFill>
@@ -21728,7 +21877,7 @@
                     <a:lstStyle/>
                     <a:p>
                       <a:pPr algn="ctr">
-                        <a:defRPr sz="900">
+                        <a:defRPr sz="1000">
                           <a:solidFill>
                             <a:srgbClr val="404040"/>
                           </a:solidFill>
@@ -21740,7 +21889,7 @@
                       </a:r>
                     </a:p>
                   </a:txBody>
-                  <a:tcPr anchor="ctr">
+                  <a:tcPr anchor="ctr" marL="45720" marR="45720" marT="27432" marB="27432">
                     <a:solidFill>
                       <a:srgbClr val="FFFFFF"/>
                     </a:solidFill>
@@ -21752,7 +21901,7 @@
                     <a:lstStyle/>
                     <a:p>
                       <a:pPr algn="ctr">
-                        <a:defRPr sz="900">
+                        <a:defRPr sz="1000">
                           <a:solidFill>
                             <a:srgbClr val="404040"/>
                           </a:solidFill>
@@ -21764,7 +21913,7 @@
                       </a:r>
                     </a:p>
                   </a:txBody>
-                  <a:tcPr anchor="ctr">
+                  <a:tcPr anchor="ctr" marL="45720" marR="45720" marT="27432" marB="27432">
                     <a:solidFill>
                       <a:srgbClr val="FFFFFF"/>
                     </a:solidFill>
@@ -21776,7 +21925,7 @@
                     <a:lstStyle/>
                     <a:p>
                       <a:pPr algn="ctr">
-                        <a:defRPr sz="900">
+                        <a:defRPr sz="1000">
                           <a:solidFill>
                             <a:srgbClr val="404040"/>
                           </a:solidFill>
@@ -21788,7 +21937,7 @@
                       </a:r>
                     </a:p>
                   </a:txBody>
-                  <a:tcPr anchor="ctr">
+                  <a:tcPr anchor="ctr" marL="45720" marR="45720" marT="27432" marB="27432">
                     <a:solidFill>
                       <a:srgbClr val="FFFFFF"/>
                     </a:solidFill>
@@ -21800,7 +21949,7 @@
                     <a:lstStyle/>
                     <a:p>
                       <a:pPr algn="ctr">
-                        <a:defRPr sz="900">
+                        <a:defRPr sz="1000">
                           <a:solidFill>
                             <a:srgbClr val="404040"/>
                           </a:solidFill>
@@ -21812,7 +21961,7 @@
                       </a:r>
                     </a:p>
                   </a:txBody>
-                  <a:tcPr anchor="ctr">
+                  <a:tcPr anchor="ctr" marL="45720" marR="45720" marT="27432" marB="27432">
                     <a:solidFill>
                       <a:srgbClr val="FFFFFF"/>
                     </a:solidFill>
